--- a/Presentations/P2.1 - Git.pptx
+++ b/Presentations/P2.1 - Git.pptx
@@ -436,7 +436,7 @@
         <p:spPr>
           <a:xfrm>
             <a:off x="1143210" y="685800"/>
-            <a:ext cx="4572225" cy="3429000"/>
+            <a:ext cx="4572299" cy="3429000"/>
           </a:xfrm>
           <a:custGeom>
             <a:pathLst>
@@ -492,7 +492,7 @@
           </a:bodyPr>
           <a:lstStyle/>
           <a:p>
-            <a:pPr lvl="0">
+            <a:pPr lvl="0" rtl="0">
               <a:spcBef>
                 <a:spcPts val="0"/>
               </a:spcBef>
@@ -518,7 +518,7 @@
   <p:cSld>
     <p:spTree>
       <p:nvGrpSpPr>
-        <p:cNvPr id="64" name="Shape 64"/>
+        <p:cNvPr id="63" name="Shape 63"/>
         <p:cNvGrpSpPr/>
         <p:nvPr/>
       </p:nvGrpSpPr>
@@ -532,7 +532,7 @@
       </p:grpSpPr>
       <p:sp>
         <p:nvSpPr>
-          <p:cNvPr id="65" name="Shape 65"/>
+          <p:cNvPr id="64" name="Shape 64"/>
           <p:cNvSpPr/>
           <p:nvPr>
             <p:ph idx="2" type="sldImg"/>
@@ -576,7 +576,7 @@
       </p:sp>
       <p:sp>
         <p:nvSpPr>
-          <p:cNvPr id="66" name="Shape 66"/>
+          <p:cNvPr id="65" name="Shape 65"/>
           <p:cNvSpPr txBox="1"/>
           <p:nvPr>
             <p:ph idx="1" type="body"/>
@@ -623,7 +623,7 @@
   <p:cSld>
     <p:spTree>
       <p:nvGrpSpPr>
-        <p:cNvPr id="167" name="Shape 167"/>
+        <p:cNvPr id="166" name="Shape 166"/>
         <p:cNvGrpSpPr/>
         <p:nvPr/>
       </p:nvGrpSpPr>
@@ -637,7 +637,7 @@
       </p:grpSpPr>
       <p:sp>
         <p:nvSpPr>
-          <p:cNvPr id="168" name="Shape 168"/>
+          <p:cNvPr id="167" name="Shape 167"/>
           <p:cNvSpPr/>
           <p:nvPr>
             <p:ph idx="2" type="sldImg"/>
@@ -681,7 +681,7 @@
       </p:sp>
       <p:sp>
         <p:nvSpPr>
-          <p:cNvPr id="169" name="Shape 169"/>
+          <p:cNvPr id="168" name="Shape 168"/>
           <p:cNvSpPr txBox="1"/>
           <p:nvPr>
             <p:ph idx="1" type="body"/>
@@ -728,7 +728,7 @@
   <p:cSld>
     <p:spTree>
       <p:nvGrpSpPr>
-        <p:cNvPr id="176" name="Shape 176"/>
+        <p:cNvPr id="175" name="Shape 175"/>
         <p:cNvGrpSpPr/>
         <p:nvPr/>
       </p:nvGrpSpPr>
@@ -742,7 +742,7 @@
       </p:grpSpPr>
       <p:sp>
         <p:nvSpPr>
-          <p:cNvPr id="177" name="Shape 177"/>
+          <p:cNvPr id="176" name="Shape 176"/>
           <p:cNvSpPr/>
           <p:nvPr>
             <p:ph idx="2" type="sldImg"/>
@@ -786,7 +786,7 @@
       </p:sp>
       <p:sp>
         <p:nvSpPr>
-          <p:cNvPr id="178" name="Shape 178"/>
+          <p:cNvPr id="177" name="Shape 177"/>
           <p:cNvSpPr txBox="1"/>
           <p:nvPr>
             <p:ph idx="1" type="body"/>
@@ -833,7 +833,7 @@
   <p:cSld>
     <p:spTree>
       <p:nvGrpSpPr>
-        <p:cNvPr id="186" name="Shape 186"/>
+        <p:cNvPr id="185" name="Shape 185"/>
         <p:cNvGrpSpPr/>
         <p:nvPr/>
       </p:nvGrpSpPr>
@@ -847,7 +847,7 @@
       </p:grpSpPr>
       <p:sp>
         <p:nvSpPr>
-          <p:cNvPr id="187" name="Shape 187"/>
+          <p:cNvPr id="186" name="Shape 186"/>
           <p:cNvSpPr/>
           <p:nvPr>
             <p:ph idx="2" type="sldImg"/>
@@ -891,7 +891,7 @@
       </p:sp>
       <p:sp>
         <p:nvSpPr>
-          <p:cNvPr id="188" name="Shape 188"/>
+          <p:cNvPr id="187" name="Shape 187"/>
           <p:cNvSpPr txBox="1"/>
           <p:nvPr>
             <p:ph idx="1" type="body"/>
@@ -938,7 +938,7 @@
   <p:cSld>
     <p:spTree>
       <p:nvGrpSpPr>
-        <p:cNvPr id="196" name="Shape 196"/>
+        <p:cNvPr id="195" name="Shape 195"/>
         <p:cNvGrpSpPr/>
         <p:nvPr/>
       </p:nvGrpSpPr>
@@ -952,7 +952,7 @@
       </p:grpSpPr>
       <p:sp>
         <p:nvSpPr>
-          <p:cNvPr id="197" name="Shape 197"/>
+          <p:cNvPr id="196" name="Shape 196"/>
           <p:cNvSpPr/>
           <p:nvPr>
             <p:ph idx="2" type="sldImg"/>
@@ -996,7 +996,7 @@
       </p:sp>
       <p:sp>
         <p:nvSpPr>
-          <p:cNvPr id="198" name="Shape 198"/>
+          <p:cNvPr id="197" name="Shape 197"/>
           <p:cNvSpPr txBox="1"/>
           <p:nvPr>
             <p:ph idx="1" type="body"/>
@@ -1043,7 +1043,7 @@
   <p:cSld>
     <p:spTree>
       <p:nvGrpSpPr>
-        <p:cNvPr id="206" name="Shape 206"/>
+        <p:cNvPr id="205" name="Shape 205"/>
         <p:cNvGrpSpPr/>
         <p:nvPr/>
       </p:nvGrpSpPr>
@@ -1057,7 +1057,7 @@
       </p:grpSpPr>
       <p:sp>
         <p:nvSpPr>
-          <p:cNvPr id="207" name="Shape 207"/>
+          <p:cNvPr id="206" name="Shape 206"/>
           <p:cNvSpPr/>
           <p:nvPr>
             <p:ph idx="2" type="sldImg"/>
@@ -1101,7 +1101,7 @@
       </p:sp>
       <p:sp>
         <p:nvSpPr>
-          <p:cNvPr id="208" name="Shape 208"/>
+          <p:cNvPr id="207" name="Shape 207"/>
           <p:cNvSpPr txBox="1"/>
           <p:nvPr>
             <p:ph idx="1" type="body"/>
@@ -1148,7 +1148,7 @@
   <p:cSld>
     <p:spTree>
       <p:nvGrpSpPr>
-        <p:cNvPr id="212" name="Shape 212"/>
+        <p:cNvPr id="211" name="Shape 211"/>
         <p:cNvGrpSpPr/>
         <p:nvPr/>
       </p:nvGrpSpPr>
@@ -1162,7 +1162,7 @@
       </p:grpSpPr>
       <p:sp>
         <p:nvSpPr>
-          <p:cNvPr id="213" name="Shape 213"/>
+          <p:cNvPr id="212" name="Shape 212"/>
           <p:cNvSpPr/>
           <p:nvPr>
             <p:ph idx="2" type="sldImg"/>
@@ -1206,7 +1206,7 @@
       </p:sp>
       <p:sp>
         <p:nvSpPr>
-          <p:cNvPr id="214" name="Shape 214"/>
+          <p:cNvPr id="213" name="Shape 213"/>
           <p:cNvSpPr txBox="1"/>
           <p:nvPr>
             <p:ph idx="1" type="body"/>
@@ -1253,7 +1253,7 @@
   <p:cSld>
     <p:spTree>
       <p:nvGrpSpPr>
-        <p:cNvPr id="220" name="Shape 220"/>
+        <p:cNvPr id="219" name="Shape 219"/>
         <p:cNvGrpSpPr/>
         <p:nvPr/>
       </p:nvGrpSpPr>
@@ -1267,7 +1267,7 @@
       </p:grpSpPr>
       <p:sp>
         <p:nvSpPr>
-          <p:cNvPr id="221" name="Shape 221"/>
+          <p:cNvPr id="220" name="Shape 220"/>
           <p:cNvSpPr/>
           <p:nvPr>
             <p:ph idx="2" type="sldImg"/>
@@ -1311,7 +1311,7 @@
       </p:sp>
       <p:sp>
         <p:nvSpPr>
-          <p:cNvPr id="222" name="Shape 222"/>
+          <p:cNvPr id="221" name="Shape 221"/>
           <p:cNvSpPr txBox="1"/>
           <p:nvPr>
             <p:ph idx="1" type="body"/>
@@ -1358,7 +1358,7 @@
   <p:cSld>
     <p:spTree>
       <p:nvGrpSpPr>
-        <p:cNvPr id="232" name="Shape 232"/>
+        <p:cNvPr id="231" name="Shape 231"/>
         <p:cNvGrpSpPr/>
         <p:nvPr/>
       </p:nvGrpSpPr>
@@ -1372,7 +1372,7 @@
       </p:grpSpPr>
       <p:sp>
         <p:nvSpPr>
-          <p:cNvPr id="233" name="Shape 233"/>
+          <p:cNvPr id="232" name="Shape 232"/>
           <p:cNvSpPr/>
           <p:nvPr>
             <p:ph idx="2" type="sldImg"/>
@@ -1416,7 +1416,7 @@
       </p:sp>
       <p:sp>
         <p:nvSpPr>
-          <p:cNvPr id="234" name="Shape 234"/>
+          <p:cNvPr id="233" name="Shape 233"/>
           <p:cNvSpPr txBox="1"/>
           <p:nvPr>
             <p:ph idx="1" type="body"/>
@@ -1463,7 +1463,7 @@
   <p:cSld>
     <p:spTree>
       <p:nvGrpSpPr>
-        <p:cNvPr id="243" name="Shape 243"/>
+        <p:cNvPr id="242" name="Shape 242"/>
         <p:cNvGrpSpPr/>
         <p:nvPr/>
       </p:nvGrpSpPr>
@@ -1477,7 +1477,7 @@
       </p:grpSpPr>
       <p:sp>
         <p:nvSpPr>
-          <p:cNvPr id="244" name="Shape 244"/>
+          <p:cNvPr id="243" name="Shape 243"/>
           <p:cNvSpPr/>
           <p:nvPr>
             <p:ph idx="2" type="sldImg"/>
@@ -1521,7 +1521,7 @@
       </p:sp>
       <p:sp>
         <p:nvSpPr>
-          <p:cNvPr id="245" name="Shape 245"/>
+          <p:cNvPr id="244" name="Shape 244"/>
           <p:cNvSpPr txBox="1"/>
           <p:nvPr>
             <p:ph idx="1" type="body"/>
@@ -1568,7 +1568,7 @@
   <p:cSld>
     <p:spTree>
       <p:nvGrpSpPr>
-        <p:cNvPr id="255" name="Shape 255"/>
+        <p:cNvPr id="254" name="Shape 254"/>
         <p:cNvGrpSpPr/>
         <p:nvPr/>
       </p:nvGrpSpPr>
@@ -1582,7 +1582,7 @@
       </p:grpSpPr>
       <p:sp>
         <p:nvSpPr>
-          <p:cNvPr id="256" name="Shape 256"/>
+          <p:cNvPr id="255" name="Shape 255"/>
           <p:cNvSpPr/>
           <p:nvPr>
             <p:ph idx="2" type="sldImg"/>
@@ -1626,7 +1626,7 @@
       </p:sp>
       <p:sp>
         <p:nvSpPr>
-          <p:cNvPr id="257" name="Shape 257"/>
+          <p:cNvPr id="256" name="Shape 256"/>
           <p:cNvSpPr txBox="1"/>
           <p:nvPr>
             <p:ph idx="1" type="body"/>
@@ -1673,7 +1673,7 @@
   <p:cSld>
     <p:spTree>
       <p:nvGrpSpPr>
-        <p:cNvPr id="72" name="Shape 72"/>
+        <p:cNvPr id="71" name="Shape 71"/>
         <p:cNvGrpSpPr/>
         <p:nvPr/>
       </p:nvGrpSpPr>
@@ -1687,7 +1687,7 @@
       </p:grpSpPr>
       <p:sp>
         <p:nvSpPr>
-          <p:cNvPr id="73" name="Shape 73"/>
+          <p:cNvPr id="72" name="Shape 72"/>
           <p:cNvSpPr/>
           <p:nvPr>
             <p:ph idx="2" type="sldImg"/>
@@ -1731,7 +1731,7 @@
       </p:sp>
       <p:sp>
         <p:nvSpPr>
-          <p:cNvPr id="74" name="Shape 74"/>
+          <p:cNvPr id="73" name="Shape 73"/>
           <p:cNvSpPr txBox="1"/>
           <p:nvPr>
             <p:ph idx="1" type="body"/>
@@ -1778,7 +1778,7 @@
   <p:cSld>
     <p:spTree>
       <p:nvGrpSpPr>
-        <p:cNvPr id="265" name="Shape 265"/>
+        <p:cNvPr id="264" name="Shape 264"/>
         <p:cNvGrpSpPr/>
         <p:nvPr/>
       </p:nvGrpSpPr>
@@ -1792,7 +1792,7 @@
       </p:grpSpPr>
       <p:sp>
         <p:nvSpPr>
-          <p:cNvPr id="266" name="Shape 266"/>
+          <p:cNvPr id="265" name="Shape 265"/>
           <p:cNvSpPr/>
           <p:nvPr>
             <p:ph idx="2" type="sldImg"/>
@@ -1836,7 +1836,7 @@
       </p:sp>
       <p:sp>
         <p:nvSpPr>
-          <p:cNvPr id="267" name="Shape 267"/>
+          <p:cNvPr id="266" name="Shape 266"/>
           <p:cNvSpPr txBox="1"/>
           <p:nvPr>
             <p:ph idx="1" type="body"/>
@@ -1883,7 +1883,7 @@
   <p:cSld>
     <p:spTree>
       <p:nvGrpSpPr>
-        <p:cNvPr id="273" name="Shape 273"/>
+        <p:cNvPr id="272" name="Shape 272"/>
         <p:cNvGrpSpPr/>
         <p:nvPr/>
       </p:nvGrpSpPr>
@@ -1897,7 +1897,7 @@
       </p:grpSpPr>
       <p:sp>
         <p:nvSpPr>
-          <p:cNvPr id="274" name="Shape 274"/>
+          <p:cNvPr id="273" name="Shape 273"/>
           <p:cNvSpPr/>
           <p:nvPr>
             <p:ph idx="2" type="sldImg"/>
@@ -1941,7 +1941,7 @@
       </p:sp>
       <p:sp>
         <p:nvSpPr>
-          <p:cNvPr id="275" name="Shape 275"/>
+          <p:cNvPr id="274" name="Shape 274"/>
           <p:cNvSpPr txBox="1"/>
           <p:nvPr>
             <p:ph idx="1" type="body"/>
@@ -1988,7 +1988,7 @@
   <p:cSld>
     <p:spTree>
       <p:nvGrpSpPr>
-        <p:cNvPr id="285" name="Shape 285"/>
+        <p:cNvPr id="284" name="Shape 284"/>
         <p:cNvGrpSpPr/>
         <p:nvPr/>
       </p:nvGrpSpPr>
@@ -2002,7 +2002,7 @@
       </p:grpSpPr>
       <p:sp>
         <p:nvSpPr>
-          <p:cNvPr id="286" name="Shape 286"/>
+          <p:cNvPr id="285" name="Shape 285"/>
           <p:cNvSpPr/>
           <p:nvPr>
             <p:ph idx="2" type="sldImg"/>
@@ -2046,7 +2046,7 @@
       </p:sp>
       <p:sp>
         <p:nvSpPr>
-          <p:cNvPr id="287" name="Shape 287"/>
+          <p:cNvPr id="286" name="Shape 286"/>
           <p:cNvSpPr txBox="1"/>
           <p:nvPr>
             <p:ph idx="1" type="body"/>
@@ -2093,7 +2093,7 @@
   <p:cSld>
     <p:spTree>
       <p:nvGrpSpPr>
-        <p:cNvPr id="293" name="Shape 293"/>
+        <p:cNvPr id="292" name="Shape 292"/>
         <p:cNvGrpSpPr/>
         <p:nvPr/>
       </p:nvGrpSpPr>
@@ -2107,7 +2107,7 @@
       </p:grpSpPr>
       <p:sp>
         <p:nvSpPr>
-          <p:cNvPr id="294" name="Shape 294"/>
+          <p:cNvPr id="293" name="Shape 293"/>
           <p:cNvSpPr/>
           <p:nvPr>
             <p:ph idx="2" type="sldImg"/>
@@ -2151,7 +2151,7 @@
       </p:sp>
       <p:sp>
         <p:nvSpPr>
-          <p:cNvPr id="295" name="Shape 295"/>
+          <p:cNvPr id="294" name="Shape 294"/>
           <p:cNvSpPr txBox="1"/>
           <p:nvPr>
             <p:ph idx="1" type="body"/>
@@ -2198,7 +2198,7 @@
   <p:cSld>
     <p:spTree>
       <p:nvGrpSpPr>
-        <p:cNvPr id="299" name="Shape 299"/>
+        <p:cNvPr id="298" name="Shape 298"/>
         <p:cNvGrpSpPr/>
         <p:nvPr/>
       </p:nvGrpSpPr>
@@ -2212,7 +2212,7 @@
       </p:grpSpPr>
       <p:sp>
         <p:nvSpPr>
-          <p:cNvPr id="300" name="Shape 300"/>
+          <p:cNvPr id="299" name="Shape 299"/>
           <p:cNvSpPr/>
           <p:nvPr>
             <p:ph idx="2" type="sldImg"/>
@@ -2256,7 +2256,7 @@
       </p:sp>
       <p:sp>
         <p:nvSpPr>
-          <p:cNvPr id="301" name="Shape 301"/>
+          <p:cNvPr id="300" name="Shape 300"/>
           <p:cNvSpPr txBox="1"/>
           <p:nvPr>
             <p:ph idx="1" type="body"/>
@@ -2303,7 +2303,7 @@
   <p:cSld>
     <p:spTree>
       <p:nvGrpSpPr>
-        <p:cNvPr id="78" name="Shape 78"/>
+        <p:cNvPr id="77" name="Shape 77"/>
         <p:cNvGrpSpPr/>
         <p:nvPr/>
       </p:nvGrpSpPr>
@@ -2317,7 +2317,7 @@
       </p:grpSpPr>
       <p:sp>
         <p:nvSpPr>
-          <p:cNvPr id="79" name="Shape 79"/>
+          <p:cNvPr id="78" name="Shape 78"/>
           <p:cNvSpPr/>
           <p:nvPr>
             <p:ph idx="2" type="sldImg"/>
@@ -2361,7 +2361,7 @@
       </p:sp>
       <p:sp>
         <p:nvSpPr>
-          <p:cNvPr id="80" name="Shape 80"/>
+          <p:cNvPr id="79" name="Shape 79"/>
           <p:cNvSpPr txBox="1"/>
           <p:nvPr>
             <p:ph idx="1" type="body"/>
@@ -2408,7 +2408,7 @@
   <p:cSld>
     <p:spTree>
       <p:nvGrpSpPr>
-        <p:cNvPr id="88" name="Shape 88"/>
+        <p:cNvPr id="87" name="Shape 87"/>
         <p:cNvGrpSpPr/>
         <p:nvPr/>
       </p:nvGrpSpPr>
@@ -2422,7 +2422,7 @@
       </p:grpSpPr>
       <p:sp>
         <p:nvSpPr>
-          <p:cNvPr id="89" name="Shape 89"/>
+          <p:cNvPr id="88" name="Shape 88"/>
           <p:cNvSpPr/>
           <p:nvPr>
             <p:ph idx="2" type="sldImg"/>
@@ -2466,7 +2466,7 @@
       </p:sp>
       <p:sp>
         <p:nvSpPr>
-          <p:cNvPr id="90" name="Shape 90"/>
+          <p:cNvPr id="89" name="Shape 89"/>
           <p:cNvSpPr txBox="1"/>
           <p:nvPr>
             <p:ph idx="1" type="body"/>
@@ -2513,7 +2513,7 @@
   <p:cSld>
     <p:spTree>
       <p:nvGrpSpPr>
-        <p:cNvPr id="106" name="Shape 106"/>
+        <p:cNvPr id="105" name="Shape 105"/>
         <p:cNvGrpSpPr/>
         <p:nvPr/>
       </p:nvGrpSpPr>
@@ -2527,7 +2527,7 @@
       </p:grpSpPr>
       <p:sp>
         <p:nvSpPr>
-          <p:cNvPr id="107" name="Shape 107"/>
+          <p:cNvPr id="106" name="Shape 106"/>
           <p:cNvSpPr/>
           <p:nvPr>
             <p:ph idx="2" type="sldImg"/>
@@ -2571,7 +2571,7 @@
       </p:sp>
       <p:sp>
         <p:nvSpPr>
-          <p:cNvPr id="108" name="Shape 108"/>
+          <p:cNvPr id="107" name="Shape 107"/>
           <p:cNvSpPr txBox="1"/>
           <p:nvPr>
             <p:ph idx="1" type="body"/>
@@ -2618,7 +2618,7 @@
   <p:cSld>
     <p:spTree>
       <p:nvGrpSpPr>
-        <p:cNvPr id="116" name="Shape 116"/>
+        <p:cNvPr id="115" name="Shape 115"/>
         <p:cNvGrpSpPr/>
         <p:nvPr/>
       </p:nvGrpSpPr>
@@ -2632,7 +2632,7 @@
       </p:grpSpPr>
       <p:sp>
         <p:nvSpPr>
-          <p:cNvPr id="117" name="Shape 117"/>
+          <p:cNvPr id="116" name="Shape 116"/>
           <p:cNvSpPr/>
           <p:nvPr>
             <p:ph idx="2" type="sldImg"/>
@@ -2676,7 +2676,7 @@
       </p:sp>
       <p:sp>
         <p:nvSpPr>
-          <p:cNvPr id="118" name="Shape 118"/>
+          <p:cNvPr id="117" name="Shape 117"/>
           <p:cNvSpPr txBox="1"/>
           <p:nvPr>
             <p:ph idx="1" type="body"/>
@@ -2723,7 +2723,7 @@
   <p:cSld>
     <p:spTree>
       <p:nvGrpSpPr>
-        <p:cNvPr id="142" name="Shape 142"/>
+        <p:cNvPr id="141" name="Shape 141"/>
         <p:cNvGrpSpPr/>
         <p:nvPr/>
       </p:nvGrpSpPr>
@@ -2737,7 +2737,7 @@
       </p:grpSpPr>
       <p:sp>
         <p:nvSpPr>
-          <p:cNvPr id="143" name="Shape 143"/>
+          <p:cNvPr id="142" name="Shape 142"/>
           <p:cNvSpPr/>
           <p:nvPr>
             <p:ph idx="2" type="sldImg"/>
@@ -2781,7 +2781,7 @@
       </p:sp>
       <p:sp>
         <p:nvSpPr>
-          <p:cNvPr id="144" name="Shape 144"/>
+          <p:cNvPr id="143" name="Shape 143"/>
           <p:cNvSpPr txBox="1"/>
           <p:nvPr>
             <p:ph idx="1" type="body"/>
@@ -2828,7 +2828,7 @@
   <p:cSld>
     <p:spTree>
       <p:nvGrpSpPr>
-        <p:cNvPr id="148" name="Shape 148"/>
+        <p:cNvPr id="147" name="Shape 147"/>
         <p:cNvGrpSpPr/>
         <p:nvPr/>
       </p:nvGrpSpPr>
@@ -2842,7 +2842,7 @@
       </p:grpSpPr>
       <p:sp>
         <p:nvSpPr>
-          <p:cNvPr id="149" name="Shape 149"/>
+          <p:cNvPr id="148" name="Shape 148"/>
           <p:cNvSpPr/>
           <p:nvPr>
             <p:ph idx="2" type="sldImg"/>
@@ -2886,7 +2886,7 @@
       </p:sp>
       <p:sp>
         <p:nvSpPr>
-          <p:cNvPr id="150" name="Shape 150"/>
+          <p:cNvPr id="149" name="Shape 149"/>
           <p:cNvSpPr txBox="1"/>
           <p:nvPr>
             <p:ph idx="1" type="body"/>
@@ -2933,7 +2933,7 @@
   <p:cSld>
     <p:spTree>
       <p:nvGrpSpPr>
-        <p:cNvPr id="161" name="Shape 161"/>
+        <p:cNvPr id="160" name="Shape 160"/>
         <p:cNvGrpSpPr/>
         <p:nvPr/>
       </p:nvGrpSpPr>
@@ -2947,7 +2947,7 @@
       </p:grpSpPr>
       <p:sp>
         <p:nvSpPr>
-          <p:cNvPr id="162" name="Shape 162"/>
+          <p:cNvPr id="161" name="Shape 161"/>
           <p:cNvSpPr/>
           <p:nvPr>
             <p:ph idx="2" type="sldImg"/>
@@ -2991,7 +2991,7 @@
       </p:sp>
       <p:sp>
         <p:nvSpPr>
-          <p:cNvPr id="163" name="Shape 163"/>
+          <p:cNvPr id="162" name="Shape 162"/>
           <p:cNvSpPr txBox="1"/>
           <p:nvPr>
             <p:ph idx="1" type="body"/>
@@ -6714,8 +6714,8 @@
         </p:nvSpPr>
         <p:spPr>
           <a:xfrm>
-            <a:off x="0" y="1581825"/>
-            <a:ext cx="9144000" cy="2075700"/>
+            <a:off x="0" y="1429425"/>
+            <a:ext cx="9144000" cy="1046400"/>
           </a:xfrm>
           <a:prstGeom prst="rect">
             <a:avLst/>
@@ -6743,70 +6743,14 @@
                 <a:cs typeface="Open Sans"/>
                 <a:sym typeface="Open Sans"/>
               </a:rPr>
-              <a:t>Aplicacions mòbils amb </a:t>
-            </a:r>
-            <a:r>
-              <a:rPr lang="en" sz="7200">
-                <a:solidFill>
-                  <a:srgbClr val="FFFFFF"/>
-                </a:solidFill>
-                <a:latin typeface="Open Sans"/>
-                <a:ea typeface="Open Sans"/>
-                <a:cs typeface="Open Sans"/>
-                <a:sym typeface="Open Sans"/>
-              </a:rPr>
-              <a:t>        </a:t>
-            </a:r>
-          </a:p>
-        </p:txBody>
-      </p:sp>
-      <p:sp>
-        <p:nvSpPr>
-          <p:cNvPr id="60" name="Shape 60"/>
-          <p:cNvSpPr txBox="1"/>
-          <p:nvPr>
-            <p:ph idx="1" type="subTitle"/>
-          </p:nvPr>
-        </p:nvSpPr>
-        <p:spPr>
-          <a:xfrm>
-            <a:off x="0" y="4167750"/>
-            <a:ext cx="9144000" cy="1046400"/>
-          </a:xfrm>
-          <a:prstGeom prst="rect">
-            <a:avLst/>
-          </a:prstGeom>
-        </p:spPr>
-        <p:txBody>
-          <a:bodyPr anchorCtr="0" anchor="t" bIns="91425" lIns="91425" rIns="91425" tIns="91425">
-            <a:noAutofit/>
-          </a:bodyPr>
-          <a:lstStyle/>
-          <a:p>
-            <a:pPr lvl="0" rtl="0">
-              <a:spcBef>
-                <a:spcPts val="0"/>
-              </a:spcBef>
-              <a:buNone/>
-            </a:pPr>
-            <a:r>
-              <a:rPr lang="en">
-                <a:solidFill>
-                  <a:srgbClr val="FFFFFF"/>
-                </a:solidFill>
-                <a:latin typeface="Open Sans"/>
-                <a:ea typeface="Open Sans"/>
-                <a:cs typeface="Open Sans"/>
-                <a:sym typeface="Open Sans"/>
-              </a:rPr>
-              <a:t> </a:t>
+              <a:t>Apps mòbils amb</a:t>
             </a:r>
           </a:p>
         </p:txBody>
       </p:sp>
       <p:pic>
         <p:nvPicPr>
-          <p:cNvPr id="61" name="Shape 61"/>
+          <p:cNvPr id="60" name="Shape 60"/>
           <p:cNvPicPr preferRelativeResize="0"/>
           <p:nvPr/>
         </p:nvPicPr>
@@ -6820,7 +6764,7 @@
         </p:blipFill>
         <p:spPr>
           <a:xfrm>
-            <a:off x="4608092" y="2522199"/>
+            <a:off x="3066392" y="2603249"/>
             <a:ext cx="3011210" cy="1046400"/>
           </a:xfrm>
           <a:prstGeom prst="rect">
@@ -6834,7 +6778,7 @@
       </p:pic>
       <p:pic>
         <p:nvPicPr>
-          <p:cNvPr id="62" name="Shape 62"/>
+          <p:cNvPr id="61" name="Shape 61"/>
           <p:cNvPicPr preferRelativeResize="0"/>
           <p:nvPr/>
         </p:nvPicPr>
@@ -6862,7 +6806,7 @@
       </p:pic>
       <p:pic>
         <p:nvPicPr>
-          <p:cNvPr id="63" name="Shape 63"/>
+          <p:cNvPr id="62" name="Shape 62"/>
           <p:cNvPicPr preferRelativeResize="0"/>
           <p:nvPr/>
         </p:nvPicPr>
@@ -6904,7 +6848,7 @@
   <p:cSld>
     <p:spTree>
       <p:nvGrpSpPr>
-        <p:cNvPr id="67" name="Shape 67"/>
+        <p:cNvPr id="66" name="Shape 66"/>
         <p:cNvGrpSpPr/>
         <p:nvPr/>
       </p:nvGrpSpPr>
@@ -6918,7 +6862,7 @@
       </p:grpSpPr>
       <p:sp>
         <p:nvSpPr>
-          <p:cNvPr id="68" name="Shape 68"/>
+          <p:cNvPr id="67" name="Shape 67"/>
           <p:cNvSpPr txBox="1"/>
           <p:nvPr>
             <p:ph idx="1" type="body"/>
@@ -7018,7 +6962,7 @@
       </p:sp>
       <p:sp>
         <p:nvSpPr>
-          <p:cNvPr id="69" name="Shape 69"/>
+          <p:cNvPr id="68" name="Shape 68"/>
           <p:cNvSpPr txBox="1"/>
           <p:nvPr>
             <p:ph idx="12" type="sldNum"/>
@@ -7054,7 +6998,7 @@
       </p:sp>
       <p:sp>
         <p:nvSpPr>
-          <p:cNvPr id="70" name="Shape 70"/>
+          <p:cNvPr id="69" name="Shape 69"/>
           <p:cNvSpPr txBox="1"/>
           <p:nvPr>
             <p:ph type="title"/>
@@ -7090,7 +7034,7 @@
       </p:sp>
       <p:sp>
         <p:nvSpPr>
-          <p:cNvPr id="71" name="Shape 71"/>
+          <p:cNvPr id="70" name="Shape 70"/>
           <p:cNvSpPr txBox="1"/>
           <p:nvPr>
             <p:ph idx="2" type="sldNum"/>
@@ -7140,7 +7084,7 @@
   <p:cSld>
     <p:spTree>
       <p:nvGrpSpPr>
-        <p:cNvPr id="170" name="Shape 170"/>
+        <p:cNvPr id="169" name="Shape 169"/>
         <p:cNvGrpSpPr/>
         <p:nvPr/>
       </p:nvGrpSpPr>
@@ -7154,7 +7098,7 @@
       </p:grpSpPr>
       <p:sp>
         <p:nvSpPr>
-          <p:cNvPr id="171" name="Shape 171"/>
+          <p:cNvPr id="170" name="Shape 170"/>
           <p:cNvSpPr txBox="1"/>
           <p:nvPr>
             <p:ph idx="12" type="sldNum"/>
@@ -7190,7 +7134,7 @@
       </p:sp>
       <p:sp>
         <p:nvSpPr>
-          <p:cNvPr id="172" name="Shape 172"/>
+          <p:cNvPr id="171" name="Shape 171"/>
           <p:cNvSpPr txBox="1"/>
           <p:nvPr>
             <p:ph type="title"/>
@@ -7226,7 +7170,7 @@
       </p:sp>
       <p:sp>
         <p:nvSpPr>
-          <p:cNvPr id="173" name="Shape 173"/>
+          <p:cNvPr id="172" name="Shape 172"/>
           <p:cNvSpPr txBox="1"/>
           <p:nvPr>
             <p:ph idx="2" type="sldNum"/>
@@ -7262,7 +7206,7 @@
       </p:sp>
       <p:sp>
         <p:nvSpPr>
-          <p:cNvPr id="174" name="Shape 174"/>
+          <p:cNvPr id="173" name="Shape 173"/>
           <p:cNvSpPr txBox="1"/>
           <p:nvPr>
             <p:ph idx="1" type="body"/>
@@ -7494,7 +7438,7 @@
       </p:sp>
       <p:sp>
         <p:nvSpPr>
-          <p:cNvPr id="175" name="Shape 175"/>
+          <p:cNvPr id="174" name="Shape 174"/>
           <p:cNvSpPr txBox="1"/>
           <p:nvPr>
             <p:ph idx="3" type="body"/>
@@ -7745,7 +7689,7 @@
   <p:cSld>
     <p:spTree>
       <p:nvGrpSpPr>
-        <p:cNvPr id="179" name="Shape 179"/>
+        <p:cNvPr id="178" name="Shape 178"/>
         <p:cNvGrpSpPr/>
         <p:nvPr/>
       </p:nvGrpSpPr>
@@ -7759,7 +7703,7 @@
       </p:grpSpPr>
       <p:sp>
         <p:nvSpPr>
-          <p:cNvPr id="180" name="Shape 180"/>
+          <p:cNvPr id="179" name="Shape 179"/>
           <p:cNvSpPr txBox="1"/>
           <p:nvPr>
             <p:ph idx="12" type="sldNum"/>
@@ -7795,7 +7739,7 @@
       </p:sp>
       <p:sp>
         <p:nvSpPr>
-          <p:cNvPr id="181" name="Shape 181"/>
+          <p:cNvPr id="180" name="Shape 180"/>
           <p:cNvSpPr txBox="1"/>
           <p:nvPr>
             <p:ph type="title"/>
@@ -7831,7 +7775,7 @@
       </p:sp>
       <p:sp>
         <p:nvSpPr>
-          <p:cNvPr id="182" name="Shape 182"/>
+          <p:cNvPr id="181" name="Shape 181"/>
           <p:cNvSpPr txBox="1"/>
           <p:nvPr>
             <p:ph idx="2" type="sldNum"/>
@@ -7867,7 +7811,7 @@
       </p:sp>
       <p:sp>
         <p:nvSpPr>
-          <p:cNvPr id="183" name="Shape 183"/>
+          <p:cNvPr id="182" name="Shape 182"/>
           <p:cNvSpPr txBox="1"/>
           <p:nvPr>
             <p:ph idx="1" type="body"/>
@@ -7917,7 +7861,7 @@
       </p:sp>
       <p:sp>
         <p:nvSpPr>
-          <p:cNvPr id="184" name="Shape 184"/>
+          <p:cNvPr id="183" name="Shape 183"/>
           <p:cNvSpPr txBox="1"/>
           <p:nvPr>
             <p:ph idx="3" type="body"/>
@@ -7963,7 +7907,7 @@
       </p:sp>
       <p:pic>
         <p:nvPicPr>
-          <p:cNvPr id="185" name="Shape 185"/>
+          <p:cNvPr id="184" name="Shape 184"/>
           <p:cNvPicPr preferRelativeResize="0"/>
           <p:nvPr/>
         </p:nvPicPr>
@@ -8005,7 +7949,7 @@
   <p:cSld>
     <p:spTree>
       <p:nvGrpSpPr>
-        <p:cNvPr id="189" name="Shape 189"/>
+        <p:cNvPr id="188" name="Shape 188"/>
         <p:cNvGrpSpPr/>
         <p:nvPr/>
       </p:nvGrpSpPr>
@@ -8019,7 +7963,7 @@
       </p:grpSpPr>
       <p:sp>
         <p:nvSpPr>
-          <p:cNvPr id="190" name="Shape 190"/>
+          <p:cNvPr id="189" name="Shape 189"/>
           <p:cNvSpPr txBox="1"/>
           <p:nvPr>
             <p:ph idx="12" type="sldNum"/>
@@ -8055,7 +7999,7 @@
       </p:sp>
       <p:sp>
         <p:nvSpPr>
-          <p:cNvPr id="191" name="Shape 191"/>
+          <p:cNvPr id="190" name="Shape 190"/>
           <p:cNvSpPr txBox="1"/>
           <p:nvPr>
             <p:ph type="title"/>
@@ -8091,7 +8035,7 @@
       </p:sp>
       <p:sp>
         <p:nvSpPr>
-          <p:cNvPr id="192" name="Shape 192"/>
+          <p:cNvPr id="191" name="Shape 191"/>
           <p:cNvSpPr txBox="1"/>
           <p:nvPr>
             <p:ph idx="2" type="sldNum"/>
@@ -8127,7 +8071,7 @@
       </p:sp>
       <p:sp>
         <p:nvSpPr>
-          <p:cNvPr id="193" name="Shape 193"/>
+          <p:cNvPr id="192" name="Shape 192"/>
           <p:cNvSpPr txBox="1"/>
           <p:nvPr>
             <p:ph idx="1" type="body"/>
@@ -8177,7 +8121,7 @@
       </p:sp>
       <p:pic>
         <p:nvPicPr>
-          <p:cNvPr id="194" name="Shape 194"/>
+          <p:cNvPr id="193" name="Shape 193"/>
           <p:cNvPicPr preferRelativeResize="0"/>
           <p:nvPr/>
         </p:nvPicPr>
@@ -8204,7 +8148,7 @@
       </p:pic>
       <p:sp>
         <p:nvSpPr>
-          <p:cNvPr id="195" name="Shape 195"/>
+          <p:cNvPr id="194" name="Shape 194"/>
           <p:cNvSpPr txBox="1"/>
           <p:nvPr>
             <p:ph idx="3" type="body"/>
@@ -8264,7 +8208,7 @@
   <p:cSld>
     <p:spTree>
       <p:nvGrpSpPr>
-        <p:cNvPr id="199" name="Shape 199"/>
+        <p:cNvPr id="198" name="Shape 198"/>
         <p:cNvGrpSpPr/>
         <p:nvPr/>
       </p:nvGrpSpPr>
@@ -8278,7 +8222,7 @@
       </p:grpSpPr>
       <p:sp>
         <p:nvSpPr>
-          <p:cNvPr id="200" name="Shape 200"/>
+          <p:cNvPr id="199" name="Shape 199"/>
           <p:cNvSpPr txBox="1"/>
           <p:nvPr>
             <p:ph idx="1" type="body"/>
@@ -8324,7 +8268,7 @@
       </p:sp>
       <p:sp>
         <p:nvSpPr>
-          <p:cNvPr id="201" name="Shape 201"/>
+          <p:cNvPr id="200" name="Shape 200"/>
           <p:cNvSpPr txBox="1"/>
           <p:nvPr>
             <p:ph idx="12" type="sldNum"/>
@@ -8360,7 +8304,7 @@
       </p:sp>
       <p:sp>
         <p:nvSpPr>
-          <p:cNvPr id="202" name="Shape 202"/>
+          <p:cNvPr id="201" name="Shape 201"/>
           <p:cNvSpPr txBox="1"/>
           <p:nvPr>
             <p:ph type="title"/>
@@ -8396,7 +8340,7 @@
       </p:sp>
       <p:sp>
         <p:nvSpPr>
-          <p:cNvPr id="203" name="Shape 203"/>
+          <p:cNvPr id="202" name="Shape 202"/>
           <p:cNvSpPr txBox="1"/>
           <p:nvPr>
             <p:ph idx="2" type="sldNum"/>
@@ -8432,7 +8376,7 @@
       </p:sp>
       <p:sp>
         <p:nvSpPr>
-          <p:cNvPr id="204" name="Shape 204"/>
+          <p:cNvPr id="203" name="Shape 203"/>
           <p:cNvSpPr txBox="1"/>
           <p:nvPr>
             <p:ph idx="3" type="body"/>
@@ -8482,7 +8426,7 @@
       </p:sp>
       <p:pic>
         <p:nvPicPr>
-          <p:cNvPr id="205" name="Shape 205"/>
+          <p:cNvPr id="204" name="Shape 204"/>
           <p:cNvPicPr preferRelativeResize="0"/>
           <p:nvPr/>
         </p:nvPicPr>
@@ -8524,7 +8468,7 @@
   <p:cSld>
     <p:spTree>
       <p:nvGrpSpPr>
-        <p:cNvPr id="209" name="Shape 209"/>
+        <p:cNvPr id="208" name="Shape 208"/>
         <p:cNvGrpSpPr/>
         <p:nvPr/>
       </p:nvGrpSpPr>
@@ -8538,7 +8482,7 @@
       </p:grpSpPr>
       <p:sp>
         <p:nvSpPr>
-          <p:cNvPr id="210" name="Shape 210"/>
+          <p:cNvPr id="209" name="Shape 209"/>
           <p:cNvSpPr txBox="1"/>
           <p:nvPr>
             <p:ph type="title"/>
@@ -8574,7 +8518,7 @@
       </p:sp>
       <p:sp>
         <p:nvSpPr>
-          <p:cNvPr id="211" name="Shape 211"/>
+          <p:cNvPr id="210" name="Shape 210"/>
           <p:cNvSpPr txBox="1"/>
           <p:nvPr>
             <p:ph idx="12" type="sldNum"/>
@@ -8628,7 +8572,7 @@
   <p:cSld>
     <p:spTree>
       <p:nvGrpSpPr>
-        <p:cNvPr id="215" name="Shape 215"/>
+        <p:cNvPr id="214" name="Shape 214"/>
         <p:cNvGrpSpPr/>
         <p:nvPr/>
       </p:nvGrpSpPr>
@@ -8642,7 +8586,7 @@
       </p:grpSpPr>
       <p:sp>
         <p:nvSpPr>
-          <p:cNvPr id="216" name="Shape 216"/>
+          <p:cNvPr id="215" name="Shape 215"/>
           <p:cNvSpPr txBox="1"/>
           <p:nvPr>
             <p:ph idx="1" type="body"/>
@@ -8760,7 +8704,7 @@
       </p:sp>
       <p:sp>
         <p:nvSpPr>
-          <p:cNvPr id="217" name="Shape 217"/>
+          <p:cNvPr id="216" name="Shape 216"/>
           <p:cNvSpPr txBox="1"/>
           <p:nvPr>
             <p:ph idx="12" type="sldNum"/>
@@ -8796,7 +8740,7 @@
       </p:sp>
       <p:sp>
         <p:nvSpPr>
-          <p:cNvPr id="218" name="Shape 218"/>
+          <p:cNvPr id="217" name="Shape 217"/>
           <p:cNvSpPr txBox="1"/>
           <p:nvPr>
             <p:ph type="title"/>
@@ -8832,7 +8776,7 @@
       </p:sp>
       <p:sp>
         <p:nvSpPr>
-          <p:cNvPr id="219" name="Shape 219"/>
+          <p:cNvPr id="218" name="Shape 218"/>
           <p:cNvSpPr txBox="1"/>
           <p:nvPr>
             <p:ph idx="2" type="sldNum"/>
@@ -8882,7 +8826,7 @@
   <p:cSld>
     <p:spTree>
       <p:nvGrpSpPr>
-        <p:cNvPr id="223" name="Shape 223"/>
+        <p:cNvPr id="222" name="Shape 222"/>
         <p:cNvGrpSpPr/>
         <p:nvPr/>
       </p:nvGrpSpPr>
@@ -8896,7 +8840,7 @@
       </p:grpSpPr>
       <p:sp>
         <p:nvSpPr>
-          <p:cNvPr id="224" name="Shape 224"/>
+          <p:cNvPr id="223" name="Shape 223"/>
           <p:cNvSpPr txBox="1"/>
           <p:nvPr>
             <p:ph idx="12" type="sldNum"/>
@@ -8932,7 +8876,7 @@
       </p:sp>
       <p:sp>
         <p:nvSpPr>
-          <p:cNvPr id="225" name="Shape 225"/>
+          <p:cNvPr id="224" name="Shape 224"/>
           <p:cNvSpPr txBox="1"/>
           <p:nvPr>
             <p:ph type="title"/>
@@ -8968,7 +8912,7 @@
       </p:sp>
       <p:sp>
         <p:nvSpPr>
-          <p:cNvPr id="226" name="Shape 226"/>
+          <p:cNvPr id="225" name="Shape 225"/>
           <p:cNvSpPr txBox="1"/>
           <p:nvPr>
             <p:ph idx="2" type="sldNum"/>
@@ -9004,7 +8948,7 @@
       </p:sp>
       <p:pic>
         <p:nvPicPr>
-          <p:cNvPr id="227" name="Shape 227"/>
+          <p:cNvPr id="226" name="Shape 226"/>
           <p:cNvPicPr preferRelativeResize="0"/>
           <p:nvPr/>
         </p:nvPicPr>
@@ -9032,7 +8976,7 @@
       </p:pic>
       <p:pic>
         <p:nvPicPr>
-          <p:cNvPr id="228" name="Shape 228"/>
+          <p:cNvPr id="227" name="Shape 227"/>
           <p:cNvPicPr preferRelativeResize="0"/>
           <p:nvPr/>
         </p:nvPicPr>
@@ -9060,7 +9004,7 @@
       </p:pic>
       <p:pic>
         <p:nvPicPr>
-          <p:cNvPr id="229" name="Shape 229"/>
+          <p:cNvPr id="228" name="Shape 228"/>
           <p:cNvPicPr preferRelativeResize="0"/>
           <p:nvPr/>
         </p:nvPicPr>
@@ -9088,7 +9032,7 @@
       </p:pic>
       <p:pic>
         <p:nvPicPr>
-          <p:cNvPr id="230" name="Shape 230"/>
+          <p:cNvPr id="229" name="Shape 229"/>
           <p:cNvPicPr preferRelativeResize="0"/>
           <p:nvPr/>
         </p:nvPicPr>
@@ -9116,7 +9060,7 @@
       </p:pic>
       <p:pic>
         <p:nvPicPr>
-          <p:cNvPr id="231" name="Shape 231"/>
+          <p:cNvPr id="230" name="Shape 230"/>
           <p:cNvPicPr preferRelativeResize="0"/>
           <p:nvPr/>
         </p:nvPicPr>
@@ -9158,6 +9102,94 @@
             <p:seq concurrent="1" nextAc="seek">
               <p:cTn dur="indefinite" id="2" nodeType="mainSeq">
                 <p:childTnLst>
+                  <p:par>
+                    <p:cTn fill="hold">
+                      <p:stCondLst>
+                        <p:cond delay="indefinite"/>
+                      </p:stCondLst>
+                      <p:childTnLst>
+                        <p:par>
+                          <p:cTn fill="hold">
+                            <p:stCondLst>
+                              <p:cond delay="0"/>
+                            </p:stCondLst>
+                            <p:childTnLst>
+                              <p:par>
+                                <p:cTn fill="hold" nodeType="clickEffect" presetClass="entr" presetID="10" presetSubtype="0">
+                                  <p:stCondLst>
+                                    <p:cond delay="0"/>
+                                  </p:stCondLst>
+                                  <p:childTnLst>
+                                    <p:set>
+                                      <p:cBhvr>
+                                        <p:cTn dur="1" fill="hold">
+                                          <p:stCondLst>
+                                            <p:cond delay="0"/>
+                                          </p:stCondLst>
+                                        </p:cTn>
+                                        <p:tgtEl>
+                                          <p:spTgt spid="226"/>
+                                        </p:tgtEl>
+                                        <p:attrNameLst>
+                                          <p:attrName>style.visibility</p:attrName>
+                                        </p:attrNameLst>
+                                      </p:cBhvr>
+                                      <p:to>
+                                        <p:strVal val="visible"/>
+                                      </p:to>
+                                    </p:set>
+                                    <p:animEffect filter="fade" transition="in">
+                                      <p:cBhvr>
+                                        <p:cTn dur="1000"/>
+                                        <p:tgtEl>
+                                          <p:spTgt spid="226"/>
+                                        </p:tgtEl>
+                                      </p:cBhvr>
+                                    </p:animEffect>
+                                  </p:childTnLst>
+                                </p:cTn>
+                              </p:par>
+                              <p:par>
+                                <p:cTn fill="hold" nodeType="withEffect" presetClass="exit" presetID="10" presetSubtype="0">
+                                  <p:stCondLst>
+                                    <p:cond delay="0"/>
+                                  </p:stCondLst>
+                                  <p:childTnLst>
+                                    <p:animEffect filter="fade" transition="out">
+                                      <p:cBhvr>
+                                        <p:cTn dur="1000"/>
+                                        <p:tgtEl>
+                                          <p:spTgt spid="230"/>
+                                        </p:tgtEl>
+                                      </p:cBhvr>
+                                    </p:animEffect>
+                                    <p:set>
+                                      <p:cBhvr>
+                                        <p:cTn dur="1" fill="hold">
+                                          <p:stCondLst>
+                                            <p:cond delay="1000"/>
+                                          </p:stCondLst>
+                                        </p:cTn>
+                                        <p:tgtEl>
+                                          <p:spTgt spid="230"/>
+                                        </p:tgtEl>
+                                        <p:attrNameLst>
+                                          <p:attrName>style.visibility</p:attrName>
+                                        </p:attrNameLst>
+                                      </p:cBhvr>
+                                      <p:to>
+                                        <p:strVal val="hidden"/>
+                                      </p:to>
+                                    </p:set>
+                                  </p:childTnLst>
+                                </p:cTn>
+                              </p:par>
+                            </p:childTnLst>
+                          </p:cTn>
+                        </p:par>
+                      </p:childTnLst>
+                    </p:cTn>
+                  </p:par>
                   <p:par>
                     <p:cTn fill="hold">
                       <p:stCondLst>
@@ -9215,7 +9247,7 @@
                                       <p:cBhvr>
                                         <p:cTn dur="1000"/>
                                         <p:tgtEl>
-                                          <p:spTgt spid="231"/>
+                                          <p:spTgt spid="226"/>
                                         </p:tgtEl>
                                       </p:cBhvr>
                                     </p:animEffect>
@@ -9227,7 +9259,7 @@
                                           </p:stCondLst>
                                         </p:cTn>
                                         <p:tgtEl>
-                                          <p:spTgt spid="231"/>
+                                          <p:spTgt spid="226"/>
                                         </p:tgtEl>
                                         <p:attrNameLst>
                                           <p:attrName>style.visibility</p:attrName>
@@ -9422,94 +9454,6 @@
                       </p:childTnLst>
                     </p:cTn>
                   </p:par>
-                  <p:par>
-                    <p:cTn fill="hold">
-                      <p:stCondLst>
-                        <p:cond delay="indefinite"/>
-                      </p:stCondLst>
-                      <p:childTnLst>
-                        <p:par>
-                          <p:cTn fill="hold">
-                            <p:stCondLst>
-                              <p:cond delay="0"/>
-                            </p:stCondLst>
-                            <p:childTnLst>
-                              <p:par>
-                                <p:cTn fill="hold" nodeType="clickEffect" presetClass="entr" presetID="10" presetSubtype="0">
-                                  <p:stCondLst>
-                                    <p:cond delay="0"/>
-                                  </p:stCondLst>
-                                  <p:childTnLst>
-                                    <p:set>
-                                      <p:cBhvr>
-                                        <p:cTn dur="1" fill="hold">
-                                          <p:stCondLst>
-                                            <p:cond delay="0"/>
-                                          </p:stCondLst>
-                                        </p:cTn>
-                                        <p:tgtEl>
-                                          <p:spTgt spid="230"/>
-                                        </p:tgtEl>
-                                        <p:attrNameLst>
-                                          <p:attrName>style.visibility</p:attrName>
-                                        </p:attrNameLst>
-                                      </p:cBhvr>
-                                      <p:to>
-                                        <p:strVal val="visible"/>
-                                      </p:to>
-                                    </p:set>
-                                    <p:animEffect filter="fade" transition="in">
-                                      <p:cBhvr>
-                                        <p:cTn dur="1000"/>
-                                        <p:tgtEl>
-                                          <p:spTgt spid="230"/>
-                                        </p:tgtEl>
-                                      </p:cBhvr>
-                                    </p:animEffect>
-                                  </p:childTnLst>
-                                </p:cTn>
-                              </p:par>
-                              <p:par>
-                                <p:cTn fill="hold" nodeType="withEffect" presetClass="exit" presetID="10" presetSubtype="0">
-                                  <p:stCondLst>
-                                    <p:cond delay="0"/>
-                                  </p:stCondLst>
-                                  <p:childTnLst>
-                                    <p:animEffect filter="fade" transition="out">
-                                      <p:cBhvr>
-                                        <p:cTn dur="1000"/>
-                                        <p:tgtEl>
-                                          <p:spTgt spid="229"/>
-                                        </p:tgtEl>
-                                      </p:cBhvr>
-                                    </p:animEffect>
-                                    <p:set>
-                                      <p:cBhvr>
-                                        <p:cTn dur="1" fill="hold">
-                                          <p:stCondLst>
-                                            <p:cond delay="1000"/>
-                                          </p:stCondLst>
-                                        </p:cTn>
-                                        <p:tgtEl>
-                                          <p:spTgt spid="229"/>
-                                        </p:tgtEl>
-                                        <p:attrNameLst>
-                                          <p:attrName>style.visibility</p:attrName>
-                                        </p:attrNameLst>
-                                      </p:cBhvr>
-                                      <p:to>
-                                        <p:strVal val="hidden"/>
-                                      </p:to>
-                                    </p:set>
-                                  </p:childTnLst>
-                                </p:cTn>
-                              </p:par>
-                            </p:childTnLst>
-                          </p:cTn>
-                        </p:par>
-                      </p:childTnLst>
-                    </p:cTn>
-                  </p:par>
                 </p:childTnLst>
               </p:cTn>
               <p:prevCondLst>
@@ -9540,7 +9484,7 @@
   <p:cSld>
     <p:spTree>
       <p:nvGrpSpPr>
-        <p:cNvPr id="235" name="Shape 235"/>
+        <p:cNvPr id="234" name="Shape 234"/>
         <p:cNvGrpSpPr/>
         <p:nvPr/>
       </p:nvGrpSpPr>
@@ -9554,7 +9498,7 @@
       </p:grpSpPr>
       <p:sp>
         <p:nvSpPr>
-          <p:cNvPr id="236" name="Shape 236"/>
+          <p:cNvPr id="235" name="Shape 235"/>
           <p:cNvSpPr txBox="1"/>
           <p:nvPr>
             <p:ph idx="12" type="sldNum"/>
@@ -9590,7 +9534,7 @@
       </p:sp>
       <p:sp>
         <p:nvSpPr>
-          <p:cNvPr id="237" name="Shape 237"/>
+          <p:cNvPr id="236" name="Shape 236"/>
           <p:cNvSpPr txBox="1"/>
           <p:nvPr>
             <p:ph type="title"/>
@@ -9626,7 +9570,7 @@
       </p:sp>
       <p:sp>
         <p:nvSpPr>
-          <p:cNvPr id="238" name="Shape 238"/>
+          <p:cNvPr id="237" name="Shape 237"/>
           <p:cNvSpPr txBox="1"/>
           <p:nvPr>
             <p:ph idx="2" type="sldNum"/>
@@ -9662,7 +9606,7 @@
       </p:sp>
       <p:sp>
         <p:nvSpPr>
-          <p:cNvPr id="239" name="Shape 239"/>
+          <p:cNvPr id="238" name="Shape 238"/>
           <p:cNvSpPr txBox="1"/>
           <p:nvPr>
             <p:ph idx="1" type="body"/>
@@ -9758,7 +9702,7 @@
       </p:sp>
       <p:pic>
         <p:nvPicPr>
-          <p:cNvPr id="240" name="Shape 240"/>
+          <p:cNvPr id="239" name="Shape 239"/>
           <p:cNvPicPr preferRelativeResize="0"/>
           <p:nvPr/>
         </p:nvPicPr>
@@ -9785,7 +9729,7 @@
       </p:pic>
       <p:pic>
         <p:nvPicPr>
-          <p:cNvPr id="241" name="Shape 241"/>
+          <p:cNvPr id="240" name="Shape 240"/>
           <p:cNvPicPr preferRelativeResize="0"/>
           <p:nvPr/>
         </p:nvPicPr>
@@ -9812,7 +9756,7 @@
       </p:pic>
       <p:pic>
         <p:nvPicPr>
-          <p:cNvPr id="242" name="Shape 242"/>
+          <p:cNvPr id="241" name="Shape 241"/>
           <p:cNvPicPr preferRelativeResize="0"/>
           <p:nvPr/>
         </p:nvPicPr>
@@ -9853,7 +9797,7 @@
   <p:cSld>
     <p:spTree>
       <p:nvGrpSpPr>
-        <p:cNvPr id="246" name="Shape 246"/>
+        <p:cNvPr id="245" name="Shape 245"/>
         <p:cNvGrpSpPr/>
         <p:nvPr/>
       </p:nvGrpSpPr>
@@ -9867,7 +9811,7 @@
       </p:grpSpPr>
       <p:sp>
         <p:nvSpPr>
-          <p:cNvPr id="247" name="Shape 247"/>
+          <p:cNvPr id="246" name="Shape 246"/>
           <p:cNvSpPr txBox="1"/>
           <p:nvPr>
             <p:ph idx="12" type="sldNum"/>
@@ -9903,7 +9847,7 @@
       </p:sp>
       <p:sp>
         <p:nvSpPr>
-          <p:cNvPr id="248" name="Shape 248"/>
+          <p:cNvPr id="247" name="Shape 247"/>
           <p:cNvSpPr txBox="1"/>
           <p:nvPr>
             <p:ph type="title"/>
@@ -9943,7 +9887,7 @@
       </p:sp>
       <p:sp>
         <p:nvSpPr>
-          <p:cNvPr id="249" name="Shape 249"/>
+          <p:cNvPr id="248" name="Shape 248"/>
           <p:cNvSpPr txBox="1"/>
           <p:nvPr>
             <p:ph idx="2" type="sldNum"/>
@@ -9979,7 +9923,7 @@
       </p:sp>
       <p:pic>
         <p:nvPicPr>
-          <p:cNvPr id="250" name="Shape 250"/>
+          <p:cNvPr id="249" name="Shape 249"/>
           <p:cNvPicPr preferRelativeResize="0"/>
           <p:nvPr/>
         </p:nvPicPr>
@@ -10007,7 +9951,7 @@
       </p:pic>
       <p:pic>
         <p:nvPicPr>
-          <p:cNvPr id="251" name="Shape 251"/>
+          <p:cNvPr id="250" name="Shape 250"/>
           <p:cNvPicPr preferRelativeResize="0"/>
           <p:nvPr/>
         </p:nvPicPr>
@@ -10035,7 +9979,7 @@
       </p:pic>
       <p:pic>
         <p:nvPicPr>
-          <p:cNvPr id="252" name="Shape 252"/>
+          <p:cNvPr id="251" name="Shape 251"/>
           <p:cNvPicPr preferRelativeResize="0"/>
           <p:nvPr/>
         </p:nvPicPr>
@@ -10063,7 +10007,7 @@
       </p:pic>
       <p:pic>
         <p:nvPicPr>
-          <p:cNvPr id="253" name="Shape 253"/>
+          <p:cNvPr id="252" name="Shape 252"/>
           <p:cNvPicPr preferRelativeResize="0"/>
           <p:nvPr/>
         </p:nvPicPr>
@@ -10091,7 +10035,7 @@
       </p:pic>
       <p:pic>
         <p:nvPicPr>
-          <p:cNvPr id="254" name="Shape 254"/>
+          <p:cNvPr id="253" name="Shape 253"/>
           <p:cNvPicPr preferRelativeResize="0"/>
           <p:nvPr/>
         </p:nvPicPr>
@@ -10133,6 +10077,94 @@
             <p:seq concurrent="1" nextAc="seek">
               <p:cTn dur="indefinite" id="2" nodeType="mainSeq">
                 <p:childTnLst>
+                  <p:par>
+                    <p:cTn fill="hold">
+                      <p:stCondLst>
+                        <p:cond delay="indefinite"/>
+                      </p:stCondLst>
+                      <p:childTnLst>
+                        <p:par>
+                          <p:cTn fill="hold">
+                            <p:stCondLst>
+                              <p:cond delay="0"/>
+                            </p:stCondLst>
+                            <p:childTnLst>
+                              <p:par>
+                                <p:cTn fill="hold" nodeType="clickEffect" presetClass="exit" presetID="10" presetSubtype="0">
+                                  <p:stCondLst>
+                                    <p:cond delay="0"/>
+                                  </p:stCondLst>
+                                  <p:childTnLst>
+                                    <p:animEffect filter="fade" transition="out">
+                                      <p:cBhvr>
+                                        <p:cTn dur="1000"/>
+                                        <p:tgtEl>
+                                          <p:spTgt spid="249"/>
+                                        </p:tgtEl>
+                                      </p:cBhvr>
+                                    </p:animEffect>
+                                    <p:set>
+                                      <p:cBhvr>
+                                        <p:cTn dur="1" fill="hold">
+                                          <p:stCondLst>
+                                            <p:cond delay="1000"/>
+                                          </p:stCondLst>
+                                        </p:cTn>
+                                        <p:tgtEl>
+                                          <p:spTgt spid="249"/>
+                                        </p:tgtEl>
+                                        <p:attrNameLst>
+                                          <p:attrName>style.visibility</p:attrName>
+                                        </p:attrNameLst>
+                                      </p:cBhvr>
+                                      <p:to>
+                                        <p:strVal val="hidden"/>
+                                      </p:to>
+                                    </p:set>
+                                  </p:childTnLst>
+                                </p:cTn>
+                              </p:par>
+                              <p:par>
+                                <p:cTn fill="hold" nodeType="withEffect" presetClass="entr" presetID="10" presetSubtype="0">
+                                  <p:stCondLst>
+                                    <p:cond delay="0"/>
+                                  </p:stCondLst>
+                                  <p:childTnLst>
+                                    <p:set>
+                                      <p:cBhvr>
+                                        <p:cTn dur="1" fill="hold">
+                                          <p:stCondLst>
+                                            <p:cond delay="0"/>
+                                          </p:stCondLst>
+                                        </p:cTn>
+                                        <p:tgtEl>
+                                          <p:spTgt spid="250"/>
+                                        </p:tgtEl>
+                                        <p:attrNameLst>
+                                          <p:attrName>style.visibility</p:attrName>
+                                        </p:attrNameLst>
+                                      </p:cBhvr>
+                                      <p:to>
+                                        <p:strVal val="visible"/>
+                                      </p:to>
+                                    </p:set>
+                                    <p:animEffect filter="fade" transition="in">
+                                      <p:cBhvr>
+                                        <p:cTn dur="1000"/>
+                                        <p:tgtEl>
+                                          <p:spTgt spid="250"/>
+                                        </p:tgtEl>
+                                      </p:cBhvr>
+                                    </p:animEffect>
+                                  </p:childTnLst>
+                                </p:cTn>
+                              </p:par>
+                            </p:childTnLst>
+                          </p:cTn>
+                        </p:par>
+                      </p:childTnLst>
+                    </p:cTn>
+                  </p:par>
                   <p:par>
                     <p:cTn fill="hold">
                       <p:stCondLst>
@@ -10397,94 +10429,6 @@
                       </p:childTnLst>
                     </p:cTn>
                   </p:par>
-                  <p:par>
-                    <p:cTn fill="hold">
-                      <p:stCondLst>
-                        <p:cond delay="indefinite"/>
-                      </p:stCondLst>
-                      <p:childTnLst>
-                        <p:par>
-                          <p:cTn fill="hold">
-                            <p:stCondLst>
-                              <p:cond delay="0"/>
-                            </p:stCondLst>
-                            <p:childTnLst>
-                              <p:par>
-                                <p:cTn fill="hold" nodeType="clickEffect" presetClass="exit" presetID="10" presetSubtype="0">
-                                  <p:stCondLst>
-                                    <p:cond delay="0"/>
-                                  </p:stCondLst>
-                                  <p:childTnLst>
-                                    <p:animEffect filter="fade" transition="out">
-                                      <p:cBhvr>
-                                        <p:cTn dur="1000"/>
-                                        <p:tgtEl>
-                                          <p:spTgt spid="253"/>
-                                        </p:tgtEl>
-                                      </p:cBhvr>
-                                    </p:animEffect>
-                                    <p:set>
-                                      <p:cBhvr>
-                                        <p:cTn dur="1" fill="hold">
-                                          <p:stCondLst>
-                                            <p:cond delay="1000"/>
-                                          </p:stCondLst>
-                                        </p:cTn>
-                                        <p:tgtEl>
-                                          <p:spTgt spid="253"/>
-                                        </p:tgtEl>
-                                        <p:attrNameLst>
-                                          <p:attrName>style.visibility</p:attrName>
-                                        </p:attrNameLst>
-                                      </p:cBhvr>
-                                      <p:to>
-                                        <p:strVal val="hidden"/>
-                                      </p:to>
-                                    </p:set>
-                                  </p:childTnLst>
-                                </p:cTn>
-                              </p:par>
-                              <p:par>
-                                <p:cTn fill="hold" nodeType="withEffect" presetClass="entr" presetID="10" presetSubtype="0">
-                                  <p:stCondLst>
-                                    <p:cond delay="0"/>
-                                  </p:stCondLst>
-                                  <p:childTnLst>
-                                    <p:set>
-                                      <p:cBhvr>
-                                        <p:cTn dur="1" fill="hold">
-                                          <p:stCondLst>
-                                            <p:cond delay="0"/>
-                                          </p:stCondLst>
-                                        </p:cTn>
-                                        <p:tgtEl>
-                                          <p:spTgt spid="254"/>
-                                        </p:tgtEl>
-                                        <p:attrNameLst>
-                                          <p:attrName>style.visibility</p:attrName>
-                                        </p:attrNameLst>
-                                      </p:cBhvr>
-                                      <p:to>
-                                        <p:strVal val="visible"/>
-                                      </p:to>
-                                    </p:set>
-                                    <p:animEffect filter="fade" transition="in">
-                                      <p:cBhvr>
-                                        <p:cTn dur="1000"/>
-                                        <p:tgtEl>
-                                          <p:spTgt spid="254"/>
-                                        </p:tgtEl>
-                                      </p:cBhvr>
-                                    </p:animEffect>
-                                  </p:childTnLst>
-                                </p:cTn>
-                              </p:par>
-                            </p:childTnLst>
-                          </p:cTn>
-                        </p:par>
-                      </p:childTnLst>
-                    </p:cTn>
-                  </p:par>
                 </p:childTnLst>
               </p:cTn>
               <p:prevCondLst>
@@ -10515,7 +10459,7 @@
   <p:cSld>
     <p:spTree>
       <p:nvGrpSpPr>
-        <p:cNvPr id="258" name="Shape 258"/>
+        <p:cNvPr id="257" name="Shape 257"/>
         <p:cNvGrpSpPr/>
         <p:nvPr/>
       </p:nvGrpSpPr>
@@ -10529,7 +10473,7 @@
       </p:grpSpPr>
       <p:sp>
         <p:nvSpPr>
-          <p:cNvPr id="259" name="Shape 259"/>
+          <p:cNvPr id="258" name="Shape 258"/>
           <p:cNvSpPr txBox="1"/>
           <p:nvPr>
             <p:ph idx="12" type="sldNum"/>
@@ -10565,7 +10509,7 @@
       </p:sp>
       <p:sp>
         <p:nvSpPr>
-          <p:cNvPr id="260" name="Shape 260"/>
+          <p:cNvPr id="259" name="Shape 259"/>
           <p:cNvSpPr txBox="1"/>
           <p:nvPr>
             <p:ph type="title"/>
@@ -10622,7 +10566,7 @@
       </p:sp>
       <p:sp>
         <p:nvSpPr>
-          <p:cNvPr id="261" name="Shape 261"/>
+          <p:cNvPr id="260" name="Shape 260"/>
           <p:cNvSpPr txBox="1"/>
           <p:nvPr>
             <p:ph idx="2" type="sldNum"/>
@@ -10658,7 +10602,7 @@
       </p:sp>
       <p:sp>
         <p:nvSpPr>
-          <p:cNvPr id="262" name="Shape 262"/>
+          <p:cNvPr id="261" name="Shape 261"/>
           <p:cNvSpPr txBox="1"/>
           <p:nvPr>
             <p:ph idx="1" type="body"/>
@@ -10782,7 +10726,7 @@
       </p:sp>
       <p:pic>
         <p:nvPicPr>
-          <p:cNvPr id="263" name="Shape 263"/>
+          <p:cNvPr id="262" name="Shape 262"/>
           <p:cNvPicPr preferRelativeResize="0"/>
           <p:nvPr/>
         </p:nvPicPr>
@@ -10809,7 +10753,7 @@
       </p:pic>
       <p:pic>
         <p:nvPicPr>
-          <p:cNvPr id="264" name="Shape 264"/>
+          <p:cNvPr id="263" name="Shape 263"/>
           <p:cNvPicPr preferRelativeResize="0"/>
           <p:nvPr/>
         </p:nvPicPr>
@@ -10850,7 +10794,7 @@
   <p:cSld>
     <p:spTree>
       <p:nvGrpSpPr>
-        <p:cNvPr id="75" name="Shape 75"/>
+        <p:cNvPr id="74" name="Shape 74"/>
         <p:cNvGrpSpPr/>
         <p:nvPr/>
       </p:nvGrpSpPr>
@@ -10864,7 +10808,7 @@
       </p:grpSpPr>
       <p:sp>
         <p:nvSpPr>
-          <p:cNvPr id="76" name="Shape 76"/>
+          <p:cNvPr id="75" name="Shape 75"/>
           <p:cNvSpPr txBox="1"/>
           <p:nvPr>
             <p:ph type="title"/>
@@ -10900,7 +10844,7 @@
       </p:sp>
       <p:sp>
         <p:nvSpPr>
-          <p:cNvPr id="77" name="Shape 77"/>
+          <p:cNvPr id="76" name="Shape 76"/>
           <p:cNvSpPr txBox="1"/>
           <p:nvPr>
             <p:ph idx="12" type="sldNum"/>
@@ -10954,7 +10898,7 @@
   <p:cSld>
     <p:spTree>
       <p:nvGrpSpPr>
-        <p:cNvPr id="268" name="Shape 268"/>
+        <p:cNvPr id="267" name="Shape 267"/>
         <p:cNvGrpSpPr/>
         <p:nvPr/>
       </p:nvGrpSpPr>
@@ -10968,7 +10912,7 @@
       </p:grpSpPr>
       <p:sp>
         <p:nvSpPr>
-          <p:cNvPr id="269" name="Shape 269"/>
+          <p:cNvPr id="268" name="Shape 268"/>
           <p:cNvSpPr txBox="1"/>
           <p:nvPr>
             <p:ph idx="12" type="sldNum"/>
@@ -11004,7 +10948,7 @@
       </p:sp>
       <p:sp>
         <p:nvSpPr>
-          <p:cNvPr id="270" name="Shape 270"/>
+          <p:cNvPr id="269" name="Shape 269"/>
           <p:cNvSpPr txBox="1"/>
           <p:nvPr>
             <p:ph type="title"/>
@@ -11040,7 +10984,7 @@
       </p:sp>
       <p:sp>
         <p:nvSpPr>
-          <p:cNvPr id="271" name="Shape 271"/>
+          <p:cNvPr id="270" name="Shape 270"/>
           <p:cNvSpPr txBox="1"/>
           <p:nvPr>
             <p:ph idx="2" type="sldNum"/>
@@ -11076,7 +11020,7 @@
       </p:sp>
       <p:pic>
         <p:nvPicPr>
-          <p:cNvPr id="272" name="Shape 272"/>
+          <p:cNvPr id="271" name="Shape 271"/>
           <p:cNvPicPr preferRelativeResize="0"/>
           <p:nvPr/>
         </p:nvPicPr>
@@ -11118,7 +11062,7 @@
   <p:cSld>
     <p:spTree>
       <p:nvGrpSpPr>
-        <p:cNvPr id="276" name="Shape 276"/>
+        <p:cNvPr id="275" name="Shape 275"/>
         <p:cNvGrpSpPr/>
         <p:nvPr/>
       </p:nvGrpSpPr>
@@ -11132,7 +11076,7 @@
       </p:grpSpPr>
       <p:sp>
         <p:nvSpPr>
-          <p:cNvPr id="277" name="Shape 277"/>
+          <p:cNvPr id="276" name="Shape 276"/>
           <p:cNvSpPr txBox="1"/>
           <p:nvPr>
             <p:ph idx="12" type="sldNum"/>
@@ -11168,7 +11112,7 @@
       </p:sp>
       <p:sp>
         <p:nvSpPr>
-          <p:cNvPr id="278" name="Shape 278"/>
+          <p:cNvPr id="277" name="Shape 277"/>
           <p:cNvSpPr txBox="1"/>
           <p:nvPr>
             <p:ph type="title"/>
@@ -11204,7 +11148,7 @@
       </p:sp>
       <p:sp>
         <p:nvSpPr>
-          <p:cNvPr id="279" name="Shape 279"/>
+          <p:cNvPr id="278" name="Shape 278"/>
           <p:cNvSpPr txBox="1"/>
           <p:nvPr>
             <p:ph idx="2" type="sldNum"/>
@@ -11240,7 +11184,7 @@
       </p:sp>
       <p:pic>
         <p:nvPicPr>
-          <p:cNvPr id="280" name="Shape 280"/>
+          <p:cNvPr id="279" name="Shape 279"/>
           <p:cNvPicPr preferRelativeResize="0"/>
           <p:nvPr/>
         </p:nvPicPr>
@@ -11268,7 +11212,7 @@
       </p:pic>
       <p:pic>
         <p:nvPicPr>
-          <p:cNvPr id="281" name="Shape 281"/>
+          <p:cNvPr id="280" name="Shape 280"/>
           <p:cNvPicPr preferRelativeResize="0"/>
           <p:nvPr/>
         </p:nvPicPr>
@@ -11296,7 +11240,7 @@
       </p:pic>
       <p:pic>
         <p:nvPicPr>
-          <p:cNvPr id="282" name="Shape 282"/>
+          <p:cNvPr id="281" name="Shape 281"/>
           <p:cNvPicPr preferRelativeResize="0"/>
           <p:nvPr/>
         </p:nvPicPr>
@@ -11324,7 +11268,7 @@
       </p:pic>
       <p:pic>
         <p:nvPicPr>
-          <p:cNvPr id="283" name="Shape 283"/>
+          <p:cNvPr id="282" name="Shape 282"/>
           <p:cNvPicPr preferRelativeResize="0"/>
           <p:nvPr/>
         </p:nvPicPr>
@@ -11352,7 +11296,7 @@
       </p:pic>
       <p:pic>
         <p:nvPicPr>
-          <p:cNvPr id="284" name="Shape 284"/>
+          <p:cNvPr id="283" name="Shape 283"/>
           <p:cNvPicPr preferRelativeResize="0"/>
           <p:nvPr/>
         </p:nvPicPr>
@@ -11394,6 +11338,94 @@
             <p:seq concurrent="1" nextAc="seek">
               <p:cTn dur="indefinite" id="2" nodeType="mainSeq">
                 <p:childTnLst>
+                  <p:par>
+                    <p:cTn fill="hold">
+                      <p:stCondLst>
+                        <p:cond delay="indefinite"/>
+                      </p:stCondLst>
+                      <p:childTnLst>
+                        <p:par>
+                          <p:cTn fill="hold">
+                            <p:stCondLst>
+                              <p:cond delay="0"/>
+                            </p:stCondLst>
+                            <p:childTnLst>
+                              <p:par>
+                                <p:cTn fill="hold" nodeType="clickEffect" presetClass="exit" presetID="10" presetSubtype="0">
+                                  <p:stCondLst>
+                                    <p:cond delay="0"/>
+                                  </p:stCondLst>
+                                  <p:childTnLst>
+                                    <p:animEffect filter="fade" transition="out">
+                                      <p:cBhvr>
+                                        <p:cTn dur="1000"/>
+                                        <p:tgtEl>
+                                          <p:spTgt spid="279"/>
+                                        </p:tgtEl>
+                                      </p:cBhvr>
+                                    </p:animEffect>
+                                    <p:set>
+                                      <p:cBhvr>
+                                        <p:cTn dur="1" fill="hold">
+                                          <p:stCondLst>
+                                            <p:cond delay="1000"/>
+                                          </p:stCondLst>
+                                        </p:cTn>
+                                        <p:tgtEl>
+                                          <p:spTgt spid="279"/>
+                                        </p:tgtEl>
+                                        <p:attrNameLst>
+                                          <p:attrName>style.visibility</p:attrName>
+                                        </p:attrNameLst>
+                                      </p:cBhvr>
+                                      <p:to>
+                                        <p:strVal val="hidden"/>
+                                      </p:to>
+                                    </p:set>
+                                  </p:childTnLst>
+                                </p:cTn>
+                              </p:par>
+                              <p:par>
+                                <p:cTn fill="hold" nodeType="withEffect" presetClass="entr" presetID="10" presetSubtype="0">
+                                  <p:stCondLst>
+                                    <p:cond delay="0"/>
+                                  </p:stCondLst>
+                                  <p:childTnLst>
+                                    <p:set>
+                                      <p:cBhvr>
+                                        <p:cTn dur="1" fill="hold">
+                                          <p:stCondLst>
+                                            <p:cond delay="0"/>
+                                          </p:stCondLst>
+                                        </p:cTn>
+                                        <p:tgtEl>
+                                          <p:spTgt spid="280"/>
+                                        </p:tgtEl>
+                                        <p:attrNameLst>
+                                          <p:attrName>style.visibility</p:attrName>
+                                        </p:attrNameLst>
+                                      </p:cBhvr>
+                                      <p:to>
+                                        <p:strVal val="visible"/>
+                                      </p:to>
+                                    </p:set>
+                                    <p:animEffect filter="fade" transition="in">
+                                      <p:cBhvr>
+                                        <p:cTn dur="1000"/>
+                                        <p:tgtEl>
+                                          <p:spTgt spid="280"/>
+                                        </p:tgtEl>
+                                      </p:cBhvr>
+                                    </p:animEffect>
+                                  </p:childTnLst>
+                                </p:cTn>
+                              </p:par>
+                            </p:childTnLst>
+                          </p:cTn>
+                        </p:par>
+                      </p:childTnLst>
+                    </p:cTn>
+                  </p:par>
                   <p:par>
                     <p:cTn fill="hold">
                       <p:stCondLst>
@@ -11658,94 +11690,6 @@
                       </p:childTnLst>
                     </p:cTn>
                   </p:par>
-                  <p:par>
-                    <p:cTn fill="hold">
-                      <p:stCondLst>
-                        <p:cond delay="indefinite"/>
-                      </p:stCondLst>
-                      <p:childTnLst>
-                        <p:par>
-                          <p:cTn fill="hold">
-                            <p:stCondLst>
-                              <p:cond delay="0"/>
-                            </p:stCondLst>
-                            <p:childTnLst>
-                              <p:par>
-                                <p:cTn fill="hold" nodeType="clickEffect" presetClass="exit" presetID="10" presetSubtype="0">
-                                  <p:stCondLst>
-                                    <p:cond delay="0"/>
-                                  </p:stCondLst>
-                                  <p:childTnLst>
-                                    <p:animEffect filter="fade" transition="out">
-                                      <p:cBhvr>
-                                        <p:cTn dur="1000"/>
-                                        <p:tgtEl>
-                                          <p:spTgt spid="283"/>
-                                        </p:tgtEl>
-                                      </p:cBhvr>
-                                    </p:animEffect>
-                                    <p:set>
-                                      <p:cBhvr>
-                                        <p:cTn dur="1" fill="hold">
-                                          <p:stCondLst>
-                                            <p:cond delay="1000"/>
-                                          </p:stCondLst>
-                                        </p:cTn>
-                                        <p:tgtEl>
-                                          <p:spTgt spid="283"/>
-                                        </p:tgtEl>
-                                        <p:attrNameLst>
-                                          <p:attrName>style.visibility</p:attrName>
-                                        </p:attrNameLst>
-                                      </p:cBhvr>
-                                      <p:to>
-                                        <p:strVal val="hidden"/>
-                                      </p:to>
-                                    </p:set>
-                                  </p:childTnLst>
-                                </p:cTn>
-                              </p:par>
-                              <p:par>
-                                <p:cTn fill="hold" nodeType="withEffect" presetClass="entr" presetID="10" presetSubtype="0">
-                                  <p:stCondLst>
-                                    <p:cond delay="0"/>
-                                  </p:stCondLst>
-                                  <p:childTnLst>
-                                    <p:set>
-                                      <p:cBhvr>
-                                        <p:cTn dur="1" fill="hold">
-                                          <p:stCondLst>
-                                            <p:cond delay="0"/>
-                                          </p:stCondLst>
-                                        </p:cTn>
-                                        <p:tgtEl>
-                                          <p:spTgt spid="284"/>
-                                        </p:tgtEl>
-                                        <p:attrNameLst>
-                                          <p:attrName>style.visibility</p:attrName>
-                                        </p:attrNameLst>
-                                      </p:cBhvr>
-                                      <p:to>
-                                        <p:strVal val="visible"/>
-                                      </p:to>
-                                    </p:set>
-                                    <p:animEffect filter="fade" transition="in">
-                                      <p:cBhvr>
-                                        <p:cTn dur="1000"/>
-                                        <p:tgtEl>
-                                          <p:spTgt spid="284"/>
-                                        </p:tgtEl>
-                                      </p:cBhvr>
-                                    </p:animEffect>
-                                  </p:childTnLst>
-                                </p:cTn>
-                              </p:par>
-                            </p:childTnLst>
-                          </p:cTn>
-                        </p:par>
-                      </p:childTnLst>
-                    </p:cTn>
-                  </p:par>
                 </p:childTnLst>
               </p:cTn>
               <p:prevCondLst>
@@ -11776,7 +11720,7 @@
   <p:cSld>
     <p:spTree>
       <p:nvGrpSpPr>
-        <p:cNvPr id="288" name="Shape 288"/>
+        <p:cNvPr id="287" name="Shape 287"/>
         <p:cNvGrpSpPr/>
         <p:nvPr/>
       </p:nvGrpSpPr>
@@ -11790,7 +11734,7 @@
       </p:grpSpPr>
       <p:sp>
         <p:nvSpPr>
-          <p:cNvPr id="289" name="Shape 289"/>
+          <p:cNvPr id="288" name="Shape 288"/>
           <p:cNvSpPr txBox="1"/>
           <p:nvPr>
             <p:ph idx="12" type="sldNum"/>
@@ -11826,7 +11770,7 @@
       </p:sp>
       <p:sp>
         <p:nvSpPr>
-          <p:cNvPr id="290" name="Shape 290"/>
+          <p:cNvPr id="289" name="Shape 289"/>
           <p:cNvSpPr txBox="1"/>
           <p:nvPr>
             <p:ph type="title"/>
@@ -11879,7 +11823,7 @@
       </p:sp>
       <p:sp>
         <p:nvSpPr>
-          <p:cNvPr id="291" name="Shape 291"/>
+          <p:cNvPr id="290" name="Shape 290"/>
           <p:cNvSpPr txBox="1"/>
           <p:nvPr>
             <p:ph idx="2" type="sldNum"/>
@@ -11915,7 +11859,7 @@
       </p:sp>
       <p:sp>
         <p:nvSpPr>
-          <p:cNvPr id="292" name="Shape 292"/>
+          <p:cNvPr id="291" name="Shape 291"/>
           <p:cNvSpPr txBox="1"/>
           <p:nvPr>
             <p:ph idx="1" type="body"/>
@@ -12079,7 +12023,7 @@
     </p:bg>
     <p:spTree>
       <p:nvGrpSpPr>
-        <p:cNvPr id="296" name="Shape 296"/>
+        <p:cNvPr id="295" name="Shape 295"/>
         <p:cNvGrpSpPr/>
         <p:nvPr/>
       </p:nvGrpSpPr>
@@ -12093,7 +12037,7 @@
       </p:grpSpPr>
       <p:sp>
         <p:nvSpPr>
-          <p:cNvPr id="297" name="Shape 297"/>
+          <p:cNvPr id="296" name="Shape 296"/>
           <p:cNvSpPr txBox="1"/>
           <p:nvPr>
             <p:ph type="title"/>
@@ -12137,7 +12081,7 @@
       </p:sp>
       <p:sp>
         <p:nvSpPr>
-          <p:cNvPr id="298" name="Shape 298"/>
+          <p:cNvPr id="297" name="Shape 297"/>
           <p:cNvSpPr txBox="1"/>
           <p:nvPr>
             <p:ph idx="12" type="sldNum"/>
@@ -12187,7 +12131,7 @@
   <p:cSld>
     <p:spTree>
       <p:nvGrpSpPr>
-        <p:cNvPr id="302" name="Shape 302"/>
+        <p:cNvPr id="301" name="Shape 301"/>
         <p:cNvGrpSpPr/>
         <p:nvPr/>
       </p:nvGrpSpPr>
@@ -12201,7 +12145,7 @@
       </p:grpSpPr>
       <p:sp>
         <p:nvSpPr>
-          <p:cNvPr id="303" name="Shape 303"/>
+          <p:cNvPr id="302" name="Shape 302"/>
           <p:cNvSpPr txBox="1"/>
           <p:nvPr>
             <p:ph type="title"/>
@@ -12237,7 +12181,7 @@
       </p:sp>
       <p:sp>
         <p:nvSpPr>
-          <p:cNvPr id="304" name="Shape 304"/>
+          <p:cNvPr id="303" name="Shape 303"/>
           <p:cNvSpPr txBox="1"/>
           <p:nvPr>
             <p:ph idx="12" type="sldNum"/>
@@ -12277,7 +12221,7 @@
       </p:sp>
       <p:sp>
         <p:nvSpPr>
-          <p:cNvPr id="305" name="Shape 305"/>
+          <p:cNvPr id="304" name="Shape 304"/>
           <p:cNvSpPr txBox="1"/>
           <p:nvPr>
             <p:ph idx="1" type="body"/>
@@ -12286,7 +12230,7 @@
         <p:spPr>
           <a:xfrm>
             <a:off x="311700" y="1536625"/>
-            <a:ext cx="8588999" cy="4555199"/>
+            <a:ext cx="8666999" cy="4555199"/>
           </a:xfrm>
           <a:prstGeom prst="rect">
             <a:avLst/>
@@ -12489,7 +12433,7 @@
       </p:sp>
       <p:sp>
         <p:nvSpPr>
-          <p:cNvPr id="306" name="Shape 306"/>
+          <p:cNvPr id="305" name="Shape 305"/>
           <p:cNvSpPr txBox="1"/>
           <p:nvPr>
             <p:ph idx="2" type="sldNum"/>
@@ -12539,7 +12483,7 @@
   <p:cSld>
     <p:spTree>
       <p:nvGrpSpPr>
-        <p:cNvPr id="81" name="Shape 81"/>
+        <p:cNvPr id="80" name="Shape 80"/>
         <p:cNvGrpSpPr/>
         <p:nvPr/>
       </p:nvGrpSpPr>
@@ -12553,7 +12497,7 @@
       </p:grpSpPr>
       <p:sp>
         <p:nvSpPr>
-          <p:cNvPr id="82" name="Shape 82"/>
+          <p:cNvPr id="81" name="Shape 81"/>
           <p:cNvSpPr txBox="1"/>
           <p:nvPr>
             <p:ph idx="12" type="sldNum"/>
@@ -12589,7 +12533,7 @@
       </p:sp>
       <p:sp>
         <p:nvSpPr>
-          <p:cNvPr id="83" name="Shape 83"/>
+          <p:cNvPr id="82" name="Shape 82"/>
           <p:cNvSpPr txBox="1"/>
           <p:nvPr>
             <p:ph type="title"/>
@@ -12625,7 +12569,7 @@
       </p:sp>
       <p:sp>
         <p:nvSpPr>
-          <p:cNvPr id="84" name="Shape 84"/>
+          <p:cNvPr id="83" name="Shape 83"/>
           <p:cNvSpPr txBox="1"/>
           <p:nvPr>
             <p:ph idx="2" type="sldNum"/>
@@ -12661,7 +12605,7 @@
       </p:sp>
       <p:sp>
         <p:nvSpPr>
-          <p:cNvPr id="85" name="Shape 85"/>
+          <p:cNvPr id="84" name="Shape 84"/>
           <p:cNvSpPr txBox="1"/>
           <p:nvPr>
             <p:ph idx="1" type="body"/>
@@ -12707,7 +12651,7 @@
       </p:sp>
       <p:sp>
         <p:nvSpPr>
-          <p:cNvPr id="86" name="Shape 86"/>
+          <p:cNvPr id="85" name="Shape 85"/>
           <p:cNvSpPr txBox="1"/>
           <p:nvPr/>
         </p:nvSpPr>
@@ -12833,7 +12777,7 @@
       </p:sp>
       <p:sp>
         <p:nvSpPr>
-          <p:cNvPr id="87" name="Shape 87"/>
+          <p:cNvPr id="86" name="Shape 86"/>
           <p:cNvSpPr txBox="1"/>
           <p:nvPr/>
         </p:nvSpPr>
@@ -12869,11 +12813,7 @@
                 </a:solidFill>
                 <a:hlinkClick r:id="rId3"/>
               </a:rPr>
-              <a:t>http://nmaletm.github.io/git-presentation/</a:t>
-            </a:r>
-            <a:r>
-              <a:rPr lang="en" sz="3000"/>
-              <a:t> </a:t>
+              <a:t>http://nmaletm.github.io/seminari-fib-2016/ </a:t>
             </a:r>
           </a:p>
         </p:txBody>
@@ -12920,7 +12860,7 @@
                                           </p:stCondLst>
                                         </p:cTn>
                                         <p:tgtEl>
-                                          <p:spTgt spid="86"/>
+                                          <p:spTgt spid="85"/>
                                         </p:tgtEl>
                                         <p:attrNameLst>
                                           <p:attrName>style.visibility</p:attrName>
@@ -12934,7 +12874,7 @@
                                       <p:cBhvr>
                                         <p:cTn dur="1000"/>
                                         <p:tgtEl>
-                                          <p:spTgt spid="86"/>
+                                          <p:spTgt spid="85"/>
                                         </p:tgtEl>
                                       </p:cBhvr>
                                     </p:animEffect>
@@ -12977,7 +12917,7 @@
   <p:cSld>
     <p:spTree>
       <p:nvGrpSpPr>
-        <p:cNvPr id="91" name="Shape 91"/>
+        <p:cNvPr id="90" name="Shape 90"/>
         <p:cNvGrpSpPr/>
         <p:nvPr/>
       </p:nvGrpSpPr>
@@ -12991,7 +12931,7 @@
       </p:grpSpPr>
       <p:sp>
         <p:nvSpPr>
-          <p:cNvPr id="92" name="Shape 92"/>
+          <p:cNvPr id="91" name="Shape 91"/>
           <p:cNvSpPr txBox="1"/>
           <p:nvPr>
             <p:ph idx="12" type="sldNum"/>
@@ -13027,7 +12967,7 @@
       </p:sp>
       <p:sp>
         <p:nvSpPr>
-          <p:cNvPr id="93" name="Shape 93"/>
+          <p:cNvPr id="92" name="Shape 92"/>
           <p:cNvSpPr txBox="1"/>
           <p:nvPr>
             <p:ph type="title"/>
@@ -13063,7 +13003,7 @@
       </p:sp>
       <p:sp>
         <p:nvSpPr>
-          <p:cNvPr id="94" name="Shape 94"/>
+          <p:cNvPr id="93" name="Shape 93"/>
           <p:cNvSpPr txBox="1"/>
           <p:nvPr>
             <p:ph idx="2" type="sldNum"/>
@@ -13099,7 +13039,7 @@
       </p:sp>
       <p:sp>
         <p:nvSpPr>
-          <p:cNvPr id="95" name="Shape 95"/>
+          <p:cNvPr id="94" name="Shape 94"/>
           <p:cNvSpPr/>
           <p:nvPr/>
         </p:nvSpPr>
@@ -13150,7 +13090,7 @@
       </p:sp>
       <p:sp>
         <p:nvSpPr>
-          <p:cNvPr id="96" name="Shape 96"/>
+          <p:cNvPr id="95" name="Shape 95"/>
           <p:cNvSpPr/>
           <p:nvPr/>
         </p:nvSpPr>
@@ -13201,7 +13141,7 @@
       </p:sp>
       <p:sp>
         <p:nvSpPr>
-          <p:cNvPr id="97" name="Shape 97"/>
+          <p:cNvPr id="96" name="Shape 96"/>
           <p:cNvSpPr/>
           <p:nvPr/>
         </p:nvSpPr>
@@ -13252,7 +13192,7 @@
       </p:sp>
       <p:sp>
         <p:nvSpPr>
-          <p:cNvPr id="98" name="Shape 98"/>
+          <p:cNvPr id="97" name="Shape 97"/>
           <p:cNvSpPr/>
           <p:nvPr/>
         </p:nvSpPr>
@@ -13303,7 +13243,7 @@
       </p:sp>
       <p:sp>
         <p:nvSpPr>
-          <p:cNvPr id="99" name="Shape 99"/>
+          <p:cNvPr id="98" name="Shape 98"/>
           <p:cNvSpPr/>
           <p:nvPr/>
         </p:nvSpPr>
@@ -13352,7 +13292,7 @@
       </p:sp>
       <p:pic>
         <p:nvPicPr>
-          <p:cNvPr id="100" name="Shape 100"/>
+          <p:cNvPr id="99" name="Shape 99"/>
           <p:cNvPicPr preferRelativeResize="0"/>
           <p:nvPr/>
         </p:nvPicPr>
@@ -13386,7 +13326,7 @@
       </p:pic>
       <p:pic>
         <p:nvPicPr>
-          <p:cNvPr id="101" name="Shape 101"/>
+          <p:cNvPr id="100" name="Shape 100"/>
           <p:cNvPicPr preferRelativeResize="0"/>
           <p:nvPr/>
         </p:nvPicPr>
@@ -13420,7 +13360,7 @@
       </p:pic>
       <p:pic>
         <p:nvPicPr>
-          <p:cNvPr id="102" name="Shape 102"/>
+          <p:cNvPr id="101" name="Shape 101"/>
           <p:cNvPicPr preferRelativeResize="0"/>
           <p:nvPr/>
         </p:nvPicPr>
@@ -13454,7 +13394,7 @@
       </p:pic>
       <p:pic>
         <p:nvPicPr>
-          <p:cNvPr id="103" name="Shape 103"/>
+          <p:cNvPr id="102" name="Shape 102"/>
           <p:cNvPicPr preferRelativeResize="0"/>
           <p:nvPr/>
         </p:nvPicPr>
@@ -13488,7 +13428,7 @@
       </p:pic>
       <p:pic>
         <p:nvPicPr>
-          <p:cNvPr id="104" name="Shape 104"/>
+          <p:cNvPr id="103" name="Shape 103"/>
           <p:cNvPicPr preferRelativeResize="0"/>
           <p:nvPr/>
         </p:nvPicPr>
@@ -13522,7 +13462,7 @@
       </p:pic>
       <p:pic>
         <p:nvPicPr>
-          <p:cNvPr id="105" name="Shape 105"/>
+          <p:cNvPr id="104" name="Shape 104"/>
           <p:cNvPicPr preferRelativeResize="0"/>
           <p:nvPr/>
         </p:nvPicPr>
@@ -13596,7 +13536,7 @@
                                           </p:stCondLst>
                                         </p:cTn>
                                         <p:tgtEl>
-                                          <p:spTgt spid="105"/>
+                                          <p:spTgt spid="104"/>
                                         </p:tgtEl>
                                         <p:attrNameLst>
                                           <p:attrName>style.visibility</p:attrName>
@@ -13610,7 +13550,7 @@
                                       <p:cBhvr>
                                         <p:cTn dur="1000"/>
                                         <p:tgtEl>
-                                          <p:spTgt spid="105"/>
+                                          <p:spTgt spid="104"/>
                                         </p:tgtEl>
                                       </p:cBhvr>
                                     </p:animEffect>
@@ -13653,7 +13593,7 @@
   <p:cSld>
     <p:spTree>
       <p:nvGrpSpPr>
-        <p:cNvPr id="109" name="Shape 109"/>
+        <p:cNvPr id="108" name="Shape 108"/>
         <p:cNvGrpSpPr/>
         <p:nvPr/>
       </p:nvGrpSpPr>
@@ -13667,7 +13607,7 @@
       </p:grpSpPr>
       <p:sp>
         <p:nvSpPr>
-          <p:cNvPr id="110" name="Shape 110"/>
+          <p:cNvPr id="109" name="Shape 109"/>
           <p:cNvSpPr txBox="1"/>
           <p:nvPr>
             <p:ph idx="12" type="sldNum"/>
@@ -13703,7 +13643,7 @@
       </p:sp>
       <p:sp>
         <p:nvSpPr>
-          <p:cNvPr id="111" name="Shape 111"/>
+          <p:cNvPr id="110" name="Shape 110"/>
           <p:cNvSpPr txBox="1"/>
           <p:nvPr>
             <p:ph type="title"/>
@@ -13739,7 +13679,7 @@
       </p:sp>
       <p:sp>
         <p:nvSpPr>
-          <p:cNvPr id="112" name="Shape 112"/>
+          <p:cNvPr id="111" name="Shape 111"/>
           <p:cNvSpPr txBox="1"/>
           <p:nvPr>
             <p:ph idx="2" type="sldNum"/>
@@ -13775,7 +13715,7 @@
       </p:sp>
       <p:sp>
         <p:nvSpPr>
-          <p:cNvPr id="113" name="Shape 113"/>
+          <p:cNvPr id="112" name="Shape 112"/>
           <p:cNvSpPr txBox="1"/>
           <p:nvPr/>
         </p:nvSpPr>
@@ -13811,7 +13751,7 @@
                 </a:solidFill>
                 <a:hlinkClick r:id="rId3"/>
               </a:rPr>
-              <a:t>http://nmaletm.github.io/git-presentation/</a:t>
+              <a:t>http://nmaletm.github.io/seminari-fib-2016/</a:t>
             </a:r>
             <a:r>
               <a:rPr lang="en" sz="3000"/>
@@ -13822,7 +13762,7 @@
       </p:sp>
       <p:sp>
         <p:nvSpPr>
-          <p:cNvPr id="114" name="Shape 114"/>
+          <p:cNvPr id="113" name="Shape 113"/>
           <p:cNvSpPr txBox="1"/>
           <p:nvPr/>
         </p:nvSpPr>
@@ -13880,7 +13820,7 @@
       </p:sp>
       <p:sp>
         <p:nvSpPr>
-          <p:cNvPr id="115" name="Shape 115"/>
+          <p:cNvPr id="114" name="Shape 114"/>
           <p:cNvSpPr txBox="1"/>
           <p:nvPr>
             <p:ph idx="1" type="body"/>
@@ -13940,59 +13880,6 @@
             <p:seq concurrent="1" nextAc="seek">
               <p:cTn dur="indefinite" id="2" nodeType="mainSeq">
                 <p:childTnLst>
-                  <p:par>
-                    <p:cTn fill="hold">
-                      <p:stCondLst>
-                        <p:cond delay="indefinite"/>
-                      </p:stCondLst>
-                      <p:childTnLst>
-                        <p:par>
-                          <p:cTn fill="hold">
-                            <p:stCondLst>
-                              <p:cond delay="0"/>
-                            </p:stCondLst>
-                            <p:childTnLst>
-                              <p:par>
-                                <p:cTn fill="hold" nodeType="clickEffect" presetClass="entr" presetID="10" presetSubtype="0">
-                                  <p:stCondLst>
-                                    <p:cond delay="0"/>
-                                  </p:stCondLst>
-                                  <p:childTnLst>
-                                    <p:set>
-                                      <p:cBhvr>
-                                        <p:cTn dur="1" fill="hold">
-                                          <p:stCondLst>
-                                            <p:cond delay="0"/>
-                                          </p:stCondLst>
-                                        </p:cTn>
-                                        <p:tgtEl>
-                                          <p:spTgt spid="114"/>
-                                        </p:tgtEl>
-                                        <p:attrNameLst>
-                                          <p:attrName>style.visibility</p:attrName>
-                                        </p:attrNameLst>
-                                      </p:cBhvr>
-                                      <p:to>
-                                        <p:strVal val="visible"/>
-                                      </p:to>
-                                    </p:set>
-                                    <p:animEffect filter="fade" transition="in">
-                                      <p:cBhvr>
-                                        <p:cTn dur="1000"/>
-                                        <p:tgtEl>
-                                          <p:spTgt spid="114"/>
-                                        </p:tgtEl>
-                                      </p:cBhvr>
-                                    </p:animEffect>
-                                  </p:childTnLst>
-                                </p:cTn>
-                              </p:par>
-                            </p:childTnLst>
-                          </p:cTn>
-                        </p:par>
-                      </p:childTnLst>
-                    </p:cTn>
-                  </p:par>
                   <p:par>
                     <p:cTn fill="hold">
                       <p:stCondLst>
@@ -14046,6 +13933,59 @@
                       </p:childTnLst>
                     </p:cTn>
                   </p:par>
+                  <p:par>
+                    <p:cTn fill="hold">
+                      <p:stCondLst>
+                        <p:cond delay="indefinite"/>
+                      </p:stCondLst>
+                      <p:childTnLst>
+                        <p:par>
+                          <p:cTn fill="hold">
+                            <p:stCondLst>
+                              <p:cond delay="0"/>
+                            </p:stCondLst>
+                            <p:childTnLst>
+                              <p:par>
+                                <p:cTn fill="hold" nodeType="clickEffect" presetClass="entr" presetID="10" presetSubtype="0">
+                                  <p:stCondLst>
+                                    <p:cond delay="0"/>
+                                  </p:stCondLst>
+                                  <p:childTnLst>
+                                    <p:set>
+                                      <p:cBhvr>
+                                        <p:cTn dur="1" fill="hold">
+                                          <p:stCondLst>
+                                            <p:cond delay="0"/>
+                                          </p:stCondLst>
+                                        </p:cTn>
+                                        <p:tgtEl>
+                                          <p:spTgt spid="112"/>
+                                        </p:tgtEl>
+                                        <p:attrNameLst>
+                                          <p:attrName>style.visibility</p:attrName>
+                                        </p:attrNameLst>
+                                      </p:cBhvr>
+                                      <p:to>
+                                        <p:strVal val="visible"/>
+                                      </p:to>
+                                    </p:set>
+                                    <p:animEffect filter="fade" transition="in">
+                                      <p:cBhvr>
+                                        <p:cTn dur="1000"/>
+                                        <p:tgtEl>
+                                          <p:spTgt spid="112"/>
+                                        </p:tgtEl>
+                                      </p:cBhvr>
+                                    </p:animEffect>
+                                  </p:childTnLst>
+                                </p:cTn>
+                              </p:par>
+                            </p:childTnLst>
+                          </p:cTn>
+                        </p:par>
+                      </p:childTnLst>
+                    </p:cTn>
+                  </p:par>
                 </p:childTnLst>
               </p:cTn>
               <p:prevCondLst>
@@ -14076,7 +14016,7 @@
   <p:cSld>
     <p:spTree>
       <p:nvGrpSpPr>
-        <p:cNvPr id="119" name="Shape 119"/>
+        <p:cNvPr id="118" name="Shape 118"/>
         <p:cNvGrpSpPr/>
         <p:nvPr/>
       </p:nvGrpSpPr>
@@ -14090,7 +14030,7 @@
       </p:grpSpPr>
       <p:sp>
         <p:nvSpPr>
-          <p:cNvPr id="120" name="Shape 120"/>
+          <p:cNvPr id="119" name="Shape 119"/>
           <p:cNvSpPr/>
           <p:nvPr/>
         </p:nvSpPr>
@@ -14141,7 +14081,7 @@
       </p:sp>
       <p:sp>
         <p:nvSpPr>
-          <p:cNvPr id="121" name="Shape 121"/>
+          <p:cNvPr id="120" name="Shape 120"/>
           <p:cNvSpPr/>
           <p:nvPr/>
         </p:nvSpPr>
@@ -14192,7 +14132,7 @@
       </p:sp>
       <p:pic>
         <p:nvPicPr>
-          <p:cNvPr id="122" name="Shape 122"/>
+          <p:cNvPr id="121" name="Shape 121"/>
           <p:cNvPicPr preferRelativeResize="0"/>
           <p:nvPr/>
         </p:nvPicPr>
@@ -14226,7 +14166,7 @@
       </p:pic>
       <p:sp>
         <p:nvSpPr>
-          <p:cNvPr id="123" name="Shape 123"/>
+          <p:cNvPr id="122" name="Shape 122"/>
           <p:cNvSpPr txBox="1"/>
           <p:nvPr>
             <p:ph idx="12" type="sldNum"/>
@@ -14262,7 +14202,7 @@
       </p:sp>
       <p:sp>
         <p:nvSpPr>
-          <p:cNvPr id="124" name="Shape 124"/>
+          <p:cNvPr id="123" name="Shape 123"/>
           <p:cNvSpPr txBox="1"/>
           <p:nvPr>
             <p:ph type="title"/>
@@ -14315,7 +14255,7 @@
       </p:sp>
       <p:sp>
         <p:nvSpPr>
-          <p:cNvPr id="125" name="Shape 125"/>
+          <p:cNvPr id="124" name="Shape 124"/>
           <p:cNvSpPr txBox="1"/>
           <p:nvPr>
             <p:ph idx="2" type="sldNum"/>
@@ -14351,7 +14291,7 @@
       </p:sp>
       <p:sp>
         <p:nvSpPr>
-          <p:cNvPr id="126" name="Shape 126"/>
+          <p:cNvPr id="125" name="Shape 125"/>
           <p:cNvSpPr/>
           <p:nvPr/>
         </p:nvSpPr>
@@ -14402,7 +14342,7 @@
       </p:sp>
       <p:sp>
         <p:nvSpPr>
-          <p:cNvPr id="127" name="Shape 127"/>
+          <p:cNvPr id="126" name="Shape 126"/>
           <p:cNvSpPr/>
           <p:nvPr/>
         </p:nvSpPr>
@@ -14453,7 +14393,7 @@
       </p:sp>
       <p:sp>
         <p:nvSpPr>
-          <p:cNvPr id="128" name="Shape 128"/>
+          <p:cNvPr id="127" name="Shape 127"/>
           <p:cNvSpPr/>
           <p:nvPr/>
         </p:nvSpPr>
@@ -14504,7 +14444,7 @@
       </p:sp>
       <p:sp>
         <p:nvSpPr>
-          <p:cNvPr id="129" name="Shape 129"/>
+          <p:cNvPr id="128" name="Shape 128"/>
           <p:cNvSpPr/>
           <p:nvPr/>
         </p:nvSpPr>
@@ -14555,7 +14495,7 @@
       </p:sp>
       <p:sp>
         <p:nvSpPr>
-          <p:cNvPr id="130" name="Shape 130"/>
+          <p:cNvPr id="129" name="Shape 129"/>
           <p:cNvSpPr/>
           <p:nvPr/>
         </p:nvSpPr>
@@ -14604,7 +14544,7 @@
       </p:sp>
       <p:pic>
         <p:nvPicPr>
-          <p:cNvPr id="131" name="Shape 131"/>
+          <p:cNvPr id="130" name="Shape 130"/>
           <p:cNvPicPr preferRelativeResize="0"/>
           <p:nvPr/>
         </p:nvPicPr>
@@ -14638,7 +14578,7 @@
       </p:pic>
       <p:pic>
         <p:nvPicPr>
-          <p:cNvPr id="132" name="Shape 132"/>
+          <p:cNvPr id="131" name="Shape 131"/>
           <p:cNvPicPr preferRelativeResize="0"/>
           <p:nvPr/>
         </p:nvPicPr>
@@ -14672,7 +14612,7 @@
       </p:pic>
       <p:pic>
         <p:nvPicPr>
-          <p:cNvPr id="133" name="Shape 133"/>
+          <p:cNvPr id="132" name="Shape 132"/>
           <p:cNvPicPr preferRelativeResize="0"/>
           <p:nvPr/>
         </p:nvPicPr>
@@ -14706,7 +14646,7 @@
       </p:pic>
       <p:pic>
         <p:nvPicPr>
-          <p:cNvPr id="134" name="Shape 134"/>
+          <p:cNvPr id="133" name="Shape 133"/>
           <p:cNvPicPr preferRelativeResize="0"/>
           <p:nvPr/>
         </p:nvPicPr>
@@ -14740,7 +14680,7 @@
       </p:pic>
       <p:pic>
         <p:nvPicPr>
-          <p:cNvPr id="135" name="Shape 135"/>
+          <p:cNvPr id="134" name="Shape 134"/>
           <p:cNvPicPr preferRelativeResize="0"/>
           <p:nvPr/>
         </p:nvPicPr>
@@ -14774,7 +14714,7 @@
       </p:pic>
       <p:sp>
         <p:nvSpPr>
-          <p:cNvPr id="136" name="Shape 136"/>
+          <p:cNvPr id="135" name="Shape 135"/>
           <p:cNvSpPr/>
           <p:nvPr/>
         </p:nvSpPr>
@@ -14825,7 +14765,7 @@
       </p:sp>
       <p:pic>
         <p:nvPicPr>
-          <p:cNvPr id="137" name="Shape 137"/>
+          <p:cNvPr id="136" name="Shape 136"/>
           <p:cNvPicPr preferRelativeResize="0"/>
           <p:nvPr/>
         </p:nvPicPr>
@@ -14859,7 +14799,7 @@
       </p:pic>
       <p:pic>
         <p:nvPicPr>
-          <p:cNvPr id="138" name="Shape 138"/>
+          <p:cNvPr id="137" name="Shape 137"/>
           <p:cNvPicPr preferRelativeResize="0"/>
           <p:nvPr/>
         </p:nvPicPr>
@@ -14893,7 +14833,7 @@
       </p:pic>
       <p:pic>
         <p:nvPicPr>
-          <p:cNvPr id="139" name="Shape 139"/>
+          <p:cNvPr id="138" name="Shape 138"/>
           <p:cNvPicPr preferRelativeResize="0"/>
           <p:nvPr/>
         </p:nvPicPr>
@@ -14927,7 +14867,7 @@
       </p:pic>
       <p:sp>
         <p:nvSpPr>
-          <p:cNvPr id="140" name="Shape 140"/>
+          <p:cNvPr id="139" name="Shape 139"/>
           <p:cNvSpPr/>
           <p:nvPr/>
         </p:nvSpPr>
@@ -14978,7 +14918,7 @@
       </p:sp>
       <p:pic>
         <p:nvPicPr>
-          <p:cNvPr id="141" name="Shape 141"/>
+          <p:cNvPr id="140" name="Shape 140"/>
           <p:cNvPicPr preferRelativeResize="0"/>
           <p:nvPr/>
         </p:nvPicPr>
@@ -15040,6 +14980,173 @@
                             <p:childTnLst>
                               <p:par>
                                 <p:cTn fill="hold" nodeType="clickEffect" presetClass="entr" presetID="10" presetSubtype="0">
+                                  <p:stCondLst>
+                                    <p:cond delay="0"/>
+                                  </p:stCondLst>
+                                  <p:childTnLst>
+                                    <p:set>
+                                      <p:cBhvr>
+                                        <p:cTn dur="1" fill="hold">
+                                          <p:stCondLst>
+                                            <p:cond delay="0"/>
+                                          </p:stCondLst>
+                                        </p:cTn>
+                                        <p:tgtEl>
+                                          <p:spTgt spid="135"/>
+                                        </p:tgtEl>
+                                        <p:attrNameLst>
+                                          <p:attrName>style.visibility</p:attrName>
+                                        </p:attrNameLst>
+                                      </p:cBhvr>
+                                      <p:to>
+                                        <p:strVal val="visible"/>
+                                      </p:to>
+                                    </p:set>
+                                    <p:animEffect filter="fade" transition="in">
+                                      <p:cBhvr>
+                                        <p:cTn dur="1000"/>
+                                        <p:tgtEl>
+                                          <p:spTgt spid="135"/>
+                                        </p:tgtEl>
+                                      </p:cBhvr>
+                                    </p:animEffect>
+                                  </p:childTnLst>
+                                </p:cTn>
+                              </p:par>
+                            </p:childTnLst>
+                          </p:cTn>
+                        </p:par>
+                      </p:childTnLst>
+                    </p:cTn>
+                  </p:par>
+                  <p:par>
+                    <p:cTn fill="hold">
+                      <p:stCondLst>
+                        <p:cond delay="indefinite"/>
+                      </p:stCondLst>
+                      <p:childTnLst>
+                        <p:par>
+                          <p:cTn fill="hold">
+                            <p:stCondLst>
+                              <p:cond delay="0"/>
+                            </p:stCondLst>
+                            <p:childTnLst>
+                              <p:par>
+                                <p:cTn fill="hold" nodeType="clickEffect" presetClass="exit" presetID="10" presetSubtype="0">
+                                  <p:stCondLst>
+                                    <p:cond delay="0"/>
+                                  </p:stCondLst>
+                                  <p:childTnLst>
+                                    <p:animEffect filter="fade" transition="out">
+                                      <p:cBhvr>
+                                        <p:cTn dur="1000"/>
+                                        <p:tgtEl>
+                                          <p:spTgt spid="128"/>
+                                        </p:tgtEl>
+                                      </p:cBhvr>
+                                    </p:animEffect>
+                                    <p:set>
+                                      <p:cBhvr>
+                                        <p:cTn dur="1" fill="hold">
+                                          <p:stCondLst>
+                                            <p:cond delay="1000"/>
+                                          </p:stCondLst>
+                                        </p:cTn>
+                                        <p:tgtEl>
+                                          <p:spTgt spid="128"/>
+                                        </p:tgtEl>
+                                        <p:attrNameLst>
+                                          <p:attrName>style.visibility</p:attrName>
+                                        </p:attrNameLst>
+                                      </p:cBhvr>
+                                      <p:to>
+                                        <p:strVal val="hidden"/>
+                                      </p:to>
+                                    </p:set>
+                                  </p:childTnLst>
+                                </p:cTn>
+                              </p:par>
+                              <p:par>
+                                <p:cTn fill="hold" nodeType="withEffect" presetClass="exit" presetID="10" presetSubtype="0">
+                                  <p:stCondLst>
+                                    <p:cond delay="0"/>
+                                  </p:stCondLst>
+                                  <p:childTnLst>
+                                    <p:animEffect filter="fade" transition="out">
+                                      <p:cBhvr>
+                                        <p:cTn dur="1000"/>
+                                        <p:tgtEl>
+                                          <p:spTgt spid="131"/>
+                                        </p:tgtEl>
+                                      </p:cBhvr>
+                                    </p:animEffect>
+                                    <p:set>
+                                      <p:cBhvr>
+                                        <p:cTn dur="1" fill="hold">
+                                          <p:stCondLst>
+                                            <p:cond delay="1000"/>
+                                          </p:stCondLst>
+                                        </p:cTn>
+                                        <p:tgtEl>
+                                          <p:spTgt spid="131"/>
+                                        </p:tgtEl>
+                                        <p:attrNameLst>
+                                          <p:attrName>style.visibility</p:attrName>
+                                        </p:attrNameLst>
+                                      </p:cBhvr>
+                                      <p:to>
+                                        <p:strVal val="hidden"/>
+                                      </p:to>
+                                    </p:set>
+                                  </p:childTnLst>
+                                </p:cTn>
+                              </p:par>
+                              <p:par>
+                                <p:cTn fill="hold" nodeType="withEffect" presetClass="exit" presetID="10" presetSubtype="0">
+                                  <p:stCondLst>
+                                    <p:cond delay="0"/>
+                                  </p:stCondLst>
+                                  <p:childTnLst>
+                                    <p:animEffect filter="fade" transition="out">
+                                      <p:cBhvr>
+                                        <p:cTn dur="1000"/>
+                                        <p:tgtEl>
+                                          <p:spTgt spid="135"/>
+                                        </p:tgtEl>
+                                      </p:cBhvr>
+                                    </p:animEffect>
+                                    <p:set>
+                                      <p:cBhvr>
+                                        <p:cTn dur="1" fill="hold">
+                                          <p:stCondLst>
+                                            <p:cond delay="1000"/>
+                                          </p:stCondLst>
+                                        </p:cTn>
+                                        <p:tgtEl>
+                                          <p:spTgt spid="135"/>
+                                        </p:tgtEl>
+                                        <p:attrNameLst>
+                                          <p:attrName>style.visibility</p:attrName>
+                                        </p:attrNameLst>
+                                      </p:cBhvr>
+                                      <p:to>
+                                        <p:strVal val="hidden"/>
+                                      </p:to>
+                                    </p:set>
+                                  </p:childTnLst>
+                                </p:cTn>
+                              </p:par>
+                            </p:childTnLst>
+                          </p:cTn>
+                        </p:par>
+                        <p:par>
+                          <p:cTn fill="hold">
+                            <p:stCondLst>
+                              <p:cond delay="1000"/>
+                            </p:stCondLst>
+                            <p:childTnLst>
+                              <p:par>
+                                <p:cTn fill="hold" nodeType="afterEffect" presetClass="entr" presetID="10" presetSubtype="0">
                                   <p:stCondLst>
                                     <p:cond delay="0"/>
                                   </p:stCondLst>
@@ -15092,6 +15199,59 @@
                             </p:stCondLst>
                             <p:childTnLst>
                               <p:par>
+                                <p:cTn fill="hold" nodeType="clickEffect" presetClass="entr" presetID="10" presetSubtype="0">
+                                  <p:stCondLst>
+                                    <p:cond delay="0"/>
+                                  </p:stCondLst>
+                                  <p:childTnLst>
+                                    <p:set>
+                                      <p:cBhvr>
+                                        <p:cTn dur="1" fill="hold">
+                                          <p:stCondLst>
+                                            <p:cond delay="0"/>
+                                          </p:stCondLst>
+                                        </p:cTn>
+                                        <p:tgtEl>
+                                          <p:spTgt spid="139"/>
+                                        </p:tgtEl>
+                                        <p:attrNameLst>
+                                          <p:attrName>style.visibility</p:attrName>
+                                        </p:attrNameLst>
+                                      </p:cBhvr>
+                                      <p:to>
+                                        <p:strVal val="visible"/>
+                                      </p:to>
+                                    </p:set>
+                                    <p:animEffect filter="fade" transition="in">
+                                      <p:cBhvr>
+                                        <p:cTn dur="1000"/>
+                                        <p:tgtEl>
+                                          <p:spTgt spid="139"/>
+                                        </p:tgtEl>
+                                      </p:cBhvr>
+                                    </p:animEffect>
+                                  </p:childTnLst>
+                                </p:cTn>
+                              </p:par>
+                            </p:childTnLst>
+                          </p:cTn>
+                        </p:par>
+                      </p:childTnLst>
+                    </p:cTn>
+                  </p:par>
+                  <p:par>
+                    <p:cTn fill="hold">
+                      <p:stCondLst>
+                        <p:cond delay="indefinite"/>
+                      </p:stCondLst>
+                      <p:childTnLst>
+                        <p:par>
+                          <p:cTn fill="hold">
+                            <p:stCondLst>
+                              <p:cond delay="0"/>
+                            </p:stCondLst>
+                            <p:childTnLst>
+                              <p:par>
                                 <p:cTn fill="hold" nodeType="clickEffect" presetClass="exit" presetID="10" presetSubtype="0">
                                   <p:stCondLst>
                                     <p:cond delay="0"/>
@@ -15101,7 +15261,7 @@
                                       <p:cBhvr>
                                         <p:cTn dur="1000"/>
                                         <p:tgtEl>
-                                          <p:spTgt spid="129"/>
+                                          <p:spTgt spid="130"/>
                                         </p:tgtEl>
                                       </p:cBhvr>
                                     </p:animEffect>
@@ -15113,7 +15273,7 @@
                                           </p:stCondLst>
                                         </p:cTn>
                                         <p:tgtEl>
-                                          <p:spTgt spid="129"/>
+                                          <p:spTgt spid="130"/>
                                         </p:tgtEl>
                                         <p:attrNameLst>
                                           <p:attrName>style.visibility</p:attrName>
@@ -15136,7 +15296,7 @@
                                       <p:cBhvr>
                                         <p:cTn dur="1000"/>
                                         <p:tgtEl>
-                                          <p:spTgt spid="132"/>
+                                          <p:spTgt spid="127"/>
                                         </p:tgtEl>
                                       </p:cBhvr>
                                     </p:animEffect>
@@ -15148,7 +15308,7 @@
                                           </p:stCondLst>
                                         </p:cTn>
                                         <p:tgtEl>
-                                          <p:spTgt spid="132"/>
+                                          <p:spTgt spid="127"/>
                                         </p:tgtEl>
                                         <p:attrNameLst>
                                           <p:attrName>style.visibility</p:attrName>
@@ -15171,7 +15331,7 @@
                                       <p:cBhvr>
                                         <p:cTn dur="1000"/>
                                         <p:tgtEl>
-                                          <p:spTgt spid="136"/>
+                                          <p:spTgt spid="139"/>
                                         </p:tgtEl>
                                       </p:cBhvr>
                                     </p:animEffect>
@@ -15183,7 +15343,7 @@
                                           </p:stCondLst>
                                         </p:cTn>
                                         <p:tgtEl>
-                                          <p:spTgt spid="136"/>
+                                          <p:spTgt spid="139"/>
                                         </p:tgtEl>
                                         <p:attrNameLst>
                                           <p:attrName>style.visibility</p:attrName>
@@ -15234,446 +15394,6 @@
                                         <p:cTn dur="1000"/>
                                         <p:tgtEl>
                                           <p:spTgt spid="137"/>
-                                        </p:tgtEl>
-                                      </p:cBhvr>
-                                    </p:animEffect>
-                                  </p:childTnLst>
-                                </p:cTn>
-                              </p:par>
-                            </p:childTnLst>
-                          </p:cTn>
-                        </p:par>
-                      </p:childTnLst>
-                    </p:cTn>
-                  </p:par>
-                  <p:par>
-                    <p:cTn fill="hold">
-                      <p:stCondLst>
-                        <p:cond delay="indefinite"/>
-                      </p:stCondLst>
-                      <p:childTnLst>
-                        <p:par>
-                          <p:cTn fill="hold">
-                            <p:stCondLst>
-                              <p:cond delay="0"/>
-                            </p:stCondLst>
-                            <p:childTnLst>
-                              <p:par>
-                                <p:cTn fill="hold" nodeType="clickEffect" presetClass="entr" presetID="10" presetSubtype="0">
-                                  <p:stCondLst>
-                                    <p:cond delay="0"/>
-                                  </p:stCondLst>
-                                  <p:childTnLst>
-                                    <p:set>
-                                      <p:cBhvr>
-                                        <p:cTn dur="1" fill="hold">
-                                          <p:stCondLst>
-                                            <p:cond delay="0"/>
-                                          </p:stCondLst>
-                                        </p:cTn>
-                                        <p:tgtEl>
-                                          <p:spTgt spid="140"/>
-                                        </p:tgtEl>
-                                        <p:attrNameLst>
-                                          <p:attrName>style.visibility</p:attrName>
-                                        </p:attrNameLst>
-                                      </p:cBhvr>
-                                      <p:to>
-                                        <p:strVal val="visible"/>
-                                      </p:to>
-                                    </p:set>
-                                    <p:animEffect filter="fade" transition="in">
-                                      <p:cBhvr>
-                                        <p:cTn dur="1000"/>
-                                        <p:tgtEl>
-                                          <p:spTgt spid="140"/>
-                                        </p:tgtEl>
-                                      </p:cBhvr>
-                                    </p:animEffect>
-                                  </p:childTnLst>
-                                </p:cTn>
-                              </p:par>
-                            </p:childTnLst>
-                          </p:cTn>
-                        </p:par>
-                      </p:childTnLst>
-                    </p:cTn>
-                  </p:par>
-                  <p:par>
-                    <p:cTn fill="hold">
-                      <p:stCondLst>
-                        <p:cond delay="indefinite"/>
-                      </p:stCondLst>
-                      <p:childTnLst>
-                        <p:par>
-                          <p:cTn fill="hold">
-                            <p:stCondLst>
-                              <p:cond delay="0"/>
-                            </p:stCondLst>
-                            <p:childTnLst>
-                              <p:par>
-                                <p:cTn fill="hold" nodeType="clickEffect" presetClass="exit" presetID="10" presetSubtype="0">
-                                  <p:stCondLst>
-                                    <p:cond delay="0"/>
-                                  </p:stCondLst>
-                                  <p:childTnLst>
-                                    <p:animEffect filter="fade" transition="out">
-                                      <p:cBhvr>
-                                        <p:cTn dur="1000"/>
-                                        <p:tgtEl>
-                                          <p:spTgt spid="131"/>
-                                        </p:tgtEl>
-                                      </p:cBhvr>
-                                    </p:animEffect>
-                                    <p:set>
-                                      <p:cBhvr>
-                                        <p:cTn dur="1" fill="hold">
-                                          <p:stCondLst>
-                                            <p:cond delay="1000"/>
-                                          </p:stCondLst>
-                                        </p:cTn>
-                                        <p:tgtEl>
-                                          <p:spTgt spid="131"/>
-                                        </p:tgtEl>
-                                        <p:attrNameLst>
-                                          <p:attrName>style.visibility</p:attrName>
-                                        </p:attrNameLst>
-                                      </p:cBhvr>
-                                      <p:to>
-                                        <p:strVal val="hidden"/>
-                                      </p:to>
-                                    </p:set>
-                                  </p:childTnLst>
-                                </p:cTn>
-                              </p:par>
-                              <p:par>
-                                <p:cTn fill="hold" nodeType="withEffect" presetClass="exit" presetID="10" presetSubtype="0">
-                                  <p:stCondLst>
-                                    <p:cond delay="0"/>
-                                  </p:stCondLst>
-                                  <p:childTnLst>
-                                    <p:animEffect filter="fade" transition="out">
-                                      <p:cBhvr>
-                                        <p:cTn dur="1000"/>
-                                        <p:tgtEl>
-                                          <p:spTgt spid="128"/>
-                                        </p:tgtEl>
-                                      </p:cBhvr>
-                                    </p:animEffect>
-                                    <p:set>
-                                      <p:cBhvr>
-                                        <p:cTn dur="1" fill="hold">
-                                          <p:stCondLst>
-                                            <p:cond delay="1000"/>
-                                          </p:stCondLst>
-                                        </p:cTn>
-                                        <p:tgtEl>
-                                          <p:spTgt spid="128"/>
-                                        </p:tgtEl>
-                                        <p:attrNameLst>
-                                          <p:attrName>style.visibility</p:attrName>
-                                        </p:attrNameLst>
-                                      </p:cBhvr>
-                                      <p:to>
-                                        <p:strVal val="hidden"/>
-                                      </p:to>
-                                    </p:set>
-                                  </p:childTnLst>
-                                </p:cTn>
-                              </p:par>
-                              <p:par>
-                                <p:cTn fill="hold" nodeType="withEffect" presetClass="exit" presetID="10" presetSubtype="0">
-                                  <p:stCondLst>
-                                    <p:cond delay="0"/>
-                                  </p:stCondLst>
-                                  <p:childTnLst>
-                                    <p:animEffect filter="fade" transition="out">
-                                      <p:cBhvr>
-                                        <p:cTn dur="1000"/>
-                                        <p:tgtEl>
-                                          <p:spTgt spid="140"/>
-                                        </p:tgtEl>
-                                      </p:cBhvr>
-                                    </p:animEffect>
-                                    <p:set>
-                                      <p:cBhvr>
-                                        <p:cTn dur="1" fill="hold">
-                                          <p:stCondLst>
-                                            <p:cond delay="1000"/>
-                                          </p:stCondLst>
-                                        </p:cTn>
-                                        <p:tgtEl>
-                                          <p:spTgt spid="140"/>
-                                        </p:tgtEl>
-                                        <p:attrNameLst>
-                                          <p:attrName>style.visibility</p:attrName>
-                                        </p:attrNameLst>
-                                      </p:cBhvr>
-                                      <p:to>
-                                        <p:strVal val="hidden"/>
-                                      </p:to>
-                                    </p:set>
-                                  </p:childTnLst>
-                                </p:cTn>
-                              </p:par>
-                            </p:childTnLst>
-                          </p:cTn>
-                        </p:par>
-                        <p:par>
-                          <p:cTn fill="hold">
-                            <p:stCondLst>
-                              <p:cond delay="1000"/>
-                            </p:stCondLst>
-                            <p:childTnLst>
-                              <p:par>
-                                <p:cTn fill="hold" nodeType="afterEffect" presetClass="entr" presetID="10" presetSubtype="0">
-                                  <p:stCondLst>
-                                    <p:cond delay="0"/>
-                                  </p:stCondLst>
-                                  <p:childTnLst>
-                                    <p:set>
-                                      <p:cBhvr>
-                                        <p:cTn dur="1" fill="hold">
-                                          <p:stCondLst>
-                                            <p:cond delay="0"/>
-                                          </p:stCondLst>
-                                        </p:cTn>
-                                        <p:tgtEl>
-                                          <p:spTgt spid="138"/>
-                                        </p:tgtEl>
-                                        <p:attrNameLst>
-                                          <p:attrName>style.visibility</p:attrName>
-                                        </p:attrNameLst>
-                                      </p:cBhvr>
-                                      <p:to>
-                                        <p:strVal val="visible"/>
-                                      </p:to>
-                                    </p:set>
-                                    <p:animEffect filter="fade" transition="in">
-                                      <p:cBhvr>
-                                        <p:cTn dur="1000"/>
-                                        <p:tgtEl>
-                                          <p:spTgt spid="138"/>
-                                        </p:tgtEl>
-                                      </p:cBhvr>
-                                    </p:animEffect>
-                                  </p:childTnLst>
-                                </p:cTn>
-                              </p:par>
-                            </p:childTnLst>
-                          </p:cTn>
-                        </p:par>
-                      </p:childTnLst>
-                    </p:cTn>
-                  </p:par>
-                  <p:par>
-                    <p:cTn fill="hold">
-                      <p:stCondLst>
-                        <p:cond delay="indefinite"/>
-                      </p:stCondLst>
-                      <p:childTnLst>
-                        <p:par>
-                          <p:cTn fill="hold">
-                            <p:stCondLst>
-                              <p:cond delay="0"/>
-                            </p:stCondLst>
-                            <p:childTnLst>
-                              <p:par>
-                                <p:cTn fill="hold" nodeType="clickEffect" presetClass="entr" presetID="10" presetSubtype="0">
-                                  <p:stCondLst>
-                                    <p:cond delay="0"/>
-                                  </p:stCondLst>
-                                  <p:childTnLst>
-                                    <p:set>
-                                      <p:cBhvr>
-                                        <p:cTn dur="1" fill="hold">
-                                          <p:stCondLst>
-                                            <p:cond delay="0"/>
-                                          </p:stCondLst>
-                                        </p:cTn>
-                                        <p:tgtEl>
-                                          <p:spTgt spid="121"/>
-                                        </p:tgtEl>
-                                        <p:attrNameLst>
-                                          <p:attrName>style.visibility</p:attrName>
-                                        </p:attrNameLst>
-                                      </p:cBhvr>
-                                      <p:to>
-                                        <p:strVal val="visible"/>
-                                      </p:to>
-                                    </p:set>
-                                    <p:animEffect filter="fade" transition="in">
-                                      <p:cBhvr>
-                                        <p:cTn dur="1000"/>
-                                        <p:tgtEl>
-                                          <p:spTgt spid="121"/>
-                                        </p:tgtEl>
-                                      </p:cBhvr>
-                                    </p:animEffect>
-                                  </p:childTnLst>
-                                </p:cTn>
-                              </p:par>
-                            </p:childTnLst>
-                          </p:cTn>
-                        </p:par>
-                      </p:childTnLst>
-                    </p:cTn>
-                  </p:par>
-                  <p:par>
-                    <p:cTn fill="hold">
-                      <p:stCondLst>
-                        <p:cond delay="indefinite"/>
-                      </p:stCondLst>
-                      <p:childTnLst>
-                        <p:par>
-                          <p:cTn fill="hold">
-                            <p:stCondLst>
-                              <p:cond delay="0"/>
-                            </p:stCondLst>
-                            <p:childTnLst>
-                              <p:par>
-                                <p:cTn fill="hold" nodeType="clickEffect" presetClass="exit" presetID="10" presetSubtype="0">
-                                  <p:stCondLst>
-                                    <p:cond delay="0"/>
-                                  </p:stCondLst>
-                                  <p:childTnLst>
-                                    <p:animEffect filter="fade" transition="out">
-                                      <p:cBhvr>
-                                        <p:cTn dur="1000"/>
-                                        <p:tgtEl>
-                                          <p:spTgt spid="127"/>
-                                        </p:tgtEl>
-                                      </p:cBhvr>
-                                    </p:animEffect>
-                                    <p:set>
-                                      <p:cBhvr>
-                                        <p:cTn dur="1" fill="hold">
-                                          <p:stCondLst>
-                                            <p:cond delay="1000"/>
-                                          </p:stCondLst>
-                                        </p:cTn>
-                                        <p:tgtEl>
-                                          <p:spTgt spid="127"/>
-                                        </p:tgtEl>
-                                        <p:attrNameLst>
-                                          <p:attrName>style.visibility</p:attrName>
-                                        </p:attrNameLst>
-                                      </p:cBhvr>
-                                      <p:to>
-                                        <p:strVal val="hidden"/>
-                                      </p:to>
-                                    </p:set>
-                                  </p:childTnLst>
-                                </p:cTn>
-                              </p:par>
-                              <p:par>
-                                <p:cTn fill="hold" nodeType="withEffect" presetClass="exit" presetID="10" presetSubtype="0">
-                                  <p:stCondLst>
-                                    <p:cond delay="0"/>
-                                  </p:stCondLst>
-                                  <p:childTnLst>
-                                    <p:animEffect filter="fade" transition="out">
-                                      <p:cBhvr>
-                                        <p:cTn dur="1000"/>
-                                        <p:tgtEl>
-                                          <p:spTgt spid="121"/>
-                                        </p:tgtEl>
-                                      </p:cBhvr>
-                                    </p:animEffect>
-                                    <p:set>
-                                      <p:cBhvr>
-                                        <p:cTn dur="1" fill="hold">
-                                          <p:stCondLst>
-                                            <p:cond delay="1000"/>
-                                          </p:stCondLst>
-                                        </p:cTn>
-                                        <p:tgtEl>
-                                          <p:spTgt spid="121"/>
-                                        </p:tgtEl>
-                                        <p:attrNameLst>
-                                          <p:attrName>style.visibility</p:attrName>
-                                        </p:attrNameLst>
-                                      </p:cBhvr>
-                                      <p:to>
-                                        <p:strVal val="hidden"/>
-                                      </p:to>
-                                    </p:set>
-                                  </p:childTnLst>
-                                </p:cTn>
-                              </p:par>
-                              <p:par>
-                                <p:cTn fill="hold" nodeType="withEffect" presetClass="exit" presetID="10" presetSubtype="0">
-                                  <p:stCondLst>
-                                    <p:cond delay="0"/>
-                                  </p:stCondLst>
-                                  <p:childTnLst>
-                                    <p:animEffect filter="fade" transition="out">
-                                      <p:cBhvr>
-                                        <p:cTn dur="1000"/>
-                                        <p:tgtEl>
-                                          <p:spTgt spid="133"/>
-                                        </p:tgtEl>
-                                      </p:cBhvr>
-                                    </p:animEffect>
-                                    <p:set>
-                                      <p:cBhvr>
-                                        <p:cTn dur="1" fill="hold">
-                                          <p:stCondLst>
-                                            <p:cond delay="1000"/>
-                                          </p:stCondLst>
-                                        </p:cTn>
-                                        <p:tgtEl>
-                                          <p:spTgt spid="133"/>
-                                        </p:tgtEl>
-                                        <p:attrNameLst>
-                                          <p:attrName>style.visibility</p:attrName>
-                                        </p:attrNameLst>
-                                      </p:cBhvr>
-                                      <p:to>
-                                        <p:strVal val="hidden"/>
-                                      </p:to>
-                                    </p:set>
-                                  </p:childTnLst>
-                                </p:cTn>
-                              </p:par>
-                            </p:childTnLst>
-                          </p:cTn>
-                        </p:par>
-                        <p:par>
-                          <p:cTn fill="hold">
-                            <p:stCondLst>
-                              <p:cond delay="1000"/>
-                            </p:stCondLst>
-                            <p:childTnLst>
-                              <p:par>
-                                <p:cTn fill="hold" nodeType="afterEffect" presetClass="entr" presetID="10" presetSubtype="0">
-                                  <p:stCondLst>
-                                    <p:cond delay="0"/>
-                                  </p:stCondLst>
-                                  <p:childTnLst>
-                                    <p:set>
-                                      <p:cBhvr>
-                                        <p:cTn dur="1" fill="hold">
-                                          <p:stCondLst>
-                                            <p:cond delay="0"/>
-                                          </p:stCondLst>
-                                        </p:cTn>
-                                        <p:tgtEl>
-                                          <p:spTgt spid="139"/>
-                                        </p:tgtEl>
-                                        <p:attrNameLst>
-                                          <p:attrName>style.visibility</p:attrName>
-                                        </p:attrNameLst>
-                                      </p:cBhvr>
-                                      <p:to>
-                                        <p:strVal val="visible"/>
-                                      </p:to>
-                                    </p:set>
-                                    <p:animEffect filter="fade" transition="in">
-                                      <p:cBhvr>
-                                        <p:cTn dur="1000"/>
-                                        <p:tgtEl>
-                                          <p:spTgt spid="139"/>
                                         </p:tgtEl>
                                       </p:cBhvr>
                                     </p:animEffect>
@@ -15796,7 +15516,7 @@
                                       <p:cBhvr>
                                         <p:cTn dur="1000"/>
                                         <p:tgtEl>
-                                          <p:spTgt spid="134"/>
+                                          <p:spTgt spid="120"/>
                                         </p:tgtEl>
                                       </p:cBhvr>
                                     </p:animEffect>
@@ -15808,7 +15528,7 @@
                                           </p:stCondLst>
                                         </p:cTn>
                                         <p:tgtEl>
-                                          <p:spTgt spid="134"/>
+                                          <p:spTgt spid="120"/>
                                         </p:tgtEl>
                                         <p:attrNameLst>
                                           <p:attrName>style.visibility</p:attrName>
@@ -15831,7 +15551,7 @@
                                       <p:cBhvr>
                                         <p:cTn dur="1000"/>
                                         <p:tgtEl>
-                                          <p:spTgt spid="120"/>
+                                          <p:spTgt spid="132"/>
                                         </p:tgtEl>
                                       </p:cBhvr>
                                     </p:animEffect>
@@ -15843,7 +15563,7 @@
                                           </p:stCondLst>
                                         </p:cTn>
                                         <p:tgtEl>
-                                          <p:spTgt spid="120"/>
+                                          <p:spTgt spid="132"/>
                                         </p:tgtEl>
                                         <p:attrNameLst>
                                           <p:attrName>style.visibility</p:attrName>
@@ -15879,7 +15599,7 @@
                                           </p:stCondLst>
                                         </p:cTn>
                                         <p:tgtEl>
-                                          <p:spTgt spid="141"/>
+                                          <p:spTgt spid="138"/>
                                         </p:tgtEl>
                                         <p:attrNameLst>
                                           <p:attrName>style.visibility</p:attrName>
@@ -15893,7 +15613,227 @@
                                       <p:cBhvr>
                                         <p:cTn dur="1000"/>
                                         <p:tgtEl>
-                                          <p:spTgt spid="141"/>
+                                          <p:spTgt spid="138"/>
+                                        </p:tgtEl>
+                                      </p:cBhvr>
+                                    </p:animEffect>
+                                  </p:childTnLst>
+                                </p:cTn>
+                              </p:par>
+                            </p:childTnLst>
+                          </p:cTn>
+                        </p:par>
+                      </p:childTnLst>
+                    </p:cTn>
+                  </p:par>
+                  <p:par>
+                    <p:cTn fill="hold">
+                      <p:stCondLst>
+                        <p:cond delay="indefinite"/>
+                      </p:stCondLst>
+                      <p:childTnLst>
+                        <p:par>
+                          <p:cTn fill="hold">
+                            <p:stCondLst>
+                              <p:cond delay="0"/>
+                            </p:stCondLst>
+                            <p:childTnLst>
+                              <p:par>
+                                <p:cTn fill="hold" nodeType="clickEffect" presetClass="entr" presetID="10" presetSubtype="0">
+                                  <p:stCondLst>
+                                    <p:cond delay="0"/>
+                                  </p:stCondLst>
+                                  <p:childTnLst>
+                                    <p:set>
+                                      <p:cBhvr>
+                                        <p:cTn dur="1" fill="hold">
+                                          <p:stCondLst>
+                                            <p:cond delay="0"/>
+                                          </p:stCondLst>
+                                        </p:cTn>
+                                        <p:tgtEl>
+                                          <p:spTgt spid="119"/>
+                                        </p:tgtEl>
+                                        <p:attrNameLst>
+                                          <p:attrName>style.visibility</p:attrName>
+                                        </p:attrNameLst>
+                                      </p:cBhvr>
+                                      <p:to>
+                                        <p:strVal val="visible"/>
+                                      </p:to>
+                                    </p:set>
+                                    <p:animEffect filter="fade" transition="in">
+                                      <p:cBhvr>
+                                        <p:cTn dur="1000"/>
+                                        <p:tgtEl>
+                                          <p:spTgt spid="119"/>
+                                        </p:tgtEl>
+                                      </p:cBhvr>
+                                    </p:animEffect>
+                                  </p:childTnLst>
+                                </p:cTn>
+                              </p:par>
+                            </p:childTnLst>
+                          </p:cTn>
+                        </p:par>
+                      </p:childTnLst>
+                    </p:cTn>
+                  </p:par>
+                  <p:par>
+                    <p:cTn fill="hold">
+                      <p:stCondLst>
+                        <p:cond delay="indefinite"/>
+                      </p:stCondLst>
+                      <p:childTnLst>
+                        <p:par>
+                          <p:cTn fill="hold">
+                            <p:stCondLst>
+                              <p:cond delay="0"/>
+                            </p:stCondLst>
+                            <p:childTnLst>
+                              <p:par>
+                                <p:cTn fill="hold" nodeType="clickEffect" presetClass="exit" presetID="10" presetSubtype="0">
+                                  <p:stCondLst>
+                                    <p:cond delay="0"/>
+                                  </p:stCondLst>
+                                  <p:childTnLst>
+                                    <p:animEffect filter="fade" transition="out">
+                                      <p:cBhvr>
+                                        <p:cTn dur="1000"/>
+                                        <p:tgtEl>
+                                          <p:spTgt spid="125"/>
+                                        </p:tgtEl>
+                                      </p:cBhvr>
+                                    </p:animEffect>
+                                    <p:set>
+                                      <p:cBhvr>
+                                        <p:cTn dur="1" fill="hold">
+                                          <p:stCondLst>
+                                            <p:cond delay="1000"/>
+                                          </p:stCondLst>
+                                        </p:cTn>
+                                        <p:tgtEl>
+                                          <p:spTgt spid="125"/>
+                                        </p:tgtEl>
+                                        <p:attrNameLst>
+                                          <p:attrName>style.visibility</p:attrName>
+                                        </p:attrNameLst>
+                                      </p:cBhvr>
+                                      <p:to>
+                                        <p:strVal val="hidden"/>
+                                      </p:to>
+                                    </p:set>
+                                  </p:childTnLst>
+                                </p:cTn>
+                              </p:par>
+                              <p:par>
+                                <p:cTn fill="hold" nodeType="withEffect" presetClass="exit" presetID="10" presetSubtype="0">
+                                  <p:stCondLst>
+                                    <p:cond delay="0"/>
+                                  </p:stCondLst>
+                                  <p:childTnLst>
+                                    <p:animEffect filter="fade" transition="out">
+                                      <p:cBhvr>
+                                        <p:cTn dur="1000"/>
+                                        <p:tgtEl>
+                                          <p:spTgt spid="133"/>
+                                        </p:tgtEl>
+                                      </p:cBhvr>
+                                    </p:animEffect>
+                                    <p:set>
+                                      <p:cBhvr>
+                                        <p:cTn dur="1" fill="hold">
+                                          <p:stCondLst>
+                                            <p:cond delay="1000"/>
+                                          </p:stCondLst>
+                                        </p:cTn>
+                                        <p:tgtEl>
+                                          <p:spTgt spid="133"/>
+                                        </p:tgtEl>
+                                        <p:attrNameLst>
+                                          <p:attrName>style.visibility</p:attrName>
+                                        </p:attrNameLst>
+                                      </p:cBhvr>
+                                      <p:to>
+                                        <p:strVal val="hidden"/>
+                                      </p:to>
+                                    </p:set>
+                                  </p:childTnLst>
+                                </p:cTn>
+                              </p:par>
+                              <p:par>
+                                <p:cTn fill="hold" nodeType="withEffect" presetClass="exit" presetID="10" presetSubtype="0">
+                                  <p:stCondLst>
+                                    <p:cond delay="0"/>
+                                  </p:stCondLst>
+                                  <p:childTnLst>
+                                    <p:animEffect filter="fade" transition="out">
+                                      <p:cBhvr>
+                                        <p:cTn dur="1000"/>
+                                        <p:tgtEl>
+                                          <p:spTgt spid="119"/>
+                                        </p:tgtEl>
+                                      </p:cBhvr>
+                                    </p:animEffect>
+                                    <p:set>
+                                      <p:cBhvr>
+                                        <p:cTn dur="1" fill="hold">
+                                          <p:stCondLst>
+                                            <p:cond delay="1000"/>
+                                          </p:stCondLst>
+                                        </p:cTn>
+                                        <p:tgtEl>
+                                          <p:spTgt spid="119"/>
+                                        </p:tgtEl>
+                                        <p:attrNameLst>
+                                          <p:attrName>style.visibility</p:attrName>
+                                        </p:attrNameLst>
+                                      </p:cBhvr>
+                                      <p:to>
+                                        <p:strVal val="hidden"/>
+                                      </p:to>
+                                    </p:set>
+                                  </p:childTnLst>
+                                </p:cTn>
+                              </p:par>
+                            </p:childTnLst>
+                          </p:cTn>
+                        </p:par>
+                        <p:par>
+                          <p:cTn fill="hold">
+                            <p:stCondLst>
+                              <p:cond delay="1000"/>
+                            </p:stCondLst>
+                            <p:childTnLst>
+                              <p:par>
+                                <p:cTn fill="hold" nodeType="afterEffect" presetClass="entr" presetID="10" presetSubtype="0">
+                                  <p:stCondLst>
+                                    <p:cond delay="0"/>
+                                  </p:stCondLst>
+                                  <p:childTnLst>
+                                    <p:set>
+                                      <p:cBhvr>
+                                        <p:cTn dur="1" fill="hold">
+                                          <p:stCondLst>
+                                            <p:cond delay="0"/>
+                                          </p:stCondLst>
+                                        </p:cTn>
+                                        <p:tgtEl>
+                                          <p:spTgt spid="140"/>
+                                        </p:tgtEl>
+                                        <p:attrNameLst>
+                                          <p:attrName>style.visibility</p:attrName>
+                                        </p:attrNameLst>
+                                      </p:cBhvr>
+                                      <p:to>
+                                        <p:strVal val="visible"/>
+                                      </p:to>
+                                    </p:set>
+                                    <p:animEffect filter="fade" transition="in">
+                                      <p:cBhvr>
+                                        <p:cTn dur="1000"/>
+                                        <p:tgtEl>
+                                          <p:spTgt spid="140"/>
                                         </p:tgtEl>
                                       </p:cBhvr>
                                     </p:animEffect>
@@ -15936,7 +15876,7 @@
   <p:cSld>
     <p:spTree>
       <p:nvGrpSpPr>
-        <p:cNvPr id="145" name="Shape 145"/>
+        <p:cNvPr id="144" name="Shape 144"/>
         <p:cNvGrpSpPr/>
         <p:nvPr/>
       </p:nvGrpSpPr>
@@ -15950,7 +15890,7 @@
       </p:grpSpPr>
       <p:sp>
         <p:nvSpPr>
-          <p:cNvPr id="146" name="Shape 146"/>
+          <p:cNvPr id="145" name="Shape 145"/>
           <p:cNvSpPr txBox="1"/>
           <p:nvPr>
             <p:ph type="title"/>
@@ -15986,7 +15926,7 @@
       </p:sp>
       <p:sp>
         <p:nvSpPr>
-          <p:cNvPr id="147" name="Shape 147"/>
+          <p:cNvPr id="146" name="Shape 146"/>
           <p:cNvSpPr txBox="1"/>
           <p:nvPr>
             <p:ph idx="12" type="sldNum"/>
@@ -16040,7 +15980,7 @@
   <p:cSld>
     <p:spTree>
       <p:nvGrpSpPr>
-        <p:cNvPr id="151" name="Shape 151"/>
+        <p:cNvPr id="150" name="Shape 150"/>
         <p:cNvGrpSpPr/>
         <p:nvPr/>
       </p:nvGrpSpPr>
@@ -16054,7 +15994,7 @@
       </p:grpSpPr>
       <p:sp>
         <p:nvSpPr>
-          <p:cNvPr id="152" name="Shape 152"/>
+          <p:cNvPr id="151" name="Shape 151"/>
           <p:cNvSpPr txBox="1"/>
           <p:nvPr>
             <p:ph idx="12" type="sldNum"/>
@@ -16090,7 +16030,7 @@
       </p:sp>
       <p:sp>
         <p:nvSpPr>
-          <p:cNvPr id="153" name="Shape 153"/>
+          <p:cNvPr id="152" name="Shape 152"/>
           <p:cNvSpPr txBox="1"/>
           <p:nvPr>
             <p:ph type="title"/>
@@ -16126,7 +16066,7 @@
       </p:sp>
       <p:sp>
         <p:nvSpPr>
-          <p:cNvPr id="154" name="Shape 154"/>
+          <p:cNvPr id="153" name="Shape 153"/>
           <p:cNvSpPr txBox="1"/>
           <p:nvPr>
             <p:ph idx="2" type="sldNum"/>
@@ -16162,7 +16102,7 @@
       </p:sp>
       <p:sp>
         <p:nvSpPr>
-          <p:cNvPr id="155" name="Shape 155"/>
+          <p:cNvPr id="154" name="Shape 154"/>
           <p:cNvSpPr txBox="1"/>
           <p:nvPr/>
         </p:nvSpPr>
@@ -16274,7 +16214,7 @@
       </p:sp>
       <p:sp>
         <p:nvSpPr>
-          <p:cNvPr id="156" name="Shape 156"/>
+          <p:cNvPr id="155" name="Shape 155"/>
           <p:cNvSpPr txBox="1"/>
           <p:nvPr/>
         </p:nvSpPr>
@@ -16386,7 +16326,7 @@
       </p:sp>
       <p:sp>
         <p:nvSpPr>
-          <p:cNvPr id="157" name="Shape 157"/>
+          <p:cNvPr id="156" name="Shape 156"/>
           <p:cNvSpPr txBox="1"/>
           <p:nvPr/>
         </p:nvSpPr>
@@ -16498,7 +16438,7 @@
       </p:sp>
       <p:sp>
         <p:nvSpPr>
-          <p:cNvPr id="158" name="Shape 158"/>
+          <p:cNvPr id="157" name="Shape 157"/>
           <p:cNvSpPr txBox="1"/>
           <p:nvPr/>
         </p:nvSpPr>
@@ -16700,7 +16640,7 @@
       </p:sp>
       <p:sp>
         <p:nvSpPr>
-          <p:cNvPr id="159" name="Shape 159"/>
+          <p:cNvPr id="158" name="Shape 158"/>
           <p:cNvSpPr txBox="1"/>
           <p:nvPr/>
         </p:nvSpPr>
@@ -16819,7 +16759,7 @@
       </p:sp>
       <p:sp>
         <p:nvSpPr>
-          <p:cNvPr id="160" name="Shape 160"/>
+          <p:cNvPr id="159" name="Shape 159"/>
           <p:cNvSpPr txBox="1"/>
           <p:nvPr/>
         </p:nvSpPr>
@@ -16915,6 +16855,41 @@
                                           </p:stCondLst>
                                         </p:cTn>
                                         <p:tgtEl>
+                                          <p:spTgt spid="155"/>
+                                        </p:tgtEl>
+                                        <p:attrNameLst>
+                                          <p:attrName>style.visibility</p:attrName>
+                                        </p:attrNameLst>
+                                      </p:cBhvr>
+                                      <p:to>
+                                        <p:strVal val="visible"/>
+                                      </p:to>
+                                    </p:set>
+                                    <p:animEffect filter="fade" transition="in">
+                                      <p:cBhvr>
+                                        <p:cTn dur="1000"/>
+                                        <p:tgtEl>
+                                          <p:spTgt spid="155"/>
+                                        </p:tgtEl>
+                                      </p:cBhvr>
+                                    </p:animEffect>
+                                  </p:childTnLst>
+                                </p:cTn>
+                              </p:par>
+                              <p:par>
+                                <p:cTn fill="hold" nodeType="withEffect" presetClass="entr" presetID="10" presetSubtype="0">
+                                  <p:stCondLst>
+                                    <p:cond delay="0"/>
+                                  </p:stCondLst>
+                                  <p:childTnLst>
+                                    <p:set>
+                                      <p:cBhvr>
+                                        <p:cTn dur="1" fill="hold">
+                                          <p:stCondLst>
+                                            <p:cond delay="0"/>
+                                          </p:stCondLst>
+                                        </p:cTn>
+                                        <p:tgtEl>
                                           <p:spTgt spid="156"/>
                                         </p:tgtEl>
                                         <p:attrNameLst>
@@ -16936,8 +16911,26 @@
                                   </p:childTnLst>
                                 </p:cTn>
                               </p:par>
+                            </p:childTnLst>
+                          </p:cTn>
+                        </p:par>
+                      </p:childTnLst>
+                    </p:cTn>
+                  </p:par>
+                  <p:par>
+                    <p:cTn fill="hold">
+                      <p:stCondLst>
+                        <p:cond delay="indefinite"/>
+                      </p:stCondLst>
+                      <p:childTnLst>
+                        <p:par>
+                          <p:cTn fill="hold">
+                            <p:stCondLst>
+                              <p:cond delay="0"/>
+                            </p:stCondLst>
+                            <p:childTnLst>
                               <p:par>
-                                <p:cTn fill="hold" nodeType="withEffect" presetClass="entr" presetID="10" presetSubtype="0">
+                                <p:cTn fill="hold" nodeType="clickEffect" presetClass="entr" presetID="10" presetSubtype="0">
                                   <p:stCondLst>
                                     <p:cond delay="0"/>
                                   </p:stCondLst>
@@ -16990,59 +16983,6 @@
                             </p:stCondLst>
                             <p:childTnLst>
                               <p:par>
-                                <p:cTn fill="hold" nodeType="clickEffect" presetClass="entr" presetID="10" presetSubtype="0">
-                                  <p:stCondLst>
-                                    <p:cond delay="0"/>
-                                  </p:stCondLst>
-                                  <p:childTnLst>
-                                    <p:set>
-                                      <p:cBhvr>
-                                        <p:cTn dur="1" fill="hold">
-                                          <p:stCondLst>
-                                            <p:cond delay="0"/>
-                                          </p:stCondLst>
-                                        </p:cTn>
-                                        <p:tgtEl>
-                                          <p:spTgt spid="158"/>
-                                        </p:tgtEl>
-                                        <p:attrNameLst>
-                                          <p:attrName>style.visibility</p:attrName>
-                                        </p:attrNameLst>
-                                      </p:cBhvr>
-                                      <p:to>
-                                        <p:strVal val="visible"/>
-                                      </p:to>
-                                    </p:set>
-                                    <p:animEffect filter="fade" transition="in">
-                                      <p:cBhvr>
-                                        <p:cTn dur="1000"/>
-                                        <p:tgtEl>
-                                          <p:spTgt spid="158"/>
-                                        </p:tgtEl>
-                                      </p:cBhvr>
-                                    </p:animEffect>
-                                  </p:childTnLst>
-                                </p:cTn>
-                              </p:par>
-                            </p:childTnLst>
-                          </p:cTn>
-                        </p:par>
-                      </p:childTnLst>
-                    </p:cTn>
-                  </p:par>
-                  <p:par>
-                    <p:cTn fill="hold">
-                      <p:stCondLst>
-                        <p:cond delay="indefinite"/>
-                      </p:stCondLst>
-                      <p:childTnLst>
-                        <p:par>
-                          <p:cTn fill="hold">
-                            <p:stCondLst>
-                              <p:cond delay="0"/>
-                            </p:stCondLst>
-                            <p:childTnLst>
-                              <p:par>
                                 <p:cTn fill="hold" nodeType="clickEffect" presetClass="exit" presetID="10" presetSubtype="0">
                                   <p:stCondLst>
                                     <p:cond delay="0"/>
@@ -17052,7 +16992,7 @@
                                       <p:cBhvr>
                                         <p:cTn dur="1000"/>
                                         <p:tgtEl>
-                                          <p:spTgt spid="158"/>
+                                          <p:spTgt spid="157"/>
                                         </p:tgtEl>
                                       </p:cBhvr>
                                     </p:animEffect>
@@ -17064,7 +17004,7 @@
                                           </p:stCondLst>
                                         </p:cTn>
                                         <p:tgtEl>
-                                          <p:spTgt spid="158"/>
+                                          <p:spTgt spid="157"/>
                                         </p:tgtEl>
                                         <p:attrNameLst>
                                           <p:attrName>style.visibility</p:attrName>
@@ -17100,7 +17040,7 @@
                                           </p:stCondLst>
                                         </p:cTn>
                                         <p:tgtEl>
-                                          <p:spTgt spid="159"/>
+                                          <p:spTgt spid="158"/>
                                         </p:tgtEl>
                                         <p:attrNameLst>
                                           <p:attrName>style.visibility</p:attrName>
@@ -17114,7 +17054,7 @@
                                       <p:cBhvr>
                                         <p:cTn dur="1000"/>
                                         <p:tgtEl>
-                                          <p:spTgt spid="159"/>
+                                          <p:spTgt spid="158"/>
                                         </p:tgtEl>
                                       </p:cBhvr>
                                     </p:animEffect>
@@ -17157,7 +17097,7 @@
   <p:cSld>
     <p:spTree>
       <p:nvGrpSpPr>
-        <p:cNvPr id="164" name="Shape 164"/>
+        <p:cNvPr id="163" name="Shape 163"/>
         <p:cNvGrpSpPr/>
         <p:nvPr/>
       </p:nvGrpSpPr>
@@ -17171,7 +17111,7 @@
       </p:grpSpPr>
       <p:sp>
         <p:nvSpPr>
-          <p:cNvPr id="165" name="Shape 165"/>
+          <p:cNvPr id="164" name="Shape 164"/>
           <p:cNvSpPr txBox="1"/>
           <p:nvPr>
             <p:ph type="title"/>
@@ -17207,7 +17147,7 @@
       </p:sp>
       <p:sp>
         <p:nvSpPr>
-          <p:cNvPr id="166" name="Shape 166"/>
+          <p:cNvPr id="165" name="Shape 165"/>
           <p:cNvSpPr txBox="1"/>
           <p:nvPr>
             <p:ph idx="12" type="sldNum"/>

--- a/Presentations/P2.1 - Git.pptx
+++ b/Presentations/P2.1 - Git.pptx
@@ -33,16 +33,17 @@
     <p:sldId id="278" r:id="rId27"/>
     <p:sldId id="279" r:id="rId28"/>
     <p:sldId id="280" r:id="rId29"/>
+    <p:sldId id="281" r:id="rId30"/>
   </p:sldIdLst>
   <p:sldSz cy="6858000" cx="9144000"/>
   <p:notesSz cx="6858000" cy="9144000"/>
   <p:embeddedFontLst>
     <p:embeddedFont>
       <p:font typeface="Open Sans"/>
-      <p:regular r:id="rId30"/>
-      <p:bold r:id="rId31"/>
-      <p:italic r:id="rId32"/>
-      <p:boldItalic r:id="rId33"/>
+      <p:regular r:id="rId31"/>
+      <p:bold r:id="rId32"/>
+      <p:italic r:id="rId33"/>
+      <p:boldItalic r:id="rId34"/>
     </p:embeddedFont>
   </p:embeddedFontLst>
   <p:defaultTextStyle>
@@ -457,16 +458,6 @@
               </a:path>
             </a:pathLst>
           </a:custGeom>
-          <a:noFill/>
-          <a:ln cap="flat" cmpd="sng" w="9525">
-            <a:solidFill>
-              <a:srgbClr val="000000"/>
-            </a:solidFill>
-            <a:prstDash val="solid"/>
-            <a:round/>
-            <a:headEnd len="med" w="med" type="none"/>
-            <a:tailEnd len="med" w="med" type="none"/>
-          </a:ln>
         </p:spPr>
       </p:sp>
       <p:sp>
@@ -562,16 +553,6 @@
               </a:path>
             </a:pathLst>
           </a:custGeom>
-          <a:noFill/>
-          <a:ln cap="flat" cmpd="sng" w="9525">
-            <a:solidFill>
-              <a:srgbClr val="000000"/>
-            </a:solidFill>
-            <a:prstDash val="solid"/>
-            <a:round/>
-            <a:headEnd len="med" w="med" type="none"/>
-            <a:tailEnd len="med" w="med" type="none"/>
-          </a:ln>
         </p:spPr>
       </p:sp>
       <p:sp>
@@ -667,16 +648,6 @@
               </a:path>
             </a:pathLst>
           </a:custGeom>
-          <a:noFill/>
-          <a:ln cap="flat" cmpd="sng" w="9525">
-            <a:solidFill>
-              <a:srgbClr val="000000"/>
-            </a:solidFill>
-            <a:prstDash val="solid"/>
-            <a:round/>
-            <a:headEnd len="med" w="med" type="none"/>
-            <a:tailEnd len="med" w="med" type="none"/>
-          </a:ln>
         </p:spPr>
       </p:sp>
       <p:sp>
@@ -772,16 +743,6 @@
               </a:path>
             </a:pathLst>
           </a:custGeom>
-          <a:noFill/>
-          <a:ln cap="flat" cmpd="sng" w="9525">
-            <a:solidFill>
-              <a:srgbClr val="000000"/>
-            </a:solidFill>
-            <a:prstDash val="solid"/>
-            <a:round/>
-            <a:headEnd len="med" w="med" type="none"/>
-            <a:tailEnd len="med" w="med" type="none"/>
-          </a:ln>
         </p:spPr>
       </p:sp>
       <p:sp>
@@ -814,9 +775,18 @@
               <a:buNone/>
             </a:pPr>
             <a:r>
-              <a:t/>
+              <a:rPr lang="en" u="sng">
+                <a:solidFill>
+                  <a:schemeClr val="hlink"/>
+                </a:solidFill>
+                <a:hlinkClick r:id="rId2"/>
+              </a:rPr>
+              <a:t>http://nmaletm.github.io/seminari-fib-2016/graph.html#rebase</a:t>
             </a:r>
-            <a:endParaRPr/>
+            <a:r>
+              <a:rPr lang="en"/>
+              <a:t> </a:t>
+            </a:r>
           </a:p>
         </p:txBody>
       </p:sp>
@@ -833,7 +803,7 @@
   <p:cSld>
     <p:spTree>
       <p:nvGrpSpPr>
-        <p:cNvPr id="185" name="Shape 185"/>
+        <p:cNvPr id="186" name="Shape 186"/>
         <p:cNvGrpSpPr/>
         <p:nvPr/>
       </p:nvGrpSpPr>
@@ -847,7 +817,7 @@
       </p:grpSpPr>
       <p:sp>
         <p:nvSpPr>
-          <p:cNvPr id="186" name="Shape 186"/>
+          <p:cNvPr id="187" name="Shape 187"/>
           <p:cNvSpPr/>
           <p:nvPr>
             <p:ph idx="2" type="sldImg"/>
@@ -877,21 +847,11 @@
               </a:path>
             </a:pathLst>
           </a:custGeom>
-          <a:noFill/>
-          <a:ln cap="flat" cmpd="sng" w="9525">
-            <a:solidFill>
-              <a:srgbClr val="000000"/>
-            </a:solidFill>
-            <a:prstDash val="solid"/>
-            <a:round/>
-            <a:headEnd len="med" w="med" type="none"/>
-            <a:tailEnd len="med" w="med" type="none"/>
-          </a:ln>
-        </p:spPr>
-      </p:sp>
-      <p:sp>
-        <p:nvSpPr>
-          <p:cNvPr id="187" name="Shape 187"/>
+        </p:spPr>
+      </p:sp>
+      <p:sp>
+        <p:nvSpPr>
+          <p:cNvPr id="188" name="Shape 188"/>
           <p:cNvSpPr txBox="1"/>
           <p:nvPr>
             <p:ph idx="1" type="body"/>
@@ -919,9 +879,18 @@
               <a:buNone/>
             </a:pPr>
             <a:r>
-              <a:t/>
+              <a:rPr lang="en" u="sng">
+                <a:solidFill>
+                  <a:schemeClr val="hlink"/>
+                </a:solidFill>
+                <a:hlinkClick r:id="rId2"/>
+              </a:rPr>
+              <a:t>http://nmaletm.github.io/seminari-fib-2016/graph.html#rebase</a:t>
             </a:r>
-            <a:endParaRPr/>
+            <a:r>
+              <a:rPr lang="en"/>
+              <a:t> </a:t>
+            </a:r>
           </a:p>
         </p:txBody>
       </p:sp>
@@ -938,7 +907,7 @@
   <p:cSld>
     <p:spTree>
       <p:nvGrpSpPr>
-        <p:cNvPr id="195" name="Shape 195"/>
+        <p:cNvPr id="196" name="Shape 196"/>
         <p:cNvGrpSpPr/>
         <p:nvPr/>
       </p:nvGrpSpPr>
@@ -952,7 +921,7 @@
       </p:grpSpPr>
       <p:sp>
         <p:nvSpPr>
-          <p:cNvPr id="196" name="Shape 196"/>
+          <p:cNvPr id="197" name="Shape 197"/>
           <p:cNvSpPr/>
           <p:nvPr>
             <p:ph idx="2" type="sldImg"/>
@@ -982,21 +951,11 @@
               </a:path>
             </a:pathLst>
           </a:custGeom>
-          <a:noFill/>
-          <a:ln cap="flat" cmpd="sng" w="9525">
-            <a:solidFill>
-              <a:srgbClr val="000000"/>
-            </a:solidFill>
-            <a:prstDash val="solid"/>
-            <a:round/>
-            <a:headEnd len="med" w="med" type="none"/>
-            <a:tailEnd len="med" w="med" type="none"/>
-          </a:ln>
-        </p:spPr>
-      </p:sp>
-      <p:sp>
-        <p:nvSpPr>
-          <p:cNvPr id="197" name="Shape 197"/>
+        </p:spPr>
+      </p:sp>
+      <p:sp>
+        <p:nvSpPr>
+          <p:cNvPr id="198" name="Shape 198"/>
           <p:cNvSpPr txBox="1"/>
           <p:nvPr>
             <p:ph idx="1" type="body"/>
@@ -1043,7 +1002,7 @@
   <p:cSld>
     <p:spTree>
       <p:nvGrpSpPr>
-        <p:cNvPr id="205" name="Shape 205"/>
+        <p:cNvPr id="206" name="Shape 206"/>
         <p:cNvGrpSpPr/>
         <p:nvPr/>
       </p:nvGrpSpPr>
@@ -1057,7 +1016,7 @@
       </p:grpSpPr>
       <p:sp>
         <p:nvSpPr>
-          <p:cNvPr id="206" name="Shape 206"/>
+          <p:cNvPr id="207" name="Shape 207"/>
           <p:cNvSpPr/>
           <p:nvPr>
             <p:ph idx="2" type="sldImg"/>
@@ -1087,21 +1046,11 @@
               </a:path>
             </a:pathLst>
           </a:custGeom>
-          <a:noFill/>
-          <a:ln cap="flat" cmpd="sng" w="9525">
-            <a:solidFill>
-              <a:srgbClr val="000000"/>
-            </a:solidFill>
-            <a:prstDash val="solid"/>
-            <a:round/>
-            <a:headEnd len="med" w="med" type="none"/>
-            <a:tailEnd len="med" w="med" type="none"/>
-          </a:ln>
-        </p:spPr>
-      </p:sp>
-      <p:sp>
-        <p:nvSpPr>
-          <p:cNvPr id="207" name="Shape 207"/>
+        </p:spPr>
+      </p:sp>
+      <p:sp>
+        <p:nvSpPr>
+          <p:cNvPr id="208" name="Shape 208"/>
           <p:cNvSpPr txBox="1"/>
           <p:nvPr>
             <p:ph idx="1" type="body"/>
@@ -1148,7 +1097,7 @@
   <p:cSld>
     <p:spTree>
       <p:nvGrpSpPr>
-        <p:cNvPr id="211" name="Shape 211"/>
+        <p:cNvPr id="216" name="Shape 216"/>
         <p:cNvGrpSpPr/>
         <p:nvPr/>
       </p:nvGrpSpPr>
@@ -1162,7 +1111,7 @@
       </p:grpSpPr>
       <p:sp>
         <p:nvSpPr>
-          <p:cNvPr id="212" name="Shape 212"/>
+          <p:cNvPr id="217" name="Shape 217"/>
           <p:cNvSpPr/>
           <p:nvPr>
             <p:ph idx="2" type="sldImg"/>
@@ -1192,21 +1141,11 @@
               </a:path>
             </a:pathLst>
           </a:custGeom>
-          <a:noFill/>
-          <a:ln cap="flat" cmpd="sng" w="9525">
-            <a:solidFill>
-              <a:srgbClr val="000000"/>
-            </a:solidFill>
-            <a:prstDash val="solid"/>
-            <a:round/>
-            <a:headEnd len="med" w="med" type="none"/>
-            <a:tailEnd len="med" w="med" type="none"/>
-          </a:ln>
-        </p:spPr>
-      </p:sp>
-      <p:sp>
-        <p:nvSpPr>
-          <p:cNvPr id="213" name="Shape 213"/>
+        </p:spPr>
+      </p:sp>
+      <p:sp>
+        <p:nvSpPr>
+          <p:cNvPr id="218" name="Shape 218"/>
           <p:cNvSpPr txBox="1"/>
           <p:nvPr>
             <p:ph idx="1" type="body"/>
@@ -1253,7 +1192,7 @@
   <p:cSld>
     <p:spTree>
       <p:nvGrpSpPr>
-        <p:cNvPr id="219" name="Shape 219"/>
+        <p:cNvPr id="222" name="Shape 222"/>
         <p:cNvGrpSpPr/>
         <p:nvPr/>
       </p:nvGrpSpPr>
@@ -1267,7 +1206,7 @@
       </p:grpSpPr>
       <p:sp>
         <p:nvSpPr>
-          <p:cNvPr id="220" name="Shape 220"/>
+          <p:cNvPr id="223" name="Shape 223"/>
           <p:cNvSpPr/>
           <p:nvPr>
             <p:ph idx="2" type="sldImg"/>
@@ -1297,21 +1236,11 @@
               </a:path>
             </a:pathLst>
           </a:custGeom>
-          <a:noFill/>
-          <a:ln cap="flat" cmpd="sng" w="9525">
-            <a:solidFill>
-              <a:srgbClr val="000000"/>
-            </a:solidFill>
-            <a:prstDash val="solid"/>
-            <a:round/>
-            <a:headEnd len="med" w="med" type="none"/>
-            <a:tailEnd len="med" w="med" type="none"/>
-          </a:ln>
-        </p:spPr>
-      </p:sp>
-      <p:sp>
-        <p:nvSpPr>
-          <p:cNvPr id="221" name="Shape 221"/>
+        </p:spPr>
+      </p:sp>
+      <p:sp>
+        <p:nvSpPr>
+          <p:cNvPr id="224" name="Shape 224"/>
           <p:cNvSpPr txBox="1"/>
           <p:nvPr>
             <p:ph idx="1" type="body"/>
@@ -1358,7 +1287,7 @@
   <p:cSld>
     <p:spTree>
       <p:nvGrpSpPr>
-        <p:cNvPr id="231" name="Shape 231"/>
+        <p:cNvPr id="230" name="Shape 230"/>
         <p:cNvGrpSpPr/>
         <p:nvPr/>
       </p:nvGrpSpPr>
@@ -1372,7 +1301,7 @@
       </p:grpSpPr>
       <p:sp>
         <p:nvSpPr>
-          <p:cNvPr id="232" name="Shape 232"/>
+          <p:cNvPr id="231" name="Shape 231"/>
           <p:cNvSpPr/>
           <p:nvPr>
             <p:ph idx="2" type="sldImg"/>
@@ -1402,21 +1331,11 @@
               </a:path>
             </a:pathLst>
           </a:custGeom>
-          <a:noFill/>
-          <a:ln cap="flat" cmpd="sng" w="9525">
-            <a:solidFill>
-              <a:srgbClr val="000000"/>
-            </a:solidFill>
-            <a:prstDash val="solid"/>
-            <a:round/>
-            <a:headEnd len="med" w="med" type="none"/>
-            <a:tailEnd len="med" w="med" type="none"/>
-          </a:ln>
-        </p:spPr>
-      </p:sp>
-      <p:sp>
-        <p:nvSpPr>
-          <p:cNvPr id="233" name="Shape 233"/>
+        </p:spPr>
+      </p:sp>
+      <p:sp>
+        <p:nvSpPr>
+          <p:cNvPr id="232" name="Shape 232"/>
           <p:cNvSpPr txBox="1"/>
           <p:nvPr>
             <p:ph idx="1" type="body"/>
@@ -1507,16 +1426,6 @@
               </a:path>
             </a:pathLst>
           </a:custGeom>
-          <a:noFill/>
-          <a:ln cap="flat" cmpd="sng" w="9525">
-            <a:solidFill>
-              <a:srgbClr val="000000"/>
-            </a:solidFill>
-            <a:prstDash val="solid"/>
-            <a:round/>
-            <a:headEnd len="med" w="med" type="none"/>
-            <a:tailEnd len="med" w="med" type="none"/>
-          </a:ln>
         </p:spPr>
       </p:sp>
       <p:sp>
@@ -1568,7 +1477,7 @@
   <p:cSld>
     <p:spTree>
       <p:nvGrpSpPr>
-        <p:cNvPr id="254" name="Shape 254"/>
+        <p:cNvPr id="253" name="Shape 253"/>
         <p:cNvGrpSpPr/>
         <p:nvPr/>
       </p:nvGrpSpPr>
@@ -1582,7 +1491,7 @@
       </p:grpSpPr>
       <p:sp>
         <p:nvSpPr>
-          <p:cNvPr id="255" name="Shape 255"/>
+          <p:cNvPr id="254" name="Shape 254"/>
           <p:cNvSpPr/>
           <p:nvPr>
             <p:ph idx="2" type="sldImg"/>
@@ -1612,21 +1521,11 @@
               </a:path>
             </a:pathLst>
           </a:custGeom>
-          <a:noFill/>
-          <a:ln cap="flat" cmpd="sng" w="9525">
-            <a:solidFill>
-              <a:srgbClr val="000000"/>
-            </a:solidFill>
-            <a:prstDash val="solid"/>
-            <a:round/>
-            <a:headEnd len="med" w="med" type="none"/>
-            <a:tailEnd len="med" w="med" type="none"/>
-          </a:ln>
-        </p:spPr>
-      </p:sp>
-      <p:sp>
-        <p:nvSpPr>
-          <p:cNvPr id="256" name="Shape 256"/>
+        </p:spPr>
+      </p:sp>
+      <p:sp>
+        <p:nvSpPr>
+          <p:cNvPr id="255" name="Shape 255"/>
           <p:cNvSpPr txBox="1"/>
           <p:nvPr>
             <p:ph idx="1" type="body"/>
@@ -1717,16 +1616,6 @@
               </a:path>
             </a:pathLst>
           </a:custGeom>
-          <a:noFill/>
-          <a:ln cap="flat" cmpd="sng" w="9525">
-            <a:solidFill>
-              <a:srgbClr val="000000"/>
-            </a:solidFill>
-            <a:prstDash val="solid"/>
-            <a:round/>
-            <a:headEnd len="med" w="med" type="none"/>
-            <a:tailEnd len="med" w="med" type="none"/>
-          </a:ln>
         </p:spPr>
       </p:sp>
       <p:sp>
@@ -1778,7 +1667,7 @@
   <p:cSld>
     <p:spTree>
       <p:nvGrpSpPr>
-        <p:cNvPr id="264" name="Shape 264"/>
+        <p:cNvPr id="265" name="Shape 265"/>
         <p:cNvGrpSpPr/>
         <p:nvPr/>
       </p:nvGrpSpPr>
@@ -1792,7 +1681,7 @@
       </p:grpSpPr>
       <p:sp>
         <p:nvSpPr>
-          <p:cNvPr id="265" name="Shape 265"/>
+          <p:cNvPr id="266" name="Shape 266"/>
           <p:cNvSpPr/>
           <p:nvPr>
             <p:ph idx="2" type="sldImg"/>
@@ -1822,21 +1711,11 @@
               </a:path>
             </a:pathLst>
           </a:custGeom>
-          <a:noFill/>
-          <a:ln cap="flat" cmpd="sng" w="9525">
-            <a:solidFill>
-              <a:srgbClr val="000000"/>
-            </a:solidFill>
-            <a:prstDash val="solid"/>
-            <a:round/>
-            <a:headEnd len="med" w="med" type="none"/>
-            <a:tailEnd len="med" w="med" type="none"/>
-          </a:ln>
-        </p:spPr>
-      </p:sp>
-      <p:sp>
-        <p:nvSpPr>
-          <p:cNvPr id="266" name="Shape 266"/>
+        </p:spPr>
+      </p:sp>
+      <p:sp>
+        <p:nvSpPr>
+          <p:cNvPr id="267" name="Shape 267"/>
           <p:cNvSpPr txBox="1"/>
           <p:nvPr>
             <p:ph idx="1" type="body"/>
@@ -1857,7 +1736,7 @@
           </a:bodyPr>
           <a:lstStyle/>
           <a:p>
-            <a:pPr lvl="0">
+            <a:pPr lvl="0" rtl="0">
               <a:spcBef>
                 <a:spcPts val="0"/>
               </a:spcBef>
@@ -1883,7 +1762,7 @@
   <p:cSld>
     <p:spTree>
       <p:nvGrpSpPr>
-        <p:cNvPr id="272" name="Shape 272"/>
+        <p:cNvPr id="275" name="Shape 275"/>
         <p:cNvGrpSpPr/>
         <p:nvPr/>
       </p:nvGrpSpPr>
@@ -1897,7 +1776,7 @@
       </p:grpSpPr>
       <p:sp>
         <p:nvSpPr>
-          <p:cNvPr id="273" name="Shape 273"/>
+          <p:cNvPr id="276" name="Shape 276"/>
           <p:cNvSpPr/>
           <p:nvPr>
             <p:ph idx="2" type="sldImg"/>
@@ -1927,21 +1806,11 @@
               </a:path>
             </a:pathLst>
           </a:custGeom>
-          <a:noFill/>
-          <a:ln cap="flat" cmpd="sng" w="9525">
-            <a:solidFill>
-              <a:srgbClr val="000000"/>
-            </a:solidFill>
-            <a:prstDash val="solid"/>
-            <a:round/>
-            <a:headEnd len="med" w="med" type="none"/>
-            <a:tailEnd len="med" w="med" type="none"/>
-          </a:ln>
-        </p:spPr>
-      </p:sp>
-      <p:sp>
-        <p:nvSpPr>
-          <p:cNvPr id="274" name="Shape 274"/>
+        </p:spPr>
+      </p:sp>
+      <p:sp>
+        <p:nvSpPr>
+          <p:cNvPr id="277" name="Shape 277"/>
           <p:cNvSpPr txBox="1"/>
           <p:nvPr>
             <p:ph idx="1" type="body"/>
@@ -1962,7 +1831,7 @@
           </a:bodyPr>
           <a:lstStyle/>
           <a:p>
-            <a:pPr lvl="0" rtl="0">
+            <a:pPr lvl="0">
               <a:spcBef>
                 <a:spcPts val="0"/>
               </a:spcBef>
@@ -1988,7 +1857,7 @@
   <p:cSld>
     <p:spTree>
       <p:nvGrpSpPr>
-        <p:cNvPr id="284" name="Shape 284"/>
+        <p:cNvPr id="283" name="Shape 283"/>
         <p:cNvGrpSpPr/>
         <p:nvPr/>
       </p:nvGrpSpPr>
@@ -2002,7 +1871,7 @@
       </p:grpSpPr>
       <p:sp>
         <p:nvSpPr>
-          <p:cNvPr id="285" name="Shape 285"/>
+          <p:cNvPr id="284" name="Shape 284"/>
           <p:cNvSpPr/>
           <p:nvPr>
             <p:ph idx="2" type="sldImg"/>
@@ -2032,21 +1901,11 @@
               </a:path>
             </a:pathLst>
           </a:custGeom>
-          <a:noFill/>
-          <a:ln cap="flat" cmpd="sng" w="9525">
-            <a:solidFill>
-              <a:srgbClr val="000000"/>
-            </a:solidFill>
-            <a:prstDash val="solid"/>
-            <a:round/>
-            <a:headEnd len="med" w="med" type="none"/>
-            <a:tailEnd len="med" w="med" type="none"/>
-          </a:ln>
-        </p:spPr>
-      </p:sp>
-      <p:sp>
-        <p:nvSpPr>
-          <p:cNvPr id="286" name="Shape 286"/>
+        </p:spPr>
+      </p:sp>
+      <p:sp>
+        <p:nvSpPr>
+          <p:cNvPr id="285" name="Shape 285"/>
           <p:cNvSpPr txBox="1"/>
           <p:nvPr>
             <p:ph idx="1" type="body"/>
@@ -2093,7 +1952,7 @@
   <p:cSld>
     <p:spTree>
       <p:nvGrpSpPr>
-        <p:cNvPr id="292" name="Shape 292"/>
+        <p:cNvPr id="295" name="Shape 295"/>
         <p:cNvGrpSpPr/>
         <p:nvPr/>
       </p:nvGrpSpPr>
@@ -2107,7 +1966,7 @@
       </p:grpSpPr>
       <p:sp>
         <p:nvSpPr>
-          <p:cNvPr id="293" name="Shape 293"/>
+          <p:cNvPr id="296" name="Shape 296"/>
           <p:cNvSpPr/>
           <p:nvPr>
             <p:ph idx="2" type="sldImg"/>
@@ -2115,8 +1974,8 @@
         </p:nvSpPr>
         <p:spPr>
           <a:xfrm>
-            <a:off x="1143210" y="685800"/>
-            <a:ext cx="4572225" cy="3429000"/>
+            <a:off x="1143309" y="685800"/>
+            <a:ext cx="4572000" cy="3429000"/>
           </a:xfrm>
           <a:custGeom>
             <a:pathLst>
@@ -2137,21 +1996,11 @@
               </a:path>
             </a:pathLst>
           </a:custGeom>
-          <a:noFill/>
-          <a:ln cap="flat" cmpd="sng" w="9525">
-            <a:solidFill>
-              <a:srgbClr val="000000"/>
-            </a:solidFill>
-            <a:prstDash val="solid"/>
-            <a:round/>
-            <a:headEnd len="med" w="med" type="none"/>
-            <a:tailEnd len="med" w="med" type="none"/>
-          </a:ln>
-        </p:spPr>
-      </p:sp>
-      <p:sp>
-        <p:nvSpPr>
-          <p:cNvPr id="294" name="Shape 294"/>
+        </p:spPr>
+      </p:sp>
+      <p:sp>
+        <p:nvSpPr>
+          <p:cNvPr id="297" name="Shape 297"/>
           <p:cNvSpPr txBox="1"/>
           <p:nvPr>
             <p:ph idx="1" type="body"/>
@@ -2172,16 +2021,16 @@
           </a:bodyPr>
           <a:lstStyle/>
           <a:p>
-            <a:pPr lvl="0">
+            <a:pPr lvl="0" rtl="0">
               <a:spcBef>
                 <a:spcPts val="0"/>
               </a:spcBef>
               <a:buNone/>
             </a:pPr>
             <a:r>
-              <a:rPr lang="en"/>
-              <a:t>Presentación de Gavi!</a:t>
+              <a:t/>
             </a:r>
+            <a:endParaRPr/>
           </a:p>
         </p:txBody>
       </p:sp>
@@ -2198,7 +2047,7 @@
   <p:cSld>
     <p:spTree>
       <p:nvGrpSpPr>
-        <p:cNvPr id="298" name="Shape 298"/>
+        <p:cNvPr id="303" name="Shape 303"/>
         <p:cNvGrpSpPr/>
         <p:nvPr/>
       </p:nvGrpSpPr>
@@ -2212,7 +2061,7 @@
       </p:grpSpPr>
       <p:sp>
         <p:nvSpPr>
-          <p:cNvPr id="299" name="Shape 299"/>
+          <p:cNvPr id="304" name="Shape 304"/>
           <p:cNvSpPr/>
           <p:nvPr>
             <p:ph idx="2" type="sldImg"/>
@@ -2220,8 +2069,8 @@
         </p:nvSpPr>
         <p:spPr>
           <a:xfrm>
-            <a:off x="1143309" y="685800"/>
-            <a:ext cx="4572000" cy="3429000"/>
+            <a:off x="1143210" y="685800"/>
+            <a:ext cx="4572225" cy="3429000"/>
           </a:xfrm>
           <a:custGeom>
             <a:pathLst>
@@ -2242,21 +2091,106 @@
               </a:path>
             </a:pathLst>
           </a:custGeom>
-          <a:noFill/>
-          <a:ln cap="flat" cmpd="sng" w="9525">
-            <a:solidFill>
-              <a:srgbClr val="000000"/>
-            </a:solidFill>
-            <a:prstDash val="solid"/>
-            <a:round/>
-            <a:headEnd len="med" w="med" type="none"/>
-            <a:tailEnd len="med" w="med" type="none"/>
-          </a:ln>
-        </p:spPr>
-      </p:sp>
-      <p:sp>
-        <p:nvSpPr>
-          <p:cNvPr id="300" name="Shape 300"/>
+        </p:spPr>
+      </p:sp>
+      <p:sp>
+        <p:nvSpPr>
+          <p:cNvPr id="305" name="Shape 305"/>
+          <p:cNvSpPr txBox="1"/>
+          <p:nvPr>
+            <p:ph idx="1" type="body"/>
+          </p:nvPr>
+        </p:nvSpPr>
+        <p:spPr>
+          <a:xfrm>
+            <a:off x="685800" y="4343400"/>
+            <a:ext cx="5486399" cy="4114800"/>
+          </a:xfrm>
+          <a:prstGeom prst="rect">
+            <a:avLst/>
+          </a:prstGeom>
+        </p:spPr>
+        <p:txBody>
+          <a:bodyPr anchorCtr="0" anchor="t" bIns="91425" lIns="91425" rIns="91425" tIns="91425">
+            <a:noAutofit/>
+          </a:bodyPr>
+          <a:lstStyle/>
+          <a:p>
+            <a:pPr lvl="0">
+              <a:spcBef>
+                <a:spcPts val="0"/>
+              </a:spcBef>
+              <a:buNone/>
+            </a:pPr>
+            <a:r>
+              <a:rPr lang="en"/>
+              <a:t>Presentación de Gavi!</a:t>
+            </a:r>
+          </a:p>
+        </p:txBody>
+      </p:sp>
+    </p:spTree>
+  </p:cSld>
+  <p:clrMapOvr>
+    <a:masterClrMapping/>
+  </p:clrMapOvr>
+</p:notes>
+</file>
+
+<file path=ppt/notesSlides/notesSlide25.xml><?xml version="1.0" encoding="utf-8"?>
+<p:notes xmlns:a="http://schemas.openxmlformats.org/drawingml/2006/main" xmlns:r="http://schemas.openxmlformats.org/officeDocument/2006/relationships" xmlns:mc="http://schemas.openxmlformats.org/markup-compatibility/2006" xmlns:mv="urn:schemas-microsoft-com:mac:vml" xmlns:p="http://schemas.openxmlformats.org/presentationml/2006/main" xmlns:c="http://schemas.openxmlformats.org/drawingml/2006/chart" xmlns:dgm="http://schemas.openxmlformats.org/drawingml/2006/diagram" xmlns:o="urn:schemas-microsoft-com:office:office" xmlns:v="urn:schemas-microsoft-com:vml" xmlns:pvml="urn:schemas-microsoft-com:office:powerpoint" xmlns:com="http://schemas.openxmlformats.org/drawingml/2006/compatibility" xmlns:p14="http://schemas.microsoft.com/office/powerpoint/2010/main" showMasterPhAnim="0" showMasterSp="0">
+  <p:cSld>
+    <p:spTree>
+      <p:nvGrpSpPr>
+        <p:cNvPr id="309" name="Shape 309"/>
+        <p:cNvGrpSpPr/>
+        <p:nvPr/>
+      </p:nvGrpSpPr>
+      <p:grpSpPr>
+        <a:xfrm>
+          <a:off x="0" y="0"/>
+          <a:ext cx="0" cy="0"/>
+          <a:chOff x="0" y="0"/>
+          <a:chExt cx="0" cy="0"/>
+        </a:xfrm>
+      </p:grpSpPr>
+      <p:sp>
+        <p:nvSpPr>
+          <p:cNvPr id="310" name="Shape 310"/>
+          <p:cNvSpPr/>
+          <p:nvPr>
+            <p:ph idx="2" type="sldImg"/>
+          </p:nvPr>
+        </p:nvSpPr>
+        <p:spPr>
+          <a:xfrm>
+            <a:off x="1143309" y="685800"/>
+            <a:ext cx="4572000" cy="3429000"/>
+          </a:xfrm>
+          <a:custGeom>
+            <a:pathLst>
+              <a:path extrusionOk="0" h="120000" w="120000">
+                <a:moveTo>
+                  <a:pt x="0" y="0"/>
+                </a:moveTo>
+                <a:lnTo>
+                  <a:pt x="120000" y="0"/>
+                </a:lnTo>
+                <a:lnTo>
+                  <a:pt x="120000" y="120000"/>
+                </a:lnTo>
+                <a:lnTo>
+                  <a:pt x="0" y="120000"/>
+                </a:lnTo>
+                <a:close/>
+              </a:path>
+            </a:pathLst>
+          </a:custGeom>
+        </p:spPr>
+      </p:sp>
+      <p:sp>
+        <p:nvSpPr>
+          <p:cNvPr id="311" name="Shape 311"/>
           <p:cNvSpPr txBox="1"/>
           <p:nvPr>
             <p:ph idx="1" type="body"/>
@@ -2347,16 +2281,6 @@
               </a:path>
             </a:pathLst>
           </a:custGeom>
-          <a:noFill/>
-          <a:ln cap="flat" cmpd="sng" w="9525">
-            <a:solidFill>
-              <a:srgbClr val="000000"/>
-            </a:solidFill>
-            <a:prstDash val="solid"/>
-            <a:round/>
-            <a:headEnd len="med" w="med" type="none"/>
-            <a:tailEnd len="med" w="med" type="none"/>
-          </a:ln>
         </p:spPr>
       </p:sp>
       <p:sp>
@@ -2452,16 +2376,6 @@
               </a:path>
             </a:pathLst>
           </a:custGeom>
-          <a:noFill/>
-          <a:ln cap="flat" cmpd="sng" w="9525">
-            <a:solidFill>
-              <a:srgbClr val="000000"/>
-            </a:solidFill>
-            <a:prstDash val="solid"/>
-            <a:round/>
-            <a:headEnd len="med" w="med" type="none"/>
-            <a:tailEnd len="med" w="med" type="none"/>
-          </a:ln>
         </p:spPr>
       </p:sp>
       <p:sp>
@@ -2557,16 +2471,6 @@
               </a:path>
             </a:pathLst>
           </a:custGeom>
-          <a:noFill/>
-          <a:ln cap="flat" cmpd="sng" w="9525">
-            <a:solidFill>
-              <a:srgbClr val="000000"/>
-            </a:solidFill>
-            <a:prstDash val="solid"/>
-            <a:round/>
-            <a:headEnd len="med" w="med" type="none"/>
-            <a:tailEnd len="med" w="med" type="none"/>
-          </a:ln>
         </p:spPr>
       </p:sp>
       <p:sp>
@@ -2662,16 +2566,6 @@
               </a:path>
             </a:pathLst>
           </a:custGeom>
-          <a:noFill/>
-          <a:ln cap="flat" cmpd="sng" w="9525">
-            <a:solidFill>
-              <a:srgbClr val="000000"/>
-            </a:solidFill>
-            <a:prstDash val="solid"/>
-            <a:round/>
-            <a:headEnd len="med" w="med" type="none"/>
-            <a:tailEnd len="med" w="med" type="none"/>
-          </a:ln>
         </p:spPr>
       </p:sp>
       <p:sp>
@@ -2767,16 +2661,6 @@
               </a:path>
             </a:pathLst>
           </a:custGeom>
-          <a:noFill/>
-          <a:ln cap="flat" cmpd="sng" w="9525">
-            <a:solidFill>
-              <a:srgbClr val="000000"/>
-            </a:solidFill>
-            <a:prstDash val="solid"/>
-            <a:round/>
-            <a:headEnd len="med" w="med" type="none"/>
-            <a:tailEnd len="med" w="med" type="none"/>
-          </a:ln>
         </p:spPr>
       </p:sp>
       <p:sp>
@@ -2872,16 +2756,6 @@
               </a:path>
             </a:pathLst>
           </a:custGeom>
-          <a:noFill/>
-          <a:ln cap="flat" cmpd="sng" w="9525">
-            <a:solidFill>
-              <a:srgbClr val="000000"/>
-            </a:solidFill>
-            <a:prstDash val="solid"/>
-            <a:round/>
-            <a:headEnd len="med" w="med" type="none"/>
-            <a:tailEnd len="med" w="med" type="none"/>
-          </a:ln>
         </p:spPr>
       </p:sp>
       <p:sp>
@@ -2977,16 +2851,6 @@
               </a:path>
             </a:pathLst>
           </a:custGeom>
-          <a:noFill/>
-          <a:ln cap="flat" cmpd="sng" w="9525">
-            <a:solidFill>
-              <a:srgbClr val="000000"/>
-            </a:solidFill>
-            <a:prstDash val="solid"/>
-            <a:round/>
-            <a:headEnd len="med" w="med" type="none"/>
-            <a:tailEnd len="med" w="med" type="none"/>
-          </a:ln>
         </p:spPr>
       </p:sp>
       <p:sp>
@@ -3333,7 +3197,7 @@
 
 <file path=ppt/slideLayouts/slideLayout1.xml><?xml version="1.0" encoding="utf-8"?>
 <p:sldLayout xmlns:a="http://schemas.openxmlformats.org/drawingml/2006/main" xmlns:r="http://schemas.openxmlformats.org/officeDocument/2006/relationships" xmlns:mc="http://schemas.openxmlformats.org/markup-compatibility/2006" xmlns:mv="urn:schemas-microsoft-com:mac:vml" xmlns:p="http://schemas.openxmlformats.org/presentationml/2006/main" xmlns:c="http://schemas.openxmlformats.org/drawingml/2006/chart" xmlns:dgm="http://schemas.openxmlformats.org/drawingml/2006/diagram" xmlns:o="urn:schemas-microsoft-com:office:office" xmlns:v="urn:schemas-microsoft-com:vml" xmlns:pvml="urn:schemas-microsoft-com:office:powerpoint" xmlns:com="http://schemas.openxmlformats.org/drawingml/2006/compatibility" xmlns:p14="http://schemas.microsoft.com/office/powerpoint/2010/main" type="secHead">
-  <p:cSld name="Section title">
+  <p:cSld name="Section header">
     <p:spTree>
       <p:nvGrpSpPr>
         <p:cNvPr id="13" name="Shape 13"/>
@@ -7434,30 +7298,6 @@
               <a:t>$ git merge</a:t>
             </a:r>
           </a:p>
-        </p:txBody>
-      </p:sp>
-      <p:sp>
-        <p:nvSpPr>
-          <p:cNvPr id="174" name="Shape 174"/>
-          <p:cNvSpPr txBox="1"/>
-          <p:nvPr>
-            <p:ph idx="3" type="body"/>
-          </p:nvPr>
-        </p:nvSpPr>
-        <p:spPr>
-          <a:xfrm>
-            <a:off x="4731000" y="1540225"/>
-            <a:ext cx="3963900" cy="4630200"/>
-          </a:xfrm>
-          <a:prstGeom prst="rect">
-            <a:avLst/>
-          </a:prstGeom>
-        </p:spPr>
-        <p:txBody>
-          <a:bodyPr anchorCtr="0" anchor="ctr" bIns="91425" lIns="91425" rIns="91425" tIns="91425">
-            <a:noAutofit/>
-          </a:bodyPr>
-          <a:lstStyle/>
           <a:p>
             <a:pPr lvl="0" rtl="0">
               <a:lnSpc>
@@ -7472,12 +7312,12 @@
               <a:buClr>
                 <a:schemeClr val="dk1"/>
               </a:buClr>
-              <a:buSzPct val="36666"/>
+              <a:buSzPct val="61111"/>
               <a:buFont typeface="Arial"/>
               <a:buNone/>
             </a:pPr>
             <a:r>
-              <a:rPr lang="en" sz="3000">
+              <a:rPr lang="en">
                 <a:solidFill>
                   <a:schemeClr val="dk1"/>
                 </a:solidFill>
@@ -7500,10 +7340,15 @@
               <a:spcAft>
                 <a:spcPts val="0"/>
               </a:spcAft>
+              <a:buClr>
+                <a:schemeClr val="dk1"/>
+              </a:buClr>
+              <a:buSzPct val="61111"/>
+              <a:buFont typeface="Arial"/>
               <a:buNone/>
             </a:pPr>
             <a:r>
-              <a:rPr lang="en" sz="3000">
+              <a:rPr lang="en">
                 <a:solidFill>
                   <a:schemeClr val="dk1"/>
                 </a:solidFill>
@@ -7526,10 +7371,15 @@
               <a:spcAft>
                 <a:spcPts val="0"/>
               </a:spcAft>
+              <a:buClr>
+                <a:schemeClr val="dk1"/>
+              </a:buClr>
+              <a:buSzPct val="61111"/>
+              <a:buFont typeface="Arial"/>
               <a:buNone/>
             </a:pPr>
             <a:r>
-              <a:rPr lang="en" sz="3000">
+              <a:rPr lang="en">
                 <a:solidFill>
                   <a:schemeClr val="dk1"/>
                 </a:solidFill>
@@ -7541,6 +7391,30 @@
               <a:t>$ git status</a:t>
             </a:r>
           </a:p>
+        </p:txBody>
+      </p:sp>
+      <p:sp>
+        <p:nvSpPr>
+          <p:cNvPr id="174" name="Shape 174"/>
+          <p:cNvSpPr txBox="1"/>
+          <p:nvPr>
+            <p:ph idx="1" type="body"/>
+          </p:nvPr>
+        </p:nvSpPr>
+        <p:spPr>
+          <a:xfrm>
+            <a:off x="4731000" y="1540225"/>
+            <a:ext cx="3963900" cy="4630200"/>
+          </a:xfrm>
+          <a:prstGeom prst="rect">
+            <a:avLst/>
+          </a:prstGeom>
+        </p:spPr>
+        <p:txBody>
+          <a:bodyPr anchorCtr="0" anchor="ctr" bIns="91425" lIns="91425" rIns="91425" tIns="91425">
+            <a:noAutofit/>
+          </a:bodyPr>
+          <a:lstStyle/>
           <a:p>
             <a:pPr lvl="0" rtl="0">
               <a:lnSpc>
@@ -7616,7 +7490,33 @@
                 <a:cs typeface="Consolas"/>
                 <a:sym typeface="Consolas"/>
               </a:rPr>
-              <a:t>$ git reset </a:t>
+              <a:t>$ git reset</a:t>
+            </a:r>
+          </a:p>
+          <a:p>
+            <a:pPr lvl="0" rtl="0">
+              <a:lnSpc>
+                <a:spcPct val="100000"/>
+              </a:lnSpc>
+              <a:spcBef>
+                <a:spcPts val="0"/>
+              </a:spcBef>
+              <a:spcAft>
+                <a:spcPts val="0"/>
+              </a:spcAft>
+              <a:buNone/>
+            </a:pPr>
+            <a:r>
+              <a:rPr lang="en" sz="3000">
+                <a:solidFill>
+                  <a:schemeClr val="dk1"/>
+                </a:solidFill>
+                <a:latin typeface="Consolas"/>
+                <a:ea typeface="Consolas"/>
+                <a:cs typeface="Consolas"/>
+                <a:sym typeface="Consolas"/>
+              </a:rPr>
+              <a:t>$ git show </a:t>
             </a:r>
           </a:p>
           <a:p>
@@ -7643,6 +7543,32 @@
                 <a:sym typeface="Consolas"/>
               </a:rPr>
               <a:t>$ git revert</a:t>
+            </a:r>
+          </a:p>
+          <a:p>
+            <a:pPr lvl="0" rtl="0">
+              <a:lnSpc>
+                <a:spcPct val="100000"/>
+              </a:lnSpc>
+              <a:spcBef>
+                <a:spcPts val="0"/>
+              </a:spcBef>
+              <a:spcAft>
+                <a:spcPts val="0"/>
+              </a:spcAft>
+              <a:buNone/>
+            </a:pPr>
+            <a:r>
+              <a:rPr lang="en" sz="3000">
+                <a:solidFill>
+                  <a:schemeClr val="dk1"/>
+                </a:solidFill>
+                <a:latin typeface="Consolas"/>
+                <a:ea typeface="Consolas"/>
+                <a:cs typeface="Consolas"/>
+                <a:sym typeface="Consolas"/>
+              </a:rPr>
+              <a:t>$ git stash</a:t>
             </a:r>
           </a:p>
           <a:p>
@@ -7819,7 +7745,7 @@
         </p:nvSpPr>
         <p:spPr>
           <a:xfrm>
-            <a:off x="491350" y="3409525"/>
+            <a:off x="491350" y="3485725"/>
             <a:ext cx="8340899" cy="569100"/>
           </a:xfrm>
           <a:prstGeom prst="rect">
@@ -7864,7 +7790,7 @@
           <p:cNvPr id="183" name="Shape 183"/>
           <p:cNvSpPr txBox="1"/>
           <p:nvPr>
-            <p:ph idx="3" type="body"/>
+            <p:ph idx="1" type="body"/>
           </p:nvPr>
         </p:nvSpPr>
         <p:spPr>
@@ -7921,7 +7847,7 @@
         </p:blipFill>
         <p:spPr>
           <a:xfrm>
-            <a:off x="2656875" y="3978625"/>
+            <a:off x="4098375" y="3048975"/>
             <a:ext cx="3830249" cy="2437425"/>
           </a:xfrm>
           <a:prstGeom prst="rect">
@@ -7933,6 +7859,53 @@
           </a:ln>
         </p:spPr>
       </p:pic>
+      <p:sp>
+        <p:nvSpPr>
+          <p:cNvPr id="185" name="Shape 185"/>
+          <p:cNvSpPr txBox="1"/>
+          <p:nvPr/>
+        </p:nvSpPr>
+        <p:spPr>
+          <a:xfrm>
+            <a:off x="204975" y="5486400"/>
+            <a:ext cx="8520599" cy="623400"/>
+          </a:xfrm>
+          <a:prstGeom prst="rect">
+            <a:avLst/>
+          </a:prstGeom>
+          <a:noFill/>
+          <a:ln>
+            <a:noFill/>
+          </a:ln>
+        </p:spPr>
+        <p:txBody>
+          <a:bodyPr anchorCtr="0" anchor="ctr" bIns="91425" lIns="91425" rIns="91425" tIns="91425">
+            <a:noAutofit/>
+          </a:bodyPr>
+          <a:lstStyle/>
+          <a:p>
+            <a:pPr lvl="0" rtl="0" algn="ctr">
+              <a:spcBef>
+                <a:spcPts val="0"/>
+              </a:spcBef>
+              <a:buNone/>
+            </a:pPr>
+            <a:r>
+              <a:rPr lang="en" sz="2400" u="sng">
+                <a:solidFill>
+                  <a:schemeClr val="hlink"/>
+                </a:solidFill>
+                <a:hlinkClick r:id="rId4"/>
+              </a:rPr>
+              <a:t>http://nmaletm.github.io/seminari-fib-2016/</a:t>
+            </a:r>
+            <a:r>
+              <a:rPr lang="en" sz="3000"/>
+              <a:t> </a:t>
+            </a:r>
+          </a:p>
+        </p:txBody>
+      </p:sp>
     </p:spTree>
   </p:cSld>
   <p:clrMapOvr>
@@ -7949,7 +7922,7 @@
   <p:cSld>
     <p:spTree>
       <p:nvGrpSpPr>
-        <p:cNvPr id="188" name="Shape 188"/>
+        <p:cNvPr id="189" name="Shape 189"/>
         <p:cNvGrpSpPr/>
         <p:nvPr/>
       </p:nvGrpSpPr>
@@ -7963,7 +7936,7 @@
       </p:grpSpPr>
       <p:sp>
         <p:nvSpPr>
-          <p:cNvPr id="189" name="Shape 189"/>
+          <p:cNvPr id="190" name="Shape 190"/>
           <p:cNvSpPr txBox="1"/>
           <p:nvPr>
             <p:ph idx="12" type="sldNum"/>
@@ -7999,7 +7972,7 @@
       </p:sp>
       <p:sp>
         <p:nvSpPr>
-          <p:cNvPr id="190" name="Shape 190"/>
+          <p:cNvPr id="191" name="Shape 191"/>
           <p:cNvSpPr txBox="1"/>
           <p:nvPr>
             <p:ph type="title"/>
@@ -8028,14 +8001,14 @@
             </a:pPr>
             <a:r>
               <a:rPr lang="en"/>
-              <a:t>cherry-pick (Comandes)</a:t>
+              <a:t>rebase interactive (Comandes)</a:t>
             </a:r>
           </a:p>
         </p:txBody>
       </p:sp>
       <p:sp>
         <p:nvSpPr>
-          <p:cNvPr id="191" name="Shape 191"/>
+          <p:cNvPr id="192" name="Shape 192"/>
           <p:cNvSpPr txBox="1"/>
           <p:nvPr>
             <p:ph idx="2" type="sldNum"/>
@@ -8071,7 +8044,7 @@
       </p:sp>
       <p:sp>
         <p:nvSpPr>
-          <p:cNvPr id="192" name="Shape 192"/>
+          <p:cNvPr id="193" name="Shape 193"/>
           <p:cNvSpPr txBox="1"/>
           <p:nvPr>
             <p:ph idx="1" type="body"/>
@@ -8079,7 +8052,7 @@
         </p:nvSpPr>
         <p:spPr>
           <a:xfrm>
-            <a:off x="491350" y="3409525"/>
+            <a:off x="491350" y="3485725"/>
             <a:ext cx="8340899" cy="569100"/>
           </a:xfrm>
           <a:prstGeom prst="rect">
@@ -8114,44 +8087,17 @@
                 <a:cs typeface="Consolas"/>
                 <a:sym typeface="Consolas"/>
               </a:rPr>
-              <a:t>$ git cherry-pick e </a:t>
+              <a:t>$ git rebase -i {hash commit}</a:t>
             </a:r>
           </a:p>
         </p:txBody>
       </p:sp>
-      <p:pic>
-        <p:nvPicPr>
-          <p:cNvPr id="193" name="Shape 193"/>
-          <p:cNvPicPr preferRelativeResize="0"/>
-          <p:nvPr/>
-        </p:nvPicPr>
-        <p:blipFill rotWithShape="1">
-          <a:blip r:embed="rId3">
-            <a:alphaModFix/>
-          </a:blip>
-          <a:srcRect b="64918" l="6908" r="9653" t="2316"/>
-          <a:stretch/>
-        </p:blipFill>
-        <p:spPr>
-          <a:xfrm>
-            <a:off x="1187824" y="4004550"/>
-            <a:ext cx="6768252" cy="2141749"/>
-          </a:xfrm>
-          <a:prstGeom prst="rect">
-            <a:avLst/>
-          </a:prstGeom>
-          <a:noFill/>
-          <a:ln>
-            <a:noFill/>
-          </a:ln>
-        </p:spPr>
-      </p:pic>
       <p:sp>
         <p:nvSpPr>
           <p:cNvPr id="194" name="Shape 194"/>
           <p:cNvSpPr txBox="1"/>
           <p:nvPr>
-            <p:ph idx="3" type="body"/>
+            <p:ph idx="1" type="body"/>
           </p:nvPr>
         </p:nvSpPr>
         <p:spPr>
@@ -8187,7 +8133,54 @@
                   <a:schemeClr val="dk1"/>
                 </a:solidFill>
               </a:rPr>
-              <a:t>Moure un commit d’una altra branca. Es pot utilitzar també el revert.</a:t>
+              <a:t>Reorganitzar l’històric de commits</a:t>
+            </a:r>
+          </a:p>
+        </p:txBody>
+      </p:sp>
+      <p:sp>
+        <p:nvSpPr>
+          <p:cNvPr id="195" name="Shape 195"/>
+          <p:cNvSpPr txBox="1"/>
+          <p:nvPr/>
+        </p:nvSpPr>
+        <p:spPr>
+          <a:xfrm>
+            <a:off x="204975" y="5486400"/>
+            <a:ext cx="8520599" cy="623400"/>
+          </a:xfrm>
+          <a:prstGeom prst="rect">
+            <a:avLst/>
+          </a:prstGeom>
+          <a:noFill/>
+          <a:ln>
+            <a:noFill/>
+          </a:ln>
+        </p:spPr>
+        <p:txBody>
+          <a:bodyPr anchorCtr="0" anchor="ctr" bIns="91425" lIns="91425" rIns="91425" tIns="91425">
+            <a:noAutofit/>
+          </a:bodyPr>
+          <a:lstStyle/>
+          <a:p>
+            <a:pPr lvl="0" rtl="0" algn="ctr">
+              <a:spcBef>
+                <a:spcPts val="0"/>
+              </a:spcBef>
+              <a:buNone/>
+            </a:pPr>
+            <a:r>
+              <a:rPr lang="en" sz="2400" u="sng">
+                <a:solidFill>
+                  <a:schemeClr val="hlink"/>
+                </a:solidFill>
+                <a:hlinkClick r:id="rId3"/>
+              </a:rPr>
+              <a:t>http://nmaletm.github.io/seminari-fib-2016/</a:t>
+            </a:r>
+            <a:r>
+              <a:rPr lang="en" sz="3000"/>
+              <a:t> </a:t>
             </a:r>
           </a:p>
         </p:txBody>
@@ -8208,7 +8201,7 @@
   <p:cSld>
     <p:spTree>
       <p:nvGrpSpPr>
-        <p:cNvPr id="198" name="Shape 198"/>
+        <p:cNvPr id="199" name="Shape 199"/>
         <p:cNvGrpSpPr/>
         <p:nvPr/>
       </p:nvGrpSpPr>
@@ -8222,16 +8215,16 @@
       </p:grpSpPr>
       <p:sp>
         <p:nvSpPr>
-          <p:cNvPr id="199" name="Shape 199"/>
+          <p:cNvPr id="200" name="Shape 200"/>
           <p:cNvSpPr txBox="1"/>
           <p:nvPr>
-            <p:ph idx="1" type="body"/>
+            <p:ph idx="12" type="sldNum"/>
           </p:nvPr>
         </p:nvSpPr>
         <p:spPr>
           <a:xfrm>
-            <a:off x="491500" y="1479350"/>
-            <a:ext cx="8160899" cy="2454299"/>
+            <a:off x="8472457" y="8290163"/>
+            <a:ext cx="548699" cy="699599"/>
           </a:xfrm>
           <a:prstGeom prst="rect">
             <a:avLst/>
@@ -8244,40 +8237,66 @@
           <a:lstStyle/>
           <a:p>
             <a:pPr lvl="0" rtl="0">
-              <a:lnSpc>
-                <a:spcPct val="150000"/>
-              </a:lnSpc>
-              <a:spcBef>
-                <a:spcPts val="0"/>
-              </a:spcBef>
-              <a:spcAft>
-                <a:spcPts val="0"/>
-              </a:spcAft>
-              <a:buNone/>
-            </a:pPr>
-            <a:r>
-              <a:rPr lang="en" sz="3000">
-                <a:solidFill>
-                  <a:schemeClr val="dk1"/>
-                </a:solidFill>
-              </a:rPr>
-              <a:t>git guarda tots els estats, no només els commits</a:t>
-            </a:r>
+              <a:spcBef>
+                <a:spcPts val="0"/>
+              </a:spcBef>
+              <a:buNone/>
+            </a:pPr>
+            <a:fld id="{00000000-1234-1234-1234-123412341234}" type="slidenum">
+              <a:rPr lang="en"/>
+              <a:t>‹#›</a:t>
+            </a:fld>
           </a:p>
         </p:txBody>
       </p:sp>
       <p:sp>
         <p:nvSpPr>
-          <p:cNvPr id="200" name="Shape 200"/>
+          <p:cNvPr id="201" name="Shape 201"/>
           <p:cNvSpPr txBox="1"/>
           <p:nvPr>
-            <p:ph idx="12" type="sldNum"/>
+            <p:ph type="title"/>
           </p:nvPr>
         </p:nvSpPr>
         <p:spPr>
           <a:xfrm>
-            <a:off x="8472457" y="8290163"/>
-            <a:ext cx="548699" cy="699599"/>
+            <a:off x="311650" y="123291"/>
+            <a:ext cx="8520599" cy="763500"/>
+          </a:xfrm>
+          <a:prstGeom prst="rect">
+            <a:avLst/>
+          </a:prstGeom>
+        </p:spPr>
+        <p:txBody>
+          <a:bodyPr anchorCtr="0" anchor="t" bIns="91425" lIns="91425" rIns="91425" tIns="91425">
+            <a:noAutofit/>
+          </a:bodyPr>
+          <a:lstStyle/>
+          <a:p>
+            <a:pPr lvl="0" rtl="0">
+              <a:spcBef>
+                <a:spcPts val="0"/>
+              </a:spcBef>
+              <a:buNone/>
+            </a:pPr>
+            <a:r>
+              <a:rPr lang="en"/>
+              <a:t>cherry-pick (Comandes)</a:t>
+            </a:r>
+          </a:p>
+        </p:txBody>
+      </p:sp>
+      <p:sp>
+        <p:nvSpPr>
+          <p:cNvPr id="202" name="Shape 202"/>
+          <p:cNvSpPr txBox="1"/>
+          <p:nvPr>
+            <p:ph idx="2" type="sldNum"/>
+          </p:nvPr>
+        </p:nvSpPr>
+        <p:spPr>
+          <a:xfrm>
+            <a:off x="8472457" y="6217622"/>
+            <a:ext cx="548699" cy="524699"/>
           </a:xfrm>
           <a:prstGeom prst="rect">
             <a:avLst/>
@@ -8304,87 +8323,15 @@
       </p:sp>
       <p:sp>
         <p:nvSpPr>
-          <p:cNvPr id="201" name="Shape 201"/>
-          <p:cNvSpPr txBox="1"/>
-          <p:nvPr>
-            <p:ph type="title"/>
-          </p:nvPr>
-        </p:nvSpPr>
-        <p:spPr>
-          <a:xfrm>
-            <a:off x="311650" y="123291"/>
-            <a:ext cx="8520599" cy="763500"/>
-          </a:xfrm>
-          <a:prstGeom prst="rect">
-            <a:avLst/>
-          </a:prstGeom>
-        </p:spPr>
-        <p:txBody>
-          <a:bodyPr anchorCtr="0" anchor="t" bIns="91425" lIns="91425" rIns="91425" tIns="91425">
-            <a:noAutofit/>
-          </a:bodyPr>
-          <a:lstStyle/>
-          <a:p>
-            <a:pPr lvl="0" rtl="0">
-              <a:spcBef>
-                <a:spcPts val="0"/>
-              </a:spcBef>
-              <a:buNone/>
-            </a:pPr>
-            <a:r>
-              <a:rPr lang="en"/>
-              <a:t>reflog (Comandes)</a:t>
-            </a:r>
-          </a:p>
-        </p:txBody>
-      </p:sp>
-      <p:sp>
-        <p:nvSpPr>
-          <p:cNvPr id="202" name="Shape 202"/>
-          <p:cNvSpPr txBox="1"/>
-          <p:nvPr>
-            <p:ph idx="2" type="sldNum"/>
-          </p:nvPr>
-        </p:nvSpPr>
-        <p:spPr>
-          <a:xfrm>
-            <a:off x="8472457" y="6217622"/>
-            <a:ext cx="548699" cy="524699"/>
-          </a:xfrm>
-          <a:prstGeom prst="rect">
-            <a:avLst/>
-          </a:prstGeom>
-        </p:spPr>
-        <p:txBody>
-          <a:bodyPr anchorCtr="0" anchor="ctr" bIns="91425" lIns="91425" rIns="91425" tIns="91425">
-            <a:noAutofit/>
-          </a:bodyPr>
-          <a:lstStyle/>
-          <a:p>
-            <a:pPr lvl="0" rtl="0">
-              <a:spcBef>
-                <a:spcPts val="0"/>
-              </a:spcBef>
-              <a:buNone/>
-            </a:pPr>
-            <a:fld id="{00000000-1234-1234-1234-123412341234}" type="slidenum">
-              <a:rPr lang="en"/>
-              <a:t>‹#›</a:t>
-            </a:fld>
-          </a:p>
-        </p:txBody>
-      </p:sp>
-      <p:sp>
-        <p:nvSpPr>
           <p:cNvPr id="203" name="Shape 203"/>
           <p:cNvSpPr txBox="1"/>
           <p:nvPr>
-            <p:ph idx="3" type="body"/>
+            <p:ph idx="1" type="body"/>
           </p:nvPr>
         </p:nvSpPr>
         <p:spPr>
           <a:xfrm>
-            <a:off x="491500" y="3748375"/>
+            <a:off x="491350" y="3409525"/>
             <a:ext cx="8340899" cy="569100"/>
           </a:xfrm>
           <a:prstGeom prst="rect">
@@ -8419,7 +8366,7 @@
                 <a:cs typeface="Consolas"/>
                 <a:sym typeface="Consolas"/>
               </a:rPr>
-              <a:t>$ git reflog</a:t>
+              <a:t>$ git cherry-pick e </a:t>
             </a:r>
           </a:p>
         </p:txBody>
@@ -8430,18 +8377,17 @@
           <p:cNvPicPr preferRelativeResize="0"/>
           <p:nvPr/>
         </p:nvPicPr>
-        <p:blipFill>
+        <p:blipFill rotWithShape="1">
           <a:blip r:embed="rId3">
             <a:alphaModFix/>
           </a:blip>
-          <a:stretch>
-            <a:fillRect/>
-          </a:stretch>
+          <a:srcRect b="64918" l="6908" r="9653" t="2316"/>
+          <a:stretch/>
         </p:blipFill>
         <p:spPr>
           <a:xfrm>
-            <a:off x="954925" y="5089175"/>
-            <a:ext cx="5083849" cy="1107074"/>
+            <a:off x="1187824" y="4004550"/>
+            <a:ext cx="6768252" cy="2141749"/>
           </a:xfrm>
           <a:prstGeom prst="rect">
             <a:avLst/>
@@ -8452,6 +8398,52 @@
           </a:ln>
         </p:spPr>
       </p:pic>
+      <p:sp>
+        <p:nvSpPr>
+          <p:cNvPr id="205" name="Shape 205"/>
+          <p:cNvSpPr txBox="1"/>
+          <p:nvPr>
+            <p:ph idx="1" type="body"/>
+          </p:nvPr>
+        </p:nvSpPr>
+        <p:spPr>
+          <a:xfrm>
+            <a:off x="491500" y="1403150"/>
+            <a:ext cx="8160899" cy="2141700"/>
+          </a:xfrm>
+          <a:prstGeom prst="rect">
+            <a:avLst/>
+          </a:prstGeom>
+        </p:spPr>
+        <p:txBody>
+          <a:bodyPr anchorCtr="0" anchor="ctr" bIns="91425" lIns="91425" rIns="91425" tIns="91425">
+            <a:noAutofit/>
+          </a:bodyPr>
+          <a:lstStyle/>
+          <a:p>
+            <a:pPr lvl="0" rtl="0">
+              <a:lnSpc>
+                <a:spcPct val="150000"/>
+              </a:lnSpc>
+              <a:spcBef>
+                <a:spcPts val="0"/>
+              </a:spcBef>
+              <a:spcAft>
+                <a:spcPts val="0"/>
+              </a:spcAft>
+              <a:buNone/>
+            </a:pPr>
+            <a:r>
+              <a:rPr lang="en" sz="3000">
+                <a:solidFill>
+                  <a:schemeClr val="dk1"/>
+                </a:solidFill>
+              </a:rPr>
+              <a:t>Moure un commit d’una altra branca. Es pot utilitzar també el revert.</a:t>
+            </a:r>
+          </a:p>
+        </p:txBody>
+      </p:sp>
     </p:spTree>
   </p:cSld>
   <p:clrMapOvr>
@@ -8468,7 +8460,7 @@
   <p:cSld>
     <p:spTree>
       <p:nvGrpSpPr>
-        <p:cNvPr id="208" name="Shape 208"/>
+        <p:cNvPr id="209" name="Shape 209"/>
         <p:cNvGrpSpPr/>
         <p:nvPr/>
       </p:nvGrpSpPr>
@@ -8482,16 +8474,16 @@
       </p:grpSpPr>
       <p:sp>
         <p:nvSpPr>
-          <p:cNvPr id="209" name="Shape 209"/>
+          <p:cNvPr id="210" name="Shape 210"/>
           <p:cNvSpPr txBox="1"/>
           <p:nvPr>
-            <p:ph type="title"/>
+            <p:ph idx="1" type="body"/>
           </p:nvPr>
         </p:nvSpPr>
         <p:spPr>
           <a:xfrm>
-            <a:off x="311700" y="274721"/>
-            <a:ext cx="8520599" cy="6196199"/>
+            <a:off x="491500" y="1479350"/>
+            <a:ext cx="8160899" cy="2454299"/>
           </a:xfrm>
           <a:prstGeom prst="rect">
             <a:avLst/>
@@ -8504,21 +8496,31 @@
           <a:lstStyle/>
           <a:p>
             <a:pPr lvl="0" rtl="0">
-              <a:spcBef>
-                <a:spcPts val="0"/>
-              </a:spcBef>
+              <a:lnSpc>
+                <a:spcPct val="150000"/>
+              </a:lnSpc>
+              <a:spcBef>
+                <a:spcPts val="0"/>
+              </a:spcBef>
+              <a:spcAft>
+                <a:spcPts val="0"/>
+              </a:spcAft>
               <a:buNone/>
             </a:pPr>
             <a:r>
-              <a:rPr lang="en" sz="7200"/>
-              <a:t>Workflows</a:t>
+              <a:rPr lang="en" sz="3000">
+                <a:solidFill>
+                  <a:schemeClr val="dk1"/>
+                </a:solidFill>
+              </a:rPr>
+              <a:t>git guarda tots els estats, no només els commits</a:t>
             </a:r>
           </a:p>
         </p:txBody>
       </p:sp>
       <p:sp>
         <p:nvSpPr>
-          <p:cNvPr id="210" name="Shape 210"/>
+          <p:cNvPr id="211" name="Shape 211"/>
           <p:cNvSpPr txBox="1"/>
           <p:nvPr>
             <p:ph idx="12" type="sldNum"/>
@@ -8526,8 +8528,8 @@
         </p:nvSpPr>
         <p:spPr>
           <a:xfrm>
-            <a:off x="8472457" y="6217622"/>
-            <a:ext cx="548699" cy="524699"/>
+            <a:off x="8472457" y="8290163"/>
+            <a:ext cx="548699" cy="699599"/>
           </a:xfrm>
           <a:prstGeom prst="rect">
             <a:avLst/>
@@ -8546,16 +8548,162 @@
               <a:buNone/>
             </a:pPr>
             <a:fld id="{00000000-1234-1234-1234-123412341234}" type="slidenum">
-              <a:rPr lang="en">
-                <a:solidFill>
-                  <a:schemeClr val="lt1"/>
-                </a:solidFill>
-              </a:rPr>
+              <a:rPr lang="en"/>
               <a:t>‹#›</a:t>
             </a:fld>
           </a:p>
         </p:txBody>
       </p:sp>
+      <p:sp>
+        <p:nvSpPr>
+          <p:cNvPr id="212" name="Shape 212"/>
+          <p:cNvSpPr txBox="1"/>
+          <p:nvPr>
+            <p:ph type="title"/>
+          </p:nvPr>
+        </p:nvSpPr>
+        <p:spPr>
+          <a:xfrm>
+            <a:off x="311650" y="123291"/>
+            <a:ext cx="8520599" cy="763500"/>
+          </a:xfrm>
+          <a:prstGeom prst="rect">
+            <a:avLst/>
+          </a:prstGeom>
+        </p:spPr>
+        <p:txBody>
+          <a:bodyPr anchorCtr="0" anchor="t" bIns="91425" lIns="91425" rIns="91425" tIns="91425">
+            <a:noAutofit/>
+          </a:bodyPr>
+          <a:lstStyle/>
+          <a:p>
+            <a:pPr lvl="0" rtl="0">
+              <a:spcBef>
+                <a:spcPts val="0"/>
+              </a:spcBef>
+              <a:buNone/>
+            </a:pPr>
+            <a:r>
+              <a:rPr lang="en"/>
+              <a:t>reflog (Comandes)</a:t>
+            </a:r>
+          </a:p>
+        </p:txBody>
+      </p:sp>
+      <p:sp>
+        <p:nvSpPr>
+          <p:cNvPr id="213" name="Shape 213"/>
+          <p:cNvSpPr txBox="1"/>
+          <p:nvPr>
+            <p:ph idx="2" type="sldNum"/>
+          </p:nvPr>
+        </p:nvSpPr>
+        <p:spPr>
+          <a:xfrm>
+            <a:off x="8472457" y="6217622"/>
+            <a:ext cx="548699" cy="524699"/>
+          </a:xfrm>
+          <a:prstGeom prst="rect">
+            <a:avLst/>
+          </a:prstGeom>
+        </p:spPr>
+        <p:txBody>
+          <a:bodyPr anchorCtr="0" anchor="ctr" bIns="91425" lIns="91425" rIns="91425" tIns="91425">
+            <a:noAutofit/>
+          </a:bodyPr>
+          <a:lstStyle/>
+          <a:p>
+            <a:pPr lvl="0" rtl="0">
+              <a:spcBef>
+                <a:spcPts val="0"/>
+              </a:spcBef>
+              <a:buNone/>
+            </a:pPr>
+            <a:fld id="{00000000-1234-1234-1234-123412341234}" type="slidenum">
+              <a:rPr lang="en"/>
+              <a:t>‹#›</a:t>
+            </a:fld>
+          </a:p>
+        </p:txBody>
+      </p:sp>
+      <p:sp>
+        <p:nvSpPr>
+          <p:cNvPr id="214" name="Shape 214"/>
+          <p:cNvSpPr txBox="1"/>
+          <p:nvPr>
+            <p:ph idx="1" type="body"/>
+          </p:nvPr>
+        </p:nvSpPr>
+        <p:spPr>
+          <a:xfrm>
+            <a:off x="491500" y="3748375"/>
+            <a:ext cx="8340899" cy="569100"/>
+          </a:xfrm>
+          <a:prstGeom prst="rect">
+            <a:avLst/>
+          </a:prstGeom>
+        </p:spPr>
+        <p:txBody>
+          <a:bodyPr anchorCtr="0" anchor="ctr" bIns="91425" lIns="91425" rIns="91425" tIns="91425">
+            <a:noAutofit/>
+          </a:bodyPr>
+          <a:lstStyle/>
+          <a:p>
+            <a:pPr lvl="0" rtl="0">
+              <a:lnSpc>
+                <a:spcPct val="100000"/>
+              </a:lnSpc>
+              <a:spcBef>
+                <a:spcPts val="0"/>
+              </a:spcBef>
+              <a:spcAft>
+                <a:spcPts val="0"/>
+              </a:spcAft>
+              <a:buNone/>
+            </a:pPr>
+            <a:r>
+              <a:rPr lang="en" sz="3000">
+                <a:solidFill>
+                  <a:schemeClr val="dk1"/>
+                </a:solidFill>
+                <a:latin typeface="Consolas"/>
+                <a:ea typeface="Consolas"/>
+                <a:cs typeface="Consolas"/>
+                <a:sym typeface="Consolas"/>
+              </a:rPr>
+              <a:t>$ git reflog</a:t>
+            </a:r>
+          </a:p>
+        </p:txBody>
+      </p:sp>
+      <p:pic>
+        <p:nvPicPr>
+          <p:cNvPr id="215" name="Shape 215"/>
+          <p:cNvPicPr preferRelativeResize="0"/>
+          <p:nvPr/>
+        </p:nvPicPr>
+        <p:blipFill>
+          <a:blip r:embed="rId3">
+            <a:alphaModFix/>
+          </a:blip>
+          <a:stretch>
+            <a:fillRect/>
+          </a:stretch>
+        </p:blipFill>
+        <p:spPr>
+          <a:xfrm>
+            <a:off x="954925" y="5089175"/>
+            <a:ext cx="5083849" cy="1107074"/>
+          </a:xfrm>
+          <a:prstGeom prst="rect">
+            <a:avLst/>
+          </a:prstGeom>
+          <a:noFill/>
+          <a:ln>
+            <a:noFill/>
+          </a:ln>
+        </p:spPr>
+      </p:pic>
     </p:spTree>
   </p:cSld>
   <p:clrMapOvr>
@@ -8572,7 +8720,7 @@
   <p:cSld>
     <p:spTree>
       <p:nvGrpSpPr>
-        <p:cNvPr id="214" name="Shape 214"/>
+        <p:cNvPr id="219" name="Shape 219"/>
         <p:cNvGrpSpPr/>
         <p:nvPr/>
       </p:nvGrpSpPr>
@@ -8586,16 +8734,16 @@
       </p:grpSpPr>
       <p:sp>
         <p:nvSpPr>
-          <p:cNvPr id="215" name="Shape 215"/>
+          <p:cNvPr id="220" name="Shape 220"/>
           <p:cNvSpPr txBox="1"/>
           <p:nvPr>
-            <p:ph idx="1" type="body"/>
+            <p:ph type="title"/>
           </p:nvPr>
         </p:nvSpPr>
         <p:spPr>
           <a:xfrm>
-            <a:off x="311650" y="1506008"/>
-            <a:ext cx="8520599" cy="4555199"/>
+            <a:off x="311700" y="274721"/>
+            <a:ext cx="8520599" cy="6196199"/>
           </a:xfrm>
           <a:prstGeom prst="rect">
             <a:avLst/>
@@ -8607,104 +8755,22 @@
           </a:bodyPr>
           <a:lstStyle/>
           <a:p>
-            <a:pPr indent="-419100" lvl="0" marL="457200" rtl="0">
-              <a:lnSpc>
-                <a:spcPct val="200000"/>
-              </a:lnSpc>
-              <a:spcBef>
-                <a:spcPts val="0"/>
-              </a:spcBef>
-              <a:spcAft>
-                <a:spcPts val="0"/>
-              </a:spcAft>
-              <a:buSzPct val="100000"/>
+            <a:pPr lvl="0" rtl="0">
+              <a:spcBef>
+                <a:spcPts val="0"/>
+              </a:spcBef>
+              <a:buNone/>
             </a:pPr>
             <a:r>
-              <a:rPr lang="en" sz="3000">
-                <a:solidFill>
-                  <a:schemeClr val="dk1"/>
-                </a:solidFill>
-              </a:rPr>
-              <a:t>Centralized Workflow</a:t>
+              <a:rPr lang="en" sz="7200"/>
+              <a:t>Workflows</a:t>
             </a:r>
           </a:p>
-          <a:p>
-            <a:pPr indent="-419100" lvl="0" marL="457200" rtl="0">
-              <a:lnSpc>
-                <a:spcPct val="200000"/>
-              </a:lnSpc>
-              <a:spcBef>
-                <a:spcPts val="0"/>
-              </a:spcBef>
-              <a:spcAft>
-                <a:spcPts val="0"/>
-              </a:spcAft>
-              <a:buSzPct val="100000"/>
-            </a:pPr>
-            <a:r>
-              <a:rPr lang="en" sz="3000">
-                <a:solidFill>
-                  <a:schemeClr val="dk1"/>
-                </a:solidFill>
-              </a:rPr>
-              <a:t>Feature Branch Workflow </a:t>
-            </a:r>
-          </a:p>
-          <a:p>
-            <a:pPr indent="-419100" lvl="0" marL="457200" rtl="0">
-              <a:lnSpc>
-                <a:spcPct val="200000"/>
-              </a:lnSpc>
-              <a:spcBef>
-                <a:spcPts val="0"/>
-              </a:spcBef>
-              <a:spcAft>
-                <a:spcPts val="0"/>
-              </a:spcAft>
-              <a:buClr>
-                <a:schemeClr val="dk1"/>
-              </a:buClr>
-              <a:buSzPct val="100000"/>
-            </a:pPr>
-            <a:r>
-              <a:rPr lang="en" sz="3000">
-                <a:solidFill>
-                  <a:schemeClr val="dk1"/>
-                </a:solidFill>
-              </a:rPr>
-              <a:t>Gitflow Workflow</a:t>
-            </a:r>
-          </a:p>
-          <a:p>
-            <a:pPr indent="-419100" lvl="0" marL="457200" rtl="0">
-              <a:lnSpc>
-                <a:spcPct val="200000"/>
-              </a:lnSpc>
-              <a:spcBef>
-                <a:spcPts val="0"/>
-              </a:spcBef>
-              <a:spcAft>
-                <a:spcPts val="0"/>
-              </a:spcAft>
-              <a:buClr>
-                <a:schemeClr val="dk1"/>
-              </a:buClr>
-              <a:buSzPct val="100000"/>
-            </a:pPr>
-            <a:r>
-              <a:rPr lang="en" sz="3000">
-                <a:solidFill>
-                  <a:schemeClr val="dk1"/>
-                </a:solidFill>
-              </a:rPr>
-              <a:t>Forking Workflow</a:t>
-            </a:r>
-          </a:p>
         </p:txBody>
       </p:sp>
       <p:sp>
         <p:nvSpPr>
-          <p:cNvPr id="216" name="Shape 216"/>
+          <p:cNvPr id="221" name="Shape 221"/>
           <p:cNvSpPr txBox="1"/>
           <p:nvPr>
             <p:ph idx="12" type="sldNum"/>
@@ -8712,8 +8778,8 @@
         </p:nvSpPr>
         <p:spPr>
           <a:xfrm>
-            <a:off x="8472457" y="8290163"/>
-            <a:ext cx="548699" cy="699599"/>
+            <a:off x="8472457" y="6217622"/>
+            <a:ext cx="548699" cy="524699"/>
           </a:xfrm>
           <a:prstGeom prst="rect">
             <a:avLst/>
@@ -8732,79 +8798,11 @@
               <a:buNone/>
             </a:pPr>
             <a:fld id="{00000000-1234-1234-1234-123412341234}" type="slidenum">
-              <a:rPr lang="en"/>
-              <a:t>‹#›</a:t>
-            </a:fld>
-          </a:p>
-        </p:txBody>
-      </p:sp>
-      <p:sp>
-        <p:nvSpPr>
-          <p:cNvPr id="217" name="Shape 217"/>
-          <p:cNvSpPr txBox="1"/>
-          <p:nvPr>
-            <p:ph type="title"/>
-          </p:nvPr>
-        </p:nvSpPr>
-        <p:spPr>
-          <a:xfrm>
-            <a:off x="311650" y="123291"/>
-            <a:ext cx="8520599" cy="763500"/>
-          </a:xfrm>
-          <a:prstGeom prst="rect">
-            <a:avLst/>
-          </a:prstGeom>
-        </p:spPr>
-        <p:txBody>
-          <a:bodyPr anchorCtr="0" anchor="t" bIns="91425" lIns="91425" rIns="91425" tIns="91425">
-            <a:noAutofit/>
-          </a:bodyPr>
-          <a:lstStyle/>
-          <a:p>
-            <a:pPr lvl="0" rtl="0">
-              <a:spcBef>
-                <a:spcPts val="0"/>
-              </a:spcBef>
-              <a:buNone/>
-            </a:pPr>
-            <a:r>
-              <a:rPr lang="en"/>
-              <a:t>Workflows</a:t>
-            </a:r>
-          </a:p>
-        </p:txBody>
-      </p:sp>
-      <p:sp>
-        <p:nvSpPr>
-          <p:cNvPr id="218" name="Shape 218"/>
-          <p:cNvSpPr txBox="1"/>
-          <p:nvPr>
-            <p:ph idx="2" type="sldNum"/>
-          </p:nvPr>
-        </p:nvSpPr>
-        <p:spPr>
-          <a:xfrm>
-            <a:off x="8472457" y="6217622"/>
-            <a:ext cx="548699" cy="524699"/>
-          </a:xfrm>
-          <a:prstGeom prst="rect">
-            <a:avLst/>
-          </a:prstGeom>
-        </p:spPr>
-        <p:txBody>
-          <a:bodyPr anchorCtr="0" anchor="ctr" bIns="91425" lIns="91425" rIns="91425" tIns="91425">
-            <a:noAutofit/>
-          </a:bodyPr>
-          <a:lstStyle/>
-          <a:p>
-            <a:pPr lvl="0" rtl="0">
-              <a:spcBef>
-                <a:spcPts val="0"/>
-              </a:spcBef>
-              <a:buNone/>
-            </a:pPr>
-            <a:fld id="{00000000-1234-1234-1234-123412341234}" type="slidenum">
-              <a:rPr lang="en"/>
+              <a:rPr lang="en">
+                <a:solidFill>
+                  <a:schemeClr val="lt1"/>
+                </a:solidFill>
+              </a:rPr>
               <a:t>‹#›</a:t>
             </a:fld>
           </a:p>
@@ -8826,7 +8824,7 @@
   <p:cSld>
     <p:spTree>
       <p:nvGrpSpPr>
-        <p:cNvPr id="222" name="Shape 222"/>
+        <p:cNvPr id="225" name="Shape 225"/>
         <p:cNvGrpSpPr/>
         <p:nvPr/>
       </p:nvGrpSpPr>
@@ -8840,16 +8838,16 @@
       </p:grpSpPr>
       <p:sp>
         <p:nvSpPr>
-          <p:cNvPr id="223" name="Shape 223"/>
+          <p:cNvPr id="226" name="Shape 226"/>
           <p:cNvSpPr txBox="1"/>
           <p:nvPr>
-            <p:ph idx="12" type="sldNum"/>
+            <p:ph idx="1" type="body"/>
           </p:nvPr>
         </p:nvSpPr>
         <p:spPr>
           <a:xfrm>
-            <a:off x="8472457" y="8290163"/>
-            <a:ext cx="548699" cy="699599"/>
+            <a:off x="311650" y="1506008"/>
+            <a:ext cx="8520599" cy="4555199"/>
           </a:xfrm>
           <a:prstGeom prst="rect">
             <a:avLst/>
@@ -8861,6 +8859,124 @@
           </a:bodyPr>
           <a:lstStyle/>
           <a:p>
+            <a:pPr indent="-419100" lvl="0" marL="457200" rtl="0">
+              <a:lnSpc>
+                <a:spcPct val="200000"/>
+              </a:lnSpc>
+              <a:spcBef>
+                <a:spcPts val="0"/>
+              </a:spcBef>
+              <a:spcAft>
+                <a:spcPts val="0"/>
+              </a:spcAft>
+              <a:buSzPct val="100000"/>
+            </a:pPr>
+            <a:r>
+              <a:rPr lang="en" sz="3000">
+                <a:solidFill>
+                  <a:schemeClr val="dk1"/>
+                </a:solidFill>
+              </a:rPr>
+              <a:t>Centralized Workflow</a:t>
+            </a:r>
+          </a:p>
+          <a:p>
+            <a:pPr indent="-419100" lvl="0" marL="457200" rtl="0">
+              <a:lnSpc>
+                <a:spcPct val="200000"/>
+              </a:lnSpc>
+              <a:spcBef>
+                <a:spcPts val="0"/>
+              </a:spcBef>
+              <a:spcAft>
+                <a:spcPts val="0"/>
+              </a:spcAft>
+              <a:buSzPct val="100000"/>
+            </a:pPr>
+            <a:r>
+              <a:rPr lang="en" sz="3000">
+                <a:solidFill>
+                  <a:schemeClr val="dk1"/>
+                </a:solidFill>
+              </a:rPr>
+              <a:t>Feature Branch Workflow </a:t>
+            </a:r>
+          </a:p>
+          <a:p>
+            <a:pPr indent="-419100" lvl="0" marL="457200" rtl="0">
+              <a:lnSpc>
+                <a:spcPct val="200000"/>
+              </a:lnSpc>
+              <a:spcBef>
+                <a:spcPts val="0"/>
+              </a:spcBef>
+              <a:spcAft>
+                <a:spcPts val="0"/>
+              </a:spcAft>
+              <a:buClr>
+                <a:schemeClr val="dk1"/>
+              </a:buClr>
+              <a:buSzPct val="100000"/>
+            </a:pPr>
+            <a:r>
+              <a:rPr lang="en" sz="3000">
+                <a:solidFill>
+                  <a:schemeClr val="dk1"/>
+                </a:solidFill>
+              </a:rPr>
+              <a:t>Gitflow Workflow</a:t>
+            </a:r>
+          </a:p>
+          <a:p>
+            <a:pPr indent="-419100" lvl="0" marL="457200" rtl="0">
+              <a:lnSpc>
+                <a:spcPct val="200000"/>
+              </a:lnSpc>
+              <a:spcBef>
+                <a:spcPts val="0"/>
+              </a:spcBef>
+              <a:spcAft>
+                <a:spcPts val="0"/>
+              </a:spcAft>
+              <a:buClr>
+                <a:schemeClr val="dk1"/>
+              </a:buClr>
+              <a:buSzPct val="100000"/>
+            </a:pPr>
+            <a:r>
+              <a:rPr lang="en" sz="3000">
+                <a:solidFill>
+                  <a:schemeClr val="dk1"/>
+                </a:solidFill>
+              </a:rPr>
+              <a:t>Forking Workflow</a:t>
+            </a:r>
+          </a:p>
+        </p:txBody>
+      </p:sp>
+      <p:sp>
+        <p:nvSpPr>
+          <p:cNvPr id="227" name="Shape 227"/>
+          <p:cNvSpPr txBox="1"/>
+          <p:nvPr>
+            <p:ph idx="12" type="sldNum"/>
+          </p:nvPr>
+        </p:nvSpPr>
+        <p:spPr>
+          <a:xfrm>
+            <a:off x="8472457" y="8290163"/>
+            <a:ext cx="548699" cy="699599"/>
+          </a:xfrm>
+          <a:prstGeom prst="rect">
+            <a:avLst/>
+          </a:prstGeom>
+        </p:spPr>
+        <p:txBody>
+          <a:bodyPr anchorCtr="0" anchor="ctr" bIns="91425" lIns="91425" rIns="91425" tIns="91425">
+            <a:noAutofit/>
+          </a:bodyPr>
+          <a:lstStyle/>
+          <a:p>
             <a:pPr lvl="0" rtl="0">
               <a:spcBef>
                 <a:spcPts val="0"/>
@@ -8876,7 +8992,7 @@
       </p:sp>
       <p:sp>
         <p:nvSpPr>
-          <p:cNvPr id="224" name="Shape 224"/>
+          <p:cNvPr id="228" name="Shape 228"/>
           <p:cNvSpPr txBox="1"/>
           <p:nvPr>
             <p:ph type="title"/>
@@ -8905,14 +9021,14 @@
             </a:pPr>
             <a:r>
               <a:rPr lang="en"/>
-              <a:t>Centralized workflow</a:t>
+              <a:t>Workflows</a:t>
             </a:r>
           </a:p>
         </p:txBody>
       </p:sp>
       <p:sp>
         <p:nvSpPr>
-          <p:cNvPr id="225" name="Shape 225"/>
+          <p:cNvPr id="229" name="Shape 229"/>
           <p:cNvSpPr txBox="1"/>
           <p:nvPr>
             <p:ph idx="2" type="sldNum"/>
@@ -8946,9 +9062,145 @@
           </a:p>
         </p:txBody>
       </p:sp>
+    </p:spTree>
+  </p:cSld>
+  <p:clrMapOvr>
+    <a:masterClrMapping/>
+  </p:clrMapOvr>
+  <p:transition spd="slow">
+    <p:cut/>
+  </p:transition>
+</p:sld>
+</file>
+
+<file path=ppt/slides/slide17.xml><?xml version="1.0" encoding="utf-8"?>
+<p:sld xmlns:a="http://schemas.openxmlformats.org/drawingml/2006/main" xmlns:r="http://schemas.openxmlformats.org/officeDocument/2006/relationships" xmlns:mc="http://schemas.openxmlformats.org/markup-compatibility/2006" xmlns:mv="urn:schemas-microsoft-com:mac:vml" xmlns:p="http://schemas.openxmlformats.org/presentationml/2006/main" xmlns:c="http://schemas.openxmlformats.org/drawingml/2006/chart" xmlns:dgm="http://schemas.openxmlformats.org/drawingml/2006/diagram" xmlns:o="urn:schemas-microsoft-com:office:office" xmlns:v="urn:schemas-microsoft-com:vml" xmlns:pvml="urn:schemas-microsoft-com:office:powerpoint" xmlns:com="http://schemas.openxmlformats.org/drawingml/2006/compatibility" xmlns:p14="http://schemas.microsoft.com/office/powerpoint/2010/main">
+  <p:cSld>
+    <p:spTree>
+      <p:nvGrpSpPr>
+        <p:cNvPr id="233" name="Shape 233"/>
+        <p:cNvGrpSpPr/>
+        <p:nvPr/>
+      </p:nvGrpSpPr>
+      <p:grpSpPr>
+        <a:xfrm>
+          <a:off x="0" y="0"/>
+          <a:ext cx="0" cy="0"/>
+          <a:chOff x="0" y="0"/>
+          <a:chExt cx="0" cy="0"/>
+        </a:xfrm>
+      </p:grpSpPr>
+      <p:sp>
+        <p:nvSpPr>
+          <p:cNvPr id="234" name="Shape 234"/>
+          <p:cNvSpPr txBox="1"/>
+          <p:nvPr>
+            <p:ph idx="12" type="sldNum"/>
+          </p:nvPr>
+        </p:nvSpPr>
+        <p:spPr>
+          <a:xfrm>
+            <a:off x="8472457" y="8290163"/>
+            <a:ext cx="548699" cy="699599"/>
+          </a:xfrm>
+          <a:prstGeom prst="rect">
+            <a:avLst/>
+          </a:prstGeom>
+        </p:spPr>
+        <p:txBody>
+          <a:bodyPr anchorCtr="0" anchor="ctr" bIns="91425" lIns="91425" rIns="91425" tIns="91425">
+            <a:noAutofit/>
+          </a:bodyPr>
+          <a:lstStyle/>
+          <a:p>
+            <a:pPr lvl="0" rtl="0">
+              <a:spcBef>
+                <a:spcPts val="0"/>
+              </a:spcBef>
+              <a:buNone/>
+            </a:pPr>
+            <a:fld id="{00000000-1234-1234-1234-123412341234}" type="slidenum">
+              <a:rPr lang="en"/>
+              <a:t>‹#›</a:t>
+            </a:fld>
+          </a:p>
+        </p:txBody>
+      </p:sp>
+      <p:sp>
+        <p:nvSpPr>
+          <p:cNvPr id="235" name="Shape 235"/>
+          <p:cNvSpPr txBox="1"/>
+          <p:nvPr>
+            <p:ph type="title"/>
+          </p:nvPr>
+        </p:nvSpPr>
+        <p:spPr>
+          <a:xfrm>
+            <a:off x="311650" y="123291"/>
+            <a:ext cx="8520599" cy="763500"/>
+          </a:xfrm>
+          <a:prstGeom prst="rect">
+            <a:avLst/>
+          </a:prstGeom>
+        </p:spPr>
+        <p:txBody>
+          <a:bodyPr anchorCtr="0" anchor="t" bIns="91425" lIns="91425" rIns="91425" tIns="91425">
+            <a:noAutofit/>
+          </a:bodyPr>
+          <a:lstStyle/>
+          <a:p>
+            <a:pPr lvl="0" rtl="0">
+              <a:spcBef>
+                <a:spcPts val="0"/>
+              </a:spcBef>
+              <a:buNone/>
+            </a:pPr>
+            <a:r>
+              <a:rPr lang="en"/>
+              <a:t>Centralized workflow</a:t>
+            </a:r>
+          </a:p>
+        </p:txBody>
+      </p:sp>
+      <p:sp>
+        <p:nvSpPr>
+          <p:cNvPr id="236" name="Shape 236"/>
+          <p:cNvSpPr txBox="1"/>
+          <p:nvPr>
+            <p:ph idx="2" type="sldNum"/>
+          </p:nvPr>
+        </p:nvSpPr>
+        <p:spPr>
+          <a:xfrm>
+            <a:off x="8472457" y="6217622"/>
+            <a:ext cx="548699" cy="524699"/>
+          </a:xfrm>
+          <a:prstGeom prst="rect">
+            <a:avLst/>
+          </a:prstGeom>
+        </p:spPr>
+        <p:txBody>
+          <a:bodyPr anchorCtr="0" anchor="ctr" bIns="91425" lIns="91425" rIns="91425" tIns="91425">
+            <a:noAutofit/>
+          </a:bodyPr>
+          <a:lstStyle/>
+          <a:p>
+            <a:pPr lvl="0" rtl="0">
+              <a:spcBef>
+                <a:spcPts val="0"/>
+              </a:spcBef>
+              <a:buNone/>
+            </a:pPr>
+            <a:fld id="{00000000-1234-1234-1234-123412341234}" type="slidenum">
+              <a:rPr lang="en"/>
+              <a:t>‹#›</a:t>
+            </a:fld>
+          </a:p>
+        </p:txBody>
+      </p:sp>
       <p:pic>
         <p:nvPicPr>
-          <p:cNvPr id="226" name="Shape 226"/>
+          <p:cNvPr id="237" name="Shape 237"/>
           <p:cNvPicPr preferRelativeResize="0"/>
           <p:nvPr/>
         </p:nvPicPr>
@@ -8976,7 +9228,7 @@
       </p:pic>
       <p:pic>
         <p:nvPicPr>
-          <p:cNvPr id="227" name="Shape 227"/>
+          <p:cNvPr id="238" name="Shape 238"/>
           <p:cNvPicPr preferRelativeResize="0"/>
           <p:nvPr/>
         </p:nvPicPr>
@@ -9004,7 +9256,7 @@
       </p:pic>
       <p:pic>
         <p:nvPicPr>
-          <p:cNvPr id="228" name="Shape 228"/>
+          <p:cNvPr id="239" name="Shape 239"/>
           <p:cNvPicPr preferRelativeResize="0"/>
           <p:nvPr/>
         </p:nvPicPr>
@@ -9032,7 +9284,7 @@
       </p:pic>
       <p:pic>
         <p:nvPicPr>
-          <p:cNvPr id="229" name="Shape 229"/>
+          <p:cNvPr id="240" name="Shape 240"/>
           <p:cNvPicPr preferRelativeResize="0"/>
           <p:nvPr/>
         </p:nvPicPr>
@@ -9060,7 +9312,7 @@
       </p:pic>
       <p:pic>
         <p:nvPicPr>
-          <p:cNvPr id="230" name="Shape 230"/>
+          <p:cNvPr id="241" name="Shape 241"/>
           <p:cNvPicPr preferRelativeResize="0"/>
           <p:nvPr/>
         </p:nvPicPr>
@@ -9128,7 +9380,7 @@
                                           </p:stCondLst>
                                         </p:cTn>
                                         <p:tgtEl>
-                                          <p:spTgt spid="226"/>
+                                          <p:spTgt spid="237"/>
                                         </p:tgtEl>
                                         <p:attrNameLst>
                                           <p:attrName>style.visibility</p:attrName>
@@ -9142,7 +9394,7 @@
                                       <p:cBhvr>
                                         <p:cTn dur="1000"/>
                                         <p:tgtEl>
-                                          <p:spTgt spid="226"/>
+                                          <p:spTgt spid="237"/>
                                         </p:tgtEl>
                                       </p:cBhvr>
                                     </p:animEffect>
@@ -9159,7 +9411,7 @@
                                       <p:cBhvr>
                                         <p:cTn dur="1000"/>
                                         <p:tgtEl>
-                                          <p:spTgt spid="230"/>
+                                          <p:spTgt spid="241"/>
                                         </p:tgtEl>
                                       </p:cBhvr>
                                     </p:animEffect>
@@ -9171,7 +9423,7 @@
                                           </p:stCondLst>
                                         </p:cTn>
                                         <p:tgtEl>
-                                          <p:spTgt spid="230"/>
+                                          <p:spTgt spid="241"/>
                                         </p:tgtEl>
                                         <p:attrNameLst>
                                           <p:attrName>style.visibility</p:attrName>
@@ -9216,7 +9468,7 @@
                                           </p:stCondLst>
                                         </p:cTn>
                                         <p:tgtEl>
-                                          <p:spTgt spid="227"/>
+                                          <p:spTgt spid="238"/>
                                         </p:tgtEl>
                                         <p:attrNameLst>
                                           <p:attrName>style.visibility</p:attrName>
@@ -9230,7 +9482,7 @@
                                       <p:cBhvr>
                                         <p:cTn dur="1000"/>
                                         <p:tgtEl>
-                                          <p:spTgt spid="227"/>
+                                          <p:spTgt spid="238"/>
                                         </p:tgtEl>
                                       </p:cBhvr>
                                     </p:animEffect>
@@ -9247,7 +9499,7 @@
                                       <p:cBhvr>
                                         <p:cTn dur="1000"/>
                                         <p:tgtEl>
-                                          <p:spTgt spid="226"/>
+                                          <p:spTgt spid="237"/>
                                         </p:tgtEl>
                                       </p:cBhvr>
                                     </p:animEffect>
@@ -9259,7 +9511,7 @@
                                           </p:stCondLst>
                                         </p:cTn>
                                         <p:tgtEl>
-                                          <p:spTgt spid="226"/>
+                                          <p:spTgt spid="237"/>
                                         </p:tgtEl>
                                         <p:attrNameLst>
                                           <p:attrName>style.visibility</p:attrName>
@@ -9304,7 +9556,7 @@
                                           </p:stCondLst>
                                         </p:cTn>
                                         <p:tgtEl>
-                                          <p:spTgt spid="228"/>
+                                          <p:spTgt spid="239"/>
                                         </p:tgtEl>
                                         <p:attrNameLst>
                                           <p:attrName>style.visibility</p:attrName>
@@ -9318,7 +9570,7 @@
                                       <p:cBhvr>
                                         <p:cTn dur="1000"/>
                                         <p:tgtEl>
-                                          <p:spTgt spid="228"/>
+                                          <p:spTgt spid="239"/>
                                         </p:tgtEl>
                                       </p:cBhvr>
                                     </p:animEffect>
@@ -9335,7 +9587,7 @@
                                       <p:cBhvr>
                                         <p:cTn dur="1000"/>
                                         <p:tgtEl>
-                                          <p:spTgt spid="227"/>
+                                          <p:spTgt spid="238"/>
                                         </p:tgtEl>
                                       </p:cBhvr>
                                     </p:animEffect>
@@ -9347,7 +9599,7 @@
                                           </p:stCondLst>
                                         </p:cTn>
                                         <p:tgtEl>
-                                          <p:spTgt spid="227"/>
+                                          <p:spTgt spid="238"/>
                                         </p:tgtEl>
                                         <p:attrNameLst>
                                           <p:attrName>style.visibility</p:attrName>
@@ -9392,7 +9644,7 @@
                                           </p:stCondLst>
                                         </p:cTn>
                                         <p:tgtEl>
-                                          <p:spTgt spid="229"/>
+                                          <p:spTgt spid="240"/>
                                         </p:tgtEl>
                                         <p:attrNameLst>
                                           <p:attrName>style.visibility</p:attrName>
@@ -9406,7 +9658,7 @@
                                       <p:cBhvr>
                                         <p:cTn dur="1000"/>
                                         <p:tgtEl>
-                                          <p:spTgt spid="229"/>
+                                          <p:spTgt spid="240"/>
                                         </p:tgtEl>
                                       </p:cBhvr>
                                     </p:animEffect>
@@ -9423,7 +9675,7 @@
                                       <p:cBhvr>
                                         <p:cTn dur="1000"/>
                                         <p:tgtEl>
-                                          <p:spTgt spid="228"/>
+                                          <p:spTgt spid="239"/>
                                         </p:tgtEl>
                                       </p:cBhvr>
                                     </p:animEffect>
@@ -9435,7 +9687,7 @@
                                           </p:stCondLst>
                                         </p:cTn>
                                         <p:tgtEl>
-                                          <p:spTgt spid="228"/>
+                                          <p:spTgt spid="239"/>
                                         </p:tgtEl>
                                         <p:attrNameLst>
                                           <p:attrName>style.visibility</p:attrName>
@@ -9479,319 +9731,6 @@
 </p:sld>
 </file>
 
-<file path=ppt/slides/slide17.xml><?xml version="1.0" encoding="utf-8"?>
-<p:sld xmlns:a="http://schemas.openxmlformats.org/drawingml/2006/main" xmlns:r="http://schemas.openxmlformats.org/officeDocument/2006/relationships" xmlns:mc="http://schemas.openxmlformats.org/markup-compatibility/2006" xmlns:mv="urn:schemas-microsoft-com:mac:vml" xmlns:p="http://schemas.openxmlformats.org/presentationml/2006/main" xmlns:c="http://schemas.openxmlformats.org/drawingml/2006/chart" xmlns:dgm="http://schemas.openxmlformats.org/drawingml/2006/diagram" xmlns:o="urn:schemas-microsoft-com:office:office" xmlns:v="urn:schemas-microsoft-com:vml" xmlns:pvml="urn:schemas-microsoft-com:office:powerpoint" xmlns:com="http://schemas.openxmlformats.org/drawingml/2006/compatibility" xmlns:p14="http://schemas.microsoft.com/office/powerpoint/2010/main">
-  <p:cSld>
-    <p:spTree>
-      <p:nvGrpSpPr>
-        <p:cNvPr id="234" name="Shape 234"/>
-        <p:cNvGrpSpPr/>
-        <p:nvPr/>
-      </p:nvGrpSpPr>
-      <p:grpSpPr>
-        <a:xfrm>
-          <a:off x="0" y="0"/>
-          <a:ext cx="0" cy="0"/>
-          <a:chOff x="0" y="0"/>
-          <a:chExt cx="0" cy="0"/>
-        </a:xfrm>
-      </p:grpSpPr>
-      <p:sp>
-        <p:nvSpPr>
-          <p:cNvPr id="235" name="Shape 235"/>
-          <p:cNvSpPr txBox="1"/>
-          <p:nvPr>
-            <p:ph idx="12" type="sldNum"/>
-          </p:nvPr>
-        </p:nvSpPr>
-        <p:spPr>
-          <a:xfrm>
-            <a:off x="8472457" y="8290163"/>
-            <a:ext cx="548699" cy="699599"/>
-          </a:xfrm>
-          <a:prstGeom prst="rect">
-            <a:avLst/>
-          </a:prstGeom>
-        </p:spPr>
-        <p:txBody>
-          <a:bodyPr anchorCtr="0" anchor="ctr" bIns="91425" lIns="91425" rIns="91425" tIns="91425">
-            <a:noAutofit/>
-          </a:bodyPr>
-          <a:lstStyle/>
-          <a:p>
-            <a:pPr lvl="0" rtl="0">
-              <a:spcBef>
-                <a:spcPts val="0"/>
-              </a:spcBef>
-              <a:buNone/>
-            </a:pPr>
-            <a:fld id="{00000000-1234-1234-1234-123412341234}" type="slidenum">
-              <a:rPr lang="en"/>
-              <a:t>‹#›</a:t>
-            </a:fld>
-          </a:p>
-        </p:txBody>
-      </p:sp>
-      <p:sp>
-        <p:nvSpPr>
-          <p:cNvPr id="236" name="Shape 236"/>
-          <p:cNvSpPr txBox="1"/>
-          <p:nvPr>
-            <p:ph type="title"/>
-          </p:nvPr>
-        </p:nvSpPr>
-        <p:spPr>
-          <a:xfrm>
-            <a:off x="311650" y="123291"/>
-            <a:ext cx="8520599" cy="763500"/>
-          </a:xfrm>
-          <a:prstGeom prst="rect">
-            <a:avLst/>
-          </a:prstGeom>
-        </p:spPr>
-        <p:txBody>
-          <a:bodyPr anchorCtr="0" anchor="t" bIns="91425" lIns="91425" rIns="91425" tIns="91425">
-            <a:noAutofit/>
-          </a:bodyPr>
-          <a:lstStyle/>
-          <a:p>
-            <a:pPr lvl="0" rtl="0">
-              <a:spcBef>
-                <a:spcPts val="0"/>
-              </a:spcBef>
-              <a:buNone/>
-            </a:pPr>
-            <a:r>
-              <a:rPr lang="en"/>
-              <a:t>Centralized workflow</a:t>
-            </a:r>
-          </a:p>
-        </p:txBody>
-      </p:sp>
-      <p:sp>
-        <p:nvSpPr>
-          <p:cNvPr id="237" name="Shape 237"/>
-          <p:cNvSpPr txBox="1"/>
-          <p:nvPr>
-            <p:ph idx="2" type="sldNum"/>
-          </p:nvPr>
-        </p:nvSpPr>
-        <p:spPr>
-          <a:xfrm>
-            <a:off x="8472457" y="6217622"/>
-            <a:ext cx="548699" cy="524699"/>
-          </a:xfrm>
-          <a:prstGeom prst="rect">
-            <a:avLst/>
-          </a:prstGeom>
-        </p:spPr>
-        <p:txBody>
-          <a:bodyPr anchorCtr="0" anchor="ctr" bIns="91425" lIns="91425" rIns="91425" tIns="91425">
-            <a:noAutofit/>
-          </a:bodyPr>
-          <a:lstStyle/>
-          <a:p>
-            <a:pPr lvl="0" rtl="0">
-              <a:spcBef>
-                <a:spcPts val="0"/>
-              </a:spcBef>
-              <a:buNone/>
-            </a:pPr>
-            <a:fld id="{00000000-1234-1234-1234-123412341234}" type="slidenum">
-              <a:rPr lang="en"/>
-              <a:t>‹#›</a:t>
-            </a:fld>
-          </a:p>
-        </p:txBody>
-      </p:sp>
-      <p:sp>
-        <p:nvSpPr>
-          <p:cNvPr id="238" name="Shape 238"/>
-          <p:cNvSpPr txBox="1"/>
-          <p:nvPr>
-            <p:ph idx="1" type="body"/>
-          </p:nvPr>
-        </p:nvSpPr>
-        <p:spPr>
-          <a:xfrm>
-            <a:off x="311650" y="1277400"/>
-            <a:ext cx="8520599" cy="2133900"/>
-          </a:xfrm>
-          <a:prstGeom prst="rect">
-            <a:avLst/>
-          </a:prstGeom>
-        </p:spPr>
-        <p:txBody>
-          <a:bodyPr anchorCtr="0" anchor="ctr" bIns="91425" lIns="91425" rIns="91425" tIns="91425">
-            <a:noAutofit/>
-          </a:bodyPr>
-          <a:lstStyle/>
-          <a:p>
-            <a:pPr indent="-381000" lvl="0" marL="457200" rtl="0">
-              <a:lnSpc>
-                <a:spcPct val="150000"/>
-              </a:lnSpc>
-              <a:spcBef>
-                <a:spcPts val="0"/>
-              </a:spcBef>
-              <a:spcAft>
-                <a:spcPts val="0"/>
-              </a:spcAft>
-              <a:buSzPct val="100000"/>
-            </a:pPr>
-            <a:r>
-              <a:rPr lang="en" sz="2400">
-                <a:solidFill>
-                  <a:schemeClr val="dk1"/>
-                </a:solidFill>
-              </a:rPr>
-              <a:t>Similar al workflow de SVN (VC centralitzat)</a:t>
-            </a:r>
-          </a:p>
-          <a:p>
-            <a:pPr indent="-381000" lvl="0" marL="457200" rtl="0">
-              <a:lnSpc>
-                <a:spcPct val="150000"/>
-              </a:lnSpc>
-              <a:spcBef>
-                <a:spcPts val="0"/>
-              </a:spcBef>
-              <a:spcAft>
-                <a:spcPts val="0"/>
-              </a:spcAft>
-              <a:buClr>
-                <a:schemeClr val="dk1"/>
-              </a:buClr>
-              <a:buSzPct val="100000"/>
-            </a:pPr>
-            <a:r>
-              <a:rPr lang="en" sz="2400">
-                <a:solidFill>
-                  <a:schemeClr val="dk1"/>
-                </a:solidFill>
-              </a:rPr>
-              <a:t>Utilitza el rebase per mantenir lineal la branca master</a:t>
-            </a:r>
-          </a:p>
-          <a:p>
-            <a:pPr indent="-381000" lvl="0" marL="457200" rtl="0">
-              <a:lnSpc>
-                <a:spcPct val="150000"/>
-              </a:lnSpc>
-              <a:spcBef>
-                <a:spcPts val="0"/>
-              </a:spcBef>
-              <a:spcAft>
-                <a:spcPts val="0"/>
-              </a:spcAft>
-              <a:buClr>
-                <a:schemeClr val="dk1"/>
-              </a:buClr>
-              <a:buSzPct val="100000"/>
-            </a:pPr>
-            <a:r>
-              <a:rPr lang="en" sz="2400">
-                <a:solidFill>
-                  <a:schemeClr val="dk1"/>
-                </a:solidFill>
-              </a:rPr>
-              <a:t>Els conflictes apareixen al rebase</a:t>
-            </a:r>
-          </a:p>
-        </p:txBody>
-      </p:sp>
-      <p:pic>
-        <p:nvPicPr>
-          <p:cNvPr id="239" name="Shape 239"/>
-          <p:cNvPicPr preferRelativeResize="0"/>
-          <p:nvPr/>
-        </p:nvPicPr>
-        <p:blipFill rotWithShape="1">
-          <a:blip r:embed="rId3">
-            <a:alphaModFix/>
-          </a:blip>
-          <a:srcRect b="0" l="8083" r="6824" t="18460"/>
-          <a:stretch/>
-        </p:blipFill>
-        <p:spPr>
-          <a:xfrm>
-            <a:off x="5528850" y="3365375"/>
-            <a:ext cx="3375575" cy="1851849"/>
-          </a:xfrm>
-          <a:prstGeom prst="rect">
-            <a:avLst/>
-          </a:prstGeom>
-          <a:noFill/>
-          <a:ln>
-            <a:noFill/>
-          </a:ln>
-        </p:spPr>
-      </p:pic>
-      <p:pic>
-        <p:nvPicPr>
-          <p:cNvPr id="240" name="Shape 240"/>
-          <p:cNvPicPr preferRelativeResize="0"/>
-          <p:nvPr/>
-        </p:nvPicPr>
-        <p:blipFill rotWithShape="1">
-          <a:blip r:embed="rId4">
-            <a:alphaModFix/>
-          </a:blip>
-          <a:srcRect b="0" l="0" r="0" t="16058"/>
-          <a:stretch/>
-        </p:blipFill>
-        <p:spPr>
-          <a:xfrm>
-            <a:off x="3025225" y="4682250"/>
-            <a:ext cx="3829599" cy="1948774"/>
-          </a:xfrm>
-          <a:prstGeom prst="rect">
-            <a:avLst/>
-          </a:prstGeom>
-          <a:noFill/>
-          <a:ln>
-            <a:noFill/>
-          </a:ln>
-        </p:spPr>
-      </p:pic>
-      <p:pic>
-        <p:nvPicPr>
-          <p:cNvPr id="241" name="Shape 241"/>
-          <p:cNvPicPr preferRelativeResize="0"/>
-          <p:nvPr/>
-        </p:nvPicPr>
-        <p:blipFill rotWithShape="1">
-          <a:blip r:embed="rId4">
-            <a:alphaModFix/>
-          </a:blip>
-          <a:srcRect b="0" l="0" r="32714" t="16058"/>
-          <a:stretch/>
-        </p:blipFill>
-        <p:spPr>
-          <a:xfrm>
-            <a:off x="224100" y="3299250"/>
-            <a:ext cx="2636759" cy="1994174"/>
-          </a:xfrm>
-          <a:prstGeom prst="rect">
-            <a:avLst/>
-          </a:prstGeom>
-          <a:noFill/>
-          <a:ln>
-            <a:noFill/>
-          </a:ln>
-        </p:spPr>
-      </p:pic>
-    </p:spTree>
-  </p:cSld>
-  <p:clrMapOvr>
-    <a:masterClrMapping/>
-  </p:clrMapOvr>
-  <p:transition spd="slow">
-    <p:cut/>
-  </p:transition>
-</p:sld>
-</file>
-
 <file path=ppt/slides/slide18.xml><?xml version="1.0" encoding="utf-8"?>
 <p:sld xmlns:a="http://schemas.openxmlformats.org/drawingml/2006/main" xmlns:r="http://schemas.openxmlformats.org/officeDocument/2006/relationships" xmlns:mc="http://schemas.openxmlformats.org/markup-compatibility/2006" xmlns:mv="urn:schemas-microsoft-com:mac:vml" xmlns:p="http://schemas.openxmlformats.org/presentationml/2006/main" xmlns:c="http://schemas.openxmlformats.org/drawingml/2006/chart" xmlns:dgm="http://schemas.openxmlformats.org/drawingml/2006/diagram" xmlns:o="urn:schemas-microsoft-com:office:office" xmlns:v="urn:schemas-microsoft-com:vml" xmlns:pvml="urn:schemas-microsoft-com:office:powerpoint" xmlns:com="http://schemas.openxmlformats.org/drawingml/2006/compatibility" xmlns:p14="http://schemas.microsoft.com/office/powerpoint/2010/main">
   <p:cSld>
@@ -9875,6 +9814,319 @@
               <a:buNone/>
             </a:pPr>
             <a:r>
+              <a:rPr lang="en"/>
+              <a:t>Centralized workflow</a:t>
+            </a:r>
+          </a:p>
+        </p:txBody>
+      </p:sp>
+      <p:sp>
+        <p:nvSpPr>
+          <p:cNvPr id="248" name="Shape 248"/>
+          <p:cNvSpPr txBox="1"/>
+          <p:nvPr>
+            <p:ph idx="2" type="sldNum"/>
+          </p:nvPr>
+        </p:nvSpPr>
+        <p:spPr>
+          <a:xfrm>
+            <a:off x="8472457" y="6217622"/>
+            <a:ext cx="548699" cy="524699"/>
+          </a:xfrm>
+          <a:prstGeom prst="rect">
+            <a:avLst/>
+          </a:prstGeom>
+        </p:spPr>
+        <p:txBody>
+          <a:bodyPr anchorCtr="0" anchor="ctr" bIns="91425" lIns="91425" rIns="91425" tIns="91425">
+            <a:noAutofit/>
+          </a:bodyPr>
+          <a:lstStyle/>
+          <a:p>
+            <a:pPr lvl="0" rtl="0">
+              <a:spcBef>
+                <a:spcPts val="0"/>
+              </a:spcBef>
+              <a:buNone/>
+            </a:pPr>
+            <a:fld id="{00000000-1234-1234-1234-123412341234}" type="slidenum">
+              <a:rPr lang="en"/>
+              <a:t>‹#›</a:t>
+            </a:fld>
+          </a:p>
+        </p:txBody>
+      </p:sp>
+      <p:sp>
+        <p:nvSpPr>
+          <p:cNvPr id="249" name="Shape 249"/>
+          <p:cNvSpPr txBox="1"/>
+          <p:nvPr>
+            <p:ph idx="1" type="body"/>
+          </p:nvPr>
+        </p:nvSpPr>
+        <p:spPr>
+          <a:xfrm>
+            <a:off x="311650" y="1277400"/>
+            <a:ext cx="8520599" cy="2133900"/>
+          </a:xfrm>
+          <a:prstGeom prst="rect">
+            <a:avLst/>
+          </a:prstGeom>
+        </p:spPr>
+        <p:txBody>
+          <a:bodyPr anchorCtr="0" anchor="ctr" bIns="91425" lIns="91425" rIns="91425" tIns="91425">
+            <a:noAutofit/>
+          </a:bodyPr>
+          <a:lstStyle/>
+          <a:p>
+            <a:pPr indent="-381000" lvl="0" marL="457200" rtl="0">
+              <a:lnSpc>
+                <a:spcPct val="150000"/>
+              </a:lnSpc>
+              <a:spcBef>
+                <a:spcPts val="0"/>
+              </a:spcBef>
+              <a:spcAft>
+                <a:spcPts val="0"/>
+              </a:spcAft>
+              <a:buSzPct val="100000"/>
+            </a:pPr>
+            <a:r>
+              <a:rPr lang="en" sz="2400">
+                <a:solidFill>
+                  <a:schemeClr val="dk1"/>
+                </a:solidFill>
+              </a:rPr>
+              <a:t>Similar al workflow de SVN (VC centralitzat)</a:t>
+            </a:r>
+          </a:p>
+          <a:p>
+            <a:pPr indent="-381000" lvl="0" marL="457200" rtl="0">
+              <a:lnSpc>
+                <a:spcPct val="150000"/>
+              </a:lnSpc>
+              <a:spcBef>
+                <a:spcPts val="0"/>
+              </a:spcBef>
+              <a:spcAft>
+                <a:spcPts val="0"/>
+              </a:spcAft>
+              <a:buClr>
+                <a:schemeClr val="dk1"/>
+              </a:buClr>
+              <a:buSzPct val="100000"/>
+            </a:pPr>
+            <a:r>
+              <a:rPr lang="en" sz="2400">
+                <a:solidFill>
+                  <a:schemeClr val="dk1"/>
+                </a:solidFill>
+              </a:rPr>
+              <a:t>Utilitza el rebase per mantenir lineal la branca master</a:t>
+            </a:r>
+          </a:p>
+          <a:p>
+            <a:pPr indent="-381000" lvl="0" marL="457200" rtl="0">
+              <a:lnSpc>
+                <a:spcPct val="150000"/>
+              </a:lnSpc>
+              <a:spcBef>
+                <a:spcPts val="0"/>
+              </a:spcBef>
+              <a:spcAft>
+                <a:spcPts val="0"/>
+              </a:spcAft>
+              <a:buClr>
+                <a:schemeClr val="dk1"/>
+              </a:buClr>
+              <a:buSzPct val="100000"/>
+            </a:pPr>
+            <a:r>
+              <a:rPr lang="en" sz="2400">
+                <a:solidFill>
+                  <a:schemeClr val="dk1"/>
+                </a:solidFill>
+              </a:rPr>
+              <a:t>Els conflictes apareixen al rebase</a:t>
+            </a:r>
+          </a:p>
+        </p:txBody>
+      </p:sp>
+      <p:pic>
+        <p:nvPicPr>
+          <p:cNvPr id="250" name="Shape 250"/>
+          <p:cNvPicPr preferRelativeResize="0"/>
+          <p:nvPr/>
+        </p:nvPicPr>
+        <p:blipFill rotWithShape="1">
+          <a:blip r:embed="rId3">
+            <a:alphaModFix/>
+          </a:blip>
+          <a:srcRect b="0" l="8083" r="6824" t="18460"/>
+          <a:stretch/>
+        </p:blipFill>
+        <p:spPr>
+          <a:xfrm>
+            <a:off x="5528850" y="3365375"/>
+            <a:ext cx="3375575" cy="1851849"/>
+          </a:xfrm>
+          <a:prstGeom prst="rect">
+            <a:avLst/>
+          </a:prstGeom>
+          <a:noFill/>
+          <a:ln>
+            <a:noFill/>
+          </a:ln>
+        </p:spPr>
+      </p:pic>
+      <p:pic>
+        <p:nvPicPr>
+          <p:cNvPr id="251" name="Shape 251"/>
+          <p:cNvPicPr preferRelativeResize="0"/>
+          <p:nvPr/>
+        </p:nvPicPr>
+        <p:blipFill rotWithShape="1">
+          <a:blip r:embed="rId4">
+            <a:alphaModFix/>
+          </a:blip>
+          <a:srcRect b="0" l="0" r="0" t="16058"/>
+          <a:stretch/>
+        </p:blipFill>
+        <p:spPr>
+          <a:xfrm>
+            <a:off x="3025225" y="4682250"/>
+            <a:ext cx="3829599" cy="1948774"/>
+          </a:xfrm>
+          <a:prstGeom prst="rect">
+            <a:avLst/>
+          </a:prstGeom>
+          <a:noFill/>
+          <a:ln>
+            <a:noFill/>
+          </a:ln>
+        </p:spPr>
+      </p:pic>
+      <p:pic>
+        <p:nvPicPr>
+          <p:cNvPr id="252" name="Shape 252"/>
+          <p:cNvPicPr preferRelativeResize="0"/>
+          <p:nvPr/>
+        </p:nvPicPr>
+        <p:blipFill rotWithShape="1">
+          <a:blip r:embed="rId4">
+            <a:alphaModFix/>
+          </a:blip>
+          <a:srcRect b="0" l="0" r="32714" t="16058"/>
+          <a:stretch/>
+        </p:blipFill>
+        <p:spPr>
+          <a:xfrm>
+            <a:off x="224100" y="3299250"/>
+            <a:ext cx="2636759" cy="1994174"/>
+          </a:xfrm>
+          <a:prstGeom prst="rect">
+            <a:avLst/>
+          </a:prstGeom>
+          <a:noFill/>
+          <a:ln>
+            <a:noFill/>
+          </a:ln>
+        </p:spPr>
+      </p:pic>
+    </p:spTree>
+  </p:cSld>
+  <p:clrMapOvr>
+    <a:masterClrMapping/>
+  </p:clrMapOvr>
+  <p:transition spd="slow">
+    <p:cut/>
+  </p:transition>
+</p:sld>
+</file>
+
+<file path=ppt/slides/slide19.xml><?xml version="1.0" encoding="utf-8"?>
+<p:sld xmlns:a="http://schemas.openxmlformats.org/drawingml/2006/main" xmlns:r="http://schemas.openxmlformats.org/officeDocument/2006/relationships" xmlns:mc="http://schemas.openxmlformats.org/markup-compatibility/2006" xmlns:mv="urn:schemas-microsoft-com:mac:vml" xmlns:p="http://schemas.openxmlformats.org/presentationml/2006/main" xmlns:c="http://schemas.openxmlformats.org/drawingml/2006/chart" xmlns:dgm="http://schemas.openxmlformats.org/drawingml/2006/diagram" xmlns:o="urn:schemas-microsoft-com:office:office" xmlns:v="urn:schemas-microsoft-com:vml" xmlns:pvml="urn:schemas-microsoft-com:office:powerpoint" xmlns:com="http://schemas.openxmlformats.org/drawingml/2006/compatibility" xmlns:p14="http://schemas.microsoft.com/office/powerpoint/2010/main">
+  <p:cSld>
+    <p:spTree>
+      <p:nvGrpSpPr>
+        <p:cNvPr id="256" name="Shape 256"/>
+        <p:cNvGrpSpPr/>
+        <p:nvPr/>
+      </p:nvGrpSpPr>
+      <p:grpSpPr>
+        <a:xfrm>
+          <a:off x="0" y="0"/>
+          <a:ext cx="0" cy="0"/>
+          <a:chOff x="0" y="0"/>
+          <a:chExt cx="0" cy="0"/>
+        </a:xfrm>
+      </p:grpSpPr>
+      <p:sp>
+        <p:nvSpPr>
+          <p:cNvPr id="257" name="Shape 257"/>
+          <p:cNvSpPr txBox="1"/>
+          <p:nvPr>
+            <p:ph idx="12" type="sldNum"/>
+          </p:nvPr>
+        </p:nvSpPr>
+        <p:spPr>
+          <a:xfrm>
+            <a:off x="8472457" y="8290163"/>
+            <a:ext cx="548699" cy="699599"/>
+          </a:xfrm>
+          <a:prstGeom prst="rect">
+            <a:avLst/>
+          </a:prstGeom>
+        </p:spPr>
+        <p:txBody>
+          <a:bodyPr anchorCtr="0" anchor="ctr" bIns="91425" lIns="91425" rIns="91425" tIns="91425">
+            <a:noAutofit/>
+          </a:bodyPr>
+          <a:lstStyle/>
+          <a:p>
+            <a:pPr lvl="0" rtl="0">
+              <a:spcBef>
+                <a:spcPts val="0"/>
+              </a:spcBef>
+              <a:buNone/>
+            </a:pPr>
+            <a:fld id="{00000000-1234-1234-1234-123412341234}" type="slidenum">
+              <a:rPr lang="en"/>
+              <a:t>‹#›</a:t>
+            </a:fld>
+          </a:p>
+        </p:txBody>
+      </p:sp>
+      <p:sp>
+        <p:nvSpPr>
+          <p:cNvPr id="258" name="Shape 258"/>
+          <p:cNvSpPr txBox="1"/>
+          <p:nvPr>
+            <p:ph type="title"/>
+          </p:nvPr>
+        </p:nvSpPr>
+        <p:spPr>
+          <a:xfrm>
+            <a:off x="311650" y="123291"/>
+            <a:ext cx="8520599" cy="763500"/>
+          </a:xfrm>
+          <a:prstGeom prst="rect">
+            <a:avLst/>
+          </a:prstGeom>
+        </p:spPr>
+        <p:txBody>
+          <a:bodyPr anchorCtr="0" anchor="t" bIns="91425" lIns="91425" rIns="91425" tIns="91425">
+            <a:noAutofit/>
+          </a:bodyPr>
+          <a:lstStyle/>
+          <a:p>
+            <a:pPr lvl="0" rtl="0">
+              <a:spcBef>
+                <a:spcPts val="0"/>
+              </a:spcBef>
+              <a:buNone/>
+            </a:pPr>
+            <a:r>
               <a:rPr lang="en">
                 <a:solidFill>
                   <a:srgbClr val="FFFFFF"/>
@@ -9887,7 +10139,7 @@
       </p:sp>
       <p:sp>
         <p:nvSpPr>
-          <p:cNvPr id="248" name="Shape 248"/>
+          <p:cNvPr id="259" name="Shape 259"/>
           <p:cNvSpPr txBox="1"/>
           <p:nvPr>
             <p:ph idx="2" type="sldNum"/>
@@ -9923,7 +10175,7 @@
       </p:sp>
       <p:pic>
         <p:nvPicPr>
-          <p:cNvPr id="249" name="Shape 249"/>
+          <p:cNvPr id="260" name="Shape 260"/>
           <p:cNvPicPr preferRelativeResize="0"/>
           <p:nvPr/>
         </p:nvPicPr>
@@ -9951,7 +10203,7 @@
       </p:pic>
       <p:pic>
         <p:nvPicPr>
-          <p:cNvPr id="250" name="Shape 250"/>
+          <p:cNvPr id="261" name="Shape 261"/>
           <p:cNvPicPr preferRelativeResize="0"/>
           <p:nvPr/>
         </p:nvPicPr>
@@ -9979,7 +10231,7 @@
       </p:pic>
       <p:pic>
         <p:nvPicPr>
-          <p:cNvPr id="251" name="Shape 251"/>
+          <p:cNvPr id="262" name="Shape 262"/>
           <p:cNvPicPr preferRelativeResize="0"/>
           <p:nvPr/>
         </p:nvPicPr>
@@ -10007,7 +10259,7 @@
       </p:pic>
       <p:pic>
         <p:nvPicPr>
-          <p:cNvPr id="252" name="Shape 252"/>
+          <p:cNvPr id="263" name="Shape 263"/>
           <p:cNvPicPr preferRelativeResize="0"/>
           <p:nvPr/>
         </p:nvPicPr>
@@ -10035,7 +10287,7 @@
       </p:pic>
       <p:pic>
         <p:nvPicPr>
-          <p:cNvPr id="253" name="Shape 253"/>
+          <p:cNvPr id="264" name="Shape 264"/>
           <p:cNvPicPr preferRelativeResize="0"/>
           <p:nvPr/>
         </p:nvPicPr>
@@ -10099,7 +10351,7 @@
                                       <p:cBhvr>
                                         <p:cTn dur="1000"/>
                                         <p:tgtEl>
-                                          <p:spTgt spid="249"/>
+                                          <p:spTgt spid="260"/>
                                         </p:tgtEl>
                                       </p:cBhvr>
                                     </p:animEffect>
@@ -10111,7 +10363,7 @@
                                           </p:stCondLst>
                                         </p:cTn>
                                         <p:tgtEl>
-                                          <p:spTgt spid="249"/>
+                                          <p:spTgt spid="260"/>
                                         </p:tgtEl>
                                         <p:attrNameLst>
                                           <p:attrName>style.visibility</p:attrName>
@@ -10138,7 +10390,7 @@
                                           </p:stCondLst>
                                         </p:cTn>
                                         <p:tgtEl>
-                                          <p:spTgt spid="250"/>
+                                          <p:spTgt spid="261"/>
                                         </p:tgtEl>
                                         <p:attrNameLst>
                                           <p:attrName>style.visibility</p:attrName>
@@ -10152,7 +10404,7 @@
                                       <p:cBhvr>
                                         <p:cTn dur="1000"/>
                                         <p:tgtEl>
-                                          <p:spTgt spid="250"/>
+                                          <p:spTgt spid="261"/>
                                         </p:tgtEl>
                                       </p:cBhvr>
                                     </p:animEffect>
@@ -10187,7 +10439,7 @@
                                       <p:cBhvr>
                                         <p:cTn dur="1000"/>
                                         <p:tgtEl>
-                                          <p:spTgt spid="250"/>
+                                          <p:spTgt spid="261"/>
                                         </p:tgtEl>
                                       </p:cBhvr>
                                     </p:animEffect>
@@ -10199,7 +10451,7 @@
                                           </p:stCondLst>
                                         </p:cTn>
                                         <p:tgtEl>
-                                          <p:spTgt spid="250"/>
+                                          <p:spTgt spid="261"/>
                                         </p:tgtEl>
                                         <p:attrNameLst>
                                           <p:attrName>style.visibility</p:attrName>
@@ -10226,7 +10478,7 @@
                                           </p:stCondLst>
                                         </p:cTn>
                                         <p:tgtEl>
-                                          <p:spTgt spid="251"/>
+                                          <p:spTgt spid="262"/>
                                         </p:tgtEl>
                                         <p:attrNameLst>
                                           <p:attrName>style.visibility</p:attrName>
@@ -10240,7 +10492,7 @@
                                       <p:cBhvr>
                                         <p:cTn dur="1000"/>
                                         <p:tgtEl>
-                                          <p:spTgt spid="251"/>
+                                          <p:spTgt spid="262"/>
                                         </p:tgtEl>
                                       </p:cBhvr>
                                     </p:animEffect>
@@ -10275,7 +10527,7 @@
                                       <p:cBhvr>
                                         <p:cTn dur="1000"/>
                                         <p:tgtEl>
-                                          <p:spTgt spid="251"/>
+                                          <p:spTgt spid="262"/>
                                         </p:tgtEl>
                                       </p:cBhvr>
                                     </p:animEffect>
@@ -10287,7 +10539,7 @@
                                           </p:stCondLst>
                                         </p:cTn>
                                         <p:tgtEl>
-                                          <p:spTgt spid="251"/>
+                                          <p:spTgt spid="262"/>
                                         </p:tgtEl>
                                         <p:attrNameLst>
                                           <p:attrName>style.visibility</p:attrName>
@@ -10314,7 +10566,7 @@
                                           </p:stCondLst>
                                         </p:cTn>
                                         <p:tgtEl>
-                                          <p:spTgt spid="252"/>
+                                          <p:spTgt spid="263"/>
                                         </p:tgtEl>
                                         <p:attrNameLst>
                                           <p:attrName>style.visibility</p:attrName>
@@ -10328,7 +10580,7 @@
                                       <p:cBhvr>
                                         <p:cTn dur="1000"/>
                                         <p:tgtEl>
-                                          <p:spTgt spid="252"/>
+                                          <p:spTgt spid="263"/>
                                         </p:tgtEl>
                                       </p:cBhvr>
                                     </p:animEffect>
@@ -10363,7 +10615,7 @@
                                       <p:cBhvr>
                                         <p:cTn dur="1000"/>
                                         <p:tgtEl>
-                                          <p:spTgt spid="252"/>
+                                          <p:spTgt spid="263"/>
                                         </p:tgtEl>
                                       </p:cBhvr>
                                     </p:animEffect>
@@ -10375,7 +10627,7 @@
                                           </p:stCondLst>
                                         </p:cTn>
                                         <p:tgtEl>
-                                          <p:spTgt spid="252"/>
+                                          <p:spTgt spid="263"/>
                                         </p:tgtEl>
                                         <p:attrNameLst>
                                           <p:attrName>style.visibility</p:attrName>
@@ -10402,7 +10654,7 @@
                                           </p:stCondLst>
                                         </p:cTn>
                                         <p:tgtEl>
-                                          <p:spTgt spid="253"/>
+                                          <p:spTgt spid="264"/>
                                         </p:tgtEl>
                                         <p:attrNameLst>
                                           <p:attrName>style.visibility</p:attrName>
@@ -10416,7 +10668,7 @@
                                       <p:cBhvr>
                                         <p:cTn dur="1000"/>
                                         <p:tgtEl>
-                                          <p:spTgt spid="253"/>
+                                          <p:spTgt spid="264"/>
                                         </p:tgtEl>
                                       </p:cBhvr>
                                     </p:animEffect>
@@ -10454,341 +10706,6 @@
 </p:sld>
 </file>
 
-<file path=ppt/slides/slide19.xml><?xml version="1.0" encoding="utf-8"?>
-<p:sld xmlns:a="http://schemas.openxmlformats.org/drawingml/2006/main" xmlns:r="http://schemas.openxmlformats.org/officeDocument/2006/relationships" xmlns:mc="http://schemas.openxmlformats.org/markup-compatibility/2006" xmlns:mv="urn:schemas-microsoft-com:mac:vml" xmlns:p="http://schemas.openxmlformats.org/presentationml/2006/main" xmlns:c="http://schemas.openxmlformats.org/drawingml/2006/chart" xmlns:dgm="http://schemas.openxmlformats.org/drawingml/2006/diagram" xmlns:o="urn:schemas-microsoft-com:office:office" xmlns:v="urn:schemas-microsoft-com:vml" xmlns:pvml="urn:schemas-microsoft-com:office:powerpoint" xmlns:com="http://schemas.openxmlformats.org/drawingml/2006/compatibility" xmlns:p14="http://schemas.microsoft.com/office/powerpoint/2010/main">
-  <p:cSld>
-    <p:spTree>
-      <p:nvGrpSpPr>
-        <p:cNvPr id="257" name="Shape 257"/>
-        <p:cNvGrpSpPr/>
-        <p:nvPr/>
-      </p:nvGrpSpPr>
-      <p:grpSpPr>
-        <a:xfrm>
-          <a:off x="0" y="0"/>
-          <a:ext cx="0" cy="0"/>
-          <a:chOff x="0" y="0"/>
-          <a:chExt cx="0" cy="0"/>
-        </a:xfrm>
-      </p:grpSpPr>
-      <p:sp>
-        <p:nvSpPr>
-          <p:cNvPr id="258" name="Shape 258"/>
-          <p:cNvSpPr txBox="1"/>
-          <p:nvPr>
-            <p:ph idx="12" type="sldNum"/>
-          </p:nvPr>
-        </p:nvSpPr>
-        <p:spPr>
-          <a:xfrm>
-            <a:off x="8472457" y="8290163"/>
-            <a:ext cx="548699" cy="699599"/>
-          </a:xfrm>
-          <a:prstGeom prst="rect">
-            <a:avLst/>
-          </a:prstGeom>
-        </p:spPr>
-        <p:txBody>
-          <a:bodyPr anchorCtr="0" anchor="ctr" bIns="91425" lIns="91425" rIns="91425" tIns="91425">
-            <a:noAutofit/>
-          </a:bodyPr>
-          <a:lstStyle/>
-          <a:p>
-            <a:pPr lvl="0" rtl="0">
-              <a:spcBef>
-                <a:spcPts val="0"/>
-              </a:spcBef>
-              <a:buNone/>
-            </a:pPr>
-            <a:fld id="{00000000-1234-1234-1234-123412341234}" type="slidenum">
-              <a:rPr lang="en"/>
-              <a:t>‹#›</a:t>
-            </a:fld>
-          </a:p>
-        </p:txBody>
-      </p:sp>
-      <p:sp>
-        <p:nvSpPr>
-          <p:cNvPr id="259" name="Shape 259"/>
-          <p:cNvSpPr txBox="1"/>
-          <p:nvPr>
-            <p:ph type="title"/>
-          </p:nvPr>
-        </p:nvSpPr>
-        <p:spPr>
-          <a:xfrm>
-            <a:off x="311650" y="123291"/>
-            <a:ext cx="8520599" cy="763500"/>
-          </a:xfrm>
-          <a:prstGeom prst="rect">
-            <a:avLst/>
-          </a:prstGeom>
-        </p:spPr>
-        <p:txBody>
-          <a:bodyPr anchorCtr="0" anchor="t" bIns="91425" lIns="91425" rIns="91425" tIns="91425">
-            <a:noAutofit/>
-          </a:bodyPr>
-          <a:lstStyle/>
-          <a:p>
-            <a:pPr lvl="0" rtl="0">
-              <a:spcBef>
-                <a:spcPts val="0"/>
-              </a:spcBef>
-              <a:buClr>
-                <a:schemeClr val="dk1"/>
-              </a:buClr>
-              <a:buSzPct val="30555"/>
-              <a:buFont typeface="Arial"/>
-              <a:buNone/>
-            </a:pPr>
-            <a:r>
-              <a:rPr lang="en">
-                <a:solidFill>
-                  <a:srgbClr val="FFFFFF"/>
-                </a:solidFill>
-              </a:rPr>
-              <a:t>Feature Branch Workflow</a:t>
-            </a:r>
-          </a:p>
-          <a:p>
-            <a:pPr lvl="0" rtl="0">
-              <a:spcBef>
-                <a:spcPts val="0"/>
-              </a:spcBef>
-              <a:buNone/>
-            </a:pPr>
-            <a:r>
-              <a:t/>
-            </a:r>
-            <a:endParaRPr/>
-          </a:p>
-        </p:txBody>
-      </p:sp>
-      <p:sp>
-        <p:nvSpPr>
-          <p:cNvPr id="260" name="Shape 260"/>
-          <p:cNvSpPr txBox="1"/>
-          <p:nvPr>
-            <p:ph idx="2" type="sldNum"/>
-          </p:nvPr>
-        </p:nvSpPr>
-        <p:spPr>
-          <a:xfrm>
-            <a:off x="8472457" y="6217622"/>
-            <a:ext cx="548699" cy="524699"/>
-          </a:xfrm>
-          <a:prstGeom prst="rect">
-            <a:avLst/>
-          </a:prstGeom>
-        </p:spPr>
-        <p:txBody>
-          <a:bodyPr anchorCtr="0" anchor="ctr" bIns="91425" lIns="91425" rIns="91425" tIns="91425">
-            <a:noAutofit/>
-          </a:bodyPr>
-          <a:lstStyle/>
-          <a:p>
-            <a:pPr lvl="0" rtl="0">
-              <a:spcBef>
-                <a:spcPts val="0"/>
-              </a:spcBef>
-              <a:buNone/>
-            </a:pPr>
-            <a:fld id="{00000000-1234-1234-1234-123412341234}" type="slidenum">
-              <a:rPr lang="en"/>
-              <a:t>‹#›</a:t>
-            </a:fld>
-          </a:p>
-        </p:txBody>
-      </p:sp>
-      <p:sp>
-        <p:nvSpPr>
-          <p:cNvPr id="261" name="Shape 261"/>
-          <p:cNvSpPr txBox="1"/>
-          <p:nvPr>
-            <p:ph idx="1" type="body"/>
-          </p:nvPr>
-        </p:nvSpPr>
-        <p:spPr>
-          <a:xfrm>
-            <a:off x="311650" y="1277400"/>
-            <a:ext cx="8520599" cy="3722700"/>
-          </a:xfrm>
-          <a:prstGeom prst="rect">
-            <a:avLst/>
-          </a:prstGeom>
-        </p:spPr>
-        <p:txBody>
-          <a:bodyPr anchorCtr="0" anchor="ctr" bIns="91425" lIns="91425" rIns="91425" tIns="91425">
-            <a:noAutofit/>
-          </a:bodyPr>
-          <a:lstStyle/>
-          <a:p>
-            <a:pPr indent="-381000" lvl="0" marL="457200" rtl="0">
-              <a:lnSpc>
-                <a:spcPct val="150000"/>
-              </a:lnSpc>
-              <a:spcBef>
-                <a:spcPts val="0"/>
-              </a:spcBef>
-              <a:spcAft>
-                <a:spcPts val="0"/>
-              </a:spcAft>
-              <a:buClr>
-                <a:schemeClr val="dk1"/>
-              </a:buClr>
-              <a:buSzPct val="100000"/>
-            </a:pPr>
-            <a:r>
-              <a:rPr lang="en" sz="2400">
-                <a:solidFill>
-                  <a:schemeClr val="dk1"/>
-                </a:solidFill>
-              </a:rPr>
-              <a:t>Workflow molt flexible</a:t>
-            </a:r>
-          </a:p>
-          <a:p>
-            <a:pPr indent="-381000" lvl="0" marL="457200" rtl="0">
-              <a:lnSpc>
-                <a:spcPct val="150000"/>
-              </a:lnSpc>
-              <a:spcBef>
-                <a:spcPts val="0"/>
-              </a:spcBef>
-              <a:spcAft>
-                <a:spcPts val="0"/>
-              </a:spcAft>
-              <a:buClr>
-                <a:schemeClr val="dk1"/>
-              </a:buClr>
-              <a:buSzPct val="100000"/>
-            </a:pPr>
-            <a:r>
-              <a:rPr lang="en" sz="2400">
-                <a:solidFill>
-                  <a:schemeClr val="dk1"/>
-                </a:solidFill>
-              </a:rPr>
-              <a:t>Facilita revisar els canvis amb merge requests (pull request)</a:t>
-            </a:r>
-          </a:p>
-          <a:p>
-            <a:pPr indent="-381000" lvl="0" marL="457200" rtl="0">
-              <a:lnSpc>
-                <a:spcPct val="150000"/>
-              </a:lnSpc>
-              <a:spcBef>
-                <a:spcPts val="0"/>
-              </a:spcBef>
-              <a:spcAft>
-                <a:spcPts val="0"/>
-              </a:spcAft>
-              <a:buClr>
-                <a:schemeClr val="dk1"/>
-              </a:buClr>
-              <a:buSzPct val="100000"/>
-            </a:pPr>
-            <a:r>
-              <a:rPr lang="en" sz="2400">
-                <a:solidFill>
-                  <a:schemeClr val="dk1"/>
-                </a:solidFill>
-              </a:rPr>
-              <a:t>Els conflictes apareixen al merge de la branca amb master</a:t>
-            </a:r>
-          </a:p>
-          <a:p>
-            <a:pPr indent="-381000" lvl="0" marL="457200" rtl="0">
-              <a:lnSpc>
-                <a:spcPct val="150000"/>
-              </a:lnSpc>
-              <a:spcBef>
-                <a:spcPts val="0"/>
-              </a:spcBef>
-              <a:spcAft>
-                <a:spcPts val="0"/>
-              </a:spcAft>
-              <a:buClr>
-                <a:schemeClr val="dk1"/>
-              </a:buClr>
-              <a:buSzPct val="100000"/>
-            </a:pPr>
-            <a:r>
-              <a:rPr lang="en" sz="2400">
-                <a:solidFill>
-                  <a:schemeClr val="dk1"/>
-                </a:solidFill>
-              </a:rPr>
-              <a:t>⚠ en equips grans pot portar problemes</a:t>
-            </a:r>
-          </a:p>
-        </p:txBody>
-      </p:sp>
-      <p:pic>
-        <p:nvPicPr>
-          <p:cNvPr id="262" name="Shape 262"/>
-          <p:cNvPicPr preferRelativeResize="0"/>
-          <p:nvPr/>
-        </p:nvPicPr>
-        <p:blipFill rotWithShape="1">
-          <a:blip r:embed="rId3">
-            <a:alphaModFix/>
-          </a:blip>
-          <a:srcRect b="0" l="24158" r="23741" t="0"/>
-          <a:stretch/>
-        </p:blipFill>
-        <p:spPr>
-          <a:xfrm>
-            <a:off x="1021425" y="5234312"/>
-            <a:ext cx="2412449" cy="816099"/>
-          </a:xfrm>
-          <a:prstGeom prst="rect">
-            <a:avLst/>
-          </a:prstGeom>
-          <a:noFill/>
-          <a:ln>
-            <a:noFill/>
-          </a:ln>
-        </p:spPr>
-      </p:pic>
-      <p:pic>
-        <p:nvPicPr>
-          <p:cNvPr id="263" name="Shape 263"/>
-          <p:cNvPicPr preferRelativeResize="0"/>
-          <p:nvPr/>
-        </p:nvPicPr>
-        <p:blipFill rotWithShape="1">
-          <a:blip r:embed="rId4">
-            <a:alphaModFix/>
-          </a:blip>
-          <a:srcRect b="0" l="15320" r="19320" t="0"/>
-          <a:stretch/>
-        </p:blipFill>
-        <p:spPr>
-          <a:xfrm>
-            <a:off x="4776275" y="5178075"/>
-            <a:ext cx="3443576" cy="928574"/>
-          </a:xfrm>
-          <a:prstGeom prst="rect">
-            <a:avLst/>
-          </a:prstGeom>
-          <a:noFill/>
-          <a:ln>
-            <a:noFill/>
-          </a:ln>
-        </p:spPr>
-      </p:pic>
-    </p:spTree>
-  </p:cSld>
-  <p:clrMapOvr>
-    <a:masterClrMapping/>
-  </p:clrMapOvr>
-  <p:transition spd="slow">
-    <p:cut/>
-  </p:transition>
-</p:sld>
-</file>
-
 <file path=ppt/slides/slide2.xml><?xml version="1.0" encoding="utf-8"?>
 <p:sld xmlns:a="http://schemas.openxmlformats.org/drawingml/2006/main" xmlns:r="http://schemas.openxmlformats.org/officeDocument/2006/relationships" xmlns:mc="http://schemas.openxmlformats.org/markup-compatibility/2006" xmlns:mv="urn:schemas-microsoft-com:mac:vml" xmlns:p="http://schemas.openxmlformats.org/presentationml/2006/main" xmlns:c="http://schemas.openxmlformats.org/drawingml/2006/chart" xmlns:dgm="http://schemas.openxmlformats.org/drawingml/2006/diagram" xmlns:o="urn:schemas-microsoft-com:office:office" xmlns:v="urn:schemas-microsoft-com:vml" xmlns:pvml="urn:schemas-microsoft-com:office:powerpoint" xmlns:com="http://schemas.openxmlformats.org/drawingml/2006/compatibility" xmlns:p14="http://schemas.microsoft.com/office/powerpoint/2010/main">
   <p:cSld>
@@ -10898,7 +10815,7 @@
   <p:cSld>
     <p:spTree>
       <p:nvGrpSpPr>
-        <p:cNvPr id="267" name="Shape 267"/>
+        <p:cNvPr id="268" name="Shape 268"/>
         <p:cNvGrpSpPr/>
         <p:nvPr/>
       </p:nvGrpSpPr>
@@ -10912,7 +10829,7 @@
       </p:grpSpPr>
       <p:sp>
         <p:nvSpPr>
-          <p:cNvPr id="268" name="Shape 268"/>
+          <p:cNvPr id="269" name="Shape 269"/>
           <p:cNvSpPr txBox="1"/>
           <p:nvPr>
             <p:ph idx="12" type="sldNum"/>
@@ -10933,7 +10850,7 @@
           </a:bodyPr>
           <a:lstStyle/>
           <a:p>
-            <a:pPr lvl="0">
+            <a:pPr lvl="0" rtl="0">
               <a:spcBef>
                 <a:spcPts val="0"/>
               </a:spcBef>
@@ -10948,7 +10865,7 @@
       </p:sp>
       <p:sp>
         <p:nvSpPr>
-          <p:cNvPr id="269" name="Shape 269"/>
+          <p:cNvPr id="270" name="Shape 270"/>
           <p:cNvSpPr txBox="1"/>
           <p:nvPr>
             <p:ph type="title"/>
@@ -10969,22 +10886,43 @@
           </a:bodyPr>
           <a:lstStyle/>
           <a:p>
-            <a:pPr lvl="0">
-              <a:spcBef>
-                <a:spcPts val="0"/>
-              </a:spcBef>
+            <a:pPr lvl="0" rtl="0">
+              <a:spcBef>
+                <a:spcPts val="0"/>
+              </a:spcBef>
+              <a:buClr>
+                <a:schemeClr val="dk1"/>
+              </a:buClr>
+              <a:buSzPct val="30555"/>
+              <a:buFont typeface="Arial"/>
               <a:buNone/>
             </a:pPr>
             <a:r>
-              <a:rPr lang="en"/>
-              <a:t>Gitflow workflow</a:t>
+              <a:rPr lang="en">
+                <a:solidFill>
+                  <a:srgbClr val="FFFFFF"/>
+                </a:solidFill>
+              </a:rPr>
+              <a:t>Feature Branch Workflow</a:t>
             </a:r>
           </a:p>
+          <a:p>
+            <a:pPr lvl="0" rtl="0">
+              <a:spcBef>
+                <a:spcPts val="0"/>
+              </a:spcBef>
+              <a:buNone/>
+            </a:pPr>
+            <a:r>
+              <a:t/>
+            </a:r>
+            <a:endParaRPr/>
+          </a:p>
         </p:txBody>
       </p:sp>
       <p:sp>
         <p:nvSpPr>
-          <p:cNvPr id="270" name="Shape 270"/>
+          <p:cNvPr id="271" name="Shape 271"/>
           <p:cNvSpPr txBox="1"/>
           <p:nvPr>
             <p:ph idx="2" type="sldNum"/>
@@ -11005,7 +10943,7 @@
           </a:bodyPr>
           <a:lstStyle/>
           <a:p>
-            <a:pPr lvl="0">
+            <a:pPr lvl="0" rtl="0">
               <a:spcBef>
                 <a:spcPts val="0"/>
               </a:spcBef>
@@ -11018,24 +10956,174 @@
           </a:p>
         </p:txBody>
       </p:sp>
+      <p:sp>
+        <p:nvSpPr>
+          <p:cNvPr id="272" name="Shape 272"/>
+          <p:cNvSpPr txBox="1"/>
+          <p:nvPr>
+            <p:ph idx="1" type="body"/>
+          </p:nvPr>
+        </p:nvSpPr>
+        <p:spPr>
+          <a:xfrm>
+            <a:off x="311650" y="1277400"/>
+            <a:ext cx="8520599" cy="3722700"/>
+          </a:xfrm>
+          <a:prstGeom prst="rect">
+            <a:avLst/>
+          </a:prstGeom>
+        </p:spPr>
+        <p:txBody>
+          <a:bodyPr anchorCtr="0" anchor="ctr" bIns="91425" lIns="91425" rIns="91425" tIns="91425">
+            <a:noAutofit/>
+          </a:bodyPr>
+          <a:lstStyle/>
+          <a:p>
+            <a:pPr indent="-381000" lvl="0" marL="457200" rtl="0">
+              <a:lnSpc>
+                <a:spcPct val="150000"/>
+              </a:lnSpc>
+              <a:spcBef>
+                <a:spcPts val="0"/>
+              </a:spcBef>
+              <a:spcAft>
+                <a:spcPts val="0"/>
+              </a:spcAft>
+              <a:buClr>
+                <a:schemeClr val="dk1"/>
+              </a:buClr>
+              <a:buSzPct val="100000"/>
+            </a:pPr>
+            <a:r>
+              <a:rPr lang="en" sz="2400">
+                <a:solidFill>
+                  <a:schemeClr val="dk1"/>
+                </a:solidFill>
+              </a:rPr>
+              <a:t>Workflow molt flexible</a:t>
+            </a:r>
+          </a:p>
+          <a:p>
+            <a:pPr indent="-381000" lvl="0" marL="457200" rtl="0">
+              <a:lnSpc>
+                <a:spcPct val="150000"/>
+              </a:lnSpc>
+              <a:spcBef>
+                <a:spcPts val="0"/>
+              </a:spcBef>
+              <a:spcAft>
+                <a:spcPts val="0"/>
+              </a:spcAft>
+              <a:buClr>
+                <a:schemeClr val="dk1"/>
+              </a:buClr>
+              <a:buSzPct val="100000"/>
+            </a:pPr>
+            <a:r>
+              <a:rPr lang="en" sz="2400">
+                <a:solidFill>
+                  <a:schemeClr val="dk1"/>
+                </a:solidFill>
+              </a:rPr>
+              <a:t>Facilita revisar els canvis amb merge requests (pull request)</a:t>
+            </a:r>
+          </a:p>
+          <a:p>
+            <a:pPr indent="-381000" lvl="0" marL="457200" rtl="0">
+              <a:lnSpc>
+                <a:spcPct val="150000"/>
+              </a:lnSpc>
+              <a:spcBef>
+                <a:spcPts val="0"/>
+              </a:spcBef>
+              <a:spcAft>
+                <a:spcPts val="0"/>
+              </a:spcAft>
+              <a:buClr>
+                <a:schemeClr val="dk1"/>
+              </a:buClr>
+              <a:buSzPct val="100000"/>
+            </a:pPr>
+            <a:r>
+              <a:rPr lang="en" sz="2400">
+                <a:solidFill>
+                  <a:schemeClr val="dk1"/>
+                </a:solidFill>
+              </a:rPr>
+              <a:t>Els conflictes apareixen al merge de la branca amb master</a:t>
+            </a:r>
+          </a:p>
+          <a:p>
+            <a:pPr indent="-381000" lvl="0" marL="457200" rtl="0">
+              <a:lnSpc>
+                <a:spcPct val="150000"/>
+              </a:lnSpc>
+              <a:spcBef>
+                <a:spcPts val="0"/>
+              </a:spcBef>
+              <a:spcAft>
+                <a:spcPts val="0"/>
+              </a:spcAft>
+              <a:buClr>
+                <a:schemeClr val="dk1"/>
+              </a:buClr>
+              <a:buSzPct val="100000"/>
+            </a:pPr>
+            <a:r>
+              <a:rPr lang="en" sz="2400">
+                <a:solidFill>
+                  <a:schemeClr val="dk1"/>
+                </a:solidFill>
+              </a:rPr>
+              <a:t>⚠ en equips grans pot portar problemes</a:t>
+            </a:r>
+          </a:p>
+        </p:txBody>
+      </p:sp>
       <p:pic>
         <p:nvPicPr>
-          <p:cNvPr id="271" name="Shape 271"/>
+          <p:cNvPr id="273" name="Shape 273"/>
           <p:cNvPicPr preferRelativeResize="0"/>
           <p:nvPr/>
         </p:nvPicPr>
-        <p:blipFill>
+        <p:blipFill rotWithShape="1">
           <a:blip r:embed="rId3">
             <a:alphaModFix/>
           </a:blip>
-          <a:stretch>
-            <a:fillRect/>
-          </a:stretch>
+          <a:srcRect b="0" l="24158" r="23741" t="0"/>
+          <a:stretch/>
         </p:blipFill>
         <p:spPr>
           <a:xfrm>
-            <a:off x="1803386" y="1951175"/>
-            <a:ext cx="5537224" cy="3972975"/>
+            <a:off x="1021425" y="5234312"/>
+            <a:ext cx="2412449" cy="816099"/>
+          </a:xfrm>
+          <a:prstGeom prst="rect">
+            <a:avLst/>
+          </a:prstGeom>
+          <a:noFill/>
+          <a:ln>
+            <a:noFill/>
+          </a:ln>
+        </p:spPr>
+      </p:pic>
+      <p:pic>
+        <p:nvPicPr>
+          <p:cNvPr id="274" name="Shape 274"/>
+          <p:cNvPicPr preferRelativeResize="0"/>
+          <p:nvPr/>
+        </p:nvPicPr>
+        <p:blipFill rotWithShape="1">
+          <a:blip r:embed="rId4">
+            <a:alphaModFix/>
+          </a:blip>
+          <a:srcRect b="0" l="15320" r="19320" t="0"/>
+          <a:stretch/>
+        </p:blipFill>
+        <p:spPr>
+          <a:xfrm>
+            <a:off x="4776275" y="5178075"/>
+            <a:ext cx="3443576" cy="928574"/>
           </a:xfrm>
           <a:prstGeom prst="rect">
             <a:avLst/>
@@ -11062,7 +11150,7 @@
   <p:cSld>
     <p:spTree>
       <p:nvGrpSpPr>
-        <p:cNvPr id="275" name="Shape 275"/>
+        <p:cNvPr id="278" name="Shape 278"/>
         <p:cNvGrpSpPr/>
         <p:nvPr/>
       </p:nvGrpSpPr>
@@ -11076,7 +11164,7 @@
       </p:grpSpPr>
       <p:sp>
         <p:nvSpPr>
-          <p:cNvPr id="276" name="Shape 276"/>
+          <p:cNvPr id="279" name="Shape 279"/>
           <p:cNvSpPr txBox="1"/>
           <p:nvPr>
             <p:ph idx="12" type="sldNum"/>
@@ -11097,7 +11185,7 @@
           </a:bodyPr>
           <a:lstStyle/>
           <a:p>
-            <a:pPr lvl="0" rtl="0">
+            <a:pPr lvl="0">
               <a:spcBef>
                 <a:spcPts val="0"/>
               </a:spcBef>
@@ -11112,7 +11200,7 @@
       </p:sp>
       <p:sp>
         <p:nvSpPr>
-          <p:cNvPr id="277" name="Shape 277"/>
+          <p:cNvPr id="280" name="Shape 280"/>
           <p:cNvSpPr txBox="1"/>
           <p:nvPr>
             <p:ph type="title"/>
@@ -11133,7 +11221,7 @@
           </a:bodyPr>
           <a:lstStyle/>
           <a:p>
-            <a:pPr lvl="0" rtl="0">
+            <a:pPr lvl="0">
               <a:spcBef>
                 <a:spcPts val="0"/>
               </a:spcBef>
@@ -11141,14 +11229,14 @@
             </a:pPr>
             <a:r>
               <a:rPr lang="en"/>
-              <a:t>Forking workflow</a:t>
+              <a:t>Gitflow workflow</a:t>
             </a:r>
           </a:p>
         </p:txBody>
       </p:sp>
       <p:sp>
         <p:nvSpPr>
-          <p:cNvPr id="278" name="Shape 278"/>
+          <p:cNvPr id="281" name="Shape 281"/>
           <p:cNvSpPr txBox="1"/>
           <p:nvPr>
             <p:ph idx="2" type="sldNum"/>
@@ -11169,7 +11257,7 @@
           </a:bodyPr>
           <a:lstStyle/>
           <a:p>
-            <a:pPr lvl="0" rtl="0">
+            <a:pPr lvl="0">
               <a:spcBef>
                 <a:spcPts val="0"/>
               </a:spcBef>
@@ -11184,7 +11272,7 @@
       </p:sp>
       <p:pic>
         <p:nvPicPr>
-          <p:cNvPr id="279" name="Shape 279"/>
+          <p:cNvPr id="282" name="Shape 282"/>
           <p:cNvPicPr preferRelativeResize="0"/>
           <p:nvPr/>
         </p:nvPicPr>
@@ -11198,8 +11286,8 @@
         </p:blipFill>
         <p:spPr>
           <a:xfrm>
-            <a:off x="1869337" y="2112325"/>
-            <a:ext cx="5405325" cy="3272625"/>
+            <a:off x="1803386" y="1951175"/>
+            <a:ext cx="5537224" cy="3972975"/>
           </a:xfrm>
           <a:prstGeom prst="rect">
             <a:avLst/>
@@ -11210,9 +11298,173 @@
           </a:ln>
         </p:spPr>
       </p:pic>
+    </p:spTree>
+  </p:cSld>
+  <p:clrMapOvr>
+    <a:masterClrMapping/>
+  </p:clrMapOvr>
+  <p:transition spd="slow">
+    <p:cut/>
+  </p:transition>
+</p:sld>
+</file>
+
+<file path=ppt/slides/slide22.xml><?xml version="1.0" encoding="utf-8"?>
+<p:sld xmlns:a="http://schemas.openxmlformats.org/drawingml/2006/main" xmlns:r="http://schemas.openxmlformats.org/officeDocument/2006/relationships" xmlns:mc="http://schemas.openxmlformats.org/markup-compatibility/2006" xmlns:mv="urn:schemas-microsoft-com:mac:vml" xmlns:p="http://schemas.openxmlformats.org/presentationml/2006/main" xmlns:c="http://schemas.openxmlformats.org/drawingml/2006/chart" xmlns:dgm="http://schemas.openxmlformats.org/drawingml/2006/diagram" xmlns:o="urn:schemas-microsoft-com:office:office" xmlns:v="urn:schemas-microsoft-com:vml" xmlns:pvml="urn:schemas-microsoft-com:office:powerpoint" xmlns:com="http://schemas.openxmlformats.org/drawingml/2006/compatibility" xmlns:p14="http://schemas.microsoft.com/office/powerpoint/2010/main">
+  <p:cSld>
+    <p:spTree>
+      <p:nvGrpSpPr>
+        <p:cNvPr id="286" name="Shape 286"/>
+        <p:cNvGrpSpPr/>
+        <p:nvPr/>
+      </p:nvGrpSpPr>
+      <p:grpSpPr>
+        <a:xfrm>
+          <a:off x="0" y="0"/>
+          <a:ext cx="0" cy="0"/>
+          <a:chOff x="0" y="0"/>
+          <a:chExt cx="0" cy="0"/>
+        </a:xfrm>
+      </p:grpSpPr>
+      <p:sp>
+        <p:nvSpPr>
+          <p:cNvPr id="287" name="Shape 287"/>
+          <p:cNvSpPr txBox="1"/>
+          <p:nvPr>
+            <p:ph idx="12" type="sldNum"/>
+          </p:nvPr>
+        </p:nvSpPr>
+        <p:spPr>
+          <a:xfrm>
+            <a:off x="8472457" y="8290163"/>
+            <a:ext cx="548699" cy="699599"/>
+          </a:xfrm>
+          <a:prstGeom prst="rect">
+            <a:avLst/>
+          </a:prstGeom>
+        </p:spPr>
+        <p:txBody>
+          <a:bodyPr anchorCtr="0" anchor="ctr" bIns="91425" lIns="91425" rIns="91425" tIns="91425">
+            <a:noAutofit/>
+          </a:bodyPr>
+          <a:lstStyle/>
+          <a:p>
+            <a:pPr lvl="0" rtl="0">
+              <a:spcBef>
+                <a:spcPts val="0"/>
+              </a:spcBef>
+              <a:buNone/>
+            </a:pPr>
+            <a:fld id="{00000000-1234-1234-1234-123412341234}" type="slidenum">
+              <a:rPr lang="en"/>
+              <a:t>‹#›</a:t>
+            </a:fld>
+          </a:p>
+        </p:txBody>
+      </p:sp>
+      <p:sp>
+        <p:nvSpPr>
+          <p:cNvPr id="288" name="Shape 288"/>
+          <p:cNvSpPr txBox="1"/>
+          <p:nvPr>
+            <p:ph type="title"/>
+          </p:nvPr>
+        </p:nvSpPr>
+        <p:spPr>
+          <a:xfrm>
+            <a:off x="311650" y="123291"/>
+            <a:ext cx="8520599" cy="763500"/>
+          </a:xfrm>
+          <a:prstGeom prst="rect">
+            <a:avLst/>
+          </a:prstGeom>
+        </p:spPr>
+        <p:txBody>
+          <a:bodyPr anchorCtr="0" anchor="t" bIns="91425" lIns="91425" rIns="91425" tIns="91425">
+            <a:noAutofit/>
+          </a:bodyPr>
+          <a:lstStyle/>
+          <a:p>
+            <a:pPr lvl="0" rtl="0">
+              <a:spcBef>
+                <a:spcPts val="0"/>
+              </a:spcBef>
+              <a:buNone/>
+            </a:pPr>
+            <a:r>
+              <a:rPr lang="en"/>
+              <a:t>Forking workflow</a:t>
+            </a:r>
+          </a:p>
+        </p:txBody>
+      </p:sp>
+      <p:sp>
+        <p:nvSpPr>
+          <p:cNvPr id="289" name="Shape 289"/>
+          <p:cNvSpPr txBox="1"/>
+          <p:nvPr>
+            <p:ph idx="2" type="sldNum"/>
+          </p:nvPr>
+        </p:nvSpPr>
+        <p:spPr>
+          <a:xfrm>
+            <a:off x="8472457" y="6217622"/>
+            <a:ext cx="548699" cy="524699"/>
+          </a:xfrm>
+          <a:prstGeom prst="rect">
+            <a:avLst/>
+          </a:prstGeom>
+        </p:spPr>
+        <p:txBody>
+          <a:bodyPr anchorCtr="0" anchor="ctr" bIns="91425" lIns="91425" rIns="91425" tIns="91425">
+            <a:noAutofit/>
+          </a:bodyPr>
+          <a:lstStyle/>
+          <a:p>
+            <a:pPr lvl="0" rtl="0">
+              <a:spcBef>
+                <a:spcPts val="0"/>
+              </a:spcBef>
+              <a:buNone/>
+            </a:pPr>
+            <a:fld id="{00000000-1234-1234-1234-123412341234}" type="slidenum">
+              <a:rPr lang="en"/>
+              <a:t>‹#›</a:t>
+            </a:fld>
+          </a:p>
+        </p:txBody>
+      </p:sp>
       <p:pic>
         <p:nvPicPr>
-          <p:cNvPr id="280" name="Shape 280"/>
+          <p:cNvPr id="290" name="Shape 290"/>
+          <p:cNvPicPr preferRelativeResize="0"/>
+          <p:nvPr/>
+        </p:nvPicPr>
+        <p:blipFill>
+          <a:blip r:embed="rId3">
+            <a:alphaModFix/>
+          </a:blip>
+          <a:stretch>
+            <a:fillRect/>
+          </a:stretch>
+        </p:blipFill>
+        <p:spPr>
+          <a:xfrm>
+            <a:off x="1869337" y="2112325"/>
+            <a:ext cx="5405325" cy="3272625"/>
+          </a:xfrm>
+          <a:prstGeom prst="rect">
+            <a:avLst/>
+          </a:prstGeom>
+          <a:noFill/>
+          <a:ln>
+            <a:noFill/>
+          </a:ln>
+        </p:spPr>
+      </p:pic>
+      <p:pic>
+        <p:nvPicPr>
+          <p:cNvPr id="291" name="Shape 291"/>
           <p:cNvPicPr preferRelativeResize="0"/>
           <p:nvPr/>
         </p:nvPicPr>
@@ -11240,7 +11492,7 @@
       </p:pic>
       <p:pic>
         <p:nvPicPr>
-          <p:cNvPr id="281" name="Shape 281"/>
+          <p:cNvPr id="292" name="Shape 292"/>
           <p:cNvPicPr preferRelativeResize="0"/>
           <p:nvPr/>
         </p:nvPicPr>
@@ -11268,7 +11520,7 @@
       </p:pic>
       <p:pic>
         <p:nvPicPr>
-          <p:cNvPr id="282" name="Shape 282"/>
+          <p:cNvPr id="293" name="Shape 293"/>
           <p:cNvPicPr preferRelativeResize="0"/>
           <p:nvPr/>
         </p:nvPicPr>
@@ -11296,7 +11548,7 @@
       </p:pic>
       <p:pic>
         <p:nvPicPr>
-          <p:cNvPr id="283" name="Shape 283"/>
+          <p:cNvPr id="294" name="Shape 294"/>
           <p:cNvPicPr preferRelativeResize="0"/>
           <p:nvPr/>
         </p:nvPicPr>
@@ -11360,7 +11612,7 @@
                                       <p:cBhvr>
                                         <p:cTn dur="1000"/>
                                         <p:tgtEl>
-                                          <p:spTgt spid="279"/>
+                                          <p:spTgt spid="290"/>
                                         </p:tgtEl>
                                       </p:cBhvr>
                                     </p:animEffect>
@@ -11372,7 +11624,7 @@
                                           </p:stCondLst>
                                         </p:cTn>
                                         <p:tgtEl>
-                                          <p:spTgt spid="279"/>
+                                          <p:spTgt spid="290"/>
                                         </p:tgtEl>
                                         <p:attrNameLst>
                                           <p:attrName>style.visibility</p:attrName>
@@ -11399,7 +11651,7 @@
                                           </p:stCondLst>
                                         </p:cTn>
                                         <p:tgtEl>
-                                          <p:spTgt spid="280"/>
+                                          <p:spTgt spid="291"/>
                                         </p:tgtEl>
                                         <p:attrNameLst>
                                           <p:attrName>style.visibility</p:attrName>
@@ -11413,7 +11665,7 @@
                                       <p:cBhvr>
                                         <p:cTn dur="1000"/>
                                         <p:tgtEl>
-                                          <p:spTgt spid="280"/>
+                                          <p:spTgt spid="291"/>
                                         </p:tgtEl>
                                       </p:cBhvr>
                                     </p:animEffect>
@@ -11448,7 +11700,7 @@
                                       <p:cBhvr>
                                         <p:cTn dur="1000"/>
                                         <p:tgtEl>
-                                          <p:spTgt spid="280"/>
+                                          <p:spTgt spid="291"/>
                                         </p:tgtEl>
                                       </p:cBhvr>
                                     </p:animEffect>
@@ -11460,7 +11712,7 @@
                                           </p:stCondLst>
                                         </p:cTn>
                                         <p:tgtEl>
-                                          <p:spTgt spid="280"/>
+                                          <p:spTgt spid="291"/>
                                         </p:tgtEl>
                                         <p:attrNameLst>
                                           <p:attrName>style.visibility</p:attrName>
@@ -11487,7 +11739,7 @@
                                           </p:stCondLst>
                                         </p:cTn>
                                         <p:tgtEl>
-                                          <p:spTgt spid="281"/>
+                                          <p:spTgt spid="292"/>
                                         </p:tgtEl>
                                         <p:attrNameLst>
                                           <p:attrName>style.visibility</p:attrName>
@@ -11501,7 +11753,7 @@
                                       <p:cBhvr>
                                         <p:cTn dur="1000"/>
                                         <p:tgtEl>
-                                          <p:spTgt spid="281"/>
+                                          <p:spTgt spid="292"/>
                                         </p:tgtEl>
                                       </p:cBhvr>
                                     </p:animEffect>
@@ -11536,7 +11788,7 @@
                                       <p:cBhvr>
                                         <p:cTn dur="1000"/>
                                         <p:tgtEl>
-                                          <p:spTgt spid="281"/>
+                                          <p:spTgt spid="292"/>
                                         </p:tgtEl>
                                       </p:cBhvr>
                                     </p:animEffect>
@@ -11548,7 +11800,7 @@
                                           </p:stCondLst>
                                         </p:cTn>
                                         <p:tgtEl>
-                                          <p:spTgt spid="281"/>
+                                          <p:spTgt spid="292"/>
                                         </p:tgtEl>
                                         <p:attrNameLst>
                                           <p:attrName>style.visibility</p:attrName>
@@ -11575,7 +11827,7 @@
                                           </p:stCondLst>
                                         </p:cTn>
                                         <p:tgtEl>
-                                          <p:spTgt spid="282"/>
+                                          <p:spTgt spid="293"/>
                                         </p:tgtEl>
                                         <p:attrNameLst>
                                           <p:attrName>style.visibility</p:attrName>
@@ -11589,7 +11841,7 @@
                                       <p:cBhvr>
                                         <p:cTn dur="1000"/>
                                         <p:tgtEl>
-                                          <p:spTgt spid="282"/>
+                                          <p:spTgt spid="293"/>
                                         </p:tgtEl>
                                       </p:cBhvr>
                                     </p:animEffect>
@@ -11624,7 +11876,7 @@
                                       <p:cBhvr>
                                         <p:cTn dur="1000"/>
                                         <p:tgtEl>
-                                          <p:spTgt spid="282"/>
+                                          <p:spTgt spid="293"/>
                                         </p:tgtEl>
                                       </p:cBhvr>
                                     </p:animEffect>
@@ -11636,7 +11888,7 @@
                                           </p:stCondLst>
                                         </p:cTn>
                                         <p:tgtEl>
-                                          <p:spTgt spid="282"/>
+                                          <p:spTgt spid="293"/>
                                         </p:tgtEl>
                                         <p:attrNameLst>
                                           <p:attrName>style.visibility</p:attrName>
@@ -11663,7 +11915,7 @@
                                           </p:stCondLst>
                                         </p:cTn>
                                         <p:tgtEl>
-                                          <p:spTgt spid="283"/>
+                                          <p:spTgt spid="294"/>
                                         </p:tgtEl>
                                         <p:attrNameLst>
                                           <p:attrName>style.visibility</p:attrName>
@@ -11677,7 +11929,7 @@
                                       <p:cBhvr>
                                         <p:cTn dur="1000"/>
                                         <p:tgtEl>
-                                          <p:spTgt spid="283"/>
+                                          <p:spTgt spid="294"/>
                                         </p:tgtEl>
                                       </p:cBhvr>
                                     </p:animEffect>
@@ -11715,12 +11967,12 @@
 </p:sld>
 </file>
 
-<file path=ppt/slides/slide22.xml><?xml version="1.0" encoding="utf-8"?>
+<file path=ppt/slides/slide23.xml><?xml version="1.0" encoding="utf-8"?>
 <p:sld xmlns:a="http://schemas.openxmlformats.org/drawingml/2006/main" xmlns:r="http://schemas.openxmlformats.org/officeDocument/2006/relationships" xmlns:mc="http://schemas.openxmlformats.org/markup-compatibility/2006" xmlns:mv="urn:schemas-microsoft-com:mac:vml" xmlns:p="http://schemas.openxmlformats.org/presentationml/2006/main" xmlns:c="http://schemas.openxmlformats.org/drawingml/2006/chart" xmlns:dgm="http://schemas.openxmlformats.org/drawingml/2006/diagram" xmlns:o="urn:schemas-microsoft-com:office:office" xmlns:v="urn:schemas-microsoft-com:vml" xmlns:pvml="urn:schemas-microsoft-com:office:powerpoint" xmlns:com="http://schemas.openxmlformats.org/drawingml/2006/compatibility" xmlns:p14="http://schemas.microsoft.com/office/powerpoint/2010/main">
   <p:cSld>
     <p:spTree>
       <p:nvGrpSpPr>
-        <p:cNvPr id="287" name="Shape 287"/>
+        <p:cNvPr id="298" name="Shape 298"/>
         <p:cNvGrpSpPr/>
         <p:nvPr/>
       </p:nvGrpSpPr>
@@ -11734,7 +11986,7 @@
       </p:grpSpPr>
       <p:sp>
         <p:nvSpPr>
-          <p:cNvPr id="288" name="Shape 288"/>
+          <p:cNvPr id="299" name="Shape 299"/>
           <p:cNvSpPr txBox="1"/>
           <p:nvPr>
             <p:ph idx="12" type="sldNum"/>
@@ -11770,7 +12022,7 @@
       </p:sp>
       <p:sp>
         <p:nvSpPr>
-          <p:cNvPr id="289" name="Shape 289"/>
+          <p:cNvPr id="300" name="Shape 300"/>
           <p:cNvSpPr txBox="1"/>
           <p:nvPr>
             <p:ph type="title"/>
@@ -11823,7 +12075,7 @@
       </p:sp>
       <p:sp>
         <p:nvSpPr>
-          <p:cNvPr id="290" name="Shape 290"/>
+          <p:cNvPr id="301" name="Shape 301"/>
           <p:cNvSpPr txBox="1"/>
           <p:nvPr>
             <p:ph idx="2" type="sldNum"/>
@@ -11859,7 +12111,7 @@
       </p:sp>
       <p:sp>
         <p:nvSpPr>
-          <p:cNvPr id="291" name="Shape 291"/>
+          <p:cNvPr id="302" name="Shape 302"/>
           <p:cNvSpPr txBox="1"/>
           <p:nvPr>
             <p:ph idx="1" type="body"/>
@@ -11997,121 +12249,6 @@
               </a:rPr>
               <a:t>Els conflcites apareixen al juntar els canvis amb el repositori mestre (els resol el responsable)</a:t>
             </a:r>
-          </a:p>
-        </p:txBody>
-      </p:sp>
-    </p:spTree>
-  </p:cSld>
-  <p:clrMapOvr>
-    <a:masterClrMapping/>
-  </p:clrMapOvr>
-  <p:transition spd="slow">
-    <p:cut/>
-  </p:transition>
-</p:sld>
-</file>
-
-<file path=ppt/slides/slide23.xml><?xml version="1.0" encoding="utf-8"?>
-<p:sld xmlns:a="http://schemas.openxmlformats.org/drawingml/2006/main" xmlns:r="http://schemas.openxmlformats.org/officeDocument/2006/relationships" xmlns:mc="http://schemas.openxmlformats.org/markup-compatibility/2006" xmlns:mv="urn:schemas-microsoft-com:mac:vml" xmlns:p="http://schemas.openxmlformats.org/presentationml/2006/main" xmlns:c="http://schemas.openxmlformats.org/drawingml/2006/chart" xmlns:dgm="http://schemas.openxmlformats.org/drawingml/2006/diagram" xmlns:o="urn:schemas-microsoft-com:office:office" xmlns:v="urn:schemas-microsoft-com:vml" xmlns:pvml="urn:schemas-microsoft-com:office:powerpoint" xmlns:com="http://schemas.openxmlformats.org/drawingml/2006/compatibility" xmlns:p14="http://schemas.microsoft.com/office/powerpoint/2010/main">
-  <p:cSld>
-    <p:bg>
-      <p:bgPr>
-        <a:solidFill>
-          <a:srgbClr val="FF8533"/>
-        </a:solidFill>
-      </p:bgPr>
-    </p:bg>
-    <p:spTree>
-      <p:nvGrpSpPr>
-        <p:cNvPr id="295" name="Shape 295"/>
-        <p:cNvGrpSpPr/>
-        <p:nvPr/>
-      </p:nvGrpSpPr>
-      <p:grpSpPr>
-        <a:xfrm>
-          <a:off x="0" y="0"/>
-          <a:ext cx="0" cy="0"/>
-          <a:chOff x="0" y="0"/>
-          <a:chExt cx="0" cy="0"/>
-        </a:xfrm>
-      </p:grpSpPr>
-      <p:sp>
-        <p:nvSpPr>
-          <p:cNvPr id="296" name="Shape 296"/>
-          <p:cNvSpPr txBox="1"/>
-          <p:nvPr>
-            <p:ph type="title"/>
-          </p:nvPr>
-        </p:nvSpPr>
-        <p:spPr>
-          <a:xfrm>
-            <a:off x="311700" y="274721"/>
-            <a:ext cx="8520599" cy="6196199"/>
-          </a:xfrm>
-          <a:prstGeom prst="rect">
-            <a:avLst/>
-          </a:prstGeom>
-        </p:spPr>
-        <p:txBody>
-          <a:bodyPr anchorCtr="0" anchor="ctr" bIns="91425" lIns="91425" rIns="91425" tIns="91425">
-            <a:noAutofit/>
-          </a:bodyPr>
-          <a:lstStyle/>
-          <a:p>
-            <a:pPr lvl="0" rtl="0" algn="ctr">
-              <a:spcBef>
-                <a:spcPts val="0"/>
-              </a:spcBef>
-              <a:buNone/>
-            </a:pPr>
-            <a:r>
-              <a:rPr lang="en" sz="12400">
-                <a:solidFill>
-                  <a:srgbClr val="FFFFFF"/>
-                </a:solidFill>
-                <a:latin typeface="Open Sans"/>
-                <a:ea typeface="Open Sans"/>
-                <a:cs typeface="Open Sans"/>
-                <a:sym typeface="Open Sans"/>
-              </a:rPr>
-              <a:t>Q&amp;A</a:t>
-            </a:r>
-          </a:p>
-        </p:txBody>
-      </p:sp>
-      <p:sp>
-        <p:nvSpPr>
-          <p:cNvPr id="297" name="Shape 297"/>
-          <p:cNvSpPr txBox="1"/>
-          <p:nvPr>
-            <p:ph idx="12" type="sldNum"/>
-          </p:nvPr>
-        </p:nvSpPr>
-        <p:spPr>
-          <a:xfrm>
-            <a:off x="8472457" y="6217622"/>
-            <a:ext cx="548699" cy="524699"/>
-          </a:xfrm>
-          <a:prstGeom prst="rect">
-            <a:avLst/>
-          </a:prstGeom>
-        </p:spPr>
-        <p:txBody>
-          <a:bodyPr anchorCtr="0" anchor="ctr" bIns="91425" lIns="91425" rIns="91425" tIns="91425">
-            <a:noAutofit/>
-          </a:bodyPr>
-          <a:lstStyle/>
-          <a:p>
-            <a:pPr lvl="0">
-              <a:spcBef>
-                <a:spcPts val="0"/>
-              </a:spcBef>
-              <a:buNone/>
-            </a:pPr>
-            <a:fld id="{00000000-1234-1234-1234-123412341234}" type="slidenum">
-              <a:rPr lang="en"/>
-              <a:t>‹#›</a:t>
-            </a:fld>
           </a:p>
         </p:txBody>
       </p:sp>
@@ -12129,9 +12266,16 @@
 <file path=ppt/slides/slide24.xml><?xml version="1.0" encoding="utf-8"?>
 <p:sld xmlns:a="http://schemas.openxmlformats.org/drawingml/2006/main" xmlns:r="http://schemas.openxmlformats.org/officeDocument/2006/relationships" xmlns:mc="http://schemas.openxmlformats.org/markup-compatibility/2006" xmlns:mv="urn:schemas-microsoft-com:mac:vml" xmlns:p="http://schemas.openxmlformats.org/presentationml/2006/main" xmlns:c="http://schemas.openxmlformats.org/drawingml/2006/chart" xmlns:dgm="http://schemas.openxmlformats.org/drawingml/2006/diagram" xmlns:o="urn:schemas-microsoft-com:office:office" xmlns:v="urn:schemas-microsoft-com:vml" xmlns:pvml="urn:schemas-microsoft-com:office:powerpoint" xmlns:com="http://schemas.openxmlformats.org/drawingml/2006/compatibility" xmlns:p14="http://schemas.microsoft.com/office/powerpoint/2010/main">
   <p:cSld>
+    <p:bg>
+      <p:bgPr>
+        <a:solidFill>
+          <a:srgbClr val="FF8533"/>
+        </a:solidFill>
+      </p:bgPr>
+    </p:bg>
     <p:spTree>
       <p:nvGrpSpPr>
-        <p:cNvPr id="301" name="Shape 301"/>
+        <p:cNvPr id="306" name="Shape 306"/>
         <p:cNvGrpSpPr/>
         <p:nvPr/>
       </p:nvGrpSpPr>
@@ -12145,7 +12289,115 @@
       </p:grpSpPr>
       <p:sp>
         <p:nvSpPr>
-          <p:cNvPr id="302" name="Shape 302"/>
+          <p:cNvPr id="307" name="Shape 307"/>
+          <p:cNvSpPr txBox="1"/>
+          <p:nvPr>
+            <p:ph type="title"/>
+          </p:nvPr>
+        </p:nvSpPr>
+        <p:spPr>
+          <a:xfrm>
+            <a:off x="311700" y="274721"/>
+            <a:ext cx="8520599" cy="6196199"/>
+          </a:xfrm>
+          <a:prstGeom prst="rect">
+            <a:avLst/>
+          </a:prstGeom>
+        </p:spPr>
+        <p:txBody>
+          <a:bodyPr anchorCtr="0" anchor="ctr" bIns="91425" lIns="91425" rIns="91425" tIns="91425">
+            <a:noAutofit/>
+          </a:bodyPr>
+          <a:lstStyle/>
+          <a:p>
+            <a:pPr lvl="0" rtl="0" algn="ctr">
+              <a:spcBef>
+                <a:spcPts val="0"/>
+              </a:spcBef>
+              <a:buNone/>
+            </a:pPr>
+            <a:r>
+              <a:rPr lang="en" sz="12400">
+                <a:solidFill>
+                  <a:srgbClr val="FFFFFF"/>
+                </a:solidFill>
+                <a:latin typeface="Open Sans"/>
+                <a:ea typeface="Open Sans"/>
+                <a:cs typeface="Open Sans"/>
+                <a:sym typeface="Open Sans"/>
+              </a:rPr>
+              <a:t>Q&amp;A</a:t>
+            </a:r>
+          </a:p>
+        </p:txBody>
+      </p:sp>
+      <p:sp>
+        <p:nvSpPr>
+          <p:cNvPr id="308" name="Shape 308"/>
+          <p:cNvSpPr txBox="1"/>
+          <p:nvPr>
+            <p:ph idx="12" type="sldNum"/>
+          </p:nvPr>
+        </p:nvSpPr>
+        <p:spPr>
+          <a:xfrm>
+            <a:off x="8472457" y="6217622"/>
+            <a:ext cx="548699" cy="524699"/>
+          </a:xfrm>
+          <a:prstGeom prst="rect">
+            <a:avLst/>
+          </a:prstGeom>
+        </p:spPr>
+        <p:txBody>
+          <a:bodyPr anchorCtr="0" anchor="ctr" bIns="91425" lIns="91425" rIns="91425" tIns="91425">
+            <a:noAutofit/>
+          </a:bodyPr>
+          <a:lstStyle/>
+          <a:p>
+            <a:pPr lvl="0">
+              <a:spcBef>
+                <a:spcPts val="0"/>
+              </a:spcBef>
+              <a:buNone/>
+            </a:pPr>
+            <a:fld id="{00000000-1234-1234-1234-123412341234}" type="slidenum">
+              <a:rPr lang="en"/>
+              <a:t>‹#›</a:t>
+            </a:fld>
+          </a:p>
+        </p:txBody>
+      </p:sp>
+    </p:spTree>
+  </p:cSld>
+  <p:clrMapOvr>
+    <a:masterClrMapping/>
+  </p:clrMapOvr>
+  <p:transition spd="slow">
+    <p:cut/>
+  </p:transition>
+</p:sld>
+</file>
+
+<file path=ppt/slides/slide25.xml><?xml version="1.0" encoding="utf-8"?>
+<p:sld xmlns:a="http://schemas.openxmlformats.org/drawingml/2006/main" xmlns:r="http://schemas.openxmlformats.org/officeDocument/2006/relationships" xmlns:mc="http://schemas.openxmlformats.org/markup-compatibility/2006" xmlns:mv="urn:schemas-microsoft-com:mac:vml" xmlns:p="http://schemas.openxmlformats.org/presentationml/2006/main" xmlns:c="http://schemas.openxmlformats.org/drawingml/2006/chart" xmlns:dgm="http://schemas.openxmlformats.org/drawingml/2006/diagram" xmlns:o="urn:schemas-microsoft-com:office:office" xmlns:v="urn:schemas-microsoft-com:vml" xmlns:pvml="urn:schemas-microsoft-com:office:powerpoint" xmlns:com="http://schemas.openxmlformats.org/drawingml/2006/compatibility" xmlns:p14="http://schemas.microsoft.com/office/powerpoint/2010/main">
+  <p:cSld>
+    <p:spTree>
+      <p:nvGrpSpPr>
+        <p:cNvPr id="312" name="Shape 312"/>
+        <p:cNvGrpSpPr/>
+        <p:nvPr/>
+      </p:nvGrpSpPr>
+      <p:grpSpPr>
+        <a:xfrm>
+          <a:off x="0" y="0"/>
+          <a:ext cx="0" cy="0"/>
+          <a:chOff x="0" y="0"/>
+          <a:chExt cx="0" cy="0"/>
+        </a:xfrm>
+      </p:grpSpPr>
+      <p:sp>
+        <p:nvSpPr>
+          <p:cNvPr id="313" name="Shape 313"/>
           <p:cNvSpPr txBox="1"/>
           <p:nvPr>
             <p:ph type="title"/>
@@ -12181,10 +12433,10 @@
       </p:sp>
       <p:sp>
         <p:nvSpPr>
-          <p:cNvPr id="303" name="Shape 303"/>
+          <p:cNvPr id="314" name="Shape 314"/>
           <p:cNvSpPr txBox="1"/>
           <p:nvPr>
-            <p:ph idx="12" type="sldNum"/>
+            <p:ph idx="2" type="sldNum"/>
           </p:nvPr>
         </p:nvSpPr>
         <p:spPr>
@@ -12221,7 +12473,7 @@
       </p:sp>
       <p:sp>
         <p:nvSpPr>
-          <p:cNvPr id="304" name="Shape 304"/>
+          <p:cNvPr id="315" name="Shape 315"/>
           <p:cNvSpPr txBox="1"/>
           <p:nvPr>
             <p:ph idx="1" type="body"/>
@@ -12433,10 +12685,10 @@
       </p:sp>
       <p:sp>
         <p:nvSpPr>
-          <p:cNvPr id="305" name="Shape 305"/>
+          <p:cNvPr id="316" name="Shape 316"/>
           <p:cNvSpPr txBox="1"/>
           <p:nvPr>
-            <p:ph idx="2" type="sldNum"/>
+            <p:ph idx="12" type="sldNum"/>
           </p:nvPr>
         </p:nvSpPr>
         <p:spPr>
@@ -13045,7 +13297,7 @@
         </p:nvSpPr>
         <p:spPr>
           <a:xfrm>
-            <a:off x="2877750" y="1673150"/>
+            <a:off x="2877750" y="1596950"/>
             <a:ext cx="933900" cy="4485300"/>
           </a:xfrm>
           <a:prstGeom prst="bentArrow">
@@ -13096,7 +13348,7 @@
         </p:nvSpPr>
         <p:spPr>
           <a:xfrm>
-            <a:off x="3399800" y="2879150"/>
+            <a:off x="3399800" y="2650550"/>
             <a:ext cx="933900" cy="3279299"/>
           </a:xfrm>
           <a:prstGeom prst="bentArrow">
@@ -13147,8 +13399,8 @@
         </p:nvSpPr>
         <p:spPr>
           <a:xfrm>
-            <a:off x="3902375" y="4153700"/>
-            <a:ext cx="933900" cy="2004899"/>
+            <a:off x="3902375" y="3848900"/>
+            <a:ext cx="933900" cy="2063700"/>
           </a:xfrm>
           <a:prstGeom prst="bentArrow">
             <a:avLst>
@@ -13198,7 +13450,7 @@
         </p:nvSpPr>
         <p:spPr>
           <a:xfrm>
-            <a:off x="4416325" y="5210974"/>
+            <a:off x="4416325" y="4906174"/>
             <a:ext cx="933900" cy="1006500"/>
           </a:xfrm>
           <a:prstGeom prst="bentArrow">
@@ -13249,7 +13501,7 @@
         </p:nvSpPr>
         <p:spPr>
           <a:xfrm>
-            <a:off x="2417325" y="5992250"/>
+            <a:off x="2417325" y="5763650"/>
             <a:ext cx="4546200" cy="418200"/>
           </a:xfrm>
           <a:prstGeom prst="rightArrow">
@@ -13306,7 +13558,7 @@
         </p:blipFill>
         <p:spPr>
           <a:xfrm>
-            <a:off x="4878382" y="3815006"/>
+            <a:off x="4878382" y="3510206"/>
             <a:ext cx="1608921" cy="1006555"/>
           </a:xfrm>
           <a:prstGeom prst="rect">
@@ -13340,7 +13592,7 @@
         </p:blipFill>
         <p:spPr>
           <a:xfrm>
-            <a:off x="5432851" y="4913419"/>
+            <a:off x="5432851" y="4608619"/>
             <a:ext cx="1608921" cy="1006555"/>
           </a:xfrm>
           <a:prstGeom prst="rect">
@@ -13374,7 +13626,7 @@
         </p:blipFill>
         <p:spPr>
           <a:xfrm>
-            <a:off x="4437147" y="2631380"/>
+            <a:off x="4437147" y="2402780"/>
             <a:ext cx="1608921" cy="1006555"/>
           </a:xfrm>
           <a:prstGeom prst="rect">
@@ -13408,7 +13660,7 @@
         </p:blipFill>
         <p:spPr>
           <a:xfrm>
-            <a:off x="4024963" y="1379700"/>
+            <a:off x="4024963" y="1303500"/>
             <a:ext cx="1608921" cy="1006555"/>
           </a:xfrm>
           <a:prstGeom prst="rect">
@@ -13442,7 +13694,7 @@
         </p:blipFill>
         <p:spPr>
           <a:xfrm>
-            <a:off x="664150" y="5542144"/>
+            <a:off x="664150" y="5313544"/>
             <a:ext cx="1608921" cy="1006555"/>
           </a:xfrm>
           <a:prstGeom prst="rect">
@@ -13476,7 +13728,7 @@
         </p:blipFill>
         <p:spPr>
           <a:xfrm>
-            <a:off x="7200600" y="5643250"/>
+            <a:off x="7200600" y="5414650"/>
             <a:ext cx="1503114" cy="1006550"/>
           </a:xfrm>
           <a:prstGeom prst="rect">
@@ -13510,6 +13762,358 @@
             <p:seq concurrent="1" nextAc="seek">
               <p:cTn dur="indefinite" id="2" nodeType="mainSeq">
                 <p:childTnLst>
+                  <p:par>
+                    <p:cTn fill="hold">
+                      <p:stCondLst>
+                        <p:cond delay="indefinite"/>
+                      </p:stCondLst>
+                      <p:childTnLst>
+                        <p:par>
+                          <p:cTn fill="hold">
+                            <p:stCondLst>
+                              <p:cond delay="0"/>
+                            </p:stCondLst>
+                            <p:childTnLst>
+                              <p:par>
+                                <p:cTn fill="hold" nodeType="clickEffect" presetClass="entr" presetID="10" presetSubtype="0">
+                                  <p:stCondLst>
+                                    <p:cond delay="0"/>
+                                  </p:stCondLst>
+                                  <p:childTnLst>
+                                    <p:set>
+                                      <p:cBhvr>
+                                        <p:cTn dur="1" fill="hold">
+                                          <p:stCondLst>
+                                            <p:cond delay="0"/>
+                                          </p:stCondLst>
+                                        </p:cTn>
+                                        <p:tgtEl>
+                                          <p:spTgt spid="94"/>
+                                        </p:tgtEl>
+                                        <p:attrNameLst>
+                                          <p:attrName>style.visibility</p:attrName>
+                                        </p:attrNameLst>
+                                      </p:cBhvr>
+                                      <p:to>
+                                        <p:strVal val="visible"/>
+                                      </p:to>
+                                    </p:set>
+                                    <p:animEffect filter="fade" transition="in">
+                                      <p:cBhvr>
+                                        <p:cTn dur="1000"/>
+                                        <p:tgtEl>
+                                          <p:spTgt spid="94"/>
+                                        </p:tgtEl>
+                                      </p:cBhvr>
+                                    </p:animEffect>
+                                  </p:childTnLst>
+                                </p:cTn>
+                              </p:par>
+                              <p:par>
+                                <p:cTn fill="hold" nodeType="withEffect" presetClass="entr" presetID="10" presetSubtype="0">
+                                  <p:stCondLst>
+                                    <p:cond delay="0"/>
+                                  </p:stCondLst>
+                                  <p:childTnLst>
+                                    <p:set>
+                                      <p:cBhvr>
+                                        <p:cTn dur="1" fill="hold">
+                                          <p:stCondLst>
+                                            <p:cond delay="0"/>
+                                          </p:stCondLst>
+                                        </p:cTn>
+                                        <p:tgtEl>
+                                          <p:spTgt spid="102"/>
+                                        </p:tgtEl>
+                                        <p:attrNameLst>
+                                          <p:attrName>style.visibility</p:attrName>
+                                        </p:attrNameLst>
+                                      </p:cBhvr>
+                                      <p:to>
+                                        <p:strVal val="visible"/>
+                                      </p:to>
+                                    </p:set>
+                                    <p:animEffect filter="fade" transition="in">
+                                      <p:cBhvr>
+                                        <p:cTn dur="1000"/>
+                                        <p:tgtEl>
+                                          <p:spTgt spid="102"/>
+                                        </p:tgtEl>
+                                      </p:cBhvr>
+                                    </p:animEffect>
+                                  </p:childTnLst>
+                                </p:cTn>
+                              </p:par>
+                            </p:childTnLst>
+                          </p:cTn>
+                        </p:par>
+                      </p:childTnLst>
+                    </p:cTn>
+                  </p:par>
+                  <p:par>
+                    <p:cTn fill="hold">
+                      <p:stCondLst>
+                        <p:cond delay="indefinite"/>
+                      </p:stCondLst>
+                      <p:childTnLst>
+                        <p:par>
+                          <p:cTn fill="hold">
+                            <p:stCondLst>
+                              <p:cond delay="0"/>
+                            </p:stCondLst>
+                            <p:childTnLst>
+                              <p:par>
+                                <p:cTn fill="hold" nodeType="clickEffect" presetClass="entr" presetID="10" presetSubtype="0">
+                                  <p:stCondLst>
+                                    <p:cond delay="0"/>
+                                  </p:stCondLst>
+                                  <p:childTnLst>
+                                    <p:set>
+                                      <p:cBhvr>
+                                        <p:cTn dur="1" fill="hold">
+                                          <p:stCondLst>
+                                            <p:cond delay="0"/>
+                                          </p:stCondLst>
+                                        </p:cTn>
+                                        <p:tgtEl>
+                                          <p:spTgt spid="95"/>
+                                        </p:tgtEl>
+                                        <p:attrNameLst>
+                                          <p:attrName>style.visibility</p:attrName>
+                                        </p:attrNameLst>
+                                      </p:cBhvr>
+                                      <p:to>
+                                        <p:strVal val="visible"/>
+                                      </p:to>
+                                    </p:set>
+                                    <p:animEffect filter="fade" transition="in">
+                                      <p:cBhvr>
+                                        <p:cTn dur="1000"/>
+                                        <p:tgtEl>
+                                          <p:spTgt spid="95"/>
+                                        </p:tgtEl>
+                                      </p:cBhvr>
+                                    </p:animEffect>
+                                  </p:childTnLst>
+                                </p:cTn>
+                              </p:par>
+                              <p:par>
+                                <p:cTn fill="hold" nodeType="withEffect" presetClass="entr" presetID="10" presetSubtype="0">
+                                  <p:stCondLst>
+                                    <p:cond delay="0"/>
+                                  </p:stCondLst>
+                                  <p:childTnLst>
+                                    <p:set>
+                                      <p:cBhvr>
+                                        <p:cTn dur="1" fill="hold">
+                                          <p:stCondLst>
+                                            <p:cond delay="0"/>
+                                          </p:stCondLst>
+                                        </p:cTn>
+                                        <p:tgtEl>
+                                          <p:spTgt spid="101"/>
+                                        </p:tgtEl>
+                                        <p:attrNameLst>
+                                          <p:attrName>style.visibility</p:attrName>
+                                        </p:attrNameLst>
+                                      </p:cBhvr>
+                                      <p:to>
+                                        <p:strVal val="visible"/>
+                                      </p:to>
+                                    </p:set>
+                                    <p:animEffect filter="fade" transition="in">
+                                      <p:cBhvr>
+                                        <p:cTn dur="1000"/>
+                                        <p:tgtEl>
+                                          <p:spTgt spid="101"/>
+                                        </p:tgtEl>
+                                      </p:cBhvr>
+                                    </p:animEffect>
+                                  </p:childTnLst>
+                                </p:cTn>
+                              </p:par>
+                            </p:childTnLst>
+                          </p:cTn>
+                        </p:par>
+                      </p:childTnLst>
+                    </p:cTn>
+                  </p:par>
+                  <p:par>
+                    <p:cTn fill="hold">
+                      <p:stCondLst>
+                        <p:cond delay="indefinite"/>
+                      </p:stCondLst>
+                      <p:childTnLst>
+                        <p:par>
+                          <p:cTn fill="hold">
+                            <p:stCondLst>
+                              <p:cond delay="0"/>
+                            </p:stCondLst>
+                            <p:childTnLst>
+                              <p:par>
+                                <p:cTn fill="hold" nodeType="clickEffect" presetClass="entr" presetID="10" presetSubtype="0">
+                                  <p:stCondLst>
+                                    <p:cond delay="0"/>
+                                  </p:stCondLst>
+                                  <p:childTnLst>
+                                    <p:set>
+                                      <p:cBhvr>
+                                        <p:cTn dur="1" fill="hold">
+                                          <p:stCondLst>
+                                            <p:cond delay="0"/>
+                                          </p:stCondLst>
+                                        </p:cTn>
+                                        <p:tgtEl>
+                                          <p:spTgt spid="96"/>
+                                        </p:tgtEl>
+                                        <p:attrNameLst>
+                                          <p:attrName>style.visibility</p:attrName>
+                                        </p:attrNameLst>
+                                      </p:cBhvr>
+                                      <p:to>
+                                        <p:strVal val="visible"/>
+                                      </p:to>
+                                    </p:set>
+                                    <p:animEffect filter="fade" transition="in">
+                                      <p:cBhvr>
+                                        <p:cTn dur="1000"/>
+                                        <p:tgtEl>
+                                          <p:spTgt spid="96"/>
+                                        </p:tgtEl>
+                                      </p:cBhvr>
+                                    </p:animEffect>
+                                  </p:childTnLst>
+                                </p:cTn>
+                              </p:par>
+                              <p:par>
+                                <p:cTn fill="hold" nodeType="withEffect" presetClass="entr" presetID="10" presetSubtype="0">
+                                  <p:stCondLst>
+                                    <p:cond delay="0"/>
+                                  </p:stCondLst>
+                                  <p:childTnLst>
+                                    <p:set>
+                                      <p:cBhvr>
+                                        <p:cTn dur="1" fill="hold">
+                                          <p:stCondLst>
+                                            <p:cond delay="0"/>
+                                          </p:stCondLst>
+                                        </p:cTn>
+                                        <p:tgtEl>
+                                          <p:spTgt spid="99"/>
+                                        </p:tgtEl>
+                                        <p:attrNameLst>
+                                          <p:attrName>style.visibility</p:attrName>
+                                        </p:attrNameLst>
+                                      </p:cBhvr>
+                                      <p:to>
+                                        <p:strVal val="visible"/>
+                                      </p:to>
+                                    </p:set>
+                                    <p:animEffect filter="fade" transition="in">
+                                      <p:cBhvr>
+                                        <p:cTn dur="1000"/>
+                                        <p:tgtEl>
+                                          <p:spTgt spid="99"/>
+                                        </p:tgtEl>
+                                      </p:cBhvr>
+                                    </p:animEffect>
+                                  </p:childTnLst>
+                                </p:cTn>
+                              </p:par>
+                            </p:childTnLst>
+                          </p:cTn>
+                        </p:par>
+                      </p:childTnLst>
+                    </p:cTn>
+                  </p:par>
+                  <p:par>
+                    <p:cTn fill="hold">
+                      <p:stCondLst>
+                        <p:cond delay="indefinite"/>
+                      </p:stCondLst>
+                      <p:childTnLst>
+                        <p:par>
+                          <p:cTn fill="hold">
+                            <p:stCondLst>
+                              <p:cond delay="0"/>
+                            </p:stCondLst>
+                            <p:childTnLst>
+                              <p:par>
+                                <p:cTn fill="hold" nodeType="clickEffect" presetClass="entr" presetID="10" presetSubtype="0">
+                                  <p:stCondLst>
+                                    <p:cond delay="0"/>
+                                  </p:stCondLst>
+                                  <p:childTnLst>
+                                    <p:set>
+                                      <p:cBhvr>
+                                        <p:cTn dur="1" fill="hold">
+                                          <p:stCondLst>
+                                            <p:cond delay="0"/>
+                                          </p:stCondLst>
+                                        </p:cTn>
+                                        <p:tgtEl>
+                                          <p:spTgt spid="97"/>
+                                        </p:tgtEl>
+                                        <p:attrNameLst>
+                                          <p:attrName>style.visibility</p:attrName>
+                                        </p:attrNameLst>
+                                      </p:cBhvr>
+                                      <p:to>
+                                        <p:strVal val="visible"/>
+                                      </p:to>
+                                    </p:set>
+                                    <p:animEffect filter="fade" transition="in">
+                                      <p:cBhvr>
+                                        <p:cTn dur="1000"/>
+                                        <p:tgtEl>
+                                          <p:spTgt spid="97"/>
+                                        </p:tgtEl>
+                                      </p:cBhvr>
+                                    </p:animEffect>
+                                  </p:childTnLst>
+                                </p:cTn>
+                              </p:par>
+                              <p:par>
+                                <p:cTn fill="hold" nodeType="withEffect" presetClass="entr" presetID="10" presetSubtype="0">
+                                  <p:stCondLst>
+                                    <p:cond delay="0"/>
+                                  </p:stCondLst>
+                                  <p:childTnLst>
+                                    <p:set>
+                                      <p:cBhvr>
+                                        <p:cTn dur="1" fill="hold">
+                                          <p:stCondLst>
+                                            <p:cond delay="0"/>
+                                          </p:stCondLst>
+                                        </p:cTn>
+                                        <p:tgtEl>
+                                          <p:spTgt spid="100"/>
+                                        </p:tgtEl>
+                                        <p:attrNameLst>
+                                          <p:attrName>style.visibility</p:attrName>
+                                        </p:attrNameLst>
+                                      </p:cBhvr>
+                                      <p:to>
+                                        <p:strVal val="visible"/>
+                                      </p:to>
+                                    </p:set>
+                                    <p:animEffect filter="fade" transition="in">
+                                      <p:cBhvr>
+                                        <p:cTn dur="1000"/>
+                                        <p:tgtEl>
+                                          <p:spTgt spid="100"/>
+                                        </p:tgtEl>
+                                      </p:cBhvr>
+                                    </p:animEffect>
+                                  </p:childTnLst>
+                                </p:cTn>
+                              </p:par>
+                            </p:childTnLst>
+                          </p:cTn>
+                        </p:par>
+                      </p:childTnLst>
+                    </p:cTn>
+                  </p:par>
                   <p:par>
                     <p:cTn fill="hold">
                       <p:stCondLst>
@@ -17197,6 +17801,285 @@
 </file>
 
 <file path=ppt/theme/theme.xml><?xml version="1.0" encoding="utf-8"?>
+<a:theme xmlns:a="http://schemas.openxmlformats.org/drawingml/2006/main" xmlns:r="http://schemas.openxmlformats.org/officeDocument/2006/relationships" name="Custom Theme">
+  <a:themeElements>
+    <a:clrScheme name="Default">
+      <a:dk1>
+        <a:srgbClr val="000000"/>
+      </a:dk1>
+      <a:lt1>
+        <a:srgbClr val="FFFFFF"/>
+      </a:lt1>
+      <a:dk2>
+        <a:srgbClr val="158158"/>
+      </a:dk2>
+      <a:lt2>
+        <a:srgbClr val="F3F3F3"/>
+      </a:lt2>
+      <a:accent1>
+        <a:srgbClr val="058DC7"/>
+      </a:accent1>
+      <a:accent2>
+        <a:srgbClr val="50B432"/>
+      </a:accent2>
+      <a:accent3>
+        <a:srgbClr val="ED561B"/>
+      </a:accent3>
+      <a:accent4>
+        <a:srgbClr val="EDEF00"/>
+      </a:accent4>
+      <a:accent5>
+        <a:srgbClr val="24CBE5"/>
+      </a:accent5>
+      <a:accent6>
+        <a:srgbClr val="64E572"/>
+      </a:accent6>
+      <a:hlink>
+        <a:srgbClr val="2200CC"/>
+      </a:hlink>
+      <a:folHlink>
+        <a:srgbClr val="551A8B"/>
+      </a:folHlink>
+    </a:clrScheme>
+    <a:fontScheme name="Office">
+      <a:majorFont>
+        <a:latin typeface="Arial"/>
+        <a:ea typeface=""/>
+        <a:cs typeface=""/>
+        <a:font script="Jpan" typeface="ＭＳ Ｐゴシック"/>
+        <a:font script="Hang" typeface="맑은 고딕"/>
+        <a:font script="Hans" typeface="宋体"/>
+        <a:font script="Hant" typeface="新細明體"/>
+        <a:font script="Arab" typeface="Times New Roman"/>
+        <a:font script="Hebr" typeface="Times New Roman"/>
+        <a:font script="Thai" typeface="Angsana New"/>
+        <a:font script="Ethi" typeface="Nyala"/>
+        <a:font script="Beng" typeface="Vrinda"/>
+        <a:font script="Gujr" typeface="Shruti"/>
+        <a:font script="Khmr" typeface="MoolBoran"/>
+        <a:font script="Knda" typeface="Tunga"/>
+        <a:font script="Guru" typeface="Raavi"/>
+        <a:font script="Cans" typeface="Euphemia"/>
+        <a:font script="Cher" typeface="Plantagenet Cherokee"/>
+        <a:font script="Yiii" typeface="Microsoft Yi Baiti"/>
+        <a:font script="Tibt" typeface="Microsoft Himalaya"/>
+        <a:font script="Thaa" typeface="MV Boli"/>
+        <a:font script="Deva" typeface="Mangal"/>
+        <a:font script="Telu" typeface="Gautami"/>
+        <a:font script="Taml" typeface="Latha"/>
+        <a:font script="Syrc" typeface="Estrangelo Edessa"/>
+        <a:font script="Orya" typeface="Kalinga"/>
+        <a:font script="Mlym" typeface="Kartika"/>
+        <a:font script="Laoo" typeface="DokChampa"/>
+        <a:font script="Sinh" typeface="Iskoola Pota"/>
+        <a:font script="Mong" typeface="Mongolian Baiti"/>
+        <a:font script="Viet" typeface="Times New Roman"/>
+        <a:font script="Uigh" typeface="Microsoft Uighur"/>
+        <a:font script="Geor" typeface="Sylfaen"/>
+      </a:majorFont>
+      <a:minorFont>
+        <a:latin typeface="Arial"/>
+        <a:ea typeface=""/>
+        <a:cs typeface=""/>
+        <a:font script="Jpan" typeface="ＭＳ Ｐゴシック"/>
+        <a:font script="Hang" typeface="맑은 고딕"/>
+        <a:font script="Hans" typeface="宋体"/>
+        <a:font script="Hant" typeface="新細明體"/>
+        <a:font script="Arab" typeface="Arial"/>
+        <a:font script="Hebr" typeface="Arial"/>
+        <a:font script="Thai" typeface="Cordia New"/>
+        <a:font script="Ethi" typeface="Nyala"/>
+        <a:font script="Beng" typeface="Vrinda"/>
+        <a:font script="Gujr" typeface="Shruti"/>
+        <a:font script="Khmr" typeface="DaunPenh"/>
+        <a:font script="Knda" typeface="Tunga"/>
+        <a:font script="Guru" typeface="Raavi"/>
+        <a:font script="Cans" typeface="Euphemia"/>
+        <a:font script="Cher" typeface="Plantagenet Cherokee"/>
+        <a:font script="Yiii" typeface="Microsoft Yi Baiti"/>
+        <a:font script="Tibt" typeface="Microsoft Himalaya"/>
+        <a:font script="Thaa" typeface="MV Boli"/>
+        <a:font script="Deva" typeface="Mangal"/>
+        <a:font script="Telu" typeface="Gautami"/>
+        <a:font script="Taml" typeface="Latha"/>
+        <a:font script="Syrc" typeface="Estrangelo Edessa"/>
+        <a:font script="Orya" typeface="Kalinga"/>
+        <a:font script="Mlym" typeface="Kartika"/>
+        <a:font script="Laoo" typeface="DokChampa"/>
+        <a:font script="Sinh" typeface="Iskoola Pota"/>
+        <a:font script="Mong" typeface="Mongolian Baiti"/>
+        <a:font script="Viet" typeface="Arial"/>
+        <a:font script="Uigh" typeface="Microsoft Uighur"/>
+        <a:font script="Geor" typeface="Sylfaen"/>
+      </a:minorFont>
+    </a:fontScheme>
+    <a:fmtScheme name="Office">
+      <a:fillStyleLst>
+        <a:solidFill>
+          <a:schemeClr val="phClr"/>
+        </a:solidFill>
+        <a:gradFill rotWithShape="1">
+          <a:gsLst>
+            <a:gs pos="0">
+              <a:schemeClr val="phClr">
+                <a:tint val="50000"/>
+                <a:satMod val="300000"/>
+              </a:schemeClr>
+            </a:gs>
+            <a:gs pos="35000">
+              <a:schemeClr val="phClr">
+                <a:tint val="37000"/>
+                <a:satMod val="300000"/>
+              </a:schemeClr>
+            </a:gs>
+            <a:gs pos="100000">
+              <a:schemeClr val="phClr">
+                <a:tint val="15000"/>
+                <a:satMod val="350000"/>
+              </a:schemeClr>
+            </a:gs>
+          </a:gsLst>
+          <a:lin ang="16200000" scaled="1"/>
+        </a:gradFill>
+        <a:gradFill rotWithShape="1">
+          <a:gsLst>
+            <a:gs pos="0">
+              <a:schemeClr val="phClr">
+                <a:tint val="100000"/>
+                <a:shade val="100000"/>
+                <a:satMod val="130000"/>
+              </a:schemeClr>
+            </a:gs>
+            <a:gs pos="100000">
+              <a:schemeClr val="phClr">
+                <a:tint val="50000"/>
+                <a:shade val="100000"/>
+                <a:satMod val="350000"/>
+              </a:schemeClr>
+            </a:gs>
+          </a:gsLst>
+          <a:lin ang="16200000" scaled="0"/>
+        </a:gradFill>
+      </a:fillStyleLst>
+      <a:lnStyleLst>
+        <a:ln w="9525" cap="flat" cmpd="sng" algn="ctr">
+          <a:solidFill>
+            <a:schemeClr val="phClr">
+              <a:shade val="95000"/>
+              <a:satMod val="105000"/>
+            </a:schemeClr>
+          </a:solidFill>
+          <a:prstDash val="solid"/>
+        </a:ln>
+        <a:ln w="25400" cap="flat" cmpd="sng" algn="ctr">
+          <a:solidFill>
+            <a:schemeClr val="phClr"/>
+          </a:solidFill>
+          <a:prstDash val="solid"/>
+        </a:ln>
+        <a:ln w="38100" cap="flat" cmpd="sng" algn="ctr">
+          <a:solidFill>
+            <a:schemeClr val="phClr"/>
+          </a:solidFill>
+          <a:prstDash val="solid"/>
+        </a:ln>
+      </a:lnStyleLst>
+      <a:effectStyleLst>
+        <a:effectStyle>
+          <a:effectLst>
+            <a:outerShdw blurRad="40000" dist="20000" dir="5400000" rotWithShape="0">
+              <a:srgbClr val="000000">
+                <a:alpha val="38000"/>
+              </a:srgbClr>
+            </a:outerShdw>
+          </a:effectLst>
+        </a:effectStyle>
+        <a:effectStyle>
+          <a:effectLst>
+            <a:outerShdw blurRad="40000" dist="23000" dir="5400000" rotWithShape="0">
+              <a:srgbClr val="000000">
+                <a:alpha val="35000"/>
+              </a:srgbClr>
+            </a:outerShdw>
+          </a:effectLst>
+        </a:effectStyle>
+        <a:effectStyle>
+          <a:effectLst>
+            <a:outerShdw blurRad="40000" dist="23000" dir="5400000" rotWithShape="0">
+              <a:srgbClr val="000000">
+                <a:alpha val="35000"/>
+              </a:srgbClr>
+            </a:outerShdw>
+          </a:effectLst>
+          <a:scene3d>
+            <a:camera prst="orthographicFront">
+              <a:rot lat="0" lon="0" rev="0"/>
+            </a:camera>
+            <a:lightRig rig="threePt" dir="t">
+              <a:rot lat="0" lon="0" rev="1200000"/>
+            </a:lightRig>
+          </a:scene3d>
+          <a:sp3d>
+            <a:bevelT w="63500" h="25400"/>
+          </a:sp3d>
+        </a:effectStyle>
+      </a:effectStyleLst>
+      <a:bgFillStyleLst>
+        <a:solidFill>
+          <a:schemeClr val="phClr"/>
+        </a:solidFill>
+        <a:gradFill rotWithShape="1">
+          <a:gsLst>
+            <a:gs pos="0">
+              <a:schemeClr val="phClr">
+                <a:tint val="40000"/>
+                <a:satMod val="350000"/>
+              </a:schemeClr>
+            </a:gs>
+            <a:gs pos="40000">
+              <a:schemeClr val="phClr">
+                <a:tint val="45000"/>
+                <a:shade val="99000"/>
+                <a:satMod val="350000"/>
+              </a:schemeClr>
+            </a:gs>
+            <a:gs pos="100000">
+              <a:schemeClr val="phClr">
+                <a:shade val="20000"/>
+                <a:satMod val="255000"/>
+              </a:schemeClr>
+            </a:gs>
+          </a:gsLst>
+          <a:path path="circle">
+            <a:fillToRect l="50000" t="-80000" r="50000" b="180000"/>
+          </a:path>
+        </a:gradFill>
+        <a:gradFill rotWithShape="1">
+          <a:gsLst>
+            <a:gs pos="0">
+              <a:schemeClr val="phClr">
+                <a:tint val="80000"/>
+                <a:satMod val="300000"/>
+              </a:schemeClr>
+            </a:gs>
+            <a:gs pos="100000">
+              <a:schemeClr val="phClr">
+                <a:shade val="30000"/>
+                <a:satMod val="200000"/>
+              </a:schemeClr>
+            </a:gs>
+          </a:gsLst>
+          <a:path path="circle">
+            <a:fillToRect l="50000" t="50000" r="50000" b="50000"/>
+          </a:path>
+        </a:gradFill>
+      </a:bgFillStyleLst>
+    </a:fmtScheme>
+  </a:themeElements>
+</a:theme>
+</file>
+
+<file path=ppt/theme/theme1.xml><?xml version="1.0" encoding="utf-8"?>
 <a:theme xmlns:a="http://schemas.openxmlformats.org/drawingml/2006/main" xmlns:r="http://schemas.openxmlformats.org/officeDocument/2006/relationships" name="simple-light-2">
   <a:themeElements>
     <a:clrScheme name="Simple Light">
@@ -17473,283 +18356,4 @@
     </a:fmtScheme>
   </a:themeElements>
 </a:theme>
-</file>
-
-<file path=ppt/theme/theme1.xml><?xml version="1.0" encoding="utf-8"?>
-<a:theme xmlns:a="http://schemas.openxmlformats.org/drawingml/2006/main" xmlns:r="http://schemas.openxmlformats.org/officeDocument/2006/relationships" name="Custom Theme">
-  <a:themeElements>
-    <a:clrScheme name="Default">
-      <a:dk1>
-        <a:srgbClr val="000000"/>
-      </a:dk1>
-      <a:lt1>
-        <a:srgbClr val="FFFFFF"/>
-      </a:lt1>
-      <a:dk2>
-        <a:srgbClr val="158158"/>
-      </a:dk2>
-      <a:lt2>
-        <a:srgbClr val="F3F3F3"/>
-      </a:lt2>
-      <a:accent1>
-        <a:srgbClr val="058DC7"/>
-      </a:accent1>
-      <a:accent2>
-        <a:srgbClr val="50B432"/>
-      </a:accent2>
-      <a:accent3>
-        <a:srgbClr val="ED561B"/>
-      </a:accent3>
-      <a:accent4>
-        <a:srgbClr val="EDEF00"/>
-      </a:accent4>
-      <a:accent5>
-        <a:srgbClr val="24CBE5"/>
-      </a:accent5>
-      <a:accent6>
-        <a:srgbClr val="64E572"/>
-      </a:accent6>
-      <a:hlink>
-        <a:srgbClr val="2200CC"/>
-      </a:hlink>
-      <a:folHlink>
-        <a:srgbClr val="551A8B"/>
-      </a:folHlink>
-    </a:clrScheme>
-    <a:fontScheme name="Office">
-      <a:majorFont>
-        <a:latin typeface="Arial"/>
-        <a:ea typeface=""/>
-        <a:cs typeface=""/>
-        <a:font script="Jpan" typeface="ＭＳ Ｐゴシック"/>
-        <a:font script="Hang" typeface="맑은 고딕"/>
-        <a:font script="Hans" typeface="宋体"/>
-        <a:font script="Hant" typeface="新細明體"/>
-        <a:font script="Arab" typeface="Times New Roman"/>
-        <a:font script="Hebr" typeface="Times New Roman"/>
-        <a:font script="Thai" typeface="Angsana New"/>
-        <a:font script="Ethi" typeface="Nyala"/>
-        <a:font script="Beng" typeface="Vrinda"/>
-        <a:font script="Gujr" typeface="Shruti"/>
-        <a:font script="Khmr" typeface="MoolBoran"/>
-        <a:font script="Knda" typeface="Tunga"/>
-        <a:font script="Guru" typeface="Raavi"/>
-        <a:font script="Cans" typeface="Euphemia"/>
-        <a:font script="Cher" typeface="Plantagenet Cherokee"/>
-        <a:font script="Yiii" typeface="Microsoft Yi Baiti"/>
-        <a:font script="Tibt" typeface="Microsoft Himalaya"/>
-        <a:font script="Thaa" typeface="MV Boli"/>
-        <a:font script="Deva" typeface="Mangal"/>
-        <a:font script="Telu" typeface="Gautami"/>
-        <a:font script="Taml" typeface="Latha"/>
-        <a:font script="Syrc" typeface="Estrangelo Edessa"/>
-        <a:font script="Orya" typeface="Kalinga"/>
-        <a:font script="Mlym" typeface="Kartika"/>
-        <a:font script="Laoo" typeface="DokChampa"/>
-        <a:font script="Sinh" typeface="Iskoola Pota"/>
-        <a:font script="Mong" typeface="Mongolian Baiti"/>
-        <a:font script="Viet" typeface="Times New Roman"/>
-        <a:font script="Uigh" typeface="Microsoft Uighur"/>
-        <a:font script="Geor" typeface="Sylfaen"/>
-      </a:majorFont>
-      <a:minorFont>
-        <a:latin typeface="Arial"/>
-        <a:ea typeface=""/>
-        <a:cs typeface=""/>
-        <a:font script="Jpan" typeface="ＭＳ Ｐゴシック"/>
-        <a:font script="Hang" typeface="맑은 고딕"/>
-        <a:font script="Hans" typeface="宋体"/>
-        <a:font script="Hant" typeface="新細明體"/>
-        <a:font script="Arab" typeface="Arial"/>
-        <a:font script="Hebr" typeface="Arial"/>
-        <a:font script="Thai" typeface="Cordia New"/>
-        <a:font script="Ethi" typeface="Nyala"/>
-        <a:font script="Beng" typeface="Vrinda"/>
-        <a:font script="Gujr" typeface="Shruti"/>
-        <a:font script="Khmr" typeface="DaunPenh"/>
-        <a:font script="Knda" typeface="Tunga"/>
-        <a:font script="Guru" typeface="Raavi"/>
-        <a:font script="Cans" typeface="Euphemia"/>
-        <a:font script="Cher" typeface="Plantagenet Cherokee"/>
-        <a:font script="Yiii" typeface="Microsoft Yi Baiti"/>
-        <a:font script="Tibt" typeface="Microsoft Himalaya"/>
-        <a:font script="Thaa" typeface="MV Boli"/>
-        <a:font script="Deva" typeface="Mangal"/>
-        <a:font script="Telu" typeface="Gautami"/>
-        <a:font script="Taml" typeface="Latha"/>
-        <a:font script="Syrc" typeface="Estrangelo Edessa"/>
-        <a:font script="Orya" typeface="Kalinga"/>
-        <a:font script="Mlym" typeface="Kartika"/>
-        <a:font script="Laoo" typeface="DokChampa"/>
-        <a:font script="Sinh" typeface="Iskoola Pota"/>
-        <a:font script="Mong" typeface="Mongolian Baiti"/>
-        <a:font script="Viet" typeface="Arial"/>
-        <a:font script="Uigh" typeface="Microsoft Uighur"/>
-        <a:font script="Geor" typeface="Sylfaen"/>
-      </a:minorFont>
-    </a:fontScheme>
-    <a:fmtScheme name="Office">
-      <a:fillStyleLst>
-        <a:solidFill>
-          <a:schemeClr val="phClr"/>
-        </a:solidFill>
-        <a:gradFill rotWithShape="1">
-          <a:gsLst>
-            <a:gs pos="0">
-              <a:schemeClr val="phClr">
-                <a:tint val="50000"/>
-                <a:satMod val="300000"/>
-              </a:schemeClr>
-            </a:gs>
-            <a:gs pos="35000">
-              <a:schemeClr val="phClr">
-                <a:tint val="37000"/>
-                <a:satMod val="300000"/>
-              </a:schemeClr>
-            </a:gs>
-            <a:gs pos="100000">
-              <a:schemeClr val="phClr">
-                <a:tint val="15000"/>
-                <a:satMod val="350000"/>
-              </a:schemeClr>
-            </a:gs>
-          </a:gsLst>
-          <a:lin ang="16200000" scaled="1"/>
-        </a:gradFill>
-        <a:gradFill rotWithShape="1">
-          <a:gsLst>
-            <a:gs pos="0">
-              <a:schemeClr val="phClr">
-                <a:tint val="100000"/>
-                <a:shade val="100000"/>
-                <a:satMod val="130000"/>
-              </a:schemeClr>
-            </a:gs>
-            <a:gs pos="100000">
-              <a:schemeClr val="phClr">
-                <a:tint val="50000"/>
-                <a:shade val="100000"/>
-                <a:satMod val="350000"/>
-              </a:schemeClr>
-            </a:gs>
-          </a:gsLst>
-          <a:lin ang="16200000" scaled="0"/>
-        </a:gradFill>
-      </a:fillStyleLst>
-      <a:lnStyleLst>
-        <a:ln w="9525" cap="flat" cmpd="sng" algn="ctr">
-          <a:solidFill>
-            <a:schemeClr val="phClr">
-              <a:shade val="95000"/>
-              <a:satMod val="105000"/>
-            </a:schemeClr>
-          </a:solidFill>
-          <a:prstDash val="solid"/>
-        </a:ln>
-        <a:ln w="25400" cap="flat" cmpd="sng" algn="ctr">
-          <a:solidFill>
-            <a:schemeClr val="phClr"/>
-          </a:solidFill>
-          <a:prstDash val="solid"/>
-        </a:ln>
-        <a:ln w="38100" cap="flat" cmpd="sng" algn="ctr">
-          <a:solidFill>
-            <a:schemeClr val="phClr"/>
-          </a:solidFill>
-          <a:prstDash val="solid"/>
-        </a:ln>
-      </a:lnStyleLst>
-      <a:effectStyleLst>
-        <a:effectStyle>
-          <a:effectLst>
-            <a:outerShdw blurRad="40000" dist="20000" dir="5400000" rotWithShape="0">
-              <a:srgbClr val="000000">
-                <a:alpha val="38000"/>
-              </a:srgbClr>
-            </a:outerShdw>
-          </a:effectLst>
-        </a:effectStyle>
-        <a:effectStyle>
-          <a:effectLst>
-            <a:outerShdw blurRad="40000" dist="23000" dir="5400000" rotWithShape="0">
-              <a:srgbClr val="000000">
-                <a:alpha val="35000"/>
-              </a:srgbClr>
-            </a:outerShdw>
-          </a:effectLst>
-        </a:effectStyle>
-        <a:effectStyle>
-          <a:effectLst>
-            <a:outerShdw blurRad="40000" dist="23000" dir="5400000" rotWithShape="0">
-              <a:srgbClr val="000000">
-                <a:alpha val="35000"/>
-              </a:srgbClr>
-            </a:outerShdw>
-          </a:effectLst>
-          <a:scene3d>
-            <a:camera prst="orthographicFront">
-              <a:rot lat="0" lon="0" rev="0"/>
-            </a:camera>
-            <a:lightRig rig="threePt" dir="t">
-              <a:rot lat="0" lon="0" rev="1200000"/>
-            </a:lightRig>
-          </a:scene3d>
-          <a:sp3d>
-            <a:bevelT w="63500" h="25400"/>
-          </a:sp3d>
-        </a:effectStyle>
-      </a:effectStyleLst>
-      <a:bgFillStyleLst>
-        <a:solidFill>
-          <a:schemeClr val="phClr"/>
-        </a:solidFill>
-        <a:gradFill rotWithShape="1">
-          <a:gsLst>
-            <a:gs pos="0">
-              <a:schemeClr val="phClr">
-                <a:tint val="40000"/>
-                <a:satMod val="350000"/>
-              </a:schemeClr>
-            </a:gs>
-            <a:gs pos="40000">
-              <a:schemeClr val="phClr">
-                <a:tint val="45000"/>
-                <a:shade val="99000"/>
-                <a:satMod val="350000"/>
-              </a:schemeClr>
-            </a:gs>
-            <a:gs pos="100000">
-              <a:schemeClr val="phClr">
-                <a:shade val="20000"/>
-                <a:satMod val="255000"/>
-              </a:schemeClr>
-            </a:gs>
-          </a:gsLst>
-          <a:path path="circle">
-            <a:fillToRect l="50000" t="-80000" r="50000" b="180000"/>
-          </a:path>
-        </a:gradFill>
-        <a:gradFill rotWithShape="1">
-          <a:gsLst>
-            <a:gs pos="0">
-              <a:schemeClr val="phClr">
-                <a:tint val="80000"/>
-                <a:satMod val="300000"/>
-              </a:schemeClr>
-            </a:gs>
-            <a:gs pos="100000">
-              <a:schemeClr val="phClr">
-                <a:shade val="30000"/>
-                <a:satMod val="200000"/>
-              </a:schemeClr>
-            </a:gs>
-          </a:gsLst>
-          <a:path path="circle">
-            <a:fillToRect l="50000" t="50000" r="50000" b="50000"/>
-          </a:path>
-        </a:gradFill>
-      </a:bgFillStyleLst>
-    </a:fmtScheme>
-  </a:themeElements>
-</a:theme>
 </file>
--- a/Presentations/P2.1 - Git.pptx
+++ b/Presentations/P2.1 - Git.pptx
@@ -17801,6 +17801,285 @@
 </file>
 
 <file path=ppt/theme/theme.xml><?xml version="1.0" encoding="utf-8"?>
+<a:theme xmlns:a="http://schemas.openxmlformats.org/drawingml/2006/main" xmlns:r="http://schemas.openxmlformats.org/officeDocument/2006/relationships" name="simple-light-2">
+  <a:themeElements>
+    <a:clrScheme name="Simple Light">
+      <a:dk1>
+        <a:srgbClr val="000000"/>
+      </a:dk1>
+      <a:lt1>
+        <a:srgbClr val="FFFFFF"/>
+      </a:lt1>
+      <a:dk2>
+        <a:srgbClr val="595959"/>
+      </a:dk2>
+      <a:lt2>
+        <a:srgbClr val="EEEEEE"/>
+      </a:lt2>
+      <a:accent1>
+        <a:srgbClr val="FFAB40"/>
+      </a:accent1>
+      <a:accent2>
+        <a:srgbClr val="212121"/>
+      </a:accent2>
+      <a:accent3>
+        <a:srgbClr val="78909C"/>
+      </a:accent3>
+      <a:accent4>
+        <a:srgbClr val="FFAB40"/>
+      </a:accent4>
+      <a:accent5>
+        <a:srgbClr val="0097A7"/>
+      </a:accent5>
+      <a:accent6>
+        <a:srgbClr val="EEFF41"/>
+      </a:accent6>
+      <a:hlink>
+        <a:srgbClr val="0097A7"/>
+      </a:hlink>
+      <a:folHlink>
+        <a:srgbClr val="0097A7"/>
+      </a:folHlink>
+    </a:clrScheme>
+    <a:fontScheme name="Office">
+      <a:majorFont>
+        <a:latin typeface="Arial"/>
+        <a:ea typeface=""/>
+        <a:cs typeface=""/>
+        <a:font script="Jpan" typeface="ＭＳ Ｐゴシック"/>
+        <a:font script="Hang" typeface="맑은 고딕"/>
+        <a:font script="Hans" typeface="宋体"/>
+        <a:font script="Hant" typeface="新細明體"/>
+        <a:font script="Arab" typeface="Times New Roman"/>
+        <a:font script="Hebr" typeface="Times New Roman"/>
+        <a:font script="Thai" typeface="Angsana New"/>
+        <a:font script="Ethi" typeface="Nyala"/>
+        <a:font script="Beng" typeface="Vrinda"/>
+        <a:font script="Gujr" typeface="Shruti"/>
+        <a:font script="Khmr" typeface="MoolBoran"/>
+        <a:font script="Knda" typeface="Tunga"/>
+        <a:font script="Guru" typeface="Raavi"/>
+        <a:font script="Cans" typeface="Euphemia"/>
+        <a:font script="Cher" typeface="Plantagenet Cherokee"/>
+        <a:font script="Yiii" typeface="Microsoft Yi Baiti"/>
+        <a:font script="Tibt" typeface="Microsoft Himalaya"/>
+        <a:font script="Thaa" typeface="MV Boli"/>
+        <a:font script="Deva" typeface="Mangal"/>
+        <a:font script="Telu" typeface="Gautami"/>
+        <a:font script="Taml" typeface="Latha"/>
+        <a:font script="Syrc" typeface="Estrangelo Edessa"/>
+        <a:font script="Orya" typeface="Kalinga"/>
+        <a:font script="Mlym" typeface="Kartika"/>
+        <a:font script="Laoo" typeface="DokChampa"/>
+        <a:font script="Sinh" typeface="Iskoola Pota"/>
+        <a:font script="Mong" typeface="Mongolian Baiti"/>
+        <a:font script="Viet" typeface="Times New Roman"/>
+        <a:font script="Uigh" typeface="Microsoft Uighur"/>
+        <a:font script="Geor" typeface="Sylfaen"/>
+      </a:majorFont>
+      <a:minorFont>
+        <a:latin typeface="Arial"/>
+        <a:ea typeface=""/>
+        <a:cs typeface=""/>
+        <a:font script="Jpan" typeface="ＭＳ Ｐゴシック"/>
+        <a:font script="Hang" typeface="맑은 고딕"/>
+        <a:font script="Hans" typeface="宋体"/>
+        <a:font script="Hant" typeface="新細明體"/>
+        <a:font script="Arab" typeface="Arial"/>
+        <a:font script="Hebr" typeface="Arial"/>
+        <a:font script="Thai" typeface="Cordia New"/>
+        <a:font script="Ethi" typeface="Nyala"/>
+        <a:font script="Beng" typeface="Vrinda"/>
+        <a:font script="Gujr" typeface="Shruti"/>
+        <a:font script="Khmr" typeface="DaunPenh"/>
+        <a:font script="Knda" typeface="Tunga"/>
+        <a:font script="Guru" typeface="Raavi"/>
+        <a:font script="Cans" typeface="Euphemia"/>
+        <a:font script="Cher" typeface="Plantagenet Cherokee"/>
+        <a:font script="Yiii" typeface="Microsoft Yi Baiti"/>
+        <a:font script="Tibt" typeface="Microsoft Himalaya"/>
+        <a:font script="Thaa" typeface="MV Boli"/>
+        <a:font script="Deva" typeface="Mangal"/>
+        <a:font script="Telu" typeface="Gautami"/>
+        <a:font script="Taml" typeface="Latha"/>
+        <a:font script="Syrc" typeface="Estrangelo Edessa"/>
+        <a:font script="Orya" typeface="Kalinga"/>
+        <a:font script="Mlym" typeface="Kartika"/>
+        <a:font script="Laoo" typeface="DokChampa"/>
+        <a:font script="Sinh" typeface="Iskoola Pota"/>
+        <a:font script="Mong" typeface="Mongolian Baiti"/>
+        <a:font script="Viet" typeface="Arial"/>
+        <a:font script="Uigh" typeface="Microsoft Uighur"/>
+        <a:font script="Geor" typeface="Sylfaen"/>
+      </a:minorFont>
+    </a:fontScheme>
+    <a:fmtScheme name="Office">
+      <a:fillStyleLst>
+        <a:solidFill>
+          <a:schemeClr val="phClr"/>
+        </a:solidFill>
+        <a:gradFill rotWithShape="1">
+          <a:gsLst>
+            <a:gs pos="0">
+              <a:schemeClr val="phClr">
+                <a:tint val="50000"/>
+                <a:satMod val="300000"/>
+              </a:schemeClr>
+            </a:gs>
+            <a:gs pos="35000">
+              <a:schemeClr val="phClr">
+                <a:tint val="37000"/>
+                <a:satMod val="300000"/>
+              </a:schemeClr>
+            </a:gs>
+            <a:gs pos="100000">
+              <a:schemeClr val="phClr">
+                <a:tint val="15000"/>
+                <a:satMod val="350000"/>
+              </a:schemeClr>
+            </a:gs>
+          </a:gsLst>
+          <a:lin ang="16200000" scaled="1"/>
+        </a:gradFill>
+        <a:gradFill rotWithShape="1">
+          <a:gsLst>
+            <a:gs pos="0">
+              <a:schemeClr val="phClr">
+                <a:tint val="100000"/>
+                <a:shade val="100000"/>
+                <a:satMod val="130000"/>
+              </a:schemeClr>
+            </a:gs>
+            <a:gs pos="100000">
+              <a:schemeClr val="phClr">
+                <a:tint val="50000"/>
+                <a:shade val="100000"/>
+                <a:satMod val="350000"/>
+              </a:schemeClr>
+            </a:gs>
+          </a:gsLst>
+          <a:lin ang="16200000" scaled="0"/>
+        </a:gradFill>
+      </a:fillStyleLst>
+      <a:lnStyleLst>
+        <a:ln w="9525" cap="flat" cmpd="sng" algn="ctr">
+          <a:solidFill>
+            <a:schemeClr val="phClr">
+              <a:shade val="95000"/>
+              <a:satMod val="105000"/>
+            </a:schemeClr>
+          </a:solidFill>
+          <a:prstDash val="solid"/>
+        </a:ln>
+        <a:ln w="25400" cap="flat" cmpd="sng" algn="ctr">
+          <a:solidFill>
+            <a:schemeClr val="phClr"/>
+          </a:solidFill>
+          <a:prstDash val="solid"/>
+        </a:ln>
+        <a:ln w="38100" cap="flat" cmpd="sng" algn="ctr">
+          <a:solidFill>
+            <a:schemeClr val="phClr"/>
+          </a:solidFill>
+          <a:prstDash val="solid"/>
+        </a:ln>
+      </a:lnStyleLst>
+      <a:effectStyleLst>
+        <a:effectStyle>
+          <a:effectLst>
+            <a:outerShdw blurRad="40000" dist="20000" dir="5400000" rotWithShape="0">
+              <a:srgbClr val="000000">
+                <a:alpha val="38000"/>
+              </a:srgbClr>
+            </a:outerShdw>
+          </a:effectLst>
+        </a:effectStyle>
+        <a:effectStyle>
+          <a:effectLst>
+            <a:outerShdw blurRad="40000" dist="23000" dir="5400000" rotWithShape="0">
+              <a:srgbClr val="000000">
+                <a:alpha val="35000"/>
+              </a:srgbClr>
+            </a:outerShdw>
+          </a:effectLst>
+        </a:effectStyle>
+        <a:effectStyle>
+          <a:effectLst>
+            <a:outerShdw blurRad="40000" dist="23000" dir="5400000" rotWithShape="0">
+              <a:srgbClr val="000000">
+                <a:alpha val="35000"/>
+              </a:srgbClr>
+            </a:outerShdw>
+          </a:effectLst>
+          <a:scene3d>
+            <a:camera prst="orthographicFront">
+              <a:rot lat="0" lon="0" rev="0"/>
+            </a:camera>
+            <a:lightRig rig="threePt" dir="t">
+              <a:rot lat="0" lon="0" rev="1200000"/>
+            </a:lightRig>
+          </a:scene3d>
+          <a:sp3d>
+            <a:bevelT w="63500" h="25400"/>
+          </a:sp3d>
+        </a:effectStyle>
+      </a:effectStyleLst>
+      <a:bgFillStyleLst>
+        <a:solidFill>
+          <a:schemeClr val="phClr"/>
+        </a:solidFill>
+        <a:gradFill rotWithShape="1">
+          <a:gsLst>
+            <a:gs pos="0">
+              <a:schemeClr val="phClr">
+                <a:tint val="40000"/>
+                <a:satMod val="350000"/>
+              </a:schemeClr>
+            </a:gs>
+            <a:gs pos="40000">
+              <a:schemeClr val="phClr">
+                <a:tint val="45000"/>
+                <a:shade val="99000"/>
+                <a:satMod val="350000"/>
+              </a:schemeClr>
+            </a:gs>
+            <a:gs pos="100000">
+              <a:schemeClr val="phClr">
+                <a:shade val="20000"/>
+                <a:satMod val="255000"/>
+              </a:schemeClr>
+            </a:gs>
+          </a:gsLst>
+          <a:path path="circle">
+            <a:fillToRect l="50000" t="-80000" r="50000" b="180000"/>
+          </a:path>
+        </a:gradFill>
+        <a:gradFill rotWithShape="1">
+          <a:gsLst>
+            <a:gs pos="0">
+              <a:schemeClr val="phClr">
+                <a:tint val="80000"/>
+                <a:satMod val="300000"/>
+              </a:schemeClr>
+            </a:gs>
+            <a:gs pos="100000">
+              <a:schemeClr val="phClr">
+                <a:shade val="30000"/>
+                <a:satMod val="200000"/>
+              </a:schemeClr>
+            </a:gs>
+          </a:gsLst>
+          <a:path path="circle">
+            <a:fillToRect l="50000" t="50000" r="50000" b="50000"/>
+          </a:path>
+        </a:gradFill>
+      </a:bgFillStyleLst>
+    </a:fmtScheme>
+  </a:themeElements>
+</a:theme>
+</file>
+
+<file path=ppt/theme/theme1.xml><?xml version="1.0" encoding="utf-8"?>
 <a:theme xmlns:a="http://schemas.openxmlformats.org/drawingml/2006/main" xmlns:r="http://schemas.openxmlformats.org/officeDocument/2006/relationships" name="Custom Theme">
   <a:themeElements>
     <a:clrScheme name="Default">
@@ -18077,283 +18356,4 @@
     </a:fmtScheme>
   </a:themeElements>
 </a:theme>
-</file>
-
-<file path=ppt/theme/theme1.xml><?xml version="1.0" encoding="utf-8"?>
-<a:theme xmlns:a="http://schemas.openxmlformats.org/drawingml/2006/main" xmlns:r="http://schemas.openxmlformats.org/officeDocument/2006/relationships" name="simple-light-2">
-  <a:themeElements>
-    <a:clrScheme name="Simple Light">
-      <a:dk1>
-        <a:srgbClr val="000000"/>
-      </a:dk1>
-      <a:lt1>
-        <a:srgbClr val="FFFFFF"/>
-      </a:lt1>
-      <a:dk2>
-        <a:srgbClr val="595959"/>
-      </a:dk2>
-      <a:lt2>
-        <a:srgbClr val="EEEEEE"/>
-      </a:lt2>
-      <a:accent1>
-        <a:srgbClr val="FFAB40"/>
-      </a:accent1>
-      <a:accent2>
-        <a:srgbClr val="212121"/>
-      </a:accent2>
-      <a:accent3>
-        <a:srgbClr val="78909C"/>
-      </a:accent3>
-      <a:accent4>
-        <a:srgbClr val="FFAB40"/>
-      </a:accent4>
-      <a:accent5>
-        <a:srgbClr val="0097A7"/>
-      </a:accent5>
-      <a:accent6>
-        <a:srgbClr val="EEFF41"/>
-      </a:accent6>
-      <a:hlink>
-        <a:srgbClr val="0097A7"/>
-      </a:hlink>
-      <a:folHlink>
-        <a:srgbClr val="0097A7"/>
-      </a:folHlink>
-    </a:clrScheme>
-    <a:fontScheme name="Office">
-      <a:majorFont>
-        <a:latin typeface="Arial"/>
-        <a:ea typeface=""/>
-        <a:cs typeface=""/>
-        <a:font script="Jpan" typeface="ＭＳ Ｐゴシック"/>
-        <a:font script="Hang" typeface="맑은 고딕"/>
-        <a:font script="Hans" typeface="宋体"/>
-        <a:font script="Hant" typeface="新細明體"/>
-        <a:font script="Arab" typeface="Times New Roman"/>
-        <a:font script="Hebr" typeface="Times New Roman"/>
-        <a:font script="Thai" typeface="Angsana New"/>
-        <a:font script="Ethi" typeface="Nyala"/>
-        <a:font script="Beng" typeface="Vrinda"/>
-        <a:font script="Gujr" typeface="Shruti"/>
-        <a:font script="Khmr" typeface="MoolBoran"/>
-        <a:font script="Knda" typeface="Tunga"/>
-        <a:font script="Guru" typeface="Raavi"/>
-        <a:font script="Cans" typeface="Euphemia"/>
-        <a:font script="Cher" typeface="Plantagenet Cherokee"/>
-        <a:font script="Yiii" typeface="Microsoft Yi Baiti"/>
-        <a:font script="Tibt" typeface="Microsoft Himalaya"/>
-        <a:font script="Thaa" typeface="MV Boli"/>
-        <a:font script="Deva" typeface="Mangal"/>
-        <a:font script="Telu" typeface="Gautami"/>
-        <a:font script="Taml" typeface="Latha"/>
-        <a:font script="Syrc" typeface="Estrangelo Edessa"/>
-        <a:font script="Orya" typeface="Kalinga"/>
-        <a:font script="Mlym" typeface="Kartika"/>
-        <a:font script="Laoo" typeface="DokChampa"/>
-        <a:font script="Sinh" typeface="Iskoola Pota"/>
-        <a:font script="Mong" typeface="Mongolian Baiti"/>
-        <a:font script="Viet" typeface="Times New Roman"/>
-        <a:font script="Uigh" typeface="Microsoft Uighur"/>
-        <a:font script="Geor" typeface="Sylfaen"/>
-      </a:majorFont>
-      <a:minorFont>
-        <a:latin typeface="Arial"/>
-        <a:ea typeface=""/>
-        <a:cs typeface=""/>
-        <a:font script="Jpan" typeface="ＭＳ Ｐゴシック"/>
-        <a:font script="Hang" typeface="맑은 고딕"/>
-        <a:font script="Hans" typeface="宋体"/>
-        <a:font script="Hant" typeface="新細明體"/>
-        <a:font script="Arab" typeface="Arial"/>
-        <a:font script="Hebr" typeface="Arial"/>
-        <a:font script="Thai" typeface="Cordia New"/>
-        <a:font script="Ethi" typeface="Nyala"/>
-        <a:font script="Beng" typeface="Vrinda"/>
-        <a:font script="Gujr" typeface="Shruti"/>
-        <a:font script="Khmr" typeface="DaunPenh"/>
-        <a:font script="Knda" typeface="Tunga"/>
-        <a:font script="Guru" typeface="Raavi"/>
-        <a:font script="Cans" typeface="Euphemia"/>
-        <a:font script="Cher" typeface="Plantagenet Cherokee"/>
-        <a:font script="Yiii" typeface="Microsoft Yi Baiti"/>
-        <a:font script="Tibt" typeface="Microsoft Himalaya"/>
-        <a:font script="Thaa" typeface="MV Boli"/>
-        <a:font script="Deva" typeface="Mangal"/>
-        <a:font script="Telu" typeface="Gautami"/>
-        <a:font script="Taml" typeface="Latha"/>
-        <a:font script="Syrc" typeface="Estrangelo Edessa"/>
-        <a:font script="Orya" typeface="Kalinga"/>
-        <a:font script="Mlym" typeface="Kartika"/>
-        <a:font script="Laoo" typeface="DokChampa"/>
-        <a:font script="Sinh" typeface="Iskoola Pota"/>
-        <a:font script="Mong" typeface="Mongolian Baiti"/>
-        <a:font script="Viet" typeface="Arial"/>
-        <a:font script="Uigh" typeface="Microsoft Uighur"/>
-        <a:font script="Geor" typeface="Sylfaen"/>
-      </a:minorFont>
-    </a:fontScheme>
-    <a:fmtScheme name="Office">
-      <a:fillStyleLst>
-        <a:solidFill>
-          <a:schemeClr val="phClr"/>
-        </a:solidFill>
-        <a:gradFill rotWithShape="1">
-          <a:gsLst>
-            <a:gs pos="0">
-              <a:schemeClr val="phClr">
-                <a:tint val="50000"/>
-                <a:satMod val="300000"/>
-              </a:schemeClr>
-            </a:gs>
-            <a:gs pos="35000">
-              <a:schemeClr val="phClr">
-                <a:tint val="37000"/>
-                <a:satMod val="300000"/>
-              </a:schemeClr>
-            </a:gs>
-            <a:gs pos="100000">
-              <a:schemeClr val="phClr">
-                <a:tint val="15000"/>
-                <a:satMod val="350000"/>
-              </a:schemeClr>
-            </a:gs>
-          </a:gsLst>
-          <a:lin ang="16200000" scaled="1"/>
-        </a:gradFill>
-        <a:gradFill rotWithShape="1">
-          <a:gsLst>
-            <a:gs pos="0">
-              <a:schemeClr val="phClr">
-                <a:tint val="100000"/>
-                <a:shade val="100000"/>
-                <a:satMod val="130000"/>
-              </a:schemeClr>
-            </a:gs>
-            <a:gs pos="100000">
-              <a:schemeClr val="phClr">
-                <a:tint val="50000"/>
-                <a:shade val="100000"/>
-                <a:satMod val="350000"/>
-              </a:schemeClr>
-            </a:gs>
-          </a:gsLst>
-          <a:lin ang="16200000" scaled="0"/>
-        </a:gradFill>
-      </a:fillStyleLst>
-      <a:lnStyleLst>
-        <a:ln w="9525" cap="flat" cmpd="sng" algn="ctr">
-          <a:solidFill>
-            <a:schemeClr val="phClr">
-              <a:shade val="95000"/>
-              <a:satMod val="105000"/>
-            </a:schemeClr>
-          </a:solidFill>
-          <a:prstDash val="solid"/>
-        </a:ln>
-        <a:ln w="25400" cap="flat" cmpd="sng" algn="ctr">
-          <a:solidFill>
-            <a:schemeClr val="phClr"/>
-          </a:solidFill>
-          <a:prstDash val="solid"/>
-        </a:ln>
-        <a:ln w="38100" cap="flat" cmpd="sng" algn="ctr">
-          <a:solidFill>
-            <a:schemeClr val="phClr"/>
-          </a:solidFill>
-          <a:prstDash val="solid"/>
-        </a:ln>
-      </a:lnStyleLst>
-      <a:effectStyleLst>
-        <a:effectStyle>
-          <a:effectLst>
-            <a:outerShdw blurRad="40000" dist="20000" dir="5400000" rotWithShape="0">
-              <a:srgbClr val="000000">
-                <a:alpha val="38000"/>
-              </a:srgbClr>
-            </a:outerShdw>
-          </a:effectLst>
-        </a:effectStyle>
-        <a:effectStyle>
-          <a:effectLst>
-            <a:outerShdw blurRad="40000" dist="23000" dir="5400000" rotWithShape="0">
-              <a:srgbClr val="000000">
-                <a:alpha val="35000"/>
-              </a:srgbClr>
-            </a:outerShdw>
-          </a:effectLst>
-        </a:effectStyle>
-        <a:effectStyle>
-          <a:effectLst>
-            <a:outerShdw blurRad="40000" dist="23000" dir="5400000" rotWithShape="0">
-              <a:srgbClr val="000000">
-                <a:alpha val="35000"/>
-              </a:srgbClr>
-            </a:outerShdw>
-          </a:effectLst>
-          <a:scene3d>
-            <a:camera prst="orthographicFront">
-              <a:rot lat="0" lon="0" rev="0"/>
-            </a:camera>
-            <a:lightRig rig="threePt" dir="t">
-              <a:rot lat="0" lon="0" rev="1200000"/>
-            </a:lightRig>
-          </a:scene3d>
-          <a:sp3d>
-            <a:bevelT w="63500" h="25400"/>
-          </a:sp3d>
-        </a:effectStyle>
-      </a:effectStyleLst>
-      <a:bgFillStyleLst>
-        <a:solidFill>
-          <a:schemeClr val="phClr"/>
-        </a:solidFill>
-        <a:gradFill rotWithShape="1">
-          <a:gsLst>
-            <a:gs pos="0">
-              <a:schemeClr val="phClr">
-                <a:tint val="40000"/>
-                <a:satMod val="350000"/>
-              </a:schemeClr>
-            </a:gs>
-            <a:gs pos="40000">
-              <a:schemeClr val="phClr">
-                <a:tint val="45000"/>
-                <a:shade val="99000"/>
-                <a:satMod val="350000"/>
-              </a:schemeClr>
-            </a:gs>
-            <a:gs pos="100000">
-              <a:schemeClr val="phClr">
-                <a:shade val="20000"/>
-                <a:satMod val="255000"/>
-              </a:schemeClr>
-            </a:gs>
-          </a:gsLst>
-          <a:path path="circle">
-            <a:fillToRect l="50000" t="-80000" r="50000" b="180000"/>
-          </a:path>
-        </a:gradFill>
-        <a:gradFill rotWithShape="1">
-          <a:gsLst>
-            <a:gs pos="0">
-              <a:schemeClr val="phClr">
-                <a:tint val="80000"/>
-                <a:satMod val="300000"/>
-              </a:schemeClr>
-            </a:gs>
-            <a:gs pos="100000">
-              <a:schemeClr val="phClr">
-                <a:shade val="30000"/>
-                <a:satMod val="200000"/>
-              </a:schemeClr>
-            </a:gs>
-          </a:gsLst>
-          <a:path path="circle">
-            <a:fillToRect l="50000" t="50000" r="50000" b="50000"/>
-          </a:path>
-        </a:gradFill>
-      </a:bgFillStyleLst>
-    </a:fmtScheme>
-  </a:themeElements>
-</a:theme>
 </file>